--- a/docs/ReportSlides.pptx
+++ b/docs/ReportSlides.pptx
@@ -3861,11 +3861,63 @@
           <a:p>
             <a:r>
               <a:rPr lang="en-US" b="0"/>
-              <a:t>PROJECT</a:t>
-            </a:r>
-            <a:r>
-              <a:rPr lang="en-US"/>
-              <a:t> SUMMARY</a:t>
+              <a:t>OUTLINE</a:t>
+            </a:r>
+            <a:endParaRPr lang="en-US"/>
+          </a:p>
+        </p:txBody>
+      </p:sp>
+      <p:sp>
+        <p:nvSpPr>
+          <p:cNvPr id="3" name="Rectangle 1">
+            <a:extLst>
+              <a:ext uri="{FF2B5EF4-FFF2-40B4-BE49-F238E27FC236}">
+                <a16:creationId xmlns:a16="http://schemas.microsoft.com/office/drawing/2014/main" id="{FCF1021D-DBAF-4FC7-9162-2B81F12084A7}"/>
+              </a:ext>
+            </a:extLst>
+          </p:cNvPr>
+          <p:cNvSpPr txBox="1">
+            <a:spLocks/>
+          </p:cNvSpPr>
+          <p:nvPr/>
+        </p:nvSpPr>
+        <p:spPr>
+          <a:xfrm>
+            <a:off x="762000" y="1600200"/>
+            <a:ext cx="7126357" cy="799306"/>
+          </a:xfrm>
+          <a:prstGeom prst="rect">
+            <a:avLst/>
+          </a:prstGeom>
+        </p:spPr>
+        <p:txBody>
+          <a:bodyPr vert="horz" lIns="0" rIns="0" anchor="ctr">
+            <a:noAutofit/>
+          </a:bodyPr>
+          <a:lstStyle>
+            <a:lvl1pPr marL="182880" algn="l" rtl="0" eaLnBrk="1" latinLnBrk="0" hangingPunct="1">
+              <a:spcBef>
+                <a:spcPct val="0"/>
+              </a:spcBef>
+              <a:buNone/>
+              <a:defRPr sz="4000" b="1" kern="1200">
+                <a:ln w="6350">
+                  <a:noFill/>
+                </a:ln>
+                <a:solidFill>
+                  <a:schemeClr val="accent1"/>
+                </a:solidFill>
+                <a:effectLst/>
+                <a:latin typeface="+mj-lt"/>
+                <a:ea typeface="+mj-ea"/>
+                <a:cs typeface="+mj-cs"/>
+              </a:defRPr>
+            </a:lvl1pPr>
+          </a:lstStyle>
+          <a:p>
+            <a:r>
+              <a:rPr lang="en-US"/>
+              <a:t>1.Analysis and Design</a:t>
             </a:r>
           </a:p>
         </p:txBody>

--- a/docs/ReportSlides.pptx
+++ b/docs/ReportSlides.pptx
@@ -23,9 +23,6 @@
     <p:sldId id="262" r:id="rId16"/>
     <p:sldId id="263" r:id="rId17"/>
     <p:sldId id="264" r:id="rId18"/>
-    <p:sldId id="265" r:id="rId19"/>
-    <p:sldId id="266" r:id="rId20"/>
-    <p:sldId id="267" r:id="rId21"/>
   </p:sldIdLst>
   <p:sldSz cx="9144000" cy="6858000"/>
   <p:notesSz cx="6858000" cy="9144000"/>
@@ -249,7 +246,7 @@
           <a:bodyPr lIns="0" rIns="0" tIns="0" bIns="0" anchor="b"/>
           <a:p>
             <a:pPr algn="r"/>
-            <a:fld id="{F1E1FE32-DD5A-48BC-B50C-AE76ABBF649C}" type="slidenum">
+            <a:fld id="{3316C430-D030-406C-BEE9-F638BED9A851}" type="slidenum">
               <a:rPr b="0" lang="en-US" sz="1400" spc="-1" strike="noStrike">
                 <a:latin typeface="Times New Roman"/>
               </a:rPr>
@@ -286,7 +283,7 @@
       </p:grpSpPr>
       <p:sp>
         <p:nvSpPr>
-          <p:cNvPr id="376" name="PlaceHolder 1"/>
+          <p:cNvPr id="379" name="PlaceHolder 1"/>
           <p:cNvSpPr>
             <a:spLocks noGrp="1"/>
           </p:cNvSpPr>
@@ -306,7 +303,7 @@
       </p:sp>
       <p:sp>
         <p:nvSpPr>
-          <p:cNvPr id="377" name="PlaceHolder 2"/>
+          <p:cNvPr id="380" name="PlaceHolder 2"/>
           <p:cNvSpPr>
             <a:spLocks noGrp="1"/>
           </p:cNvSpPr>
@@ -336,7 +333,7 @@
       </p:sp>
       <p:sp>
         <p:nvSpPr>
-          <p:cNvPr id="378" name="TextShape 3"/>
+          <p:cNvPr id="381" name="TextShape 3"/>
           <p:cNvSpPr txBox="1"/>
           <p:nvPr/>
         </p:nvSpPr>
@@ -361,7 +358,7 @@
                 <a:spcPct val="100000"/>
               </a:lnSpc>
             </a:pPr>
-            <a:fld id="{83C0FB75-007F-42C2-A9C2-7181EF4C7C40}" type="slidenum">
+            <a:fld id="{CFA13CB4-8DC6-4B93-8238-943C69D39759}" type="slidenum">
               <a:rPr b="0" lang="en-US" sz="1200" spc="-1" strike="noStrike">
                 <a:solidFill>
                   <a:srgbClr val="000000"/>
@@ -370,351 +367,6 @@
                 <a:ea typeface="+mn-ea"/>
               </a:rPr>
               <a:t>1</a:t>
-            </a:fld>
-            <a:endParaRPr b="0" lang="en-US" sz="1200" spc="-1" strike="noStrike">
-              <a:latin typeface="Times New Roman"/>
-            </a:endParaRPr>
-          </a:p>
-        </p:txBody>
-      </p:sp>
-    </p:spTree>
-  </p:cSld>
-</p:notes>
-</file>
-
-<file path=ppt/notesSlides/notesSlide10.xml><?xml version="1.0" encoding="utf-8"?>
-<p:notes xmlns:a="http://schemas.openxmlformats.org/drawingml/2006/main" xmlns:p="http://schemas.openxmlformats.org/presentationml/2006/main" xmlns:r="http://schemas.openxmlformats.org/officeDocument/2006/relationships" xmlns:p14="http://schemas.microsoft.com/office/powerpoint/2010/main" xmlns:p15="http://schemas.microsoft.com/office/powerpoint/2012/main" xmlns:mc="http://schemas.openxmlformats.org/markup-compatibility/2006">
-  <p:cSld>
-    <p:spTree>
-      <p:nvGrpSpPr>
-        <p:cNvPr id="1" name=""/>
-        <p:cNvGrpSpPr/>
-        <p:nvPr/>
-      </p:nvGrpSpPr>
-      <p:grpSpPr>
-        <a:xfrm>
-          <a:off x="0" y="0"/>
-          <a:ext cx="0" cy="0"/>
-          <a:chOff x="0" y="0"/>
-          <a:chExt cx="0" cy="0"/>
-        </a:xfrm>
-      </p:grpSpPr>
-      <p:sp>
-        <p:nvSpPr>
-          <p:cNvPr id="403" name="PlaceHolder 1"/>
-          <p:cNvSpPr>
-            <a:spLocks noGrp="1"/>
-          </p:cNvSpPr>
-          <p:nvPr>
-            <p:ph type="sldImg"/>
-          </p:nvPr>
-        </p:nvSpPr>
-        <p:spPr>
-          <a:xfrm>
-            <a:off x="1143000" y="685800"/>
-            <a:ext cx="4571640" cy="3428640"/>
-          </a:xfrm>
-          <a:prstGeom prst="rect">
-            <a:avLst/>
-          </a:prstGeom>
-        </p:spPr>
-      </p:sp>
-      <p:sp>
-        <p:nvSpPr>
-          <p:cNvPr id="404" name="PlaceHolder 2"/>
-          <p:cNvSpPr>
-            <a:spLocks noGrp="1"/>
-          </p:cNvSpPr>
-          <p:nvPr>
-            <p:ph type="body"/>
-          </p:nvPr>
-        </p:nvSpPr>
-        <p:spPr>
-          <a:xfrm>
-            <a:off x="685800" y="4343400"/>
-            <a:ext cx="5486040" cy="4114440"/>
-          </a:xfrm>
-          <a:prstGeom prst="rect">
-            <a:avLst/>
-          </a:prstGeom>
-        </p:spPr>
-        <p:txBody>
-          <a:bodyPr lIns="90000" rIns="90000" tIns="45000" bIns="45000">
-            <a:normAutofit/>
-          </a:bodyPr>
-          <a:p>
-            <a:endParaRPr b="0" lang="en-US" sz="2000" spc="-1" strike="noStrike">
-              <a:latin typeface="Arial"/>
-            </a:endParaRPr>
-          </a:p>
-        </p:txBody>
-      </p:sp>
-      <p:sp>
-        <p:nvSpPr>
-          <p:cNvPr id="405" name="TextShape 3"/>
-          <p:cNvSpPr txBox="1"/>
-          <p:nvPr/>
-        </p:nvSpPr>
-        <p:spPr>
-          <a:xfrm>
-            <a:off x="3884760" y="8685360"/>
-            <a:ext cx="2971440" cy="456840"/>
-          </a:xfrm>
-          <a:prstGeom prst="rect">
-            <a:avLst/>
-          </a:prstGeom>
-          <a:noFill/>
-          <a:ln>
-            <a:noFill/>
-          </a:ln>
-        </p:spPr>
-        <p:txBody>
-          <a:bodyPr lIns="90000" rIns="90000" tIns="45000" bIns="45000" anchor="b"/>
-          <a:p>
-            <a:pPr algn="r">
-              <a:lnSpc>
-                <a:spcPct val="100000"/>
-              </a:lnSpc>
-            </a:pPr>
-            <a:fld id="{93913DB5-BC96-475A-BB0D-9FD5A4D8727B}" type="slidenum">
-              <a:rPr b="0" lang="en-US" sz="1200" spc="-1" strike="noStrike">
-                <a:solidFill>
-                  <a:srgbClr val="000000"/>
-                </a:solidFill>
-                <a:latin typeface="+mn-lt"/>
-                <a:ea typeface="+mn-ea"/>
-              </a:rPr>
-              <a:t>&lt;number&gt;</a:t>
-            </a:fld>
-            <a:endParaRPr b="0" lang="en-US" sz="1200" spc="-1" strike="noStrike">
-              <a:latin typeface="Times New Roman"/>
-            </a:endParaRPr>
-          </a:p>
-        </p:txBody>
-      </p:sp>
-    </p:spTree>
-  </p:cSld>
-</p:notes>
-</file>
-
-<file path=ppt/notesSlides/notesSlide11.xml><?xml version="1.0" encoding="utf-8"?>
-<p:notes xmlns:a="http://schemas.openxmlformats.org/drawingml/2006/main" xmlns:p="http://schemas.openxmlformats.org/presentationml/2006/main" xmlns:r="http://schemas.openxmlformats.org/officeDocument/2006/relationships" xmlns:p14="http://schemas.microsoft.com/office/powerpoint/2010/main" xmlns:p15="http://schemas.microsoft.com/office/powerpoint/2012/main" xmlns:mc="http://schemas.openxmlformats.org/markup-compatibility/2006">
-  <p:cSld>
-    <p:spTree>
-      <p:nvGrpSpPr>
-        <p:cNvPr id="1" name=""/>
-        <p:cNvGrpSpPr/>
-        <p:nvPr/>
-      </p:nvGrpSpPr>
-      <p:grpSpPr>
-        <a:xfrm>
-          <a:off x="0" y="0"/>
-          <a:ext cx="0" cy="0"/>
-          <a:chOff x="0" y="0"/>
-          <a:chExt cx="0" cy="0"/>
-        </a:xfrm>
-      </p:grpSpPr>
-      <p:sp>
-        <p:nvSpPr>
-          <p:cNvPr id="406" name="PlaceHolder 1"/>
-          <p:cNvSpPr>
-            <a:spLocks noGrp="1"/>
-          </p:cNvSpPr>
-          <p:nvPr>
-            <p:ph type="sldImg"/>
-          </p:nvPr>
-        </p:nvSpPr>
-        <p:spPr>
-          <a:xfrm>
-            <a:off x="1143000" y="685800"/>
-            <a:ext cx="4571640" cy="3428640"/>
-          </a:xfrm>
-          <a:prstGeom prst="rect">
-            <a:avLst/>
-          </a:prstGeom>
-        </p:spPr>
-      </p:sp>
-      <p:sp>
-        <p:nvSpPr>
-          <p:cNvPr id="407" name="PlaceHolder 2"/>
-          <p:cNvSpPr>
-            <a:spLocks noGrp="1"/>
-          </p:cNvSpPr>
-          <p:nvPr>
-            <p:ph type="body"/>
-          </p:nvPr>
-        </p:nvSpPr>
-        <p:spPr>
-          <a:xfrm>
-            <a:off x="685800" y="4343400"/>
-            <a:ext cx="5486040" cy="4114440"/>
-          </a:xfrm>
-          <a:prstGeom prst="rect">
-            <a:avLst/>
-          </a:prstGeom>
-        </p:spPr>
-        <p:txBody>
-          <a:bodyPr lIns="90000" rIns="90000" tIns="45000" bIns="45000">
-            <a:normAutofit/>
-          </a:bodyPr>
-          <a:p>
-            <a:endParaRPr b="0" lang="en-US" sz="2000" spc="-1" strike="noStrike">
-              <a:latin typeface="Arial"/>
-            </a:endParaRPr>
-          </a:p>
-        </p:txBody>
-      </p:sp>
-      <p:sp>
-        <p:nvSpPr>
-          <p:cNvPr id="408" name="TextShape 3"/>
-          <p:cNvSpPr txBox="1"/>
-          <p:nvPr/>
-        </p:nvSpPr>
-        <p:spPr>
-          <a:xfrm>
-            <a:off x="3884760" y="8685360"/>
-            <a:ext cx="2971440" cy="456840"/>
-          </a:xfrm>
-          <a:prstGeom prst="rect">
-            <a:avLst/>
-          </a:prstGeom>
-          <a:noFill/>
-          <a:ln>
-            <a:noFill/>
-          </a:ln>
-        </p:spPr>
-        <p:txBody>
-          <a:bodyPr lIns="90000" rIns="90000" tIns="45000" bIns="45000" anchor="b"/>
-          <a:p>
-            <a:pPr algn="r">
-              <a:lnSpc>
-                <a:spcPct val="100000"/>
-              </a:lnSpc>
-            </a:pPr>
-            <a:fld id="{1CAC5976-FA3A-4184-9A42-121F8708C14A}" type="slidenum">
-              <a:rPr b="0" lang="en-US" sz="1200" spc="-1" strike="noStrike">
-                <a:solidFill>
-                  <a:srgbClr val="000000"/>
-                </a:solidFill>
-                <a:latin typeface="+mn-lt"/>
-                <a:ea typeface="+mn-ea"/>
-              </a:rPr>
-              <a:t>&lt;number&gt;</a:t>
-            </a:fld>
-            <a:endParaRPr b="0" lang="en-US" sz="1200" spc="-1" strike="noStrike">
-              <a:latin typeface="Times New Roman"/>
-            </a:endParaRPr>
-          </a:p>
-        </p:txBody>
-      </p:sp>
-    </p:spTree>
-  </p:cSld>
-</p:notes>
-</file>
-
-<file path=ppt/notesSlides/notesSlide12.xml><?xml version="1.0" encoding="utf-8"?>
-<p:notes xmlns:a="http://schemas.openxmlformats.org/drawingml/2006/main" xmlns:p="http://schemas.openxmlformats.org/presentationml/2006/main" xmlns:r="http://schemas.openxmlformats.org/officeDocument/2006/relationships" xmlns:p14="http://schemas.microsoft.com/office/powerpoint/2010/main" xmlns:p15="http://schemas.microsoft.com/office/powerpoint/2012/main" xmlns:mc="http://schemas.openxmlformats.org/markup-compatibility/2006">
-  <p:cSld>
-    <p:spTree>
-      <p:nvGrpSpPr>
-        <p:cNvPr id="1" name=""/>
-        <p:cNvGrpSpPr/>
-        <p:nvPr/>
-      </p:nvGrpSpPr>
-      <p:grpSpPr>
-        <a:xfrm>
-          <a:off x="0" y="0"/>
-          <a:ext cx="0" cy="0"/>
-          <a:chOff x="0" y="0"/>
-          <a:chExt cx="0" cy="0"/>
-        </a:xfrm>
-      </p:grpSpPr>
-      <p:sp>
-        <p:nvSpPr>
-          <p:cNvPr id="409" name="PlaceHolder 1"/>
-          <p:cNvSpPr>
-            <a:spLocks noGrp="1"/>
-          </p:cNvSpPr>
-          <p:nvPr>
-            <p:ph type="sldImg"/>
-          </p:nvPr>
-        </p:nvSpPr>
-        <p:spPr>
-          <a:xfrm>
-            <a:off x="1143000" y="685800"/>
-            <a:ext cx="4571640" cy="3428640"/>
-          </a:xfrm>
-          <a:prstGeom prst="rect">
-            <a:avLst/>
-          </a:prstGeom>
-        </p:spPr>
-      </p:sp>
-      <p:sp>
-        <p:nvSpPr>
-          <p:cNvPr id="410" name="PlaceHolder 2"/>
-          <p:cNvSpPr>
-            <a:spLocks noGrp="1"/>
-          </p:cNvSpPr>
-          <p:nvPr>
-            <p:ph type="body"/>
-          </p:nvPr>
-        </p:nvSpPr>
-        <p:spPr>
-          <a:xfrm>
-            <a:off x="685800" y="4343400"/>
-            <a:ext cx="5486040" cy="4114440"/>
-          </a:xfrm>
-          <a:prstGeom prst="rect">
-            <a:avLst/>
-          </a:prstGeom>
-        </p:spPr>
-        <p:txBody>
-          <a:bodyPr lIns="90000" rIns="90000" tIns="45000" bIns="45000">
-            <a:normAutofit/>
-          </a:bodyPr>
-          <a:p>
-            <a:endParaRPr b="0" lang="en-US" sz="2000" spc="-1" strike="noStrike">
-              <a:latin typeface="Arial"/>
-            </a:endParaRPr>
-          </a:p>
-        </p:txBody>
-      </p:sp>
-      <p:sp>
-        <p:nvSpPr>
-          <p:cNvPr id="411" name="TextShape 3"/>
-          <p:cNvSpPr txBox="1"/>
-          <p:nvPr/>
-        </p:nvSpPr>
-        <p:spPr>
-          <a:xfrm>
-            <a:off x="3884760" y="8685360"/>
-            <a:ext cx="2971440" cy="456840"/>
-          </a:xfrm>
-          <a:prstGeom prst="rect">
-            <a:avLst/>
-          </a:prstGeom>
-          <a:noFill/>
-          <a:ln>
-            <a:noFill/>
-          </a:ln>
-        </p:spPr>
-        <p:txBody>
-          <a:bodyPr lIns="90000" rIns="90000" tIns="45000" bIns="45000" anchor="b"/>
-          <a:p>
-            <a:pPr algn="r">
-              <a:lnSpc>
-                <a:spcPct val="100000"/>
-              </a:lnSpc>
-            </a:pPr>
-            <a:fld id="{A738D94A-6070-473F-85B5-BB16010D5DC4}" type="slidenum">
-              <a:rPr b="0" lang="en-US" sz="1200" spc="-1" strike="noStrike">
-                <a:solidFill>
-                  <a:srgbClr val="000000"/>
-                </a:solidFill>
-                <a:latin typeface="+mn-lt"/>
-                <a:ea typeface="+mn-ea"/>
-              </a:rPr>
-              <a:t>&lt;number&gt;</a:t>
             </a:fld>
             <a:endParaRPr b="0" lang="en-US" sz="1200" spc="-1" strike="noStrike">
               <a:latin typeface="Times New Roman"/>
@@ -746,7 +398,7 @@
       </p:grpSpPr>
       <p:sp>
         <p:nvSpPr>
-          <p:cNvPr id="379" name="PlaceHolder 1"/>
+          <p:cNvPr id="382" name="PlaceHolder 1"/>
           <p:cNvSpPr>
             <a:spLocks noGrp="1"/>
           </p:cNvSpPr>
@@ -766,7 +418,7 @@
       </p:sp>
       <p:sp>
         <p:nvSpPr>
-          <p:cNvPr id="380" name="PlaceHolder 2"/>
+          <p:cNvPr id="383" name="PlaceHolder 2"/>
           <p:cNvSpPr>
             <a:spLocks noGrp="1"/>
           </p:cNvSpPr>
@@ -796,7 +448,7 @@
       </p:sp>
       <p:sp>
         <p:nvSpPr>
-          <p:cNvPr id="381" name="TextShape 3"/>
+          <p:cNvPr id="384" name="TextShape 3"/>
           <p:cNvSpPr txBox="1"/>
           <p:nvPr/>
         </p:nvSpPr>
@@ -821,7 +473,7 @@
                 <a:spcPct val="100000"/>
               </a:lnSpc>
             </a:pPr>
-            <a:fld id="{52981598-73C4-4C11-8402-8E3579880565}" type="slidenum">
+            <a:fld id="{10BCDC12-C80B-428D-8C91-09FAE9F1EC57}" type="slidenum">
               <a:rPr b="0" lang="en-US" sz="1200" spc="-1" strike="noStrike">
                 <a:solidFill>
                   <a:srgbClr val="000000"/>
@@ -861,7 +513,7 @@
       </p:grpSpPr>
       <p:sp>
         <p:nvSpPr>
-          <p:cNvPr id="382" name="PlaceHolder 1"/>
+          <p:cNvPr id="385" name="PlaceHolder 1"/>
           <p:cNvSpPr>
             <a:spLocks noGrp="1"/>
           </p:cNvSpPr>
@@ -881,7 +533,7 @@
       </p:sp>
       <p:sp>
         <p:nvSpPr>
-          <p:cNvPr id="383" name="PlaceHolder 2"/>
+          <p:cNvPr id="386" name="PlaceHolder 2"/>
           <p:cNvSpPr>
             <a:spLocks noGrp="1"/>
           </p:cNvSpPr>
@@ -911,7 +563,7 @@
       </p:sp>
       <p:sp>
         <p:nvSpPr>
-          <p:cNvPr id="384" name="TextShape 3"/>
+          <p:cNvPr id="387" name="TextShape 3"/>
           <p:cNvSpPr txBox="1"/>
           <p:nvPr/>
         </p:nvSpPr>
@@ -936,7 +588,7 @@
                 <a:spcPct val="100000"/>
               </a:lnSpc>
             </a:pPr>
-            <a:fld id="{E9CD88BC-28D3-4B8B-81FD-8FC4EE0F6ADC}" type="slidenum">
+            <a:fld id="{3CA8C168-2DE9-43DC-990B-A8B78DE1BAE8}" type="slidenum">
               <a:rPr b="0" lang="en-US" sz="1200" spc="-1" strike="noStrike">
                 <a:solidFill>
                   <a:srgbClr val="000000"/>
@@ -976,7 +628,7 @@
       </p:grpSpPr>
       <p:sp>
         <p:nvSpPr>
-          <p:cNvPr id="385" name="PlaceHolder 1"/>
+          <p:cNvPr id="388" name="PlaceHolder 1"/>
           <p:cNvSpPr>
             <a:spLocks noGrp="1"/>
           </p:cNvSpPr>
@@ -996,7 +648,7 @@
       </p:sp>
       <p:sp>
         <p:nvSpPr>
-          <p:cNvPr id="386" name="PlaceHolder 2"/>
+          <p:cNvPr id="389" name="PlaceHolder 2"/>
           <p:cNvSpPr>
             <a:spLocks noGrp="1"/>
           </p:cNvSpPr>
@@ -1026,7 +678,7 @@
       </p:sp>
       <p:sp>
         <p:nvSpPr>
-          <p:cNvPr id="387" name="TextShape 3"/>
+          <p:cNvPr id="390" name="TextShape 3"/>
           <p:cNvSpPr txBox="1"/>
           <p:nvPr/>
         </p:nvSpPr>
@@ -1051,7 +703,7 @@
                 <a:spcPct val="100000"/>
               </a:lnSpc>
             </a:pPr>
-            <a:fld id="{AEE44ABA-E699-4C18-AFA7-090C2EDB30C6}" type="slidenum">
+            <a:fld id="{35EF1D2A-806F-4E11-92D2-5FC8F0F05A08}" type="slidenum">
               <a:rPr b="0" lang="en-US" sz="1200" spc="-1" strike="noStrike">
                 <a:solidFill>
                   <a:srgbClr val="000000"/>
@@ -1091,7 +743,7 @@
       </p:grpSpPr>
       <p:sp>
         <p:nvSpPr>
-          <p:cNvPr id="388" name="PlaceHolder 1"/>
+          <p:cNvPr id="391" name="PlaceHolder 1"/>
           <p:cNvSpPr>
             <a:spLocks noGrp="1"/>
           </p:cNvSpPr>
@@ -1111,7 +763,7 @@
       </p:sp>
       <p:sp>
         <p:nvSpPr>
-          <p:cNvPr id="389" name="PlaceHolder 2"/>
+          <p:cNvPr id="392" name="PlaceHolder 2"/>
           <p:cNvSpPr>
             <a:spLocks noGrp="1"/>
           </p:cNvSpPr>
@@ -1141,7 +793,7 @@
       </p:sp>
       <p:sp>
         <p:nvSpPr>
-          <p:cNvPr id="390" name="TextShape 3"/>
+          <p:cNvPr id="393" name="TextShape 3"/>
           <p:cNvSpPr txBox="1"/>
           <p:nvPr/>
         </p:nvSpPr>
@@ -1166,7 +818,7 @@
                 <a:spcPct val="100000"/>
               </a:lnSpc>
             </a:pPr>
-            <a:fld id="{04C32FD3-D65E-4EFE-9A0C-3737CB2AD0A9}" type="slidenum">
+            <a:fld id="{2BF909C1-A35D-479E-B7E6-9BD47AE5D22B}" type="slidenum">
               <a:rPr b="0" lang="en-US" sz="1200" spc="-1" strike="noStrike">
                 <a:solidFill>
                   <a:srgbClr val="000000"/>
@@ -1206,7 +858,7 @@
       </p:grpSpPr>
       <p:sp>
         <p:nvSpPr>
-          <p:cNvPr id="391" name="PlaceHolder 1"/>
+          <p:cNvPr id="394" name="PlaceHolder 1"/>
           <p:cNvSpPr>
             <a:spLocks noGrp="1"/>
           </p:cNvSpPr>
@@ -1226,7 +878,7 @@
       </p:sp>
       <p:sp>
         <p:nvSpPr>
-          <p:cNvPr id="392" name="PlaceHolder 2"/>
+          <p:cNvPr id="395" name="PlaceHolder 2"/>
           <p:cNvSpPr>
             <a:spLocks noGrp="1"/>
           </p:cNvSpPr>
@@ -1256,7 +908,7 @@
       </p:sp>
       <p:sp>
         <p:nvSpPr>
-          <p:cNvPr id="393" name="TextShape 3"/>
+          <p:cNvPr id="396" name="TextShape 3"/>
           <p:cNvSpPr txBox="1"/>
           <p:nvPr/>
         </p:nvSpPr>
@@ -1281,7 +933,7 @@
                 <a:spcPct val="100000"/>
               </a:lnSpc>
             </a:pPr>
-            <a:fld id="{3B990C46-4C70-4690-87CF-6F90154BC984}" type="slidenum">
+            <a:fld id="{BB55D4F1-9F48-41A8-AB5B-5911D04894FF}" type="slidenum">
               <a:rPr b="0" lang="en-US" sz="1200" spc="-1" strike="noStrike">
                 <a:solidFill>
                   <a:srgbClr val="000000"/>
@@ -1289,7 +941,7 @@
                 <a:latin typeface="+mn-lt"/>
                 <a:ea typeface="+mn-ea"/>
               </a:rPr>
-              <a:t>1</a:t>
+              <a:t>&lt;number&gt;</a:t>
             </a:fld>
             <a:endParaRPr b="0" lang="en-US" sz="1200" spc="-1" strike="noStrike">
               <a:latin typeface="Times New Roman"/>
@@ -1321,7 +973,7 @@
       </p:grpSpPr>
       <p:sp>
         <p:nvSpPr>
-          <p:cNvPr id="394" name="PlaceHolder 1"/>
+          <p:cNvPr id="397" name="PlaceHolder 1"/>
           <p:cNvSpPr>
             <a:spLocks noGrp="1"/>
           </p:cNvSpPr>
@@ -1341,7 +993,7 @@
       </p:sp>
       <p:sp>
         <p:nvSpPr>
-          <p:cNvPr id="395" name="PlaceHolder 2"/>
+          <p:cNvPr id="398" name="PlaceHolder 2"/>
           <p:cNvSpPr>
             <a:spLocks noGrp="1"/>
           </p:cNvSpPr>
@@ -1371,7 +1023,7 @@
       </p:sp>
       <p:sp>
         <p:nvSpPr>
-          <p:cNvPr id="396" name="TextShape 3"/>
+          <p:cNvPr id="399" name="TextShape 3"/>
           <p:cNvSpPr txBox="1"/>
           <p:nvPr/>
         </p:nvSpPr>
@@ -1396,7 +1048,7 @@
                 <a:spcPct val="100000"/>
               </a:lnSpc>
             </a:pPr>
-            <a:fld id="{108BD302-FD10-458E-9546-ECBE02D1EF99}" type="slidenum">
+            <a:fld id="{08EB7051-7565-4A4B-AE1A-BAD59950DF5B}" type="slidenum">
               <a:rPr b="0" lang="en-US" sz="1200" spc="-1" strike="noStrike">
                 <a:solidFill>
                   <a:srgbClr val="000000"/>
@@ -1404,7 +1056,7 @@
                 <a:latin typeface="+mn-lt"/>
                 <a:ea typeface="+mn-ea"/>
               </a:rPr>
-              <a:t>1</a:t>
+              <a:t>&lt;number&gt;</a:t>
             </a:fld>
             <a:endParaRPr b="0" lang="en-US" sz="1200" spc="-1" strike="noStrike">
               <a:latin typeface="Times New Roman"/>
@@ -1436,7 +1088,7 @@
       </p:grpSpPr>
       <p:sp>
         <p:nvSpPr>
-          <p:cNvPr id="397" name="PlaceHolder 1"/>
+          <p:cNvPr id="400" name="PlaceHolder 1"/>
           <p:cNvSpPr>
             <a:spLocks noGrp="1"/>
           </p:cNvSpPr>
@@ -1456,7 +1108,7 @@
       </p:sp>
       <p:sp>
         <p:nvSpPr>
-          <p:cNvPr id="398" name="PlaceHolder 2"/>
+          <p:cNvPr id="401" name="PlaceHolder 2"/>
           <p:cNvSpPr>
             <a:spLocks noGrp="1"/>
           </p:cNvSpPr>
@@ -1486,7 +1138,7 @@
       </p:sp>
       <p:sp>
         <p:nvSpPr>
-          <p:cNvPr id="399" name="TextShape 3"/>
+          <p:cNvPr id="402" name="TextShape 3"/>
           <p:cNvSpPr txBox="1"/>
           <p:nvPr/>
         </p:nvSpPr>
@@ -1511,7 +1163,7 @@
                 <a:spcPct val="100000"/>
               </a:lnSpc>
             </a:pPr>
-            <a:fld id="{98E9B58D-1464-427D-85FE-B6D4EB0C150A}" type="slidenum">
+            <a:fld id="{FB4B4B4A-8DC9-4B11-B164-21BAC08C03F0}" type="slidenum">
               <a:rPr b="0" lang="en-US" sz="1200" spc="-1" strike="noStrike">
                 <a:solidFill>
                   <a:srgbClr val="000000"/>
@@ -1519,7 +1171,7 @@
                 <a:latin typeface="+mn-lt"/>
                 <a:ea typeface="+mn-ea"/>
               </a:rPr>
-              <a:t>1</a:t>
+              <a:t>&lt;number&gt;</a:t>
             </a:fld>
             <a:endParaRPr b="0" lang="en-US" sz="1200" spc="-1" strike="noStrike">
               <a:latin typeface="Times New Roman"/>
@@ -1551,7 +1203,7 @@
       </p:grpSpPr>
       <p:sp>
         <p:nvSpPr>
-          <p:cNvPr id="400" name="PlaceHolder 1"/>
+          <p:cNvPr id="403" name="PlaceHolder 1"/>
           <p:cNvSpPr>
             <a:spLocks noGrp="1"/>
           </p:cNvSpPr>
@@ -1571,7 +1223,7 @@
       </p:sp>
       <p:sp>
         <p:nvSpPr>
-          <p:cNvPr id="401" name="PlaceHolder 2"/>
+          <p:cNvPr id="404" name="PlaceHolder 2"/>
           <p:cNvSpPr>
             <a:spLocks noGrp="1"/>
           </p:cNvSpPr>
@@ -1601,7 +1253,7 @@
       </p:sp>
       <p:sp>
         <p:nvSpPr>
-          <p:cNvPr id="402" name="TextShape 3"/>
+          <p:cNvPr id="405" name="TextShape 3"/>
           <p:cNvSpPr txBox="1"/>
           <p:nvPr/>
         </p:nvSpPr>
@@ -1626,7 +1278,7 @@
                 <a:spcPct val="100000"/>
               </a:lnSpc>
             </a:pPr>
-            <a:fld id="{45B02DBC-2695-4E7D-BD72-6948BF8F9266}" type="slidenum">
+            <a:fld id="{0B6B4B4F-3268-4A4A-B760-2BFA3668FAF0}" type="slidenum">
               <a:rPr b="0" lang="en-US" sz="1200" spc="-1" strike="noStrike">
                 <a:solidFill>
                   <a:srgbClr val="000000"/>
@@ -11948,7 +11600,7 @@
                 <a:spcPct val="100000"/>
               </a:lnSpc>
             </a:pPr>
-            <a:fld id="{9570A5CA-8926-4193-B099-D402DD5425C6}" type="datetime1">
+            <a:fld id="{DDF2901A-F598-47C0-95DA-BBD1CB8C86DF}" type="datetime1">
               <a:rPr b="0" lang="en-US" sz="1000" spc="-1" strike="noStrike">
                 <a:solidFill>
                   <a:srgbClr val="ffffff"/>
@@ -12667,7 +12319,7 @@
                 <a:spcPct val="100000"/>
               </a:lnSpc>
             </a:pPr>
-            <a:fld id="{758F5A3E-0487-46DB-9831-A2E5B09A036C}" type="slidenum">
+            <a:fld id="{C123C173-E6FA-49C7-8A9B-6ABD38B31508}" type="slidenum">
               <a:rPr b="1" lang="en-US" sz="1200" spc="-1" strike="noStrike">
                 <a:solidFill>
                   <a:srgbClr val="262626"/>
@@ -12928,7 +12580,25 @@
                 </a:solidFill>
                 <a:latin typeface="Segoe UI"/>
               </a:rPr>
-              <a:t>Click to edit Master title style</a:t>
+              <a:t>Click to edit </a:t>
+            </a:r>
+            <a:r>
+              <a:rPr b="1" lang="en-US" sz="4000" spc="-1" strike="noStrike">
+                <a:solidFill>
+                  <a:srgbClr val="c94c25"/>
+                </a:solidFill>
+                <a:latin typeface="Segoe UI"/>
+              </a:rPr>
+              <a:t>Master title </a:t>
+            </a:r>
+            <a:r>
+              <a:rPr b="1" lang="en-US" sz="4000" spc="-1" strike="noStrike">
+                <a:solidFill>
+                  <a:srgbClr val="c94c25"/>
+                </a:solidFill>
+                <a:latin typeface="Segoe UI"/>
+              </a:rPr>
+              <a:t>style</a:t>
             </a:r>
             <a:endParaRPr b="0" lang="en-US" sz="4000" spc="-1" strike="noStrike">
               <a:solidFill>
@@ -13008,7 +12678,7 @@
                 <a:spcPct val="100000"/>
               </a:lnSpc>
             </a:pPr>
-            <a:fld id="{796FB017-56BE-4E62-8970-A314FA4CBD0C}" type="slidenum">
+            <a:fld id="{08DCC3DA-A2A3-4C1B-977A-70EE3A4DFE30}" type="slidenum">
               <a:rPr b="1" lang="en-US" sz="1200" spc="-1" strike="noStrike">
                 <a:solidFill>
                   <a:srgbClr val="262626"/>
@@ -13261,7 +12931,25 @@
                 </a:solidFill>
                 <a:latin typeface="Segoe UI"/>
               </a:rPr>
-              <a:t>Click to edit Master title style</a:t>
+              <a:t>Click to </a:t>
+            </a:r>
+            <a:r>
+              <a:rPr b="1" lang="en-US" sz="4000" spc="-1" strike="noStrike">
+                <a:solidFill>
+                  <a:srgbClr val="c94c25"/>
+                </a:solidFill>
+                <a:latin typeface="Segoe UI"/>
+              </a:rPr>
+              <a:t>edit Master </a:t>
+            </a:r>
+            <a:r>
+              <a:rPr b="1" lang="en-US" sz="4000" spc="-1" strike="noStrike">
+                <a:solidFill>
+                  <a:srgbClr val="c94c25"/>
+                </a:solidFill>
+                <a:latin typeface="Segoe UI"/>
+              </a:rPr>
+              <a:t>title style</a:t>
             </a:r>
             <a:endParaRPr b="0" lang="en-US" sz="4000" spc="-1" strike="noStrike">
               <a:solidFill>
@@ -13531,7 +13219,7 @@
                 <a:spcPct val="100000"/>
               </a:lnSpc>
             </a:pPr>
-            <a:fld id="{9A46058D-9F02-4B7A-9F96-EB9C38AA1F00}" type="slidenum">
+            <a:fld id="{FA233906-1EFC-4C15-84F8-AA48E8435EE5}" type="slidenum">
               <a:rPr b="1" lang="en-US" sz="1200" spc="-1" strike="noStrike">
                 <a:solidFill>
                   <a:srgbClr val="262626"/>
@@ -13740,7 +13428,16 @@
                 </a:solidFill>
                 <a:latin typeface="Segoe UI"/>
               </a:rPr>
-              <a:t>Master title style</a:t>
+              <a:t>Master title </a:t>
+            </a:r>
+            <a:r>
+              <a:rPr b="1" lang="en-US" sz="4000" spc="-1" strike="noStrike">
+                <a:solidFill>
+                  <a:srgbClr val="c94c25"/>
+                </a:solidFill>
+                <a:latin typeface="Segoe UI"/>
+              </a:rPr>
+              <a:t>style</a:t>
             </a:r>
             <a:endParaRPr b="0" lang="en-US" sz="4000" spc="-1" strike="noStrike">
               <a:solidFill>
@@ -13797,7 +13494,16 @@
                 </a:solidFill>
                 <a:latin typeface="Arial"/>
               </a:rPr>
-              <a:t>Edit Master text styles</a:t>
+              <a:t>Edit Master text </a:t>
+            </a:r>
+            <a:r>
+              <a:rPr b="0" lang="en-US" sz="2800" spc="-1" strike="noStrike">
+                <a:solidFill>
+                  <a:srgbClr val="262626"/>
+                </a:solidFill>
+                <a:latin typeface="Arial"/>
+              </a:rPr>
+              <a:t>styles</a:t>
             </a:r>
             <a:endParaRPr b="0" lang="en-US" sz="2800" spc="-1" strike="noStrike">
               <a:solidFill>
@@ -14010,7 +13716,7 @@
                 <a:spcPct val="100000"/>
               </a:lnSpc>
             </a:pPr>
-            <a:fld id="{57BF5E79-B5C6-4E3F-8CCA-24FC2048E8EC}" type="slidenum">
+            <a:fld id="{A86565F3-6477-4742-ABE3-18D6E3233D9F}" type="slidenum">
               <a:rPr b="1" lang="en-US" sz="1200" spc="-1" strike="noStrike">
                 <a:solidFill>
                   <a:srgbClr val="262626"/>
@@ -14480,7 +14186,7 @@
                 <a:spcPct val="100000"/>
               </a:lnSpc>
             </a:pPr>
-            <a:fld id="{4BD5BC1A-BF25-4FCE-B2A5-9AB8CF0198AE}" type="slidenum">
+            <a:fld id="{42ADAF12-1CAD-4758-ABF4-A7207833E3AC}" type="slidenum">
               <a:rPr b="1" lang="en-US" sz="1200" spc="-1" strike="noStrike">
                 <a:solidFill>
                   <a:srgbClr val="262626"/>
@@ -14821,7 +14527,7 @@
                 <a:spcPct val="100000"/>
               </a:lnSpc>
             </a:pPr>
-            <a:fld id="{D09A8D6B-E2EC-4C78-B261-01002341882C}" type="slidenum">
+            <a:fld id="{51350E30-31D3-4EEF-9776-BB017608351A}" type="slidenum">
               <a:rPr b="1" lang="en-US" sz="1200" spc="-1" strike="noStrike">
                 <a:solidFill>
                   <a:srgbClr val="262626"/>
@@ -15244,472 +14950,6 @@
           <p:childTnLst>
             <p:seq>
               <p:cTn id="2" dur="indefinite" nodeType="mainSeq"/>
-              <p:prevCondLst>
-                <p:cond delay="0" evt="onPrev">
-                  <p:tgtEl>
-                    <p:sldTgt/>
-                  </p:tgtEl>
-                </p:cond>
-              </p:prevCondLst>
-              <p:nextCondLst>
-                <p:cond delay="0" evt="onNext">
-                  <p:tgtEl>
-                    <p:sldTgt/>
-                  </p:tgtEl>
-                </p:cond>
-              </p:nextCondLst>
-            </p:seq>
-          </p:childTnLst>
-        </p:cTn>
-      </p:par>
-    </p:tnLst>
-  </p:timing>
-</p:sld>
-</file>
-
-<file path=ppt/slides/slide10.xml><?xml version="1.0" encoding="utf-8"?>
-<p:sld xmlns:a="http://schemas.openxmlformats.org/drawingml/2006/main" xmlns:p="http://schemas.openxmlformats.org/presentationml/2006/main" xmlns:r="http://schemas.openxmlformats.org/officeDocument/2006/relationships" xmlns:p14="http://schemas.microsoft.com/office/powerpoint/2010/main" xmlns:p15="http://schemas.microsoft.com/office/powerpoint/2012/main" xmlns:mc="http://schemas.openxmlformats.org/markup-compatibility/2006">
-  <p:cSld>
-    <p:spTree>
-      <p:nvGrpSpPr>
-        <p:cNvPr id="1" name=""/>
-        <p:cNvGrpSpPr/>
-        <p:nvPr/>
-      </p:nvGrpSpPr>
-      <p:grpSpPr>
-        <a:xfrm>
-          <a:off x="0" y="0"/>
-          <a:ext cx="0" cy="0"/>
-          <a:chOff x="0" y="0"/>
-          <a:chExt cx="0" cy="0"/>
-        </a:xfrm>
-      </p:grpSpPr>
-      <p:sp>
-        <p:nvSpPr>
-          <p:cNvPr id="372" name="TextShape 1"/>
-          <p:cNvSpPr txBox="1"/>
-          <p:nvPr/>
-        </p:nvSpPr>
-        <p:spPr>
-          <a:xfrm>
-            <a:off x="457200" y="474120"/>
-            <a:ext cx="4754520" cy="798840"/>
-          </a:xfrm>
-          <a:prstGeom prst="rect">
-            <a:avLst/>
-          </a:prstGeom>
-          <a:noFill/>
-          <a:ln>
-            <a:noFill/>
-          </a:ln>
-        </p:spPr>
-        <p:txBody>
-          <a:bodyPr lIns="0" rIns="0" tIns="45000" bIns="45000" anchor="ctr"/>
-          <a:p>
-            <a:pPr marL="182880">
-              <a:lnSpc>
-                <a:spcPct val="100000"/>
-              </a:lnSpc>
-            </a:pPr>
-            <a:r>
-              <a:rPr b="0" lang="en-US" sz="4000" spc="-1" strike="noStrike">
-                <a:solidFill>
-                  <a:srgbClr val="c94c25"/>
-                </a:solidFill>
-                <a:latin typeface="Segoe UI"/>
-              </a:rPr>
-              <a:t>OUTLINE</a:t>
-            </a:r>
-            <a:endParaRPr b="0" lang="en-US" sz="4000" spc="-1" strike="noStrike">
-              <a:solidFill>
-                <a:srgbClr val="ffffff"/>
-              </a:solidFill>
-              <a:latin typeface="Arial"/>
-            </a:endParaRPr>
-          </a:p>
-        </p:txBody>
-      </p:sp>
-      <p:sp>
-        <p:nvSpPr>
-          <p:cNvPr id="373" name="CustomShape 2"/>
-          <p:cNvSpPr/>
-          <p:nvPr/>
-        </p:nvSpPr>
-        <p:spPr>
-          <a:xfrm>
-            <a:off x="640080" y="1272960"/>
-            <a:ext cx="8321040" cy="5219280"/>
-          </a:xfrm>
-          <a:prstGeom prst="rect">
-            <a:avLst/>
-          </a:prstGeom>
-          <a:noFill/>
-          <a:ln>
-            <a:noFill/>
-          </a:ln>
-        </p:spPr>
-        <p:style>
-          <a:lnRef idx="0"/>
-          <a:fillRef idx="0"/>
-          <a:effectRef idx="0"/>
-          <a:fontRef idx="minor"/>
-        </p:style>
-        <p:txBody>
-          <a:bodyPr lIns="0" rIns="0" tIns="45000" bIns="45000" anchor="ctr"/>
-          <a:p>
-            <a:pPr marL="182880">
-              <a:lnSpc>
-                <a:spcPct val="100000"/>
-              </a:lnSpc>
-            </a:pPr>
-            <a:r>
-              <a:rPr b="1" lang="en-US" sz="3200" spc="-1" strike="noStrike">
-                <a:solidFill>
-                  <a:srgbClr val="c94c25"/>
-                </a:solidFill>
-                <a:latin typeface="Segoe UI"/>
-              </a:rPr>
-              <a:t>1. Overview</a:t>
-            </a:r>
-            <a:endParaRPr b="0" lang="en-US" sz="3200" spc="-1" strike="noStrike">
-              <a:latin typeface="Arial"/>
-            </a:endParaRPr>
-          </a:p>
-          <a:p>
-            <a:pPr marL="182880">
-              <a:lnSpc>
-                <a:spcPct val="100000"/>
-              </a:lnSpc>
-            </a:pPr>
-            <a:r>
-              <a:rPr b="1" lang="en-US" sz="3200" spc="-1" strike="noStrike">
-                <a:solidFill>
-                  <a:srgbClr val="c94c25"/>
-                </a:solidFill>
-                <a:latin typeface="Segoe UI"/>
-                <a:ea typeface="Noto Sans CJK SC Regular"/>
-              </a:rPr>
-              <a:t>2. </a:t>
-            </a:r>
-            <a:r>
-              <a:rPr b="1" lang="en-US" sz="3200" spc="-1" strike="noStrike">
-                <a:solidFill>
-                  <a:srgbClr val="c94c25"/>
-                </a:solidFill>
-                <a:latin typeface="Segoe UI"/>
-              </a:rPr>
-              <a:t>Analysis and Design</a:t>
-            </a:r>
-            <a:endParaRPr b="0" lang="en-US" sz="3200" spc="-1" strike="noStrike">
-              <a:latin typeface="Arial"/>
-            </a:endParaRPr>
-          </a:p>
-          <a:p>
-            <a:pPr marL="182880">
-              <a:lnSpc>
-                <a:spcPct val="100000"/>
-              </a:lnSpc>
-            </a:pPr>
-            <a:r>
-              <a:rPr b="1" lang="en-US" sz="3200" spc="-1" strike="noStrike">
-                <a:solidFill>
-                  <a:srgbClr val="c94c25"/>
-                </a:solidFill>
-                <a:latin typeface="Segoe UI"/>
-              </a:rPr>
-              <a:t>3. Technologies</a:t>
-            </a:r>
-            <a:endParaRPr b="0" lang="en-US" sz="3200" spc="-1" strike="noStrike">
-              <a:latin typeface="Arial"/>
-            </a:endParaRPr>
-          </a:p>
-          <a:p>
-            <a:pPr marL="182880">
-              <a:lnSpc>
-                <a:spcPct val="100000"/>
-              </a:lnSpc>
-            </a:pPr>
-            <a:r>
-              <a:rPr b="1" lang="en-US" sz="3200" spc="-1" strike="noStrike">
-                <a:solidFill>
-                  <a:srgbClr val="c94c25"/>
-                </a:solidFill>
-                <a:latin typeface="Segoe UI"/>
-              </a:rPr>
-              <a:t>4. Teamwork</a:t>
-            </a:r>
-            <a:endParaRPr b="0" lang="en-US" sz="3200" spc="-1" strike="noStrike">
-              <a:latin typeface="Arial"/>
-            </a:endParaRPr>
-          </a:p>
-          <a:p>
-            <a:pPr marL="182880">
-              <a:lnSpc>
-                <a:spcPct val="100000"/>
-              </a:lnSpc>
-            </a:pPr>
-            <a:r>
-              <a:rPr b="1" lang="en-US" sz="3200" spc="-1" strike="noStrike">
-                <a:solidFill>
-                  <a:srgbClr val="c94c25"/>
-                </a:solidFill>
-                <a:latin typeface="Segoe UI"/>
-              </a:rPr>
-              <a:t>5. Final result</a:t>
-            </a:r>
-            <a:r>
-              <a:rPr b="1" lang="en-US" sz="3200" spc="-1" strike="noStrike">
-                <a:solidFill>
-                  <a:srgbClr val="c94c25"/>
-                </a:solidFill>
-                <a:latin typeface="Segoe UI"/>
-              </a:rPr>
-              <a:t> </a:t>
-            </a:r>
-            <a:endParaRPr b="0" lang="en-US" sz="3200" spc="-1" strike="noStrike">
-              <a:latin typeface="Arial"/>
-            </a:endParaRPr>
-          </a:p>
-        </p:txBody>
-      </p:sp>
-    </p:spTree>
-  </p:cSld>
-  <p:timing>
-    <p:tnLst>
-      <p:par>
-        <p:cTn id="19" dur="indefinite" restart="never" nodeType="tmRoot">
-          <p:childTnLst>
-            <p:seq>
-              <p:cTn id="20" dur="indefinite" nodeType="mainSeq"/>
-              <p:prevCondLst>
-                <p:cond delay="0" evt="onPrev">
-                  <p:tgtEl>
-                    <p:sldTgt/>
-                  </p:tgtEl>
-                </p:cond>
-              </p:prevCondLst>
-              <p:nextCondLst>
-                <p:cond delay="0" evt="onNext">
-                  <p:tgtEl>
-                    <p:sldTgt/>
-                  </p:tgtEl>
-                </p:cond>
-              </p:nextCondLst>
-            </p:seq>
-          </p:childTnLst>
-        </p:cTn>
-      </p:par>
-    </p:tnLst>
-  </p:timing>
-</p:sld>
-</file>
-
-<file path=ppt/slides/slide11.xml><?xml version="1.0" encoding="utf-8"?>
-<p:sld xmlns:a="http://schemas.openxmlformats.org/drawingml/2006/main" xmlns:p="http://schemas.openxmlformats.org/presentationml/2006/main" xmlns:r="http://schemas.openxmlformats.org/officeDocument/2006/relationships" xmlns:p14="http://schemas.microsoft.com/office/powerpoint/2010/main" xmlns:p15="http://schemas.microsoft.com/office/powerpoint/2012/main" xmlns:mc="http://schemas.openxmlformats.org/markup-compatibility/2006">
-  <p:cSld>
-    <p:bg>
-      <p:bgPr>
-        <a:solidFill>
-          <a:srgbClr val="ffffff"/>
-        </a:solidFill>
-      </p:bgPr>
-    </p:bg>
-    <p:spTree>
-      <p:nvGrpSpPr>
-        <p:cNvPr id="1" name=""/>
-        <p:cNvGrpSpPr/>
-        <p:nvPr/>
-      </p:nvGrpSpPr>
-      <p:grpSpPr>
-        <a:xfrm>
-          <a:off x="0" y="0"/>
-          <a:ext cx="0" cy="0"/>
-          <a:chOff x="0" y="0"/>
-          <a:chExt cx="0" cy="0"/>
-        </a:xfrm>
-      </p:grpSpPr>
-      <p:sp>
-        <p:nvSpPr>
-          <p:cNvPr id="374" name="TextShape 1"/>
-          <p:cNvSpPr txBox="1"/>
-          <p:nvPr/>
-        </p:nvSpPr>
-        <p:spPr>
-          <a:xfrm>
-            <a:off x="723960" y="2878920"/>
-            <a:ext cx="7695720" cy="1099440"/>
-          </a:xfrm>
-          <a:prstGeom prst="rect">
-            <a:avLst/>
-          </a:prstGeom>
-          <a:noFill/>
-          <a:ln>
-            <a:noFill/>
-          </a:ln>
-        </p:spPr>
-        <p:txBody>
-          <a:bodyPr lIns="0" rIns="0" tIns="45000" bIns="45000" anchor="ctr"/>
-          <a:p>
-            <a:pPr marL="182880">
-              <a:lnSpc>
-                <a:spcPct val="100000"/>
-              </a:lnSpc>
-            </a:pPr>
-            <a:r>
-              <a:rPr b="1" lang="en-US" sz="6000" spc="-1" strike="noStrike">
-                <a:solidFill>
-                  <a:srgbClr val="c94c25"/>
-                </a:solidFill>
-                <a:latin typeface="Segoe UI"/>
-              </a:rPr>
-              <a:t>Q</a:t>
-            </a:r>
-            <a:r>
-              <a:rPr b="0" lang="en-US" sz="3200" spc="-1" strike="noStrike">
-                <a:solidFill>
-                  <a:srgbClr val="c94c25"/>
-                </a:solidFill>
-                <a:latin typeface="Segoe UI"/>
-              </a:rPr>
-              <a:t>&amp;</a:t>
-            </a:r>
-            <a:r>
-              <a:rPr b="1" lang="en-US" sz="6000" spc="-1" strike="noStrike">
-                <a:solidFill>
-                  <a:srgbClr val="c94c25"/>
-                </a:solidFill>
-                <a:latin typeface="Segoe UI"/>
-              </a:rPr>
-              <a:t>A</a:t>
-            </a:r>
-            <a:endParaRPr b="0" lang="en-US" sz="6000" spc="-1" strike="noStrike">
-              <a:solidFill>
-                <a:srgbClr val="ffffff"/>
-              </a:solidFill>
-              <a:latin typeface="Arial"/>
-            </a:endParaRPr>
-          </a:p>
-        </p:txBody>
-      </p:sp>
-    </p:spTree>
-  </p:cSld>
-  <p:timing>
-    <p:tnLst>
-      <p:par>
-        <p:cTn id="21" dur="indefinite" restart="never" nodeType="tmRoot">
-          <p:childTnLst>
-            <p:seq>
-              <p:cTn id="22" dur="indefinite" nodeType="mainSeq"/>
-              <p:prevCondLst>
-                <p:cond delay="0" evt="onPrev">
-                  <p:tgtEl>
-                    <p:sldTgt/>
-                  </p:tgtEl>
-                </p:cond>
-              </p:prevCondLst>
-              <p:nextCondLst>
-                <p:cond delay="0" evt="onNext">
-                  <p:tgtEl>
-                    <p:sldTgt/>
-                  </p:tgtEl>
-                </p:cond>
-              </p:nextCondLst>
-            </p:seq>
-          </p:childTnLst>
-        </p:cTn>
-      </p:par>
-    </p:tnLst>
-  </p:timing>
-</p:sld>
-</file>
-
-<file path=ppt/slides/slide12.xml><?xml version="1.0" encoding="utf-8"?>
-<p:sld xmlns:a="http://schemas.openxmlformats.org/drawingml/2006/main" xmlns:p="http://schemas.openxmlformats.org/presentationml/2006/main" xmlns:r="http://schemas.openxmlformats.org/officeDocument/2006/relationships" xmlns:p14="http://schemas.microsoft.com/office/powerpoint/2010/main" xmlns:p15="http://schemas.microsoft.com/office/powerpoint/2012/main" xmlns:mc="http://schemas.openxmlformats.org/markup-compatibility/2006">
-  <p:cSld>
-    <p:bg>
-      <p:bgPr>
-        <a:solidFill>
-          <a:srgbClr val="ffffff"/>
-        </a:solidFill>
-      </p:bgPr>
-    </p:bg>
-    <p:spTree>
-      <p:nvGrpSpPr>
-        <p:cNvPr id="1" name=""/>
-        <p:cNvGrpSpPr/>
-        <p:nvPr/>
-      </p:nvGrpSpPr>
-      <p:grpSpPr>
-        <a:xfrm>
-          <a:off x="0" y="0"/>
-          <a:ext cx="0" cy="0"/>
-          <a:chOff x="0" y="0"/>
-          <a:chExt cx="0" cy="0"/>
-        </a:xfrm>
-      </p:grpSpPr>
-      <p:sp>
-        <p:nvSpPr>
-          <p:cNvPr id="375" name="TextShape 1"/>
-          <p:cNvSpPr txBox="1"/>
-          <p:nvPr/>
-        </p:nvSpPr>
-        <p:spPr>
-          <a:xfrm>
-            <a:off x="723960" y="2878920"/>
-            <a:ext cx="7695720" cy="1099440"/>
-          </a:xfrm>
-          <a:prstGeom prst="rect">
-            <a:avLst/>
-          </a:prstGeom>
-          <a:noFill/>
-          <a:ln>
-            <a:noFill/>
-          </a:ln>
-        </p:spPr>
-        <p:txBody>
-          <a:bodyPr lIns="0" rIns="0" tIns="45000" bIns="45000" anchor="ctr"/>
-          <a:p>
-            <a:pPr marL="182880">
-              <a:lnSpc>
-                <a:spcPct val="100000"/>
-              </a:lnSpc>
-            </a:pPr>
-            <a:r>
-              <a:rPr b="0" lang="en-US" sz="4000" spc="-1" strike="noStrike">
-                <a:solidFill>
-                  <a:srgbClr val="c94c25"/>
-                </a:solidFill>
-                <a:latin typeface="Segoe UI"/>
-              </a:rPr>
-              <a:t>THANK YOU </a:t>
-            </a:r>
-            <a:r>
-              <a:rPr b="1" lang="en-US" sz="4000" spc="-1" strike="noStrike">
-                <a:solidFill>
-                  <a:srgbClr val="c94c25"/>
-                </a:solidFill>
-                <a:latin typeface="Segoe UI"/>
-              </a:rPr>
-              <a:t>YOUR ATTENTION!</a:t>
-            </a:r>
-            <a:endParaRPr b="0" lang="en-US" sz="4000" spc="-1" strike="noStrike">
-              <a:solidFill>
-                <a:srgbClr val="ffffff"/>
-              </a:solidFill>
-              <a:latin typeface="Arial"/>
-            </a:endParaRPr>
-          </a:p>
-        </p:txBody>
-      </p:sp>
-    </p:spTree>
-  </p:cSld>
-  <p:timing>
-    <p:tnLst>
-      <p:par>
-        <p:cTn id="23" dur="indefinite" restart="never" nodeType="tmRoot">
-          <p:childTnLst>
-            <p:seq>
-              <p:cTn id="24" dur="indefinite" nodeType="mainSeq"/>
               <p:prevCondLst>
                 <p:cond delay="0" evt="onPrev">
                   <p:tgtEl>
@@ -15883,7 +15123,7 @@
                 </a:solidFill>
                 <a:latin typeface="Segoe UI"/>
               </a:rPr>
-              <a:t>3. Technologies</a:t>
+              <a:t>3. Teamwork</a:t>
             </a:r>
             <a:endParaRPr b="0" lang="en-US" sz="3200" spc="-1" strike="noStrike">
               <a:latin typeface="Arial"/>
@@ -15902,26 +15142,7 @@
                 </a:solidFill>
                 <a:latin typeface="Segoe UI"/>
               </a:rPr>
-              <a:t>4. Teamwork</a:t>
-            </a:r>
-            <a:endParaRPr b="0" lang="en-US" sz="3200" spc="-1" strike="noStrike">
-              <a:latin typeface="Arial"/>
-            </a:endParaRPr>
-          </a:p>
-          <a:p>
-            <a:pPr marL="182880">
-              <a:lnSpc>
-                <a:spcPct val="100000"/>
-              </a:lnSpc>
-            </a:pPr>
-            <a:r>
-              <a:rPr b="1" lang="en-US" sz="3200" spc="-1" strike="noStrike">
-                <a:solidFill>
-                  <a:srgbClr val="c94c25"/>
-                </a:solidFill>
-                <a:latin typeface="Segoe UI"/>
-              </a:rPr>
-              <a:t>5. Final result </a:t>
+              <a:t>4. Final result </a:t>
             </a:r>
             <a:endParaRPr b="0" lang="en-US" sz="3200" spc="-1" strike="noStrike">
               <a:latin typeface="Arial"/>
@@ -16006,13 +15227,76 @@
               </a:lnSpc>
             </a:pPr>
             <a:r>
-              <a:rPr b="0" lang="en-US" sz="4000" spc="-1" strike="noStrike">
+              <a:rPr b="1" lang="en-US" sz="4000" spc="-1" strike="noStrike">
                 <a:solidFill>
                   <a:srgbClr val="c94c25"/>
                 </a:solidFill>
                 <a:latin typeface="Segoe UI"/>
               </a:rPr>
-              <a:t>OUTLINE</a:t>
+              <a:t>O</a:t>
+            </a:r>
+            <a:r>
+              <a:rPr b="1" lang="en-US" sz="4000" spc="-1" strike="noStrike">
+                <a:solidFill>
+                  <a:srgbClr val="c94c25"/>
+                </a:solidFill>
+                <a:latin typeface="Segoe UI"/>
+              </a:rPr>
+              <a:t>V</a:t>
+            </a:r>
+            <a:r>
+              <a:rPr b="1" lang="en-US" sz="4000" spc="-1" strike="noStrike">
+                <a:solidFill>
+                  <a:srgbClr val="c94c25"/>
+                </a:solidFill>
+                <a:latin typeface="Segoe UI"/>
+              </a:rPr>
+              <a:t>E</a:t>
+            </a:r>
+            <a:r>
+              <a:rPr b="1" lang="en-US" sz="4000" spc="-1" strike="noStrike">
+                <a:solidFill>
+                  <a:srgbClr val="c94c25"/>
+                </a:solidFill>
+                <a:latin typeface="Segoe UI"/>
+              </a:rPr>
+              <a:t>R</a:t>
+            </a:r>
+            <a:r>
+              <a:rPr b="1" lang="en-US" sz="4000" spc="-1" strike="noStrike">
+                <a:solidFill>
+                  <a:srgbClr val="c94c25"/>
+                </a:solidFill>
+                <a:latin typeface="Segoe UI"/>
+              </a:rPr>
+              <a:t>V</a:t>
+            </a:r>
+            <a:r>
+              <a:rPr b="1" lang="en-US" sz="4000" spc="-1" strike="noStrike">
+                <a:solidFill>
+                  <a:srgbClr val="c94c25"/>
+                </a:solidFill>
+                <a:latin typeface="Segoe UI"/>
+              </a:rPr>
+              <a:t>I</a:t>
+            </a:r>
+            <a:r>
+              <a:rPr b="1" lang="en-US" sz="4000" spc="-1" strike="noStrike">
+                <a:solidFill>
+                  <a:srgbClr val="c94c25"/>
+                </a:solidFill>
+                <a:latin typeface="Segoe UI"/>
+              </a:rPr>
+              <a:t>E</a:t>
+            </a:r>
+            <a:r>
+              <a:rPr b="1" lang="en-US" sz="4000" spc="-1" strike="noStrike">
+                <a:solidFill>
+                  <a:srgbClr val="c94c25"/>
+                </a:solidFill>
+                <a:latin typeface="Segoe UI"/>
+              </a:rPr>
+              <a:t>W</a:t>
             </a:r>
             <a:endParaRPr b="0" lang="en-US" sz="4000" spc="-1" strike="noStrike">
               <a:solidFill>
@@ -16025,14 +15309,14 @@
       </p:sp>
       <p:sp>
         <p:nvSpPr>
-          <p:cNvPr id="340" name="CustomShape 2"/>
-          <p:cNvSpPr/>
+          <p:cNvPr id="340" name="TextShape 2"/>
+          <p:cNvSpPr txBox="1"/>
           <p:nvPr/>
         </p:nvSpPr>
         <p:spPr>
           <a:xfrm>
-            <a:off x="640080" y="1272960"/>
-            <a:ext cx="8321040" cy="5219280"/>
+            <a:off x="457200" y="2005560"/>
+            <a:ext cx="8229600" cy="1388520"/>
           </a:xfrm>
           <a:prstGeom prst="rect">
             <a:avLst/>
@@ -16042,116 +15326,505 @@
             <a:noFill/>
           </a:ln>
         </p:spPr>
-        <p:style>
-          <a:lnRef idx="0"/>
-          <a:fillRef idx="0"/>
-          <a:effectRef idx="0"/>
-          <a:fontRef idx="minor"/>
-        </p:style>
-        <p:txBody>
-          <a:bodyPr lIns="0" rIns="0" tIns="45000" bIns="45000" anchor="ctr"/>
-          <a:p>
-            <a:pPr marL="182880">
-              <a:lnSpc>
-                <a:spcPct val="100000"/>
-              </a:lnSpc>
-            </a:pPr>
-            <a:r>
-              <a:rPr b="1" lang="en-US" sz="3200" spc="-1" strike="noStrike">
+        <p:txBody>
+          <a:bodyPr lIns="90000" rIns="90000" tIns="45000" bIns="45000"/>
+          <a:p>
+            <a:r>
+              <a:rPr b="1" lang="en-US" sz="2200" spc="-1" strike="noStrike">
                 <a:solidFill>
-                  <a:srgbClr val="c94c25"/>
+                  <a:srgbClr val="ce181e"/>
                 </a:solidFill>
-                <a:latin typeface="Segoe UI"/>
-              </a:rPr>
-              <a:t>1. Overview</a:t>
-            </a:r>
-            <a:endParaRPr b="0" lang="en-US" sz="3200" spc="-1" strike="noStrike">
-              <a:latin typeface="Arial"/>
-            </a:endParaRPr>
-          </a:p>
-          <a:p>
-            <a:pPr marL="182880">
-              <a:lnSpc>
-                <a:spcPct val="100000"/>
-              </a:lnSpc>
-            </a:pPr>
-            <a:r>
-              <a:rPr b="1" lang="en-US" sz="3200" spc="-1" strike="noStrike">
+                <a:latin typeface="Arial"/>
+              </a:rPr>
+              <a:t>Fla</a:t>
+            </a:r>
+            <a:r>
+              <a:rPr b="1" lang="en-US" sz="2200" spc="-1" strike="noStrike">
                 <a:solidFill>
-                  <a:srgbClr val="c94c25"/>
+                  <a:srgbClr val="ce181e"/>
                 </a:solidFill>
-                <a:latin typeface="Segoe UI"/>
-                <a:ea typeface="Noto Sans CJK SC Regular"/>
-              </a:rPr>
-              <a:t>2. </a:t>
-            </a:r>
-            <a:r>
-              <a:rPr b="1" lang="en-US" sz="3200" spc="-1" strike="noStrike">
+                <a:latin typeface="Arial"/>
+              </a:rPr>
+              <a:t>sh</a:t>
+            </a:r>
+            <a:r>
+              <a:rPr b="1" lang="en-US" sz="2200" spc="-1" strike="noStrike">
                 <a:solidFill>
-                  <a:srgbClr val="c94c25"/>
+                  <a:srgbClr val="ce181e"/>
                 </a:solidFill>
-                <a:latin typeface="Segoe UI"/>
-              </a:rPr>
-              <a:t>Analysis and Design</a:t>
-            </a:r>
-            <a:endParaRPr b="0" lang="en-US" sz="3200" spc="-1" strike="noStrike">
-              <a:latin typeface="Arial"/>
-            </a:endParaRPr>
-          </a:p>
-          <a:p>
-            <a:pPr marL="182880">
-              <a:lnSpc>
-                <a:spcPct val="100000"/>
-              </a:lnSpc>
-            </a:pPr>
-            <a:r>
-              <a:rPr b="1" lang="en-US" sz="3200" spc="-1" strike="noStrike">
+                <a:latin typeface="Arial"/>
+              </a:rPr>
+              <a:t>car</a:t>
+            </a:r>
+            <a:r>
+              <a:rPr b="1" lang="en-US" sz="2200" spc="-1" strike="noStrike">
                 <a:solidFill>
-                  <a:srgbClr val="c94c25"/>
+                  <a:srgbClr val="ce181e"/>
                 </a:solidFill>
-                <a:latin typeface="Segoe UI"/>
-              </a:rPr>
-              <a:t>3. Technologies</a:t>
-            </a:r>
-            <a:endParaRPr b="0" lang="en-US" sz="3200" spc="-1" strike="noStrike">
-              <a:latin typeface="Arial"/>
-            </a:endParaRPr>
-          </a:p>
-          <a:p>
-            <a:pPr marL="182880">
-              <a:lnSpc>
-                <a:spcPct val="100000"/>
-              </a:lnSpc>
-            </a:pPr>
-            <a:r>
-              <a:rPr b="1" lang="en-US" sz="3200" spc="-1" strike="noStrike">
+                <a:latin typeface="Arial"/>
+              </a:rPr>
+              <a:t>d</a:t>
+            </a:r>
+            <a:r>
+              <a:rPr b="0" lang="en-US" sz="2200" spc="-1" strike="noStrike">
+                <a:latin typeface="Arial"/>
+              </a:rPr>
+              <a:t> </a:t>
+            </a:r>
+            <a:r>
+              <a:rPr b="0" lang="en-US" sz="2200" spc="-1" strike="noStrike">
+                <a:latin typeface="Arial"/>
+              </a:rPr>
+              <a:t>=&gt; </a:t>
+            </a:r>
+            <a:r>
+              <a:rPr b="1" lang="en-US" sz="2200" spc="-1" strike="noStrike">
+                <a:latin typeface="Arial"/>
+              </a:rPr>
+              <a:t>ME</a:t>
+            </a:r>
+            <a:r>
+              <a:rPr b="1" lang="en-US" sz="2200" spc="-1" strike="noStrike">
+                <a:latin typeface="Arial"/>
+              </a:rPr>
+              <a:t>TH</a:t>
+            </a:r>
+            <a:r>
+              <a:rPr b="1" lang="en-US" sz="2200" spc="-1" strike="noStrike">
+                <a:latin typeface="Arial"/>
+              </a:rPr>
+              <a:t>OD </a:t>
+            </a:r>
+            <a:r>
+              <a:rPr b="1" lang="en-US" sz="2200" spc="-1" strike="noStrike">
+                <a:latin typeface="Arial"/>
+              </a:rPr>
+              <a:t>TO </a:t>
+            </a:r>
+            <a:r>
+              <a:rPr b="1" lang="en-US" sz="2200" spc="-1" strike="noStrike">
+                <a:latin typeface="Arial"/>
+              </a:rPr>
+              <a:t>LE</a:t>
+            </a:r>
+            <a:r>
+              <a:rPr b="1" lang="en-US" sz="2200" spc="-1" strike="noStrike">
+                <a:latin typeface="Arial"/>
+              </a:rPr>
+              <a:t>AR</a:t>
+            </a:r>
+            <a:r>
+              <a:rPr b="1" lang="en-US" sz="2200" spc="-1" strike="noStrike">
+                <a:latin typeface="Arial"/>
+              </a:rPr>
+              <a:t>N</a:t>
+            </a:r>
+            <a:r>
+              <a:rPr b="0" lang="en-US" sz="2200" spc="-1" strike="noStrike">
+                <a:latin typeface="Arial"/>
+              </a:rPr>
+              <a:t> </a:t>
+            </a:r>
+            <a:r>
+              <a:rPr b="0" lang="en-US" sz="2200" spc="-1" strike="noStrike">
+                <a:latin typeface="Arial"/>
+              </a:rPr>
+              <a:t>FO</a:t>
+            </a:r>
+            <a:r>
+              <a:rPr b="0" lang="en-US" sz="2200" spc="-1" strike="noStrike">
+                <a:latin typeface="Arial"/>
+              </a:rPr>
+              <a:t>REI</a:t>
+            </a:r>
+            <a:r>
+              <a:rPr b="0" lang="en-US" sz="2200" spc="-1" strike="noStrike">
+                <a:latin typeface="Arial"/>
+              </a:rPr>
+              <a:t>GN </a:t>
+            </a:r>
+            <a:r>
+              <a:rPr b="0" lang="en-US" sz="2200" spc="-1" strike="noStrike">
+                <a:latin typeface="Arial"/>
+              </a:rPr>
+              <a:t>LA</a:t>
+            </a:r>
+            <a:r>
+              <a:rPr b="0" lang="en-US" sz="2200" spc="-1" strike="noStrike">
+                <a:latin typeface="Arial"/>
+              </a:rPr>
+              <a:t>NG</a:t>
+            </a:r>
+            <a:r>
+              <a:rPr b="0" lang="en-US" sz="2200" spc="-1" strike="noStrike">
+                <a:latin typeface="Arial"/>
+              </a:rPr>
+              <a:t>UA</a:t>
+            </a:r>
+            <a:r>
+              <a:rPr b="0" lang="en-US" sz="2200" spc="-1" strike="noStrike">
+                <a:latin typeface="Arial"/>
+              </a:rPr>
+              <a:t>GE</a:t>
+            </a:r>
+            <a:endParaRPr b="0" lang="en-US" sz="2200" spc="-1" strike="noStrike">
+              <a:latin typeface="Arial"/>
+            </a:endParaRPr>
+          </a:p>
+          <a:p>
+            <a:r>
+              <a:rPr b="0" lang="en-US" sz="2200" spc="-1" strike="noStrike">
+                <a:latin typeface="Arial"/>
+              </a:rPr>
+              <a:t>	</a:t>
+            </a:r>
+            <a:r>
+              <a:rPr b="0" lang="en-US" sz="2200" spc="-1" strike="noStrike">
+                <a:latin typeface="Arial"/>
+              </a:rPr>
+              <a:t>	</a:t>
+            </a:r>
+            <a:r>
+              <a:rPr b="0" lang="en-US" sz="2200" spc="-1" strike="noStrike">
+                <a:latin typeface="Arial"/>
+              </a:rPr>
+              <a:t>	</a:t>
+            </a:r>
+            <a:r>
+              <a:rPr b="0" lang="en-US" sz="2200" spc="-1" strike="noStrike">
+                <a:latin typeface="Arial"/>
+              </a:rPr>
+              <a:t>=&gt; </a:t>
+            </a:r>
+            <a:r>
+              <a:rPr b="1" lang="en-US" sz="2200" spc="-1" strike="noStrike">
+                <a:latin typeface="Arial"/>
+              </a:rPr>
+              <a:t>CO</a:t>
+            </a:r>
+            <a:r>
+              <a:rPr b="1" lang="en-US" sz="2200" spc="-1" strike="noStrike">
+                <a:latin typeface="Arial"/>
+              </a:rPr>
+              <a:t>MB</a:t>
+            </a:r>
+            <a:r>
+              <a:rPr b="1" lang="en-US" sz="2200" spc="-1" strike="noStrike">
+                <a:latin typeface="Arial"/>
+              </a:rPr>
+              <a:t>INE </a:t>
+            </a:r>
+            <a:r>
+              <a:rPr b="1" lang="en-US" sz="2200" spc="-1" strike="noStrike">
+                <a:latin typeface="Arial"/>
+              </a:rPr>
+              <a:t>IM</a:t>
+            </a:r>
+            <a:r>
+              <a:rPr b="1" lang="en-US" sz="2200" spc="-1" strike="noStrike">
+                <a:latin typeface="Arial"/>
+              </a:rPr>
+              <a:t>AG</a:t>
+            </a:r>
+            <a:r>
+              <a:rPr b="1" lang="en-US" sz="2200" spc="-1" strike="noStrike">
+                <a:latin typeface="Arial"/>
+              </a:rPr>
+              <a:t>ES </a:t>
+            </a:r>
+            <a:r>
+              <a:rPr b="1" lang="en-US" sz="2200" spc="-1" strike="noStrike">
+                <a:latin typeface="Arial"/>
+              </a:rPr>
+              <a:t>WI</a:t>
+            </a:r>
+            <a:r>
+              <a:rPr b="1" lang="en-US" sz="2200" spc="-1" strike="noStrike">
+                <a:latin typeface="Arial"/>
+              </a:rPr>
+              <a:t>TH </a:t>
+            </a:r>
+            <a:r>
+              <a:rPr b="1" lang="en-US" sz="2200" spc="-1" strike="noStrike">
+                <a:latin typeface="Arial"/>
+              </a:rPr>
+              <a:t>W</a:t>
+            </a:r>
+            <a:r>
+              <a:rPr b="1" lang="en-US" sz="2200" spc="-1" strike="noStrike">
+                <a:latin typeface="Arial"/>
+              </a:rPr>
+              <a:t>OR</a:t>
+            </a:r>
+            <a:r>
+              <a:rPr b="1" lang="en-US" sz="2200" spc="-1" strike="noStrike">
+                <a:latin typeface="Arial"/>
+              </a:rPr>
+              <a:t>D</a:t>
+            </a:r>
+            <a:r>
+              <a:rPr b="0" lang="en-US" sz="2200" spc="-1" strike="noStrike">
+                <a:latin typeface="Arial"/>
+              </a:rPr>
+              <a:t> </a:t>
+            </a:r>
+            <a:endParaRPr b="0" lang="en-US" sz="2200" spc="-1" strike="noStrike">
+              <a:latin typeface="Arial"/>
+            </a:endParaRPr>
+          </a:p>
+          <a:p>
+            <a:r>
+              <a:rPr b="0" lang="en-US" sz="2200" spc="-1" strike="noStrike">
+                <a:latin typeface="Arial"/>
+              </a:rPr>
+              <a:t>	</a:t>
+            </a:r>
+            <a:r>
+              <a:rPr b="0" lang="en-US" sz="2200" spc="-1" strike="noStrike">
+                <a:latin typeface="Arial"/>
+              </a:rPr>
+              <a:t>	</a:t>
+            </a:r>
+            <a:r>
+              <a:rPr b="0" lang="en-US" sz="2200" spc="-1" strike="noStrike">
+                <a:latin typeface="Arial"/>
+              </a:rPr>
+              <a:t>	</a:t>
+            </a:r>
+            <a:r>
+              <a:rPr b="0" lang="en-US" sz="2200" spc="-1" strike="noStrike">
+                <a:latin typeface="Arial"/>
+              </a:rPr>
+              <a:t>	</a:t>
+            </a:r>
+            <a:r>
+              <a:rPr b="0" lang="en-US" sz="2200" spc="-1" strike="noStrike">
+                <a:latin typeface="Arial"/>
+              </a:rPr>
+              <a:t>	</a:t>
+            </a:r>
+            <a:r>
+              <a:rPr b="0" lang="en-US" sz="2200" spc="-1" strike="noStrike">
+                <a:latin typeface="Arial"/>
+              </a:rPr>
+              <a:t>	</a:t>
+            </a:r>
+            <a:r>
+              <a:rPr b="0" lang="en-US" sz="2200" spc="-1" strike="noStrike">
+                <a:latin typeface="Arial"/>
+              </a:rPr>
+              <a:t>----</a:t>
+            </a:r>
+            <a:r>
+              <a:rPr b="0" lang="en-US" sz="2200" spc="-1" strike="noStrike">
+                <a:latin typeface="Arial"/>
+              </a:rPr>
+              <a:t>---&gt;</a:t>
+            </a:r>
+            <a:r>
+              <a:rPr b="1" lang="en-US" sz="2200" spc="-1" strike="noStrike">
+                <a:latin typeface="Arial"/>
+              </a:rPr>
+              <a:t> </a:t>
+            </a:r>
+            <a:r>
+              <a:rPr b="1" lang="en-US" sz="2200" spc="-1" strike="noStrike">
+                <a:latin typeface="Arial"/>
+              </a:rPr>
+              <a:t>EA</a:t>
+            </a:r>
+            <a:r>
+              <a:rPr b="1" lang="en-US" sz="2200" spc="-1" strike="noStrike">
+                <a:latin typeface="Arial"/>
+              </a:rPr>
+              <a:t>SIE</a:t>
+            </a:r>
+            <a:r>
+              <a:rPr b="1" lang="en-US" sz="2200" spc="-1" strike="noStrike">
+                <a:latin typeface="Arial"/>
+              </a:rPr>
+              <a:t>R </a:t>
+            </a:r>
+            <a:r>
+              <a:rPr b="1" lang="en-US" sz="2200" spc="-1" strike="noStrike">
+                <a:latin typeface="Arial"/>
+              </a:rPr>
+              <a:t>TO </a:t>
+            </a:r>
+            <a:r>
+              <a:rPr b="1" lang="en-US" sz="2200" spc="-1" strike="noStrike">
+                <a:latin typeface="Arial"/>
+              </a:rPr>
+              <a:t>RE</a:t>
+            </a:r>
+            <a:r>
+              <a:rPr b="1" lang="en-US" sz="2200" spc="-1" strike="noStrike">
+                <a:latin typeface="Arial"/>
+              </a:rPr>
+              <a:t>ME</a:t>
+            </a:r>
+            <a:r>
+              <a:rPr b="1" lang="en-US" sz="2200" spc="-1" strike="noStrike">
+                <a:latin typeface="Arial"/>
+              </a:rPr>
+              <a:t>MB</a:t>
+            </a:r>
+            <a:r>
+              <a:rPr b="1" lang="en-US" sz="2200" spc="-1" strike="noStrike">
+                <a:latin typeface="Arial"/>
+              </a:rPr>
+              <a:t>ER </a:t>
+            </a:r>
+            <a:endParaRPr b="0" lang="en-US" sz="2200" spc="-1" strike="noStrike">
+              <a:latin typeface="Arial"/>
+            </a:endParaRPr>
+          </a:p>
+        </p:txBody>
+      </p:sp>
+      <p:sp>
+        <p:nvSpPr>
+          <p:cNvPr id="341" name="TextShape 3"/>
+          <p:cNvSpPr txBox="1"/>
+          <p:nvPr/>
+        </p:nvSpPr>
+        <p:spPr>
+          <a:xfrm>
+            <a:off x="548640" y="3759840"/>
+            <a:ext cx="8503920" cy="1645920"/>
+          </a:xfrm>
+          <a:prstGeom prst="rect">
+            <a:avLst/>
+          </a:prstGeom>
+          <a:noFill/>
+          <a:ln>
+            <a:noFill/>
+          </a:ln>
+        </p:spPr>
+        <p:txBody>
+          <a:bodyPr lIns="90000" rIns="90000" tIns="45000" bIns="45000"/>
+          <a:p>
+            <a:r>
+              <a:rPr b="1" lang="en-US" sz="2200" spc="-1" strike="noStrike">
                 <a:solidFill>
-                  <a:srgbClr val="c94c25"/>
+                  <a:srgbClr val="ce181e"/>
                 </a:solidFill>
-                <a:latin typeface="Segoe UI"/>
-              </a:rPr>
-              <a:t>4. Teamwork</a:t>
-            </a:r>
-            <a:endParaRPr b="0" lang="en-US" sz="3200" spc="-1" strike="noStrike">
-              <a:latin typeface="Arial"/>
-            </a:endParaRPr>
-          </a:p>
-          <a:p>
-            <a:pPr marL="182880">
-              <a:lnSpc>
-                <a:spcPct val="100000"/>
-              </a:lnSpc>
-            </a:pPr>
-            <a:r>
-              <a:rPr b="1" lang="en-US" sz="3200" spc="-1" strike="noStrike">
-                <a:solidFill>
-                  <a:srgbClr val="c94c25"/>
-                </a:solidFill>
-                <a:latin typeface="Segoe UI"/>
-              </a:rPr>
-              <a:t>5. Final result </a:t>
-            </a:r>
-            <a:endParaRPr b="0" lang="en-US" sz="3200" spc="-1" strike="noStrike">
+                <a:latin typeface="Arial"/>
+              </a:rPr>
+              <a:t>iCT Flashcard</a:t>
+            </a:r>
+            <a:r>
+              <a:rPr b="0" lang="en-US" sz="2200" spc="-1" strike="noStrike">
+                <a:latin typeface="Arial"/>
+              </a:rPr>
+              <a:t> =&gt; PROVIDE </a:t>
+            </a:r>
+            <a:r>
+              <a:rPr b="1" lang="en-US" sz="2200" spc="-1" strike="noStrike">
+                <a:latin typeface="Arial"/>
+              </a:rPr>
+              <a:t>VISUAL FLASHCARDS</a:t>
+            </a:r>
+            <a:endParaRPr b="0" lang="en-US" sz="2200" spc="-1" strike="noStrike">
+              <a:latin typeface="Arial"/>
+            </a:endParaRPr>
+          </a:p>
+          <a:p>
+            <a:r>
+              <a:rPr b="1" lang="en-US" sz="2200" spc="-1" strike="noStrike">
+                <a:latin typeface="Arial"/>
+              </a:rPr>
+              <a:t>	</a:t>
+            </a:r>
+            <a:r>
+              <a:rPr b="1" lang="en-US" sz="2200" spc="-1" strike="noStrike">
+                <a:latin typeface="Arial"/>
+              </a:rPr>
+              <a:t>	</a:t>
+            </a:r>
+            <a:r>
+              <a:rPr b="1" lang="en-US" sz="2200" spc="-1" strike="noStrike">
+                <a:latin typeface="Arial"/>
+              </a:rPr>
+              <a:t>	</a:t>
+            </a:r>
+            <a:r>
+              <a:rPr b="1" lang="en-US" sz="2200" spc="-1" strike="noStrike">
+                <a:latin typeface="Arial"/>
+              </a:rPr>
+              <a:t>	</a:t>
+            </a:r>
+            <a:r>
+              <a:rPr b="0" lang="en-US" sz="2200" spc="-1" strike="noStrike">
+                <a:latin typeface="Arial"/>
+              </a:rPr>
+              <a:t> </a:t>
+            </a:r>
+            <a:r>
+              <a:rPr b="0" lang="en-US" sz="2200" spc="-1" strike="noStrike">
+                <a:latin typeface="Arial"/>
+              </a:rPr>
+              <a:t>=&gt; LEARN </a:t>
+            </a:r>
+            <a:r>
+              <a:rPr b="1" lang="en-US" sz="2200" spc="-1" strike="noStrike">
+                <a:latin typeface="Arial"/>
+              </a:rPr>
+              <a:t>EVERYWHERE</a:t>
+            </a:r>
+            <a:endParaRPr b="0" lang="en-US" sz="2200" spc="-1" strike="noStrike">
+              <a:latin typeface="Arial"/>
+            </a:endParaRPr>
+          </a:p>
+          <a:p>
+            <a:r>
+              <a:rPr b="0" lang="en-US" sz="2200" spc="-1" strike="noStrike">
+                <a:latin typeface="Arial"/>
+              </a:rPr>
+              <a:t>	</a:t>
+            </a:r>
+            <a:r>
+              <a:rPr b="0" lang="en-US" sz="2200" spc="-1" strike="noStrike">
+                <a:latin typeface="Arial"/>
+              </a:rPr>
+              <a:t>	</a:t>
+            </a:r>
+            <a:r>
+              <a:rPr b="0" lang="en-US" sz="2200" spc="-1" strike="noStrike">
+                <a:latin typeface="Arial"/>
+              </a:rPr>
+              <a:t>	</a:t>
+            </a:r>
+            <a:r>
+              <a:rPr b="0" lang="en-US" sz="2200" spc="-1" strike="noStrike">
+                <a:latin typeface="Arial"/>
+              </a:rPr>
+              <a:t>	</a:t>
+            </a:r>
+            <a:r>
+              <a:rPr b="0" lang="en-US" sz="2200" spc="-1" strike="noStrike">
+                <a:latin typeface="Arial"/>
+              </a:rPr>
+              <a:t> </a:t>
+            </a:r>
+            <a:r>
+              <a:rPr b="0" lang="en-US" sz="2200" spc="-1" strike="noStrike">
+                <a:latin typeface="Arial"/>
+              </a:rPr>
+              <a:t>=&gt;  </a:t>
+            </a:r>
+            <a:r>
+              <a:rPr b="1" lang="en-US" sz="2200" spc="-1" strike="noStrike">
+                <a:latin typeface="Arial"/>
+              </a:rPr>
+              <a:t>DON’T</a:t>
+            </a:r>
+            <a:r>
+              <a:rPr b="0" lang="en-US" sz="2200" spc="-1" strike="noStrike">
+                <a:latin typeface="Arial"/>
+              </a:rPr>
+              <a:t> HAVE TO BUY PAPER FLASHCARD</a:t>
+            </a:r>
+            <a:endParaRPr b="0" lang="en-US" sz="2200" spc="-1" strike="noStrike">
               <a:latin typeface="Arial"/>
             </a:endParaRPr>
           </a:p>
@@ -16208,7 +15881,7 @@
       </p:grpSpPr>
       <p:sp>
         <p:nvSpPr>
-          <p:cNvPr id="341" name="TextShape 1"/>
+          <p:cNvPr id="342" name="TextShape 1"/>
           <p:cNvSpPr txBox="1"/>
           <p:nvPr/>
         </p:nvSpPr>
@@ -16240,7 +15913,169 @@
                 </a:solidFill>
                 <a:latin typeface="Segoe UI"/>
               </a:rPr>
-              <a:t>OVERVIEW</a:t>
+              <a:t>A</a:t>
+            </a:r>
+            <a:r>
+              <a:rPr b="1" lang="en-US" sz="4000" spc="-1" strike="noStrike">
+                <a:solidFill>
+                  <a:srgbClr val="c94c25"/>
+                </a:solidFill>
+                <a:latin typeface="Segoe UI"/>
+              </a:rPr>
+              <a:t>N</a:t>
+            </a:r>
+            <a:r>
+              <a:rPr b="1" lang="en-US" sz="4000" spc="-1" strike="noStrike">
+                <a:solidFill>
+                  <a:srgbClr val="c94c25"/>
+                </a:solidFill>
+                <a:latin typeface="Segoe UI"/>
+              </a:rPr>
+              <a:t>A</a:t>
+            </a:r>
+            <a:r>
+              <a:rPr b="1" lang="en-US" sz="4000" spc="-1" strike="noStrike">
+                <a:solidFill>
+                  <a:srgbClr val="c94c25"/>
+                </a:solidFill>
+                <a:latin typeface="Segoe UI"/>
+              </a:rPr>
+              <a:t>L</a:t>
+            </a:r>
+            <a:r>
+              <a:rPr b="1" lang="en-US" sz="4000" spc="-1" strike="noStrike">
+                <a:solidFill>
+                  <a:srgbClr val="c94c25"/>
+                </a:solidFill>
+                <a:latin typeface="Segoe UI"/>
+              </a:rPr>
+              <a:t>Y</a:t>
+            </a:r>
+            <a:r>
+              <a:rPr b="1" lang="en-US" sz="4000" spc="-1" strike="noStrike">
+                <a:solidFill>
+                  <a:srgbClr val="c94c25"/>
+                </a:solidFill>
+                <a:latin typeface="Segoe UI"/>
+              </a:rPr>
+              <a:t>S</a:t>
+            </a:r>
+            <a:r>
+              <a:rPr b="1" lang="en-US" sz="4000" spc="-1" strike="noStrike">
+                <a:solidFill>
+                  <a:srgbClr val="c94c25"/>
+                </a:solidFill>
+                <a:latin typeface="Segoe UI"/>
+              </a:rPr>
+              <a:t>I</a:t>
+            </a:r>
+            <a:r>
+              <a:rPr b="1" lang="en-US" sz="4000" spc="-1" strike="noStrike">
+                <a:solidFill>
+                  <a:srgbClr val="c94c25"/>
+                </a:solidFill>
+                <a:latin typeface="Segoe UI"/>
+              </a:rPr>
+              <a:t>S</a:t>
+            </a:r>
+            <a:r>
+              <a:rPr b="1" lang="en-US" sz="4000" spc="-1" strike="noStrike">
+                <a:solidFill>
+                  <a:srgbClr val="c94c25"/>
+                </a:solidFill>
+                <a:latin typeface="Segoe UI"/>
+              </a:rPr>
+              <a:t> </a:t>
+            </a:r>
+            <a:r>
+              <a:rPr b="1" lang="en-US" sz="4000" spc="-1" strike="noStrike">
+                <a:solidFill>
+                  <a:srgbClr val="c94c25"/>
+                </a:solidFill>
+                <a:latin typeface="Segoe UI"/>
+              </a:rPr>
+              <a:t>A</a:t>
+            </a:r>
+            <a:r>
+              <a:rPr b="1" lang="en-US" sz="4000" spc="-1" strike="noStrike">
+                <a:solidFill>
+                  <a:srgbClr val="c94c25"/>
+                </a:solidFill>
+                <a:latin typeface="Segoe UI"/>
+              </a:rPr>
+              <a:t>N</a:t>
+            </a:r>
+            <a:r>
+              <a:rPr b="1" lang="en-US" sz="4000" spc="-1" strike="noStrike">
+                <a:solidFill>
+                  <a:srgbClr val="c94c25"/>
+                </a:solidFill>
+                <a:latin typeface="Segoe UI"/>
+              </a:rPr>
+              <a:t>D</a:t>
+            </a:r>
+            <a:r>
+              <a:rPr b="1" lang="en-US" sz="4000" spc="-1" strike="noStrike">
+                <a:solidFill>
+                  <a:srgbClr val="c94c25"/>
+                </a:solidFill>
+                <a:latin typeface="Segoe UI"/>
+              </a:rPr>
+              <a:t> </a:t>
+            </a:r>
+            <a:r>
+              <a:rPr b="1" lang="en-US" sz="4000" spc="-1" strike="noStrike">
+                <a:solidFill>
+                  <a:srgbClr val="c94c25"/>
+                </a:solidFill>
+                <a:latin typeface="Segoe UI"/>
+              </a:rPr>
+              <a:t>D</a:t>
+            </a:r>
+            <a:r>
+              <a:rPr b="1" lang="en-US" sz="4000" spc="-1" strike="noStrike">
+                <a:solidFill>
+                  <a:srgbClr val="c94c25"/>
+                </a:solidFill>
+                <a:latin typeface="Segoe UI"/>
+              </a:rPr>
+              <a:t>E</a:t>
+            </a:r>
+            <a:r>
+              <a:rPr b="1" lang="en-US" sz="4000" spc="-1" strike="noStrike">
+                <a:solidFill>
+                  <a:srgbClr val="c94c25"/>
+                </a:solidFill>
+                <a:latin typeface="Segoe UI"/>
+              </a:rPr>
+              <a:t>S</a:t>
+            </a:r>
+            <a:r>
+              <a:rPr b="1" lang="en-US" sz="4000" spc="-1" strike="noStrike">
+                <a:solidFill>
+                  <a:srgbClr val="c94c25"/>
+                </a:solidFill>
+                <a:latin typeface="Segoe UI"/>
+              </a:rPr>
+              <a:t>I</a:t>
+            </a:r>
+            <a:r>
+              <a:rPr b="1" lang="en-US" sz="4000" spc="-1" strike="noStrike">
+                <a:solidFill>
+                  <a:srgbClr val="c94c25"/>
+                </a:solidFill>
+                <a:latin typeface="Segoe UI"/>
+              </a:rPr>
+              <a:t>G</a:t>
+            </a:r>
+            <a:r>
+              <a:rPr b="1" lang="en-US" sz="4000" spc="-1" strike="noStrike">
+                <a:solidFill>
+                  <a:srgbClr val="c94c25"/>
+                </a:solidFill>
+                <a:latin typeface="Segoe UI"/>
+              </a:rPr>
+              <a:t>N</a:t>
             </a:r>
             <a:endParaRPr b="0" lang="en-US" sz="4000" spc="-1" strike="noStrike">
               <a:solidFill>
@@ -16253,14 +16088,14 @@
       </p:sp>
       <p:sp>
         <p:nvSpPr>
-          <p:cNvPr id="342" name="TextShape 2"/>
+          <p:cNvPr id="343" name="TextShape 2"/>
           <p:cNvSpPr txBox="1"/>
           <p:nvPr/>
         </p:nvSpPr>
         <p:spPr>
           <a:xfrm>
             <a:off x="457200" y="2005560"/>
-            <a:ext cx="8229600" cy="1388520"/>
+            <a:ext cx="8229600" cy="2669400"/>
           </a:xfrm>
           <a:prstGeom prst="rect">
             <a:avLst/>
@@ -16274,276 +16109,122 @@
           <a:bodyPr lIns="90000" rIns="90000" tIns="45000" bIns="45000"/>
           <a:p>
             <a:r>
-              <a:rPr b="1" lang="en-US" sz="2200" spc="-1" strike="noStrike">
-                <a:solidFill>
-                  <a:srgbClr val="ce181e"/>
-                </a:solidFill>
+              <a:rPr b="1" lang="en-US" sz="2600" spc="-1" strike="noStrike">
                 <a:latin typeface="Arial"/>
               </a:rPr>
-              <a:t>Flashcard</a:t>
-            </a:r>
-            <a:r>
-              <a:rPr b="0" lang="en-US" sz="2200" spc="-1" strike="noStrike">
+              <a:t>PROGRESS:</a:t>
+            </a:r>
+            <a:endParaRPr b="0" lang="en-US" sz="2600" spc="-1" strike="noStrike">
+              <a:latin typeface="Arial"/>
+            </a:endParaRPr>
+          </a:p>
+          <a:p>
+            <a:r>
+              <a:rPr b="1" lang="en-US" sz="2600" spc="-1" strike="noStrike">
                 <a:latin typeface="Arial"/>
               </a:rPr>
-              <a:t> =&gt; </a:t>
-            </a:r>
-            <a:r>
-              <a:rPr b="1" lang="en-US" sz="2200" spc="-1" strike="noStrike">
+              <a:t>	</a:t>
+            </a:r>
+            <a:r>
+              <a:rPr b="1" lang="en-US" sz="2600" spc="-1" strike="noStrike">
                 <a:latin typeface="Arial"/>
               </a:rPr>
-              <a:t>METHOD TO LEARN</a:t>
-            </a:r>
-            <a:r>
-              <a:rPr b="0" lang="en-US" sz="2200" spc="-1" strike="noStrike">
+              <a:t>→ </a:t>
+            </a:r>
+            <a:r>
+              <a:rPr b="1" lang="en-US" sz="2600" spc="-1" strike="noStrike">
                 <a:latin typeface="Arial"/>
               </a:rPr>
-              <a:t> FOREIGN LANGUAGE</a:t>
-            </a:r>
-            <a:endParaRPr b="0" lang="en-US" sz="2200" spc="-1" strike="noStrike">
-              <a:latin typeface="Arial"/>
-            </a:endParaRPr>
-          </a:p>
-          <a:p>
-            <a:r>
-              <a:rPr b="0" lang="en-US" sz="2200" spc="-1" strike="noStrike">
+              <a:t>Requirement definition </a:t>
+            </a:r>
+            <a:r>
+              <a:rPr b="0" lang="en-US" sz="2600" spc="-1" strike="noStrike">
                 <a:latin typeface="Arial"/>
               </a:rPr>
+              <a:t>(in design document)</a:t>
+            </a:r>
+            <a:endParaRPr b="0" lang="en-US" sz="2600" spc="-1" strike="noStrike">
+              <a:latin typeface="Arial"/>
+            </a:endParaRPr>
+          </a:p>
+          <a:p>
+            <a:r>
+              <a:rPr b="1" lang="en-US" sz="2600" spc="-1" strike="noStrike">
+                <a:latin typeface="Arial"/>
+              </a:rPr>
               <a:t>	</a:t>
             </a:r>
             <a:r>
-              <a:rPr b="0" lang="en-US" sz="2200" spc="-1" strike="noStrike">
+              <a:rPr b="1" lang="en-US" sz="2600" spc="-1" strike="noStrike">
                 <a:latin typeface="Arial"/>
               </a:rPr>
+              <a:t>→ </a:t>
+            </a:r>
+            <a:r>
+              <a:rPr b="1" lang="en-US" sz="2600" spc="-1" strike="noStrike">
+                <a:latin typeface="Arial"/>
+              </a:rPr>
+              <a:t>Diagrams</a:t>
+            </a:r>
+            <a:r>
+              <a:rPr b="1" lang="en-US" sz="2600" spc="-1" strike="noStrike">
+                <a:latin typeface="Arial"/>
+              </a:rPr>
               <a:t>	</a:t>
             </a:r>
             <a:r>
-              <a:rPr b="0" lang="en-US" sz="2200" spc="-1" strike="noStrike">
+              <a:rPr b="0" lang="en-US" sz="2600" spc="-1" strike="noStrike">
                 <a:latin typeface="Arial"/>
               </a:rPr>
+              <a:t>(in design document)</a:t>
+            </a:r>
+            <a:endParaRPr b="0" lang="en-US" sz="2600" spc="-1" strike="noStrike">
+              <a:latin typeface="Arial"/>
+            </a:endParaRPr>
+          </a:p>
+          <a:p>
+            <a:r>
+              <a:rPr b="1" lang="en-US" sz="2600" spc="-1" strike="noStrike">
+                <a:latin typeface="Arial"/>
+              </a:rPr>
               <a:t>	</a:t>
             </a:r>
             <a:r>
-              <a:rPr b="0" lang="en-US" sz="2200" spc="-1" strike="noStrike">
+              <a:rPr b="1" lang="en-US" sz="2600" spc="-1" strike="noStrike">
                 <a:latin typeface="Arial"/>
               </a:rPr>
-              <a:t>=&gt; </a:t>
-            </a:r>
-            <a:r>
-              <a:rPr b="1" lang="en-US" sz="2200" spc="-1" strike="noStrike">
+              <a:t>→ </a:t>
+            </a:r>
+            <a:r>
+              <a:rPr b="1" lang="en-US" sz="2600" spc="-1" strike="noStrike">
                 <a:latin typeface="Arial"/>
               </a:rPr>
-              <a:t>COMBINE IMAGES WITH WORD</a:t>
-            </a:r>
-            <a:r>
-              <a:rPr b="0" lang="en-US" sz="2200" spc="-1" strike="noStrike">
+              <a:t>System architecture design</a:t>
+            </a:r>
+            <a:endParaRPr b="0" lang="en-US" sz="2600" spc="-1" strike="noStrike">
+              <a:latin typeface="Arial"/>
+            </a:endParaRPr>
+          </a:p>
+          <a:p>
+            <a:r>
+              <a:rPr b="1" lang="en-US" sz="2600" spc="-1" strike="noStrike">
                 <a:latin typeface="Arial"/>
               </a:rPr>
-              <a:t> </a:t>
-            </a:r>
-            <a:endParaRPr b="0" lang="en-US" sz="2200" spc="-1" strike="noStrike">
-              <a:latin typeface="Arial"/>
-            </a:endParaRPr>
-          </a:p>
-          <a:p>
-            <a:r>
-              <a:rPr b="0" lang="en-US" sz="2200" spc="-1" strike="noStrike">
+              <a:t>	</a:t>
+            </a:r>
+            <a:r>
+              <a:rPr b="1" lang="en-US" sz="2600" spc="-1" strike="noStrike">
                 <a:latin typeface="Arial"/>
               </a:rPr>
-              <a:t>	</a:t>
-            </a:r>
-            <a:r>
-              <a:rPr b="0" lang="en-US" sz="2200" spc="-1" strike="noStrike">
+              <a:t>→ </a:t>
+            </a:r>
+            <a:r>
+              <a:rPr b="1" lang="en-US" sz="2600" spc="-1" strike="noStrike">
                 <a:latin typeface="Arial"/>
               </a:rPr>
-              <a:t>	</a:t>
-            </a:r>
-            <a:r>
-              <a:rPr b="0" lang="en-US" sz="2200" spc="-1" strike="noStrike">
-                <a:latin typeface="Arial"/>
-              </a:rPr>
-              <a:t>	</a:t>
-            </a:r>
-            <a:r>
-              <a:rPr b="0" lang="en-US" sz="2200" spc="-1" strike="noStrike">
-                <a:latin typeface="Arial"/>
-              </a:rPr>
-              <a:t>	</a:t>
-            </a:r>
-            <a:r>
-              <a:rPr b="0" lang="en-US" sz="2200" spc="-1" strike="noStrike">
-                <a:latin typeface="Arial"/>
-              </a:rPr>
-              <a:t>	</a:t>
-            </a:r>
-            <a:r>
-              <a:rPr b="0" lang="en-US" sz="2200" spc="-1" strike="noStrike">
-                <a:latin typeface="Arial"/>
-              </a:rPr>
-              <a:t>	</a:t>
-            </a:r>
-            <a:r>
-              <a:rPr b="0" lang="en-US" sz="2200" spc="-1" strike="noStrike">
-                <a:latin typeface="Arial"/>
-              </a:rPr>
-              <a:t>-------&gt;</a:t>
-            </a:r>
-            <a:r>
-              <a:rPr b="1" lang="en-US" sz="2200" spc="-1" strike="noStrike">
-                <a:latin typeface="Arial"/>
-              </a:rPr>
-              <a:t> EASIER TO REMEMBER </a:t>
-            </a:r>
-            <a:endParaRPr b="0" lang="en-US" sz="2200" spc="-1" strike="noStrike">
-              <a:latin typeface="Arial"/>
-            </a:endParaRPr>
-          </a:p>
-        </p:txBody>
-      </p:sp>
-      <p:sp>
-        <p:nvSpPr>
-          <p:cNvPr id="343" name="TextShape 3"/>
-          <p:cNvSpPr txBox="1"/>
-          <p:nvPr/>
-        </p:nvSpPr>
-        <p:spPr>
-          <a:xfrm>
-            <a:off x="548640" y="3759840"/>
-            <a:ext cx="8503920" cy="1645920"/>
-          </a:xfrm>
-          <a:prstGeom prst="rect">
-            <a:avLst/>
-          </a:prstGeom>
-          <a:noFill/>
-          <a:ln>
-            <a:noFill/>
-          </a:ln>
-        </p:spPr>
-        <p:txBody>
-          <a:bodyPr lIns="90000" rIns="90000" tIns="45000" bIns="45000"/>
-          <a:p>
-            <a:r>
-              <a:rPr b="1" lang="en-US" sz="2200" spc="-1" strike="noStrike">
-                <a:solidFill>
-                  <a:srgbClr val="ce181e"/>
-                </a:solidFill>
-                <a:latin typeface="Arial"/>
-              </a:rPr>
-              <a:t>iCT Flashcard</a:t>
-            </a:r>
-            <a:r>
-              <a:rPr b="0" lang="en-US" sz="2200" spc="-1" strike="noStrike">
-                <a:latin typeface="Arial"/>
-              </a:rPr>
-              <a:t> =&gt; PROVIDE </a:t>
-            </a:r>
-            <a:r>
-              <a:rPr b="1" lang="en-US" sz="2200" spc="-1" strike="noStrike">
-                <a:latin typeface="Arial"/>
-              </a:rPr>
-              <a:t>VISUAL FLASHCARDS</a:t>
-            </a:r>
-            <a:endParaRPr b="0" lang="en-US" sz="2200" spc="-1" strike="noStrike">
-              <a:latin typeface="Arial"/>
-            </a:endParaRPr>
-          </a:p>
-          <a:p>
-            <a:r>
-              <a:rPr b="1" lang="en-US" sz="2200" spc="-1" strike="noStrike">
-                <a:latin typeface="Arial"/>
-              </a:rPr>
-              <a:t>	</a:t>
-            </a:r>
-            <a:r>
-              <a:rPr b="1" lang="en-US" sz="2200" spc="-1" strike="noStrike">
-                <a:latin typeface="Arial"/>
-              </a:rPr>
-              <a:t>	</a:t>
-            </a:r>
-            <a:r>
-              <a:rPr b="1" lang="en-US" sz="2200" spc="-1" strike="noStrike">
-                <a:latin typeface="Arial"/>
-              </a:rPr>
-              <a:t>	</a:t>
-            </a:r>
-            <a:r>
-              <a:rPr b="1" lang="en-US" sz="2200" spc="-1" strike="noStrike">
-                <a:latin typeface="Arial"/>
-              </a:rPr>
-              <a:t>	</a:t>
-            </a:r>
-            <a:r>
-              <a:rPr b="0" lang="en-US" sz="2200" spc="-1" strike="noStrike">
-                <a:latin typeface="Arial"/>
-              </a:rPr>
-              <a:t> </a:t>
-            </a:r>
-            <a:r>
-              <a:rPr b="0" lang="en-US" sz="2200" spc="-1" strike="noStrike">
-                <a:latin typeface="Arial"/>
-              </a:rPr>
-              <a:t>=&gt; LEARN </a:t>
-            </a:r>
-            <a:r>
-              <a:rPr b="1" lang="en-US" sz="2200" spc="-1" strike="noStrike">
-                <a:latin typeface="Arial"/>
-              </a:rPr>
-              <a:t>EVERYWHERE</a:t>
-            </a:r>
-            <a:endParaRPr b="0" lang="en-US" sz="2200" spc="-1" strike="noStrike">
-              <a:latin typeface="Arial"/>
-            </a:endParaRPr>
-          </a:p>
-          <a:p>
-            <a:r>
-              <a:rPr b="0" lang="en-US" sz="2200" spc="-1" strike="noStrike">
-                <a:latin typeface="Arial"/>
-              </a:rPr>
-              <a:t>	</a:t>
-            </a:r>
-            <a:r>
-              <a:rPr b="0" lang="en-US" sz="2200" spc="-1" strike="noStrike">
-                <a:latin typeface="Arial"/>
-              </a:rPr>
-              <a:t>	</a:t>
-            </a:r>
-            <a:r>
-              <a:rPr b="0" lang="en-US" sz="2200" spc="-1" strike="noStrike">
-                <a:latin typeface="Arial"/>
-              </a:rPr>
-              <a:t>	</a:t>
-            </a:r>
-            <a:r>
-              <a:rPr b="0" lang="en-US" sz="2200" spc="-1" strike="noStrike">
-                <a:latin typeface="Arial"/>
-              </a:rPr>
-              <a:t>	</a:t>
-            </a:r>
-            <a:r>
-              <a:rPr b="0" lang="en-US" sz="2200" spc="-1" strike="noStrike">
-                <a:latin typeface="Arial"/>
-              </a:rPr>
-              <a:t> </a:t>
-            </a:r>
-            <a:r>
-              <a:rPr b="0" lang="en-US" sz="2200" spc="-1" strike="noStrike">
-                <a:latin typeface="Arial"/>
-              </a:rPr>
-              <a:t>=&gt;  </a:t>
-            </a:r>
-            <a:r>
-              <a:rPr b="1" lang="en-US" sz="2200" spc="-1" strike="noStrike">
-                <a:latin typeface="Arial"/>
-              </a:rPr>
-              <a:t>DON’T</a:t>
-            </a:r>
-            <a:r>
-              <a:rPr b="0" lang="en-US" sz="2200" spc="-1" strike="noStrike">
-                <a:latin typeface="Arial"/>
-              </a:rPr>
-              <a:t> HAVE TO BUY PAPER FLASHCARD</a:t>
-            </a:r>
-            <a:endParaRPr b="0" lang="en-US" sz="2200" spc="-1" strike="noStrike">
+              <a:t>Technologies in use</a:t>
+            </a:r>
+            <a:endParaRPr b="0" lang="en-US" sz="2600" spc="-1" strike="noStrike">
               <a:latin typeface="Arial"/>
             </a:endParaRPr>
           </a:p>
@@ -16626,13 +16307,31 @@
               </a:lnSpc>
             </a:pPr>
             <a:r>
-              <a:rPr b="0" lang="en-US" sz="4000" spc="-1" strike="noStrike">
+              <a:rPr b="1" lang="en-US" sz="4000" spc="-1" strike="noStrike">
                 <a:solidFill>
                   <a:srgbClr val="c94c25"/>
                 </a:solidFill>
                 <a:latin typeface="Segoe UI"/>
               </a:rPr>
-              <a:t>OUTLINE</a:t>
+              <a:t>ANALYSIS </a:t>
+            </a:r>
+            <a:r>
+              <a:rPr b="1" lang="en-US" sz="4000" spc="-1" strike="noStrike">
+                <a:solidFill>
+                  <a:srgbClr val="c94c25"/>
+                </a:solidFill>
+                <a:latin typeface="Segoe UI"/>
+              </a:rPr>
+              <a:t>AND </a:t>
+            </a:r>
+            <a:r>
+              <a:rPr b="1" lang="en-US" sz="4000" spc="-1" strike="noStrike">
+                <a:solidFill>
+                  <a:srgbClr val="c94c25"/>
+                </a:solidFill>
+                <a:latin typeface="Segoe UI"/>
+              </a:rPr>
+              <a:t>DESIGN</a:t>
             </a:r>
             <a:endParaRPr b="0" lang="en-US" sz="4000" spc="-1" strike="noStrike">
               <a:solidFill>
@@ -16651,15 +16350,19 @@
         </p:nvSpPr>
         <p:spPr>
           <a:xfrm>
-            <a:off x="640080" y="1272960"/>
-            <a:ext cx="8321040" cy="5219280"/>
-          </a:xfrm>
-          <a:prstGeom prst="rect">
-            <a:avLst/>
-          </a:prstGeom>
-          <a:noFill/>
+            <a:off x="274320" y="1554480"/>
+            <a:ext cx="5486400" cy="5120640"/>
+          </a:xfrm>
+          <a:prstGeom prst="rect">
+            <a:avLst/>
+          </a:prstGeom>
+          <a:solidFill>
+            <a:srgbClr val="bce4e5"/>
+          </a:solidFill>
           <a:ln>
-            <a:noFill/>
+            <a:solidFill>
+              <a:srgbClr val="3465a4"/>
+            </a:solidFill>
           </a:ln>
         </p:spPr>
         <p:style>
@@ -16668,114 +16371,844 @@
           <a:effectRef idx="0"/>
           <a:fontRef idx="minor"/>
         </p:style>
-        <p:txBody>
-          <a:bodyPr lIns="0" rIns="0" tIns="45000" bIns="45000" anchor="ctr"/>
-          <a:p>
-            <a:pPr marL="182880">
-              <a:lnSpc>
-                <a:spcPct val="100000"/>
-              </a:lnSpc>
-            </a:pPr>
-            <a:r>
-              <a:rPr b="1" lang="en-US" sz="3200" spc="-1" strike="noStrike">
-                <a:solidFill>
-                  <a:srgbClr val="c94c25"/>
-                </a:solidFill>
-                <a:latin typeface="Segoe UI"/>
-              </a:rPr>
-              <a:t>1. Overview</a:t>
-            </a:r>
-            <a:endParaRPr b="0" lang="en-US" sz="3200" spc="-1" strike="noStrike">
-              <a:latin typeface="Arial"/>
-            </a:endParaRPr>
-          </a:p>
-          <a:p>
-            <a:pPr marL="182880">
-              <a:lnSpc>
-                <a:spcPct val="100000"/>
-              </a:lnSpc>
-            </a:pPr>
-            <a:r>
-              <a:rPr b="1" lang="en-US" sz="3200" spc="-1" strike="noStrike">
-                <a:solidFill>
-                  <a:srgbClr val="c94c25"/>
-                </a:solidFill>
-                <a:latin typeface="Segoe UI"/>
-                <a:ea typeface="Noto Sans CJK SC Regular"/>
-              </a:rPr>
-              <a:t>2. </a:t>
-            </a:r>
-            <a:r>
-              <a:rPr b="1" lang="en-US" sz="3200" spc="-1" strike="noStrike">
-                <a:solidFill>
-                  <a:srgbClr val="c94c25"/>
-                </a:solidFill>
-                <a:latin typeface="Segoe UI"/>
-              </a:rPr>
-              <a:t>Analysis and Design</a:t>
-            </a:r>
-            <a:endParaRPr b="0" lang="en-US" sz="3200" spc="-1" strike="noStrike">
-              <a:latin typeface="Arial"/>
-            </a:endParaRPr>
-          </a:p>
-          <a:p>
-            <a:pPr marL="182880">
-              <a:lnSpc>
-                <a:spcPct val="100000"/>
-              </a:lnSpc>
-            </a:pPr>
-            <a:r>
-              <a:rPr b="1" lang="en-US" sz="3200" spc="-1" strike="noStrike">
-                <a:solidFill>
-                  <a:srgbClr val="c94c25"/>
-                </a:solidFill>
-                <a:latin typeface="Segoe UI"/>
-              </a:rPr>
-              <a:t>3. Technologies</a:t>
-            </a:r>
-            <a:endParaRPr b="0" lang="en-US" sz="3200" spc="-1" strike="noStrike">
-              <a:latin typeface="Arial"/>
-            </a:endParaRPr>
-          </a:p>
-          <a:p>
-            <a:pPr marL="182880">
-              <a:lnSpc>
-                <a:spcPct val="100000"/>
-              </a:lnSpc>
-            </a:pPr>
-            <a:r>
-              <a:rPr b="1" lang="en-US" sz="3200" spc="-1" strike="noStrike">
-                <a:solidFill>
-                  <a:srgbClr val="c94c25"/>
-                </a:solidFill>
-                <a:latin typeface="Segoe UI"/>
-              </a:rPr>
-              <a:t>4. Teamwork</a:t>
-            </a:r>
-            <a:endParaRPr b="0" lang="en-US" sz="3200" spc="-1" strike="noStrike">
-              <a:latin typeface="Arial"/>
-            </a:endParaRPr>
-          </a:p>
-          <a:p>
-            <a:pPr marL="182880">
-              <a:lnSpc>
-                <a:spcPct val="100000"/>
-              </a:lnSpc>
-            </a:pPr>
-            <a:r>
-              <a:rPr b="1" lang="en-US" sz="3200" spc="-1" strike="noStrike">
-                <a:solidFill>
-                  <a:srgbClr val="c94c25"/>
-                </a:solidFill>
-                <a:latin typeface="Segoe UI"/>
-              </a:rPr>
-              <a:t>5. Final result </a:t>
-            </a:r>
-            <a:endParaRPr b="0" lang="en-US" sz="3200" spc="-1" strike="noStrike">
-              <a:latin typeface="Arial"/>
-            </a:endParaRPr>
-          </a:p>
-        </p:txBody>
+      </p:sp>
+      <p:sp>
+        <p:nvSpPr>
+          <p:cNvPr id="346" name="CustomShape 3"/>
+          <p:cNvSpPr/>
+          <p:nvPr/>
+        </p:nvSpPr>
+        <p:spPr>
+          <a:xfrm>
+            <a:off x="5852160" y="1554480"/>
+            <a:ext cx="3108960" cy="5120640"/>
+          </a:xfrm>
+          <a:prstGeom prst="rect">
+            <a:avLst/>
+          </a:prstGeom>
+          <a:solidFill>
+            <a:srgbClr val="bce4e5"/>
+          </a:solidFill>
+          <a:ln>
+            <a:solidFill>
+              <a:srgbClr val="3465a4"/>
+            </a:solidFill>
+          </a:ln>
+        </p:spPr>
+        <p:style>
+          <a:lnRef idx="0"/>
+          <a:fillRef idx="0"/>
+          <a:effectRef idx="0"/>
+          <a:fontRef idx="minor"/>
+        </p:style>
+      </p:sp>
+      <p:sp>
+        <p:nvSpPr>
+          <p:cNvPr id="347" name="CustomShape 4"/>
+          <p:cNvSpPr/>
+          <p:nvPr/>
+        </p:nvSpPr>
+        <p:spPr>
+          <a:xfrm>
+            <a:off x="365760" y="2011680"/>
+            <a:ext cx="5303520" cy="2743200"/>
+          </a:xfrm>
+          <a:prstGeom prst="rect">
+            <a:avLst/>
+          </a:prstGeom>
+          <a:solidFill>
+            <a:srgbClr val="729fcf"/>
+          </a:solidFill>
+          <a:ln>
+            <a:solidFill>
+              <a:srgbClr val="3465a4"/>
+            </a:solidFill>
+          </a:ln>
+        </p:spPr>
+        <p:style>
+          <a:lnRef idx="0"/>
+          <a:fillRef idx="0"/>
+          <a:effectRef idx="0"/>
+          <a:fontRef idx="minor"/>
+        </p:style>
+      </p:sp>
+      <p:sp>
+        <p:nvSpPr>
+          <p:cNvPr id="348" name="TextShape 5"/>
+          <p:cNvSpPr txBox="1"/>
+          <p:nvPr/>
+        </p:nvSpPr>
+        <p:spPr>
+          <a:xfrm>
+            <a:off x="3017520" y="1091160"/>
+            <a:ext cx="3840480" cy="463320"/>
+          </a:xfrm>
+          <a:prstGeom prst="rect">
+            <a:avLst/>
+          </a:prstGeom>
+          <a:noFill/>
+          <a:ln>
+            <a:noFill/>
+          </a:ln>
+        </p:spPr>
+        <p:txBody>
+          <a:bodyPr lIns="90000" rIns="90000" tIns="45000" bIns="45000"/>
+          <a:p>
+            <a:r>
+              <a:rPr b="1" lang="en-US" sz="2200" spc="-1" strike="noStrike">
+                <a:latin typeface="Arial"/>
+              </a:rPr>
+              <a:t>SYSTEM </a:t>
+            </a:r>
+            <a:r>
+              <a:rPr b="1" lang="en-US" sz="2200" spc="-1" strike="noStrike">
+                <a:latin typeface="Arial"/>
+              </a:rPr>
+              <a:t>ARCHITE</a:t>
+            </a:r>
+            <a:r>
+              <a:rPr b="1" lang="en-US" sz="2200" spc="-1" strike="noStrike">
+                <a:latin typeface="Arial"/>
+              </a:rPr>
+              <a:t>CTURE</a:t>
+            </a:r>
+            <a:endParaRPr b="0" lang="en-US" sz="2200" spc="-1" strike="noStrike">
+              <a:latin typeface="Arial"/>
+            </a:endParaRPr>
+          </a:p>
+        </p:txBody>
+      </p:sp>
+      <p:sp>
+        <p:nvSpPr>
+          <p:cNvPr id="349" name="TextShape 6"/>
+          <p:cNvSpPr txBox="1"/>
+          <p:nvPr/>
+        </p:nvSpPr>
+        <p:spPr>
+          <a:xfrm>
+            <a:off x="457200" y="1731600"/>
+            <a:ext cx="3840480" cy="463320"/>
+          </a:xfrm>
+          <a:prstGeom prst="rect">
+            <a:avLst/>
+          </a:prstGeom>
+          <a:noFill/>
+          <a:ln>
+            <a:noFill/>
+          </a:ln>
+        </p:spPr>
+        <p:txBody>
+          <a:bodyPr lIns="90000" rIns="90000" tIns="45000" bIns="45000"/>
+          <a:p>
+            <a:r>
+              <a:rPr b="1" lang="en-US" sz="1800" spc="-1" strike="noStrike">
+                <a:latin typeface="Arial"/>
+              </a:rPr>
+              <a:t>WEB SERVER</a:t>
+            </a:r>
+            <a:endParaRPr b="0" lang="en-US" sz="1800" spc="-1" strike="noStrike">
+              <a:latin typeface="Arial"/>
+            </a:endParaRPr>
+          </a:p>
+        </p:txBody>
+      </p:sp>
+      <p:sp>
+        <p:nvSpPr>
+          <p:cNvPr id="350" name="TextShape 7"/>
+          <p:cNvSpPr txBox="1"/>
+          <p:nvPr/>
+        </p:nvSpPr>
+        <p:spPr>
+          <a:xfrm>
+            <a:off x="5943600" y="1737360"/>
+            <a:ext cx="3840480" cy="463320"/>
+          </a:xfrm>
+          <a:prstGeom prst="rect">
+            <a:avLst/>
+          </a:prstGeom>
+          <a:noFill/>
+          <a:ln>
+            <a:noFill/>
+          </a:ln>
+        </p:spPr>
+        <p:txBody>
+          <a:bodyPr lIns="90000" rIns="90000" tIns="45000" bIns="45000"/>
+          <a:p>
+            <a:r>
+              <a:rPr b="1" lang="en-US" sz="1800" spc="-1" strike="noStrike">
+                <a:latin typeface="Arial"/>
+              </a:rPr>
+              <a:t>CLIENT DESKTOP APP</a:t>
+            </a:r>
+            <a:endParaRPr b="0" lang="en-US" sz="1800" spc="-1" strike="noStrike">
+              <a:latin typeface="Arial"/>
+            </a:endParaRPr>
+          </a:p>
+        </p:txBody>
+      </p:sp>
+      <p:sp>
+        <p:nvSpPr>
+          <p:cNvPr id="351" name="TextShape 8"/>
+          <p:cNvSpPr txBox="1"/>
+          <p:nvPr/>
+        </p:nvSpPr>
+        <p:spPr>
+          <a:xfrm>
+            <a:off x="365760" y="2097000"/>
+            <a:ext cx="3840480" cy="463320"/>
+          </a:xfrm>
+          <a:prstGeom prst="rect">
+            <a:avLst/>
+          </a:prstGeom>
+          <a:noFill/>
+          <a:ln>
+            <a:noFill/>
+          </a:ln>
+        </p:spPr>
+        <p:txBody>
+          <a:bodyPr lIns="90000" rIns="90000" tIns="45000" bIns="45000"/>
+          <a:p>
+            <a:r>
+              <a:rPr b="0" lang="en-US" sz="1800" spc="-1" strike="noStrike">
+                <a:latin typeface="Arial"/>
+              </a:rPr>
+              <a:t>Server: </a:t>
+            </a:r>
+            <a:r>
+              <a:rPr b="1" lang="en-US" sz="1800" spc="-1" strike="noStrike">
+                <a:latin typeface="Arial"/>
+              </a:rPr>
+              <a:t>MVC model</a:t>
+            </a:r>
+            <a:endParaRPr b="0" lang="en-US" sz="1800" spc="-1" strike="noStrike">
+              <a:latin typeface="Arial"/>
+            </a:endParaRPr>
+          </a:p>
+        </p:txBody>
+      </p:sp>
+      <p:sp>
+        <p:nvSpPr>
+          <p:cNvPr id="352" name="CustomShape 9"/>
+          <p:cNvSpPr/>
+          <p:nvPr/>
+        </p:nvSpPr>
+        <p:spPr>
+          <a:xfrm>
+            <a:off x="365760" y="4846320"/>
+            <a:ext cx="5303520" cy="1737360"/>
+          </a:xfrm>
+          <a:prstGeom prst="rect">
+            <a:avLst/>
+          </a:prstGeom>
+          <a:solidFill>
+            <a:srgbClr val="729fcf"/>
+          </a:solidFill>
+          <a:ln>
+            <a:solidFill>
+              <a:srgbClr val="3465a4"/>
+            </a:solidFill>
+          </a:ln>
+        </p:spPr>
+        <p:style>
+          <a:lnRef idx="0"/>
+          <a:fillRef idx="0"/>
+          <a:effectRef idx="0"/>
+          <a:fontRef idx="minor"/>
+        </p:style>
+      </p:sp>
+      <p:pic>
+        <p:nvPicPr>
+          <p:cNvPr id="353" name="" descr=""/>
+          <p:cNvPicPr/>
+          <p:nvPr/>
+        </p:nvPicPr>
+        <p:blipFill>
+          <a:blip r:embed="rId1"/>
+          <a:stretch/>
+        </p:blipFill>
+        <p:spPr>
+          <a:xfrm>
+            <a:off x="519480" y="2743200"/>
+            <a:ext cx="577800" cy="640080"/>
+          </a:xfrm>
+          <a:prstGeom prst="rect">
+            <a:avLst/>
+          </a:prstGeom>
+          <a:ln>
+            <a:noFill/>
+          </a:ln>
+        </p:spPr>
+      </p:pic>
+      <p:sp>
+        <p:nvSpPr>
+          <p:cNvPr id="354" name="Line 10"/>
+          <p:cNvSpPr/>
+          <p:nvPr/>
+        </p:nvSpPr>
+        <p:spPr>
+          <a:xfrm>
+            <a:off x="1188720" y="3017520"/>
+            <a:ext cx="640080" cy="0"/>
+          </a:xfrm>
+          <a:prstGeom prst="line">
+            <a:avLst/>
+          </a:prstGeom>
+          <a:ln>
+            <a:solidFill>
+              <a:srgbClr val="000000"/>
+            </a:solidFill>
+            <a:headEnd len="med" type="triangle" w="med"/>
+            <a:tailEnd len="med" type="triangle" w="med"/>
+          </a:ln>
+        </p:spPr>
+        <p:style>
+          <a:lnRef idx="0"/>
+          <a:fillRef idx="0"/>
+          <a:effectRef idx="0"/>
+          <a:fontRef idx="minor"/>
+        </p:style>
+      </p:sp>
+      <p:sp>
+        <p:nvSpPr>
+          <p:cNvPr id="355" name="TextShape 11"/>
+          <p:cNvSpPr txBox="1"/>
+          <p:nvPr/>
+        </p:nvSpPr>
+        <p:spPr>
+          <a:xfrm>
+            <a:off x="365760" y="3474720"/>
+            <a:ext cx="1188720" cy="463320"/>
+          </a:xfrm>
+          <a:prstGeom prst="rect">
+            <a:avLst/>
+          </a:prstGeom>
+          <a:noFill/>
+          <a:ln>
+            <a:noFill/>
+          </a:ln>
+        </p:spPr>
+        <p:txBody>
+          <a:bodyPr lIns="90000" rIns="90000" tIns="45000" bIns="45000"/>
+          <a:p>
+            <a:r>
+              <a:rPr b="0" lang="en-US" sz="1800" spc="-1" strike="noStrike">
+                <a:latin typeface="Arial"/>
+              </a:rPr>
+              <a:t>Database</a:t>
+            </a:r>
+            <a:endParaRPr b="0" lang="en-US" sz="1800" spc="-1" strike="noStrike">
+              <a:latin typeface="Arial"/>
+            </a:endParaRPr>
+          </a:p>
+        </p:txBody>
+      </p:sp>
+      <p:sp>
+        <p:nvSpPr>
+          <p:cNvPr id="356" name="CustomShape 12"/>
+          <p:cNvSpPr/>
+          <p:nvPr/>
+        </p:nvSpPr>
+        <p:spPr>
+          <a:xfrm>
+            <a:off x="1920240" y="2743200"/>
+            <a:ext cx="914400" cy="640080"/>
+          </a:xfrm>
+          <a:prstGeom prst="rect">
+            <a:avLst/>
+          </a:prstGeom>
+          <a:solidFill>
+            <a:srgbClr val="fff9ae"/>
+          </a:solidFill>
+          <a:ln>
+            <a:solidFill>
+              <a:srgbClr val="3465a4"/>
+            </a:solidFill>
+          </a:ln>
+        </p:spPr>
+        <p:style>
+          <a:lnRef idx="0"/>
+          <a:fillRef idx="0"/>
+          <a:effectRef idx="0"/>
+          <a:fontRef idx="minor"/>
+        </p:style>
+        <p:txBody>
+          <a:bodyPr wrap="none" lIns="90000" rIns="90000" tIns="45000" bIns="45000" anchor="ctr"/>
+          <a:p>
+            <a:pPr algn="ctr"/>
+            <a:r>
+              <a:rPr b="0" lang="en-US" sz="1800" spc="-1" strike="noStrike">
+                <a:latin typeface="Arial"/>
+              </a:rPr>
+              <a:t>Models</a:t>
+            </a:r>
+            <a:endParaRPr b="0" lang="en-US" sz="1800" spc="-1" strike="noStrike">
+              <a:latin typeface="Arial"/>
+            </a:endParaRPr>
+          </a:p>
+        </p:txBody>
+      </p:sp>
+      <p:sp>
+        <p:nvSpPr>
+          <p:cNvPr id="357" name="CustomShape 13"/>
+          <p:cNvSpPr/>
+          <p:nvPr/>
+        </p:nvSpPr>
+        <p:spPr>
+          <a:xfrm>
+            <a:off x="3657600" y="2743200"/>
+            <a:ext cx="1554480" cy="640080"/>
+          </a:xfrm>
+          <a:prstGeom prst="rect">
+            <a:avLst/>
+          </a:prstGeom>
+          <a:solidFill>
+            <a:srgbClr val="fff9ae"/>
+          </a:solidFill>
+          <a:ln>
+            <a:solidFill>
+              <a:srgbClr val="3465a4"/>
+            </a:solidFill>
+          </a:ln>
+        </p:spPr>
+        <p:style>
+          <a:lnRef idx="0"/>
+          <a:fillRef idx="0"/>
+          <a:effectRef idx="0"/>
+          <a:fontRef idx="minor"/>
+        </p:style>
+        <p:txBody>
+          <a:bodyPr wrap="none" lIns="90000" rIns="90000" tIns="45000" bIns="45000" anchor="ctr"/>
+          <a:p>
+            <a:pPr algn="ctr"/>
+            <a:r>
+              <a:rPr b="0" lang="en-US" sz="1800" spc="-1" strike="noStrike">
+                <a:latin typeface="Arial"/>
+              </a:rPr>
+              <a:t>Controllers</a:t>
+            </a:r>
+            <a:endParaRPr b="0" lang="en-US" sz="1800" spc="-1" strike="noStrike">
+              <a:latin typeface="Arial"/>
+            </a:endParaRPr>
+          </a:p>
+        </p:txBody>
+      </p:sp>
+      <p:sp>
+        <p:nvSpPr>
+          <p:cNvPr id="358" name="Line 14"/>
+          <p:cNvSpPr/>
+          <p:nvPr/>
+        </p:nvSpPr>
+        <p:spPr>
+          <a:xfrm>
+            <a:off x="2926080" y="3017520"/>
+            <a:ext cx="640080" cy="0"/>
+          </a:xfrm>
+          <a:prstGeom prst="line">
+            <a:avLst/>
+          </a:prstGeom>
+          <a:ln>
+            <a:solidFill>
+              <a:srgbClr val="000000"/>
+            </a:solidFill>
+            <a:headEnd len="med" type="triangle" w="med"/>
+            <a:tailEnd len="med" type="triangle" w="med"/>
+          </a:ln>
+        </p:spPr>
+        <p:style>
+          <a:lnRef idx="0"/>
+          <a:fillRef idx="0"/>
+          <a:effectRef idx="0"/>
+          <a:fontRef idx="minor"/>
+        </p:style>
+      </p:sp>
+      <p:sp>
+        <p:nvSpPr>
+          <p:cNvPr id="359" name="CustomShape 15"/>
+          <p:cNvSpPr/>
+          <p:nvPr/>
+        </p:nvSpPr>
+        <p:spPr>
+          <a:xfrm>
+            <a:off x="1920240" y="3657600"/>
+            <a:ext cx="3657600" cy="640080"/>
+          </a:xfrm>
+          <a:prstGeom prst="rect">
+            <a:avLst/>
+          </a:prstGeom>
+          <a:solidFill>
+            <a:srgbClr val="fff9ae"/>
+          </a:solidFill>
+          <a:ln>
+            <a:solidFill>
+              <a:srgbClr val="3465a4"/>
+            </a:solidFill>
+          </a:ln>
+        </p:spPr>
+        <p:style>
+          <a:lnRef idx="0"/>
+          <a:fillRef idx="0"/>
+          <a:effectRef idx="0"/>
+          <a:fontRef idx="minor"/>
+        </p:style>
+        <p:txBody>
+          <a:bodyPr wrap="none" lIns="90000" rIns="90000" tIns="45000" bIns="45000" anchor="ctr"/>
+          <a:p>
+            <a:pPr algn="ctr"/>
+            <a:r>
+              <a:rPr b="0" lang="en-US" sz="1800" spc="-1" strike="noStrike">
+                <a:latin typeface="Arial"/>
+              </a:rPr>
+              <a:t>View (json) – REST. API</a:t>
+            </a:r>
+            <a:endParaRPr b="0" lang="en-US" sz="1800" spc="-1" strike="noStrike">
+              <a:latin typeface="Arial"/>
+            </a:endParaRPr>
+          </a:p>
+        </p:txBody>
+      </p:sp>
+      <p:sp>
+        <p:nvSpPr>
+          <p:cNvPr id="360" name="Line 16"/>
+          <p:cNvSpPr/>
+          <p:nvPr/>
+        </p:nvSpPr>
+        <p:spPr>
+          <a:xfrm flipV="1">
+            <a:off x="4023360" y="3383280"/>
+            <a:ext cx="365760" cy="274320"/>
+          </a:xfrm>
+          <a:prstGeom prst="line">
+            <a:avLst/>
+          </a:prstGeom>
+          <a:ln>
+            <a:solidFill>
+              <a:srgbClr val="000000"/>
+            </a:solidFill>
+            <a:headEnd len="med" type="triangle" w="med"/>
+            <a:tailEnd len="med" type="triangle" w="med"/>
+          </a:ln>
+        </p:spPr>
+        <p:style>
+          <a:lnRef idx="0"/>
+          <a:fillRef idx="0"/>
+          <a:effectRef idx="0"/>
+          <a:fontRef idx="minor"/>
+        </p:style>
+      </p:sp>
+      <p:sp>
+        <p:nvSpPr>
+          <p:cNvPr id="361" name="CustomShape 17"/>
+          <p:cNvSpPr/>
+          <p:nvPr/>
+        </p:nvSpPr>
+        <p:spPr>
+          <a:xfrm>
+            <a:off x="2558160" y="2025000"/>
+            <a:ext cx="1554480" cy="640080"/>
+          </a:xfrm>
+          <a:prstGeom prst="rect">
+            <a:avLst/>
+          </a:prstGeom>
+          <a:solidFill>
+            <a:srgbClr val="fff9ae"/>
+          </a:solidFill>
+          <a:ln>
+            <a:solidFill>
+              <a:srgbClr val="3465a4"/>
+            </a:solidFill>
+          </a:ln>
+        </p:spPr>
+        <p:style>
+          <a:lnRef idx="0"/>
+          <a:fillRef idx="0"/>
+          <a:effectRef idx="0"/>
+          <a:fontRef idx="minor"/>
+        </p:style>
+        <p:txBody>
+          <a:bodyPr wrap="none" lIns="90000" rIns="90000" tIns="45000" bIns="45000" anchor="ctr"/>
+          <a:p>
+            <a:pPr algn="ctr"/>
+            <a:r>
+              <a:rPr b="0" lang="en-US" sz="1800" spc="-1" strike="noStrike">
+                <a:latin typeface="Arial"/>
+              </a:rPr>
+              <a:t>Services</a:t>
+            </a:r>
+            <a:endParaRPr b="0" lang="en-US" sz="1800" spc="-1" strike="noStrike">
+              <a:latin typeface="Arial"/>
+            </a:endParaRPr>
+          </a:p>
+        </p:txBody>
+      </p:sp>
+      <p:sp>
+        <p:nvSpPr>
+          <p:cNvPr id="362" name="Line 18"/>
+          <p:cNvSpPr/>
+          <p:nvPr/>
+        </p:nvSpPr>
+        <p:spPr>
+          <a:xfrm flipV="1">
+            <a:off x="2011680" y="2468880"/>
+            <a:ext cx="546480" cy="274320"/>
+          </a:xfrm>
+          <a:prstGeom prst="line">
+            <a:avLst/>
+          </a:prstGeom>
+          <a:ln>
+            <a:solidFill>
+              <a:srgbClr val="000000"/>
+            </a:solidFill>
+            <a:headEnd len="med" type="triangle" w="med"/>
+            <a:tailEnd len="med" type="triangle" w="med"/>
+          </a:ln>
+        </p:spPr>
+        <p:style>
+          <a:lnRef idx="0"/>
+          <a:fillRef idx="0"/>
+          <a:effectRef idx="0"/>
+          <a:fontRef idx="minor"/>
+        </p:style>
+      </p:sp>
+      <p:sp>
+        <p:nvSpPr>
+          <p:cNvPr id="363" name="Line 19"/>
+          <p:cNvSpPr/>
+          <p:nvPr/>
+        </p:nvSpPr>
+        <p:spPr>
+          <a:xfrm>
+            <a:off x="4112640" y="2286000"/>
+            <a:ext cx="459360" cy="457200"/>
+          </a:xfrm>
+          <a:prstGeom prst="line">
+            <a:avLst/>
+          </a:prstGeom>
+          <a:ln>
+            <a:solidFill>
+              <a:srgbClr val="000000"/>
+            </a:solidFill>
+            <a:headEnd len="med" type="triangle" w="med"/>
+            <a:tailEnd len="med" type="triangle" w="med"/>
+          </a:ln>
+        </p:spPr>
+        <p:style>
+          <a:lnRef idx="0"/>
+          <a:fillRef idx="0"/>
+          <a:effectRef idx="0"/>
+          <a:fontRef idx="minor"/>
+        </p:style>
+      </p:sp>
+      <p:sp>
+        <p:nvSpPr>
+          <p:cNvPr id="364" name="CustomShape 20"/>
+          <p:cNvSpPr/>
+          <p:nvPr/>
+        </p:nvSpPr>
+        <p:spPr>
+          <a:xfrm>
+            <a:off x="6035040" y="3383280"/>
+            <a:ext cx="2834640" cy="2011680"/>
+          </a:xfrm>
+          <a:prstGeom prst="rect">
+            <a:avLst/>
+          </a:prstGeom>
+          <a:solidFill>
+            <a:srgbClr val="fff9ae"/>
+          </a:solidFill>
+          <a:ln>
+            <a:solidFill>
+              <a:srgbClr val="3465a4"/>
+            </a:solidFill>
+          </a:ln>
+        </p:spPr>
+        <p:style>
+          <a:lnRef idx="0"/>
+          <a:fillRef idx="0"/>
+          <a:effectRef idx="0"/>
+          <a:fontRef idx="minor"/>
+        </p:style>
+        <p:txBody>
+          <a:bodyPr wrap="none" lIns="90000" rIns="90000" tIns="45000" bIns="45000" anchor="ctr"/>
+          <a:p>
+            <a:pPr algn="ctr"/>
+            <a:r>
+              <a:rPr b="0" lang="en-US" sz="1800" spc="-1" strike="noStrike">
+                <a:latin typeface="Arial"/>
+              </a:rPr>
+              <a:t>JAVA SWING</a:t>
+            </a:r>
+            <a:endParaRPr b="0" lang="en-US" sz="1800" spc="-1" strike="noStrike">
+              <a:latin typeface="Arial"/>
+            </a:endParaRPr>
+          </a:p>
+          <a:p>
+            <a:pPr algn="ctr"/>
+            <a:endParaRPr b="0" lang="en-US" sz="1800" spc="-1" strike="noStrike">
+              <a:latin typeface="Arial"/>
+            </a:endParaRPr>
+          </a:p>
+        </p:txBody>
+      </p:sp>
+      <p:sp>
+        <p:nvSpPr>
+          <p:cNvPr id="365" name="Line 21"/>
+          <p:cNvSpPr/>
+          <p:nvPr/>
+        </p:nvSpPr>
+        <p:spPr>
+          <a:xfrm>
+            <a:off x="5577840" y="3931920"/>
+            <a:ext cx="459360" cy="457200"/>
+          </a:xfrm>
+          <a:prstGeom prst="line">
+            <a:avLst/>
+          </a:prstGeom>
+          <a:ln>
+            <a:solidFill>
+              <a:srgbClr val="000000"/>
+            </a:solidFill>
+            <a:headEnd len="med" type="triangle" w="med"/>
+            <a:tailEnd len="med" type="triangle" w="med"/>
+          </a:ln>
+        </p:spPr>
+        <p:style>
+          <a:lnRef idx="0"/>
+          <a:fillRef idx="0"/>
+          <a:effectRef idx="0"/>
+          <a:fontRef idx="minor"/>
+        </p:style>
+      </p:sp>
+      <p:sp>
+        <p:nvSpPr>
+          <p:cNvPr id="366" name="CustomShape 22"/>
+          <p:cNvSpPr/>
+          <p:nvPr/>
+        </p:nvSpPr>
+        <p:spPr>
+          <a:xfrm>
+            <a:off x="1828800" y="5120640"/>
+            <a:ext cx="3749040" cy="1371600"/>
+          </a:xfrm>
+          <a:prstGeom prst="rect">
+            <a:avLst/>
+          </a:prstGeom>
+          <a:solidFill>
+            <a:srgbClr val="fff9ae"/>
+          </a:solidFill>
+          <a:ln>
+            <a:solidFill>
+              <a:srgbClr val="3465a4"/>
+            </a:solidFill>
+          </a:ln>
+        </p:spPr>
+        <p:style>
+          <a:lnRef idx="0"/>
+          <a:fillRef idx="0"/>
+          <a:effectRef idx="0"/>
+          <a:fontRef idx="minor"/>
+        </p:style>
+        <p:txBody>
+          <a:bodyPr wrap="none" lIns="90000" rIns="90000" tIns="45000" bIns="45000" anchor="ctr"/>
+          <a:p>
+            <a:pPr algn="ctr"/>
+            <a:r>
+              <a:rPr b="0" lang="en-US" sz="1800" spc="-1" strike="noStrike">
+                <a:latin typeface="Arial"/>
+              </a:rPr>
+              <a:t>JAVASCRIPT / JQUERY / AJAX</a:t>
+            </a:r>
+            <a:endParaRPr b="0" lang="en-US" sz="1800" spc="-1" strike="noStrike">
+              <a:latin typeface="Arial"/>
+            </a:endParaRPr>
+          </a:p>
+          <a:p>
+            <a:pPr algn="ctr"/>
+            <a:r>
+              <a:rPr b="0" lang="en-US" sz="1800" spc="-1" strike="noStrike">
+                <a:latin typeface="Arial"/>
+              </a:rPr>
+              <a:t>HTML / BOOTSTRAP</a:t>
+            </a:r>
+            <a:endParaRPr b="0" lang="en-US" sz="1800" spc="-1" strike="noStrike">
+              <a:latin typeface="Arial"/>
+            </a:endParaRPr>
+          </a:p>
+        </p:txBody>
+      </p:sp>
+      <p:sp>
+        <p:nvSpPr>
+          <p:cNvPr id="367" name="TextShape 23"/>
+          <p:cNvSpPr txBox="1"/>
+          <p:nvPr/>
+        </p:nvSpPr>
+        <p:spPr>
+          <a:xfrm>
+            <a:off x="365760" y="5023080"/>
+            <a:ext cx="3840480" cy="463320"/>
+          </a:xfrm>
+          <a:prstGeom prst="rect">
+            <a:avLst/>
+          </a:prstGeom>
+          <a:noFill/>
+          <a:ln>
+            <a:noFill/>
+          </a:ln>
+        </p:spPr>
+        <p:txBody>
+          <a:bodyPr lIns="90000" rIns="90000" tIns="45000" bIns="45000"/>
+          <a:p>
+            <a:r>
+              <a:rPr b="0" lang="en-US" sz="1800" spc="-1" strike="noStrike">
+                <a:latin typeface="Arial"/>
+              </a:rPr>
+              <a:t>Web </a:t>
+            </a:r>
+            <a:r>
+              <a:rPr b="0" lang="en-US" sz="1800" spc="-1" strike="noStrike">
+                <a:latin typeface="Arial"/>
+              </a:rPr>
+              <a:t>clien</a:t>
+            </a:r>
+            <a:r>
+              <a:rPr b="0" lang="en-US" sz="1800" spc="-1" strike="noStrike">
+                <a:latin typeface="Arial"/>
+              </a:rPr>
+              <a:t>t:</a:t>
+            </a:r>
+            <a:endParaRPr b="0" lang="en-US" sz="1800" spc="-1" strike="noStrike">
+              <a:latin typeface="Arial"/>
+            </a:endParaRPr>
+          </a:p>
+        </p:txBody>
+      </p:sp>
+      <p:sp>
+        <p:nvSpPr>
+          <p:cNvPr id="368" name="Line 24"/>
+          <p:cNvSpPr/>
+          <p:nvPr/>
+        </p:nvSpPr>
+        <p:spPr>
+          <a:xfrm>
+            <a:off x="3657600" y="4389120"/>
+            <a:ext cx="0" cy="633960"/>
+          </a:xfrm>
+          <a:prstGeom prst="line">
+            <a:avLst/>
+          </a:prstGeom>
+          <a:ln>
+            <a:solidFill>
+              <a:srgbClr val="000000"/>
+            </a:solidFill>
+            <a:headEnd len="med" type="triangle" w="med"/>
+            <a:tailEnd len="med" type="triangle" w="med"/>
+          </a:ln>
+        </p:spPr>
+        <p:style>
+          <a:lnRef idx="0"/>
+          <a:fillRef idx="0"/>
+          <a:effectRef idx="0"/>
+          <a:fontRef idx="minor"/>
+        </p:style>
       </p:sp>
     </p:spTree>
   </p:cSld>
@@ -16828,14 +17261,14 @@
       </p:grpSpPr>
       <p:sp>
         <p:nvSpPr>
-          <p:cNvPr id="346" name="TextShape 1"/>
+          <p:cNvPr id="369" name="TextShape 1"/>
           <p:cNvSpPr txBox="1"/>
           <p:nvPr/>
         </p:nvSpPr>
         <p:spPr>
           <a:xfrm>
             <a:off x="457200" y="474120"/>
-            <a:ext cx="4754520" cy="798840"/>
+            <a:ext cx="8869680" cy="798840"/>
           </a:xfrm>
           <a:prstGeom prst="rect">
             <a:avLst/>
@@ -16860,7 +17293,7 @@
                 </a:solidFill>
                 <a:latin typeface="Segoe UI"/>
               </a:rPr>
-              <a:t>ANALYSIS AND DESIGN</a:t>
+              <a:t>SOFTWARE IMPLEMENTATION / CODING</a:t>
             </a:r>
             <a:endParaRPr b="0" lang="en-US" sz="4000" spc="-1" strike="noStrike">
               <a:solidFill>
@@ -16873,14 +17306,14 @@
       </p:sp>
       <p:sp>
         <p:nvSpPr>
-          <p:cNvPr id="347" name="TextShape 2"/>
+          <p:cNvPr id="370" name="TextShape 2"/>
           <p:cNvSpPr txBox="1"/>
           <p:nvPr/>
         </p:nvSpPr>
         <p:spPr>
           <a:xfrm>
-            <a:off x="457200" y="2005560"/>
-            <a:ext cx="8229600" cy="2669400"/>
+            <a:off x="457200" y="2005920"/>
+            <a:ext cx="8229600" cy="1279440"/>
           </a:xfrm>
           <a:prstGeom prst="rect">
             <a:avLst/>
@@ -16897,117 +17330,7 @@
               <a:rPr b="1" lang="en-US" sz="2600" spc="-1" strike="noStrike">
                 <a:latin typeface="Arial"/>
               </a:rPr>
-              <a:t>PROGRESS:</a:t>
-            </a:r>
-            <a:endParaRPr b="0" lang="en-US" sz="2600" spc="-1" strike="noStrike">
-              <a:latin typeface="Arial"/>
-            </a:endParaRPr>
-          </a:p>
-          <a:p>
-            <a:r>
-              <a:rPr b="1" lang="en-US" sz="2600" spc="-1" strike="noStrike">
-                <a:latin typeface="Arial"/>
-              </a:rPr>
-              <a:t>	</a:t>
-            </a:r>
-            <a:r>
-              <a:rPr b="1" lang="en-US" sz="2600" spc="-1" strike="noStrike">
-                <a:latin typeface="Arial"/>
-              </a:rPr>
-              <a:t>→ </a:t>
-            </a:r>
-            <a:r>
-              <a:rPr b="1" lang="en-US" sz="2600" spc="-1" strike="noStrike">
-                <a:latin typeface="Arial"/>
-              </a:rPr>
-              <a:t>Requirement definition </a:t>
-            </a:r>
-            <a:r>
-              <a:rPr b="0" lang="en-US" sz="2600" spc="-1" strike="noStrike">
-                <a:latin typeface="Arial"/>
-              </a:rPr>
-              <a:t>(in design document)</a:t>
-            </a:r>
-            <a:endParaRPr b="0" lang="en-US" sz="2600" spc="-1" strike="noStrike">
-              <a:latin typeface="Arial"/>
-            </a:endParaRPr>
-          </a:p>
-          <a:p>
-            <a:r>
-              <a:rPr b="1" lang="en-US" sz="2600" spc="-1" strike="noStrike">
-                <a:latin typeface="Arial"/>
-              </a:rPr>
-              <a:t>	</a:t>
-            </a:r>
-            <a:r>
-              <a:rPr b="1" lang="en-US" sz="2600" spc="-1" strike="noStrike">
-                <a:latin typeface="Arial"/>
-              </a:rPr>
-              <a:t>→ </a:t>
-            </a:r>
-            <a:r>
-              <a:rPr b="1" lang="en-US" sz="2600" spc="-1" strike="noStrike">
-                <a:latin typeface="Arial"/>
-              </a:rPr>
-              <a:t>Diagrams</a:t>
-            </a:r>
-            <a:r>
-              <a:rPr b="1" lang="en-US" sz="2600" spc="-1" strike="noStrike">
-                <a:latin typeface="Arial"/>
-              </a:rPr>
-              <a:t>	</a:t>
-            </a:r>
-            <a:r>
-              <a:rPr b="0" lang="en-US" sz="2600" spc="-1" strike="noStrike">
-                <a:latin typeface="Arial"/>
-              </a:rPr>
-              <a:t>(in design document)</a:t>
-            </a:r>
-            <a:endParaRPr b="0" lang="en-US" sz="2600" spc="-1" strike="noStrike">
-              <a:latin typeface="Arial"/>
-            </a:endParaRPr>
-          </a:p>
-          <a:p>
-            <a:r>
-              <a:rPr b="1" lang="en-US" sz="2600" spc="-1" strike="noStrike">
-                <a:latin typeface="Arial"/>
-              </a:rPr>
-              <a:t>	</a:t>
-            </a:r>
-            <a:r>
-              <a:rPr b="1" lang="en-US" sz="2600" spc="-1" strike="noStrike">
-                <a:latin typeface="Arial"/>
-              </a:rPr>
-              <a:t>→ </a:t>
-            </a:r>
-            <a:r>
-              <a:rPr b="1" lang="en-US" sz="2600" spc="-1" strike="noStrike">
-                <a:latin typeface="Arial"/>
-              </a:rPr>
-              <a:t>System architecture design</a:t>
-            </a:r>
-            <a:endParaRPr b="0" lang="en-US" sz="2600" spc="-1" strike="noStrike">
-              <a:latin typeface="Arial"/>
-            </a:endParaRPr>
-          </a:p>
-          <a:p>
-            <a:r>
-              <a:rPr b="1" lang="en-US" sz="2600" spc="-1" strike="noStrike">
-                <a:latin typeface="Arial"/>
-              </a:rPr>
-              <a:t>	</a:t>
-            </a:r>
-            <a:r>
-              <a:rPr b="1" lang="en-US" sz="2600" spc="-1" strike="noStrike">
-                <a:latin typeface="Arial"/>
-              </a:rPr>
-              <a:t>→ </a:t>
-            </a:r>
-            <a:r>
-              <a:rPr b="1" lang="en-US" sz="2600" spc="-1" strike="noStrike">
-                <a:latin typeface="Arial"/>
-              </a:rPr>
-              <a:t>Technologies in use</a:t>
+              <a:t>VERSION CONTROL</a:t>
             </a:r>
             <a:endParaRPr b="0" lang="en-US" sz="2600" spc="-1" strike="noStrike">
               <a:latin typeface="Arial"/>
@@ -17066,7 +17389,7 @@
       </p:grpSpPr>
       <p:sp>
         <p:nvSpPr>
-          <p:cNvPr id="348" name="TextShape 1"/>
+          <p:cNvPr id="371" name="TextShape 1"/>
           <p:cNvSpPr txBox="1"/>
           <p:nvPr/>
         </p:nvSpPr>
@@ -17098,7 +17421,70 @@
                 </a:solidFill>
                 <a:latin typeface="Segoe UI"/>
               </a:rPr>
-              <a:t>ANALYSIS AND DESIGN</a:t>
+              <a:t>T</a:t>
+            </a:r>
+            <a:r>
+              <a:rPr b="1" lang="en-US" sz="4000" spc="-1" strike="noStrike">
+                <a:solidFill>
+                  <a:srgbClr val="c94c25"/>
+                </a:solidFill>
+                <a:latin typeface="Segoe UI"/>
+              </a:rPr>
+              <a:t>E</a:t>
+            </a:r>
+            <a:r>
+              <a:rPr b="1" lang="en-US" sz="4000" spc="-1" strike="noStrike">
+                <a:solidFill>
+                  <a:srgbClr val="c94c25"/>
+                </a:solidFill>
+                <a:latin typeface="Segoe UI"/>
+              </a:rPr>
+              <a:t>A</a:t>
+            </a:r>
+            <a:r>
+              <a:rPr b="1" lang="en-US" sz="4000" spc="-1" strike="noStrike">
+                <a:solidFill>
+                  <a:srgbClr val="c94c25"/>
+                </a:solidFill>
+                <a:latin typeface="Segoe UI"/>
+              </a:rPr>
+              <a:t>M</a:t>
+            </a:r>
+            <a:r>
+              <a:rPr b="1" lang="en-US" sz="4000" spc="-1" strike="noStrike">
+                <a:solidFill>
+                  <a:srgbClr val="c94c25"/>
+                </a:solidFill>
+                <a:latin typeface="Segoe UI"/>
+              </a:rPr>
+              <a:t>W</a:t>
+            </a:r>
+            <a:r>
+              <a:rPr b="1" lang="en-US" sz="4000" spc="-1" strike="noStrike">
+                <a:solidFill>
+                  <a:srgbClr val="c94c25"/>
+                </a:solidFill>
+                <a:latin typeface="Segoe UI"/>
+              </a:rPr>
+              <a:t>O</a:t>
+            </a:r>
+            <a:r>
+              <a:rPr b="1" lang="en-US" sz="4000" spc="-1" strike="noStrike">
+                <a:solidFill>
+                  <a:srgbClr val="c94c25"/>
+                </a:solidFill>
+                <a:latin typeface="Segoe UI"/>
+              </a:rPr>
+              <a:t>R</a:t>
+            </a:r>
+            <a:r>
+              <a:rPr b="1" lang="en-US" sz="4000" spc="-1" strike="noStrike">
+                <a:solidFill>
+                  <a:srgbClr val="c94c25"/>
+                </a:solidFill>
+                <a:latin typeface="Segoe UI"/>
+              </a:rPr>
+              <a:t>K</a:t>
             </a:r>
             <a:endParaRPr b="0" lang="en-US" sz="4000" spc="-1" strike="noStrike">
               <a:solidFill>
@@ -17111,14 +17497,14 @@
       </p:sp>
       <p:sp>
         <p:nvSpPr>
-          <p:cNvPr id="349" name="CustomShape 2"/>
+          <p:cNvPr id="372" name="CustomShape 2"/>
           <p:cNvSpPr/>
           <p:nvPr/>
         </p:nvSpPr>
         <p:spPr>
           <a:xfrm>
-            <a:off x="274320" y="1554480"/>
-            <a:ext cx="5486400" cy="5120640"/>
+            <a:off x="22320" y="1554480"/>
+            <a:ext cx="2903760" cy="5120640"/>
           </a:xfrm>
           <a:prstGeom prst="rect">
             <a:avLst/>
@@ -17141,13 +17527,13 @@
       </p:sp>
       <p:sp>
         <p:nvSpPr>
-          <p:cNvPr id="350" name="CustomShape 3"/>
+          <p:cNvPr id="373" name="CustomShape 3"/>
           <p:cNvSpPr/>
           <p:nvPr/>
         </p:nvSpPr>
         <p:spPr>
           <a:xfrm>
-            <a:off x="5852160" y="1554480"/>
+            <a:off x="2926080" y="1554480"/>
             <a:ext cx="3108960" cy="5120640"/>
           </a:xfrm>
           <a:prstGeom prst="rect">
@@ -17171,579 +17557,129 @@
       </p:sp>
       <p:sp>
         <p:nvSpPr>
-          <p:cNvPr id="351" name="CustomShape 4"/>
+          <p:cNvPr id="374" name="TextShape 4"/>
+          <p:cNvSpPr txBox="1"/>
+          <p:nvPr/>
+        </p:nvSpPr>
+        <p:spPr>
+          <a:xfrm>
+            <a:off x="205200" y="1731600"/>
+            <a:ext cx="3840480" cy="463320"/>
+          </a:xfrm>
+          <a:prstGeom prst="rect">
+            <a:avLst/>
+          </a:prstGeom>
+          <a:noFill/>
+          <a:ln>
+            <a:noFill/>
+          </a:ln>
+        </p:spPr>
+        <p:txBody>
+          <a:bodyPr lIns="90000" rIns="90000" tIns="45000" bIns="45000"/>
+          <a:p>
+            <a:r>
+              <a:rPr b="1" lang="en-US" sz="1800" spc="-1" strike="noStrike">
+                <a:latin typeface="Arial"/>
+              </a:rPr>
+              <a:t>WEB SERVER</a:t>
+            </a:r>
+            <a:endParaRPr b="0" lang="en-US" sz="1800" spc="-1" strike="noStrike">
+              <a:latin typeface="Arial"/>
+            </a:endParaRPr>
+          </a:p>
+        </p:txBody>
+      </p:sp>
+      <p:sp>
+        <p:nvSpPr>
+          <p:cNvPr id="375" name="TextShape 5"/>
+          <p:cNvSpPr txBox="1"/>
+          <p:nvPr/>
+        </p:nvSpPr>
+        <p:spPr>
+          <a:xfrm>
+            <a:off x="3222720" y="1731600"/>
+            <a:ext cx="3840480" cy="463320"/>
+          </a:xfrm>
+          <a:prstGeom prst="rect">
+            <a:avLst/>
+          </a:prstGeom>
+          <a:noFill/>
+          <a:ln>
+            <a:noFill/>
+          </a:ln>
+        </p:spPr>
+        <p:txBody>
+          <a:bodyPr lIns="90000" rIns="90000" tIns="45000" bIns="45000"/>
+          <a:p>
+            <a:r>
+              <a:rPr b="1" lang="en-US" sz="1800" spc="-1" strike="noStrike">
+                <a:latin typeface="Arial"/>
+              </a:rPr>
+              <a:t>CLI</a:t>
+            </a:r>
+            <a:r>
+              <a:rPr b="1" lang="en-US" sz="1800" spc="-1" strike="noStrike">
+                <a:latin typeface="Arial"/>
+              </a:rPr>
+              <a:t>ENT </a:t>
+            </a:r>
+            <a:r>
+              <a:rPr b="1" lang="en-US" sz="1800" spc="-1" strike="noStrike">
+                <a:latin typeface="Arial"/>
+              </a:rPr>
+              <a:t>DE</a:t>
+            </a:r>
+            <a:r>
+              <a:rPr b="1" lang="en-US" sz="1800" spc="-1" strike="noStrike">
+                <a:latin typeface="Arial"/>
+              </a:rPr>
+              <a:t>SKT</a:t>
+            </a:r>
+            <a:r>
+              <a:rPr b="1" lang="en-US" sz="1800" spc="-1" strike="noStrike">
+                <a:latin typeface="Arial"/>
+              </a:rPr>
+              <a:t>OP </a:t>
+            </a:r>
+            <a:r>
+              <a:rPr b="1" lang="en-US" sz="1800" spc="-1" strike="noStrike">
+                <a:latin typeface="Arial"/>
+              </a:rPr>
+              <a:t>AP</a:t>
+            </a:r>
+            <a:r>
+              <a:rPr b="1" lang="en-US" sz="1800" spc="-1" strike="noStrike">
+                <a:latin typeface="Arial"/>
+              </a:rPr>
+              <a:t>P</a:t>
+            </a:r>
+            <a:endParaRPr b="0" lang="en-US" sz="1800" spc="-1" strike="noStrike">
+              <a:latin typeface="Arial"/>
+            </a:endParaRPr>
+          </a:p>
+        </p:txBody>
+      </p:sp>
+      <p:sp>
+        <p:nvSpPr>
+          <p:cNvPr id="376" name="CustomShape 6"/>
           <p:cNvSpPr/>
           <p:nvPr/>
         </p:nvSpPr>
         <p:spPr>
           <a:xfrm>
-            <a:off x="365760" y="2011680"/>
-            <a:ext cx="5303520" cy="2743200"/>
+            <a:off x="6035040" y="1554480"/>
+            <a:ext cx="3108960" cy="5120640"/>
           </a:xfrm>
           <a:prstGeom prst="rect">
             <a:avLst/>
           </a:prstGeom>
           <a:solidFill>
-            <a:srgbClr val="729fcf"/>
+            <a:srgbClr val="bce4e5"/>
           </a:solidFill>
           <a:ln>
             <a:solidFill>
               <a:srgbClr val="3465a4"/>
             </a:solidFill>
-          </a:ln>
-        </p:spPr>
-        <p:style>
-          <a:lnRef idx="0"/>
-          <a:fillRef idx="0"/>
-          <a:effectRef idx="0"/>
-          <a:fontRef idx="minor"/>
-        </p:style>
-      </p:sp>
-      <p:sp>
-        <p:nvSpPr>
-          <p:cNvPr id="352" name="TextShape 5"/>
-          <p:cNvSpPr txBox="1"/>
-          <p:nvPr/>
-        </p:nvSpPr>
-        <p:spPr>
-          <a:xfrm>
-            <a:off x="3017520" y="1091160"/>
-            <a:ext cx="3840480" cy="463320"/>
-          </a:xfrm>
-          <a:prstGeom prst="rect">
-            <a:avLst/>
-          </a:prstGeom>
-          <a:noFill/>
-          <a:ln>
-            <a:noFill/>
-          </a:ln>
-        </p:spPr>
-        <p:txBody>
-          <a:bodyPr lIns="90000" rIns="90000" tIns="45000" bIns="45000"/>
-          <a:p>
-            <a:r>
-              <a:rPr b="1" lang="en-US" sz="2200" spc="-1" strike="noStrike">
-                <a:latin typeface="Arial"/>
-              </a:rPr>
-              <a:t>SYSTEM ARCHITECTURE</a:t>
-            </a:r>
-            <a:endParaRPr b="0" lang="en-US" sz="2200" spc="-1" strike="noStrike">
-              <a:latin typeface="Arial"/>
-            </a:endParaRPr>
-          </a:p>
-        </p:txBody>
-      </p:sp>
-      <p:sp>
-        <p:nvSpPr>
-          <p:cNvPr id="353" name="TextShape 6"/>
-          <p:cNvSpPr txBox="1"/>
-          <p:nvPr/>
-        </p:nvSpPr>
-        <p:spPr>
-          <a:xfrm>
-            <a:off x="457200" y="1731600"/>
-            <a:ext cx="3840480" cy="463320"/>
-          </a:xfrm>
-          <a:prstGeom prst="rect">
-            <a:avLst/>
-          </a:prstGeom>
-          <a:noFill/>
-          <a:ln>
-            <a:noFill/>
-          </a:ln>
-        </p:spPr>
-        <p:txBody>
-          <a:bodyPr lIns="90000" rIns="90000" tIns="45000" bIns="45000"/>
-          <a:p>
-            <a:r>
-              <a:rPr b="1" lang="en-US" sz="1800" spc="-1" strike="noStrike">
-                <a:latin typeface="Arial"/>
-              </a:rPr>
-              <a:t>WEB SERVER</a:t>
-            </a:r>
-            <a:endParaRPr b="0" lang="en-US" sz="1800" spc="-1" strike="noStrike">
-              <a:latin typeface="Arial"/>
-            </a:endParaRPr>
-          </a:p>
-        </p:txBody>
-      </p:sp>
-      <p:sp>
-        <p:nvSpPr>
-          <p:cNvPr id="354" name="TextShape 7"/>
-          <p:cNvSpPr txBox="1"/>
-          <p:nvPr/>
-        </p:nvSpPr>
-        <p:spPr>
-          <a:xfrm>
-            <a:off x="5943600" y="1737360"/>
-            <a:ext cx="3840480" cy="463320"/>
-          </a:xfrm>
-          <a:prstGeom prst="rect">
-            <a:avLst/>
-          </a:prstGeom>
-          <a:noFill/>
-          <a:ln>
-            <a:noFill/>
-          </a:ln>
-        </p:spPr>
-        <p:txBody>
-          <a:bodyPr lIns="90000" rIns="90000" tIns="45000" bIns="45000"/>
-          <a:p>
-            <a:r>
-              <a:rPr b="1" lang="en-US" sz="1800" spc="-1" strike="noStrike">
-                <a:latin typeface="Arial"/>
-              </a:rPr>
-              <a:t>CLIENT DESKTOP APP</a:t>
-            </a:r>
-            <a:endParaRPr b="0" lang="en-US" sz="1800" spc="-1" strike="noStrike">
-              <a:latin typeface="Arial"/>
-            </a:endParaRPr>
-          </a:p>
-        </p:txBody>
-      </p:sp>
-      <p:sp>
-        <p:nvSpPr>
-          <p:cNvPr id="355" name="TextShape 8"/>
-          <p:cNvSpPr txBox="1"/>
-          <p:nvPr/>
-        </p:nvSpPr>
-        <p:spPr>
-          <a:xfrm>
-            <a:off x="365760" y="2097000"/>
-            <a:ext cx="3840480" cy="463320"/>
-          </a:xfrm>
-          <a:prstGeom prst="rect">
-            <a:avLst/>
-          </a:prstGeom>
-          <a:noFill/>
-          <a:ln>
-            <a:noFill/>
-          </a:ln>
-        </p:spPr>
-        <p:txBody>
-          <a:bodyPr lIns="90000" rIns="90000" tIns="45000" bIns="45000"/>
-          <a:p>
-            <a:r>
-              <a:rPr b="0" lang="en-US" sz="1800" spc="-1" strike="noStrike">
-                <a:latin typeface="Arial"/>
-              </a:rPr>
-              <a:t>Server: </a:t>
-            </a:r>
-            <a:r>
-              <a:rPr b="1" lang="en-US" sz="1800" spc="-1" strike="noStrike">
-                <a:latin typeface="Arial"/>
-              </a:rPr>
-              <a:t>MVC model</a:t>
-            </a:r>
-            <a:endParaRPr b="0" lang="en-US" sz="1800" spc="-1" strike="noStrike">
-              <a:latin typeface="Arial"/>
-            </a:endParaRPr>
-          </a:p>
-        </p:txBody>
-      </p:sp>
-      <p:sp>
-        <p:nvSpPr>
-          <p:cNvPr id="356" name="CustomShape 9"/>
-          <p:cNvSpPr/>
-          <p:nvPr/>
-        </p:nvSpPr>
-        <p:spPr>
-          <a:xfrm>
-            <a:off x="365760" y="4846320"/>
-            <a:ext cx="5303520" cy="1737360"/>
-          </a:xfrm>
-          <a:prstGeom prst="rect">
-            <a:avLst/>
-          </a:prstGeom>
-          <a:solidFill>
-            <a:srgbClr val="729fcf"/>
-          </a:solidFill>
-          <a:ln>
-            <a:solidFill>
-              <a:srgbClr val="3465a4"/>
-            </a:solidFill>
-          </a:ln>
-        </p:spPr>
-        <p:style>
-          <a:lnRef idx="0"/>
-          <a:fillRef idx="0"/>
-          <a:effectRef idx="0"/>
-          <a:fontRef idx="minor"/>
-        </p:style>
-      </p:sp>
-      <p:pic>
-        <p:nvPicPr>
-          <p:cNvPr id="357" name="" descr=""/>
-          <p:cNvPicPr/>
-          <p:nvPr/>
-        </p:nvPicPr>
-        <p:blipFill>
-          <a:blip r:embed="rId1"/>
-          <a:stretch/>
-        </p:blipFill>
-        <p:spPr>
-          <a:xfrm>
-            <a:off x="519480" y="2743200"/>
-            <a:ext cx="577800" cy="640080"/>
-          </a:xfrm>
-          <a:prstGeom prst="rect">
-            <a:avLst/>
-          </a:prstGeom>
-          <a:ln>
-            <a:noFill/>
-          </a:ln>
-        </p:spPr>
-      </p:pic>
-      <p:sp>
-        <p:nvSpPr>
-          <p:cNvPr id="358" name="Line 10"/>
-          <p:cNvSpPr/>
-          <p:nvPr/>
-        </p:nvSpPr>
-        <p:spPr>
-          <a:xfrm>
-            <a:off x="1188720" y="3017520"/>
-            <a:ext cx="640080" cy="0"/>
-          </a:xfrm>
-          <a:prstGeom prst="line">
-            <a:avLst/>
-          </a:prstGeom>
-          <a:ln>
-            <a:solidFill>
-              <a:srgbClr val="000000"/>
-            </a:solidFill>
-            <a:headEnd len="med" type="triangle" w="med"/>
-            <a:tailEnd len="med" type="triangle" w="med"/>
-          </a:ln>
-        </p:spPr>
-        <p:style>
-          <a:lnRef idx="0"/>
-          <a:fillRef idx="0"/>
-          <a:effectRef idx="0"/>
-          <a:fontRef idx="minor"/>
-        </p:style>
-      </p:sp>
-      <p:sp>
-        <p:nvSpPr>
-          <p:cNvPr id="359" name="TextShape 11"/>
-          <p:cNvSpPr txBox="1"/>
-          <p:nvPr/>
-        </p:nvSpPr>
-        <p:spPr>
-          <a:xfrm>
-            <a:off x="365760" y="3474720"/>
-            <a:ext cx="1188720" cy="463320"/>
-          </a:xfrm>
-          <a:prstGeom prst="rect">
-            <a:avLst/>
-          </a:prstGeom>
-          <a:noFill/>
-          <a:ln>
-            <a:noFill/>
-          </a:ln>
-        </p:spPr>
-        <p:txBody>
-          <a:bodyPr lIns="90000" rIns="90000" tIns="45000" bIns="45000"/>
-          <a:p>
-            <a:r>
-              <a:rPr b="0" lang="en-US" sz="1800" spc="-1" strike="noStrike">
-                <a:latin typeface="Arial"/>
-              </a:rPr>
-              <a:t>Database</a:t>
-            </a:r>
-            <a:endParaRPr b="0" lang="en-US" sz="1800" spc="-1" strike="noStrike">
-              <a:latin typeface="Arial"/>
-            </a:endParaRPr>
-          </a:p>
-        </p:txBody>
-      </p:sp>
-      <p:sp>
-        <p:nvSpPr>
-          <p:cNvPr id="360" name="CustomShape 12"/>
-          <p:cNvSpPr/>
-          <p:nvPr/>
-        </p:nvSpPr>
-        <p:spPr>
-          <a:xfrm>
-            <a:off x="1920240" y="2743200"/>
-            <a:ext cx="914400" cy="640080"/>
-          </a:xfrm>
-          <a:prstGeom prst="rect">
-            <a:avLst/>
-          </a:prstGeom>
-          <a:solidFill>
-            <a:srgbClr val="fff9ae"/>
-          </a:solidFill>
-          <a:ln>
-            <a:solidFill>
-              <a:srgbClr val="3465a4"/>
-            </a:solidFill>
-          </a:ln>
-        </p:spPr>
-        <p:style>
-          <a:lnRef idx="0"/>
-          <a:fillRef idx="0"/>
-          <a:effectRef idx="0"/>
-          <a:fontRef idx="minor"/>
-        </p:style>
-        <p:txBody>
-          <a:bodyPr wrap="none" lIns="90000" rIns="90000" tIns="45000" bIns="45000" anchor="ctr"/>
-          <a:p>
-            <a:pPr algn="ctr"/>
-            <a:r>
-              <a:rPr b="0" lang="en-US" sz="1800" spc="-1" strike="noStrike">
-                <a:latin typeface="Arial"/>
-              </a:rPr>
-              <a:t>Models</a:t>
-            </a:r>
-            <a:endParaRPr b="0" lang="en-US" sz="1800" spc="-1" strike="noStrike">
-              <a:latin typeface="Arial"/>
-            </a:endParaRPr>
-          </a:p>
-        </p:txBody>
-      </p:sp>
-      <p:sp>
-        <p:nvSpPr>
-          <p:cNvPr id="361" name="CustomShape 13"/>
-          <p:cNvSpPr/>
-          <p:nvPr/>
-        </p:nvSpPr>
-        <p:spPr>
-          <a:xfrm>
-            <a:off x="3657600" y="2743200"/>
-            <a:ext cx="1554480" cy="640080"/>
-          </a:xfrm>
-          <a:prstGeom prst="rect">
-            <a:avLst/>
-          </a:prstGeom>
-          <a:solidFill>
-            <a:srgbClr val="fff9ae"/>
-          </a:solidFill>
-          <a:ln>
-            <a:solidFill>
-              <a:srgbClr val="3465a4"/>
-            </a:solidFill>
-          </a:ln>
-        </p:spPr>
-        <p:style>
-          <a:lnRef idx="0"/>
-          <a:fillRef idx="0"/>
-          <a:effectRef idx="0"/>
-          <a:fontRef idx="minor"/>
-        </p:style>
-        <p:txBody>
-          <a:bodyPr wrap="none" lIns="90000" rIns="90000" tIns="45000" bIns="45000" anchor="ctr"/>
-          <a:p>
-            <a:pPr algn="ctr"/>
-            <a:r>
-              <a:rPr b="0" lang="en-US" sz="1800" spc="-1" strike="noStrike">
-                <a:latin typeface="Arial"/>
-              </a:rPr>
-              <a:t>Controllers</a:t>
-            </a:r>
-            <a:endParaRPr b="0" lang="en-US" sz="1800" spc="-1" strike="noStrike">
-              <a:latin typeface="Arial"/>
-            </a:endParaRPr>
-          </a:p>
-        </p:txBody>
-      </p:sp>
-      <p:sp>
-        <p:nvSpPr>
-          <p:cNvPr id="362" name="Line 14"/>
-          <p:cNvSpPr/>
-          <p:nvPr/>
-        </p:nvSpPr>
-        <p:spPr>
-          <a:xfrm>
-            <a:off x="2926080" y="3017520"/>
-            <a:ext cx="640080" cy="0"/>
-          </a:xfrm>
-          <a:prstGeom prst="line">
-            <a:avLst/>
-          </a:prstGeom>
-          <a:ln>
-            <a:solidFill>
-              <a:srgbClr val="000000"/>
-            </a:solidFill>
-            <a:headEnd len="med" type="triangle" w="med"/>
-            <a:tailEnd len="med" type="triangle" w="med"/>
-          </a:ln>
-        </p:spPr>
-        <p:style>
-          <a:lnRef idx="0"/>
-          <a:fillRef idx="0"/>
-          <a:effectRef idx="0"/>
-          <a:fontRef idx="minor"/>
-        </p:style>
-      </p:sp>
-      <p:sp>
-        <p:nvSpPr>
-          <p:cNvPr id="363" name="CustomShape 15"/>
-          <p:cNvSpPr/>
-          <p:nvPr/>
-        </p:nvSpPr>
-        <p:spPr>
-          <a:xfrm>
-            <a:off x="1920240" y="3657600"/>
-            <a:ext cx="3657600" cy="640080"/>
-          </a:xfrm>
-          <a:prstGeom prst="rect">
-            <a:avLst/>
-          </a:prstGeom>
-          <a:solidFill>
-            <a:srgbClr val="fff9ae"/>
-          </a:solidFill>
-          <a:ln>
-            <a:solidFill>
-              <a:srgbClr val="3465a4"/>
-            </a:solidFill>
-          </a:ln>
-        </p:spPr>
-        <p:style>
-          <a:lnRef idx="0"/>
-          <a:fillRef idx="0"/>
-          <a:effectRef idx="0"/>
-          <a:fontRef idx="minor"/>
-        </p:style>
-        <p:txBody>
-          <a:bodyPr wrap="none" lIns="90000" rIns="90000" tIns="45000" bIns="45000" anchor="ctr"/>
-          <a:p>
-            <a:pPr algn="ctr"/>
-            <a:r>
-              <a:rPr b="0" lang="en-US" sz="1800" spc="-1" strike="noStrike">
-                <a:latin typeface="Arial"/>
-              </a:rPr>
-              <a:t>View (json) – REST. API</a:t>
-            </a:r>
-            <a:endParaRPr b="0" lang="en-US" sz="1800" spc="-1" strike="noStrike">
-              <a:latin typeface="Arial"/>
-            </a:endParaRPr>
-          </a:p>
-        </p:txBody>
-      </p:sp>
-      <p:sp>
-        <p:nvSpPr>
-          <p:cNvPr id="364" name="Line 16"/>
-          <p:cNvSpPr/>
-          <p:nvPr/>
-        </p:nvSpPr>
-        <p:spPr>
-          <a:xfrm flipV="1">
-            <a:off x="4023360" y="3383280"/>
-            <a:ext cx="365760" cy="274320"/>
-          </a:xfrm>
-          <a:prstGeom prst="line">
-            <a:avLst/>
-          </a:prstGeom>
-          <a:ln>
-            <a:solidFill>
-              <a:srgbClr val="000000"/>
-            </a:solidFill>
-            <a:headEnd len="med" type="triangle" w="med"/>
-            <a:tailEnd len="med" type="triangle" w="med"/>
-          </a:ln>
-        </p:spPr>
-        <p:style>
-          <a:lnRef idx="0"/>
-          <a:fillRef idx="0"/>
-          <a:effectRef idx="0"/>
-          <a:fontRef idx="minor"/>
-        </p:style>
-      </p:sp>
-      <p:sp>
-        <p:nvSpPr>
-          <p:cNvPr id="365" name="CustomShape 17"/>
-          <p:cNvSpPr/>
-          <p:nvPr/>
-        </p:nvSpPr>
-        <p:spPr>
-          <a:xfrm>
-            <a:off x="2558160" y="2025000"/>
-            <a:ext cx="1554480" cy="640080"/>
-          </a:xfrm>
-          <a:prstGeom prst="rect">
-            <a:avLst/>
-          </a:prstGeom>
-          <a:solidFill>
-            <a:srgbClr val="fff9ae"/>
-          </a:solidFill>
-          <a:ln>
-            <a:solidFill>
-              <a:srgbClr val="3465a4"/>
-            </a:solidFill>
-          </a:ln>
-        </p:spPr>
-        <p:style>
-          <a:lnRef idx="0"/>
-          <a:fillRef idx="0"/>
-          <a:effectRef idx="0"/>
-          <a:fontRef idx="minor"/>
-        </p:style>
-        <p:txBody>
-          <a:bodyPr wrap="none" lIns="90000" rIns="90000" tIns="45000" bIns="45000" anchor="ctr"/>
-          <a:p>
-            <a:pPr algn="ctr"/>
-            <a:r>
-              <a:rPr b="0" lang="en-US" sz="1800" spc="-1" strike="noStrike">
-                <a:latin typeface="Arial"/>
-              </a:rPr>
-              <a:t>Services</a:t>
-            </a:r>
-            <a:endParaRPr b="0" lang="en-US" sz="1800" spc="-1" strike="noStrike">
-              <a:latin typeface="Arial"/>
-            </a:endParaRPr>
-          </a:p>
-        </p:txBody>
-      </p:sp>
-      <p:sp>
-        <p:nvSpPr>
-          <p:cNvPr id="366" name="Line 18"/>
-          <p:cNvSpPr/>
-          <p:nvPr/>
-        </p:nvSpPr>
-        <p:spPr>
-          <a:xfrm flipV="1">
-            <a:off x="2011680" y="2468880"/>
-            <a:ext cx="546480" cy="274320"/>
-          </a:xfrm>
-          <a:prstGeom prst="line">
-            <a:avLst/>
-          </a:prstGeom>
-          <a:ln>
-            <a:solidFill>
-              <a:srgbClr val="000000"/>
-            </a:solidFill>
-            <a:headEnd len="med" type="triangle" w="med"/>
-            <a:tailEnd len="med" type="triangle" w="med"/>
-          </a:ln>
-        </p:spPr>
-        <p:style>
-          <a:lnRef idx="0"/>
-          <a:fillRef idx="0"/>
-          <a:effectRef idx="0"/>
-          <a:fontRef idx="minor"/>
-        </p:style>
-      </p:sp>
-      <p:sp>
-        <p:nvSpPr>
-          <p:cNvPr id="367" name="Line 19"/>
-          <p:cNvSpPr/>
-          <p:nvPr/>
-        </p:nvSpPr>
-        <p:spPr>
-          <a:xfrm>
-            <a:off x="4112640" y="2286000"/>
-            <a:ext cx="459360" cy="457200"/>
-          </a:xfrm>
-          <a:prstGeom prst="line">
-            <a:avLst/>
-          </a:prstGeom>
-          <a:ln>
-            <a:solidFill>
-              <a:srgbClr val="000000"/>
-            </a:solidFill>
-            <a:headEnd len="med" type="triangle" w="med"/>
-            <a:tailEnd len="med" type="triangle" w="med"/>
           </a:ln>
         </p:spPr>
         <p:style>
@@ -17788,6 +17724,13 @@
 <file path=ppt/slides/slide8.xml><?xml version="1.0" encoding="utf-8"?>
 <p:sld xmlns:a="http://schemas.openxmlformats.org/drawingml/2006/main" xmlns:p="http://schemas.openxmlformats.org/presentationml/2006/main" xmlns:r="http://schemas.openxmlformats.org/officeDocument/2006/relationships" xmlns:p14="http://schemas.microsoft.com/office/powerpoint/2010/main" xmlns:p15="http://schemas.microsoft.com/office/powerpoint/2012/main" xmlns:mc="http://schemas.openxmlformats.org/markup-compatibility/2006">
   <p:cSld>
+    <p:bg>
+      <p:bgPr>
+        <a:solidFill>
+          <a:srgbClr val="ffffff"/>
+        </a:solidFill>
+      </p:bgPr>
+    </p:bg>
     <p:spTree>
       <p:nvGrpSpPr>
         <p:cNvPr id="1" name=""/>
@@ -17804,14 +17747,14 @@
       </p:grpSpPr>
       <p:sp>
         <p:nvSpPr>
-          <p:cNvPr id="368" name="TextShape 1"/>
+          <p:cNvPr id="377" name="TextShape 1"/>
           <p:cNvSpPr txBox="1"/>
           <p:nvPr/>
         </p:nvSpPr>
         <p:spPr>
           <a:xfrm>
-            <a:off x="457200" y="474120"/>
-            <a:ext cx="4754520" cy="798840"/>
+            <a:off x="723960" y="2878920"/>
+            <a:ext cx="7695720" cy="1099440"/>
           </a:xfrm>
           <a:prstGeom prst="rect">
             <a:avLst/>
@@ -17830,152 +17773,36 @@
               </a:lnSpc>
             </a:pPr>
             <a:r>
-              <a:rPr b="0" lang="en-US" sz="4000" spc="-1" strike="noStrike">
+              <a:rPr b="1" lang="en-US" sz="6000" spc="-1" strike="noStrike">
                 <a:solidFill>
                   <a:srgbClr val="c94c25"/>
                 </a:solidFill>
                 <a:latin typeface="Segoe UI"/>
               </a:rPr>
-              <a:t>OUTLINE</a:t>
-            </a:r>
-            <a:endParaRPr b="0" lang="en-US" sz="4000" spc="-1" strike="noStrike">
-              <a:solidFill>
-                <a:srgbClr val="ffffff"/>
-              </a:solidFill>
-              <a:latin typeface="Arial"/>
-            </a:endParaRPr>
-          </a:p>
-        </p:txBody>
-      </p:sp>
-      <p:sp>
-        <p:nvSpPr>
-          <p:cNvPr id="369" name="CustomShape 2"/>
-          <p:cNvSpPr/>
-          <p:nvPr/>
-        </p:nvSpPr>
-        <p:spPr>
-          <a:xfrm>
-            <a:off x="640080" y="1272960"/>
-            <a:ext cx="8321040" cy="5219280"/>
-          </a:xfrm>
-          <a:prstGeom prst="rect">
-            <a:avLst/>
-          </a:prstGeom>
-          <a:noFill/>
-          <a:ln>
-            <a:noFill/>
-          </a:ln>
-        </p:spPr>
-        <p:style>
-          <a:lnRef idx="0"/>
-          <a:fillRef idx="0"/>
-          <a:effectRef idx="0"/>
-          <a:fontRef idx="minor"/>
-        </p:style>
-        <p:txBody>
-          <a:bodyPr lIns="0" rIns="0" tIns="45000" bIns="45000" anchor="ctr"/>
-          <a:p>
-            <a:pPr marL="182880">
-              <a:lnSpc>
-                <a:spcPct val="100000"/>
-              </a:lnSpc>
-            </a:pPr>
-            <a:r>
-              <a:rPr b="1" lang="en-US" sz="3200" spc="-1" strike="noStrike">
+              <a:t>Q</a:t>
+            </a:r>
+            <a:r>
+              <a:rPr b="0" lang="en-US" sz="3200" spc="-1" strike="noStrike">
                 <a:solidFill>
                   <a:srgbClr val="c94c25"/>
                 </a:solidFill>
                 <a:latin typeface="Segoe UI"/>
               </a:rPr>
-              <a:t>1. Overview</a:t>
-            </a:r>
-            <a:endParaRPr b="0" lang="en-US" sz="3200" spc="-1" strike="noStrike">
-              <a:latin typeface="Arial"/>
-            </a:endParaRPr>
-          </a:p>
-          <a:p>
-            <a:pPr marL="182880">
-              <a:lnSpc>
-                <a:spcPct val="100000"/>
-              </a:lnSpc>
-            </a:pPr>
-            <a:r>
-              <a:rPr b="1" lang="en-US" sz="3200" spc="-1" strike="noStrike">
+              <a:t>&amp;</a:t>
+            </a:r>
+            <a:r>
+              <a:rPr b="1" lang="en-US" sz="6000" spc="-1" strike="noStrike">
                 <a:solidFill>
                   <a:srgbClr val="c94c25"/>
                 </a:solidFill>
                 <a:latin typeface="Segoe UI"/>
-                <a:ea typeface="Noto Sans CJK SC Regular"/>
-              </a:rPr>
-              <a:t>2. </a:t>
-            </a:r>
-            <a:r>
-              <a:rPr b="1" lang="en-US" sz="3200" spc="-1" strike="noStrike">
-                <a:solidFill>
-                  <a:srgbClr val="c94c25"/>
-                </a:solidFill>
-                <a:latin typeface="Segoe UI"/>
-              </a:rPr>
-              <a:t>Analysis and Design</a:t>
-            </a:r>
-            <a:endParaRPr b="0" lang="en-US" sz="3200" spc="-1" strike="noStrike">
-              <a:latin typeface="Arial"/>
-            </a:endParaRPr>
-          </a:p>
-          <a:p>
-            <a:pPr marL="182880">
-              <a:lnSpc>
-                <a:spcPct val="100000"/>
-              </a:lnSpc>
-            </a:pPr>
-            <a:r>
-              <a:rPr b="1" lang="en-US" sz="3200" spc="-1" strike="noStrike">
-                <a:solidFill>
-                  <a:srgbClr val="c94c25"/>
-                </a:solidFill>
-                <a:latin typeface="Segoe UI"/>
-              </a:rPr>
-              <a:t>3. Technologies</a:t>
-            </a:r>
-            <a:endParaRPr b="0" lang="en-US" sz="3200" spc="-1" strike="noStrike">
-              <a:latin typeface="Arial"/>
-            </a:endParaRPr>
-          </a:p>
-          <a:p>
-            <a:pPr marL="182880">
-              <a:lnSpc>
-                <a:spcPct val="100000"/>
-              </a:lnSpc>
-            </a:pPr>
-            <a:r>
-              <a:rPr b="1" lang="en-US" sz="3200" spc="-1" strike="noStrike">
-                <a:solidFill>
-                  <a:srgbClr val="c94c25"/>
-                </a:solidFill>
-                <a:latin typeface="Segoe UI"/>
-              </a:rPr>
-              <a:t>4. Teamwork</a:t>
-            </a:r>
-            <a:endParaRPr b="0" lang="en-US" sz="3200" spc="-1" strike="noStrike">
-              <a:latin typeface="Arial"/>
-            </a:endParaRPr>
-          </a:p>
-          <a:p>
-            <a:pPr marL="182880">
-              <a:lnSpc>
-                <a:spcPct val="100000"/>
-              </a:lnSpc>
-            </a:pPr>
-            <a:r>
-              <a:rPr b="1" lang="en-US" sz="3200" spc="-1" strike="noStrike">
-                <a:solidFill>
-                  <a:srgbClr val="c94c25"/>
-                </a:solidFill>
-                <a:latin typeface="Segoe UI"/>
-              </a:rPr>
-              <a:t>5. Final result </a:t>
-            </a:r>
-            <a:endParaRPr b="0" lang="en-US" sz="3200" spc="-1" strike="noStrike">
+              </a:rPr>
+              <a:t>A</a:t>
+            </a:r>
+            <a:endParaRPr b="0" lang="en-US" sz="6000" spc="-1" strike="noStrike">
+              <a:solidFill>
+                <a:srgbClr val="ffffff"/>
+              </a:solidFill>
               <a:latin typeface="Arial"/>
             </a:endParaRPr>
           </a:p>
@@ -18016,6 +17843,13 @@
 <file path=ppt/slides/slide9.xml><?xml version="1.0" encoding="utf-8"?>
 <p:sld xmlns:a="http://schemas.openxmlformats.org/drawingml/2006/main" xmlns:p="http://schemas.openxmlformats.org/presentationml/2006/main" xmlns:r="http://schemas.openxmlformats.org/officeDocument/2006/relationships" xmlns:p14="http://schemas.microsoft.com/office/powerpoint/2010/main" xmlns:p15="http://schemas.microsoft.com/office/powerpoint/2012/main" xmlns:mc="http://schemas.openxmlformats.org/markup-compatibility/2006">
   <p:cSld>
+    <p:bg>
+      <p:bgPr>
+        <a:solidFill>
+          <a:srgbClr val="ffffff"/>
+        </a:solidFill>
+      </p:bgPr>
+    </p:bg>
     <p:spTree>
       <p:nvGrpSpPr>
         <p:cNvPr id="1" name=""/>
@@ -18032,14 +17866,14 @@
       </p:grpSpPr>
       <p:sp>
         <p:nvSpPr>
-          <p:cNvPr id="370" name="TextShape 1"/>
+          <p:cNvPr id="378" name="TextShape 1"/>
           <p:cNvSpPr txBox="1"/>
           <p:nvPr/>
         </p:nvSpPr>
         <p:spPr>
           <a:xfrm>
-            <a:off x="457200" y="474120"/>
-            <a:ext cx="4754520" cy="798840"/>
+            <a:off x="723960" y="2878920"/>
+            <a:ext cx="7695720" cy="1099440"/>
           </a:xfrm>
           <a:prstGeom prst="rect">
             <a:avLst/>
@@ -18064,146 +17898,21 @@
                 </a:solidFill>
                 <a:latin typeface="Segoe UI"/>
               </a:rPr>
-              <a:t>OUTLINE</a:t>
-            </a:r>
-            <a:endParaRPr b="0" lang="en-US" sz="4000" spc="-1" strike="noStrike">
-              <a:solidFill>
-                <a:srgbClr val="ffffff"/>
-              </a:solidFill>
-              <a:latin typeface="Arial"/>
-            </a:endParaRPr>
-          </a:p>
-        </p:txBody>
-      </p:sp>
-      <p:sp>
-        <p:nvSpPr>
-          <p:cNvPr id="371" name="CustomShape 2"/>
-          <p:cNvSpPr/>
-          <p:nvPr/>
-        </p:nvSpPr>
-        <p:spPr>
-          <a:xfrm>
-            <a:off x="640080" y="1272960"/>
-            <a:ext cx="8321040" cy="5219280"/>
-          </a:xfrm>
-          <a:prstGeom prst="rect">
-            <a:avLst/>
-          </a:prstGeom>
-          <a:noFill/>
-          <a:ln>
-            <a:noFill/>
-          </a:ln>
-        </p:spPr>
-        <p:style>
-          <a:lnRef idx="0"/>
-          <a:fillRef idx="0"/>
-          <a:effectRef idx="0"/>
-          <a:fontRef idx="minor"/>
-        </p:style>
-        <p:txBody>
-          <a:bodyPr lIns="0" rIns="0" tIns="45000" bIns="45000" anchor="ctr"/>
-          <a:p>
-            <a:pPr marL="182880">
-              <a:lnSpc>
-                <a:spcPct val="100000"/>
-              </a:lnSpc>
-            </a:pPr>
-            <a:r>
-              <a:rPr b="1" lang="en-US" sz="3200" spc="-1" strike="noStrike">
+              <a:t>THANK YOU </a:t>
+            </a:r>
+            <a:r>
+              <a:rPr b="1" lang="en-US" sz="4000" spc="-1" strike="noStrike">
                 <a:solidFill>
                   <a:srgbClr val="c94c25"/>
                 </a:solidFill>
                 <a:latin typeface="Segoe UI"/>
               </a:rPr>
-              <a:t>1. Overview</a:t>
-            </a:r>
-            <a:endParaRPr b="0" lang="en-US" sz="3200" spc="-1" strike="noStrike">
-              <a:latin typeface="Arial"/>
-            </a:endParaRPr>
-          </a:p>
-          <a:p>
-            <a:pPr marL="182880">
-              <a:lnSpc>
-                <a:spcPct val="100000"/>
-              </a:lnSpc>
-            </a:pPr>
-            <a:r>
-              <a:rPr b="1" lang="en-US" sz="3200" spc="-1" strike="noStrike">
-                <a:solidFill>
-                  <a:srgbClr val="c94c25"/>
-                </a:solidFill>
-                <a:latin typeface="Segoe UI"/>
-                <a:ea typeface="Noto Sans CJK SC Regular"/>
-              </a:rPr>
-              <a:t>2. </a:t>
-            </a:r>
-            <a:r>
-              <a:rPr b="1" lang="en-US" sz="3200" spc="-1" strike="noStrike">
-                <a:solidFill>
-                  <a:srgbClr val="c94c25"/>
-                </a:solidFill>
-                <a:latin typeface="Segoe UI"/>
-              </a:rPr>
-              <a:t>Analysis and Design</a:t>
-            </a:r>
-            <a:endParaRPr b="0" lang="en-US" sz="3200" spc="-1" strike="noStrike">
-              <a:latin typeface="Arial"/>
-            </a:endParaRPr>
-          </a:p>
-          <a:p>
-            <a:pPr marL="182880">
-              <a:lnSpc>
-                <a:spcPct val="100000"/>
-              </a:lnSpc>
-            </a:pPr>
-            <a:r>
-              <a:rPr b="1" lang="en-US" sz="3200" spc="-1" strike="noStrike">
-                <a:solidFill>
-                  <a:srgbClr val="c94c25"/>
-                </a:solidFill>
-                <a:latin typeface="Segoe UI"/>
-              </a:rPr>
-              <a:t>3. Technologies</a:t>
-            </a:r>
-            <a:endParaRPr b="0" lang="en-US" sz="3200" spc="-1" strike="noStrike">
-              <a:latin typeface="Arial"/>
-            </a:endParaRPr>
-          </a:p>
-          <a:p>
-            <a:pPr marL="182880">
-              <a:lnSpc>
-                <a:spcPct val="100000"/>
-              </a:lnSpc>
-            </a:pPr>
-            <a:r>
-              <a:rPr b="1" lang="en-US" sz="3200" spc="-1" strike="noStrike">
-                <a:solidFill>
-                  <a:srgbClr val="c94c25"/>
-                </a:solidFill>
-                <a:latin typeface="Segoe UI"/>
-              </a:rPr>
-              <a:t>4. Teamwork</a:t>
-            </a:r>
-            <a:endParaRPr b="0" lang="en-US" sz="3200" spc="-1" strike="noStrike">
-              <a:latin typeface="Arial"/>
-            </a:endParaRPr>
-          </a:p>
-          <a:p>
-            <a:pPr marL="182880">
-              <a:lnSpc>
-                <a:spcPct val="100000"/>
-              </a:lnSpc>
-            </a:pPr>
-            <a:r>
-              <a:rPr b="1" lang="en-US" sz="3200" spc="-1" strike="noStrike">
-                <a:solidFill>
-                  <a:srgbClr val="c94c25"/>
-                </a:solidFill>
-                <a:latin typeface="Segoe UI"/>
-              </a:rPr>
-              <a:t>5. Final result </a:t>
-            </a:r>
-            <a:endParaRPr b="0" lang="en-US" sz="3200" spc="-1" strike="noStrike">
+              <a:t>YOUR ATTENTION!</a:t>
+            </a:r>
+            <a:endParaRPr b="0" lang="en-US" sz="4000" spc="-1" strike="noStrike">
+              <a:solidFill>
+                <a:srgbClr val="ffffff"/>
+              </a:solidFill>
               <a:latin typeface="Arial"/>
             </a:endParaRPr>
           </a:p>

--- a/docs/ReportSlides.pptx
+++ b/docs/ReportSlides.pptx
@@ -9,20 +9,24 @@
     <p:sldMasterId id="2147483700" r:id="rId6"/>
     <p:sldMasterId id="2147483713" r:id="rId7"/>
     <p:sldMasterId id="2147483726" r:id="rId8"/>
+    <p:sldMasterId id="2147483739" r:id="rId9"/>
   </p:sldMasterIdLst>
   <p:notesMasterIdLst>
-    <p:notesMasterId r:id="rId9"/>
+    <p:notesMasterId r:id="rId10"/>
   </p:notesMasterIdLst>
   <p:sldIdLst>
-    <p:sldId id="256" r:id="rId10"/>
-    <p:sldId id="257" r:id="rId11"/>
-    <p:sldId id="258" r:id="rId12"/>
-    <p:sldId id="259" r:id="rId13"/>
-    <p:sldId id="260" r:id="rId14"/>
-    <p:sldId id="261" r:id="rId15"/>
-    <p:sldId id="262" r:id="rId16"/>
-    <p:sldId id="263" r:id="rId17"/>
-    <p:sldId id="264" r:id="rId18"/>
+    <p:sldId id="256" r:id="rId11"/>
+    <p:sldId id="257" r:id="rId12"/>
+    <p:sldId id="258" r:id="rId13"/>
+    <p:sldId id="259" r:id="rId14"/>
+    <p:sldId id="260" r:id="rId15"/>
+    <p:sldId id="261" r:id="rId16"/>
+    <p:sldId id="262" r:id="rId17"/>
+    <p:sldId id="263" r:id="rId18"/>
+    <p:sldId id="264" r:id="rId19"/>
+    <p:sldId id="265" r:id="rId20"/>
+    <p:sldId id="266" r:id="rId21"/>
+    <p:sldId id="267" r:id="rId22"/>
   </p:sldIdLst>
   <p:sldSz cx="9144000" cy="6858000"/>
   <p:notesSz cx="6858000" cy="9144000"/>
@@ -48,7 +52,7 @@
       </p:grpSpPr>
       <p:sp>
         <p:nvSpPr>
-          <p:cNvPr id="327" name="PlaceHolder 1"/>
+          <p:cNvPr id="372" name="PlaceHolder 1"/>
           <p:cNvSpPr>
             <a:spLocks noGrp="1"/>
           </p:cNvSpPr>
@@ -88,7 +92,7 @@
       </p:sp>
       <p:sp>
         <p:nvSpPr>
-          <p:cNvPr id="328" name="PlaceHolder 2"/>
+          <p:cNvPr id="373" name="PlaceHolder 2"/>
           <p:cNvSpPr>
             <a:spLocks noGrp="1"/>
           </p:cNvSpPr>
@@ -122,7 +126,7 @@
       </p:sp>
       <p:sp>
         <p:nvSpPr>
-          <p:cNvPr id="329" name="PlaceHolder 3"/>
+          <p:cNvPr id="374" name="PlaceHolder 3"/>
           <p:cNvSpPr>
             <a:spLocks noGrp="1"/>
           </p:cNvSpPr>
@@ -156,7 +160,7 @@
       </p:sp>
       <p:sp>
         <p:nvSpPr>
-          <p:cNvPr id="330" name="PlaceHolder 4"/>
+          <p:cNvPr id="375" name="PlaceHolder 4"/>
           <p:cNvSpPr>
             <a:spLocks noGrp="1"/>
           </p:cNvSpPr>
@@ -191,7 +195,7 @@
       </p:sp>
       <p:sp>
         <p:nvSpPr>
-          <p:cNvPr id="331" name="PlaceHolder 5"/>
+          <p:cNvPr id="376" name="PlaceHolder 5"/>
           <p:cNvSpPr>
             <a:spLocks noGrp="1"/>
           </p:cNvSpPr>
@@ -225,7 +229,7 @@
       </p:sp>
       <p:sp>
         <p:nvSpPr>
-          <p:cNvPr id="332" name="PlaceHolder 6"/>
+          <p:cNvPr id="377" name="PlaceHolder 6"/>
           <p:cNvSpPr>
             <a:spLocks noGrp="1"/>
           </p:cNvSpPr>
@@ -246,7 +250,7 @@
           <a:bodyPr lIns="0" rIns="0" tIns="0" bIns="0" anchor="b"/>
           <a:p>
             <a:pPr algn="r"/>
-            <a:fld id="{3316C430-D030-406C-BEE9-F638BED9A851}" type="slidenum">
+            <a:fld id="{0126102C-96BF-439A-A174-53E0E05ADDBA}" type="slidenum">
               <a:rPr b="0" lang="en-US" sz="1400" spc="-1" strike="noStrike">
                 <a:latin typeface="Times New Roman"/>
               </a:rPr>
@@ -283,7 +287,7 @@
       </p:grpSpPr>
       <p:sp>
         <p:nvSpPr>
-          <p:cNvPr id="379" name="PlaceHolder 1"/>
+          <p:cNvPr id="444" name="PlaceHolder 1"/>
           <p:cNvSpPr>
             <a:spLocks noGrp="1"/>
           </p:cNvSpPr>
@@ -303,7 +307,7 @@
       </p:sp>
       <p:sp>
         <p:nvSpPr>
-          <p:cNvPr id="380" name="PlaceHolder 2"/>
+          <p:cNvPr id="445" name="PlaceHolder 2"/>
           <p:cNvSpPr>
             <a:spLocks noGrp="1"/>
           </p:cNvSpPr>
@@ -333,7 +337,7 @@
       </p:sp>
       <p:sp>
         <p:nvSpPr>
-          <p:cNvPr id="381" name="TextShape 3"/>
+          <p:cNvPr id="446" name="TextShape 3"/>
           <p:cNvSpPr txBox="1"/>
           <p:nvPr/>
         </p:nvSpPr>
@@ -358,7 +362,7 @@
                 <a:spcPct val="100000"/>
               </a:lnSpc>
             </a:pPr>
-            <a:fld id="{CFA13CB4-8DC6-4B93-8238-943C69D39759}" type="slidenum">
+            <a:fld id="{A08CEEB5-1D70-4637-8574-F5632C04B3BC}" type="slidenum">
               <a:rPr b="0" lang="en-US" sz="1200" spc="-1" strike="noStrike">
                 <a:solidFill>
                   <a:srgbClr val="000000"/>
@@ -367,6 +371,351 @@
                 <a:ea typeface="+mn-ea"/>
               </a:rPr>
               <a:t>1</a:t>
+            </a:fld>
+            <a:endParaRPr b="0" lang="en-US" sz="1200" spc="-1" strike="noStrike">
+              <a:latin typeface="Times New Roman"/>
+            </a:endParaRPr>
+          </a:p>
+        </p:txBody>
+      </p:sp>
+    </p:spTree>
+  </p:cSld>
+</p:notes>
+</file>
+
+<file path=ppt/notesSlides/notesSlide10.xml><?xml version="1.0" encoding="utf-8"?>
+<p:notes xmlns:a="http://schemas.openxmlformats.org/drawingml/2006/main" xmlns:p="http://schemas.openxmlformats.org/presentationml/2006/main" xmlns:r="http://schemas.openxmlformats.org/officeDocument/2006/relationships" xmlns:p14="http://schemas.microsoft.com/office/powerpoint/2010/main" xmlns:p15="http://schemas.microsoft.com/office/powerpoint/2012/main" xmlns:mc="http://schemas.openxmlformats.org/markup-compatibility/2006">
+  <p:cSld>
+    <p:spTree>
+      <p:nvGrpSpPr>
+        <p:cNvPr id="1" name=""/>
+        <p:cNvGrpSpPr/>
+        <p:nvPr/>
+      </p:nvGrpSpPr>
+      <p:grpSpPr>
+        <a:xfrm>
+          <a:off x="0" y="0"/>
+          <a:ext cx="0" cy="0"/>
+          <a:chOff x="0" y="0"/>
+          <a:chExt cx="0" cy="0"/>
+        </a:xfrm>
+      </p:grpSpPr>
+      <p:sp>
+        <p:nvSpPr>
+          <p:cNvPr id="471" name="PlaceHolder 1"/>
+          <p:cNvSpPr>
+            <a:spLocks noGrp="1"/>
+          </p:cNvSpPr>
+          <p:nvPr>
+            <p:ph type="sldImg"/>
+          </p:nvPr>
+        </p:nvSpPr>
+        <p:spPr>
+          <a:xfrm>
+            <a:off x="1143000" y="685800"/>
+            <a:ext cx="4571640" cy="3428640"/>
+          </a:xfrm>
+          <a:prstGeom prst="rect">
+            <a:avLst/>
+          </a:prstGeom>
+        </p:spPr>
+      </p:sp>
+      <p:sp>
+        <p:nvSpPr>
+          <p:cNvPr id="472" name="PlaceHolder 2"/>
+          <p:cNvSpPr>
+            <a:spLocks noGrp="1"/>
+          </p:cNvSpPr>
+          <p:nvPr>
+            <p:ph type="body"/>
+          </p:nvPr>
+        </p:nvSpPr>
+        <p:spPr>
+          <a:xfrm>
+            <a:off x="685800" y="4343400"/>
+            <a:ext cx="5486040" cy="4114440"/>
+          </a:xfrm>
+          <a:prstGeom prst="rect">
+            <a:avLst/>
+          </a:prstGeom>
+        </p:spPr>
+        <p:txBody>
+          <a:bodyPr lIns="90000" rIns="90000" tIns="45000" bIns="45000">
+            <a:normAutofit/>
+          </a:bodyPr>
+          <a:p>
+            <a:endParaRPr b="0" lang="en-US" sz="2000" spc="-1" strike="noStrike">
+              <a:latin typeface="Arial"/>
+            </a:endParaRPr>
+          </a:p>
+        </p:txBody>
+      </p:sp>
+      <p:sp>
+        <p:nvSpPr>
+          <p:cNvPr id="473" name="TextShape 3"/>
+          <p:cNvSpPr txBox="1"/>
+          <p:nvPr/>
+        </p:nvSpPr>
+        <p:spPr>
+          <a:xfrm>
+            <a:off x="3884760" y="8685360"/>
+            <a:ext cx="2971440" cy="456840"/>
+          </a:xfrm>
+          <a:prstGeom prst="rect">
+            <a:avLst/>
+          </a:prstGeom>
+          <a:noFill/>
+          <a:ln>
+            <a:noFill/>
+          </a:ln>
+        </p:spPr>
+        <p:txBody>
+          <a:bodyPr lIns="90000" rIns="90000" tIns="45000" bIns="45000" anchor="b"/>
+          <a:p>
+            <a:pPr algn="r">
+              <a:lnSpc>
+                <a:spcPct val="100000"/>
+              </a:lnSpc>
+            </a:pPr>
+            <a:fld id="{86F530F4-9B37-4463-8D08-F8DAD6E17960}" type="slidenum">
+              <a:rPr b="0" lang="en-US" sz="1200" spc="-1" strike="noStrike">
+                <a:solidFill>
+                  <a:srgbClr val="000000"/>
+                </a:solidFill>
+                <a:latin typeface="+mn-lt"/>
+                <a:ea typeface="+mn-ea"/>
+              </a:rPr>
+              <a:t>&lt;number&gt;</a:t>
+            </a:fld>
+            <a:endParaRPr b="0" lang="en-US" sz="1200" spc="-1" strike="noStrike">
+              <a:latin typeface="Times New Roman"/>
+            </a:endParaRPr>
+          </a:p>
+        </p:txBody>
+      </p:sp>
+    </p:spTree>
+  </p:cSld>
+</p:notes>
+</file>
+
+<file path=ppt/notesSlides/notesSlide11.xml><?xml version="1.0" encoding="utf-8"?>
+<p:notes xmlns:a="http://schemas.openxmlformats.org/drawingml/2006/main" xmlns:p="http://schemas.openxmlformats.org/presentationml/2006/main" xmlns:r="http://schemas.openxmlformats.org/officeDocument/2006/relationships" xmlns:p14="http://schemas.microsoft.com/office/powerpoint/2010/main" xmlns:p15="http://schemas.microsoft.com/office/powerpoint/2012/main" xmlns:mc="http://schemas.openxmlformats.org/markup-compatibility/2006">
+  <p:cSld>
+    <p:spTree>
+      <p:nvGrpSpPr>
+        <p:cNvPr id="1" name=""/>
+        <p:cNvGrpSpPr/>
+        <p:nvPr/>
+      </p:nvGrpSpPr>
+      <p:grpSpPr>
+        <a:xfrm>
+          <a:off x="0" y="0"/>
+          <a:ext cx="0" cy="0"/>
+          <a:chOff x="0" y="0"/>
+          <a:chExt cx="0" cy="0"/>
+        </a:xfrm>
+      </p:grpSpPr>
+      <p:sp>
+        <p:nvSpPr>
+          <p:cNvPr id="474" name="PlaceHolder 1"/>
+          <p:cNvSpPr>
+            <a:spLocks noGrp="1"/>
+          </p:cNvSpPr>
+          <p:nvPr>
+            <p:ph type="sldImg"/>
+          </p:nvPr>
+        </p:nvSpPr>
+        <p:spPr>
+          <a:xfrm>
+            <a:off x="1143000" y="685800"/>
+            <a:ext cx="4571640" cy="3428640"/>
+          </a:xfrm>
+          <a:prstGeom prst="rect">
+            <a:avLst/>
+          </a:prstGeom>
+        </p:spPr>
+      </p:sp>
+      <p:sp>
+        <p:nvSpPr>
+          <p:cNvPr id="475" name="PlaceHolder 2"/>
+          <p:cNvSpPr>
+            <a:spLocks noGrp="1"/>
+          </p:cNvSpPr>
+          <p:nvPr>
+            <p:ph type="body"/>
+          </p:nvPr>
+        </p:nvSpPr>
+        <p:spPr>
+          <a:xfrm>
+            <a:off x="685800" y="4343400"/>
+            <a:ext cx="5486040" cy="4114440"/>
+          </a:xfrm>
+          <a:prstGeom prst="rect">
+            <a:avLst/>
+          </a:prstGeom>
+        </p:spPr>
+        <p:txBody>
+          <a:bodyPr lIns="90000" rIns="90000" tIns="45000" bIns="45000">
+            <a:normAutofit/>
+          </a:bodyPr>
+          <a:p>
+            <a:endParaRPr b="0" lang="en-US" sz="2000" spc="-1" strike="noStrike">
+              <a:latin typeface="Arial"/>
+            </a:endParaRPr>
+          </a:p>
+        </p:txBody>
+      </p:sp>
+      <p:sp>
+        <p:nvSpPr>
+          <p:cNvPr id="476" name="TextShape 3"/>
+          <p:cNvSpPr txBox="1"/>
+          <p:nvPr/>
+        </p:nvSpPr>
+        <p:spPr>
+          <a:xfrm>
+            <a:off x="3884760" y="8685360"/>
+            <a:ext cx="2971440" cy="456840"/>
+          </a:xfrm>
+          <a:prstGeom prst="rect">
+            <a:avLst/>
+          </a:prstGeom>
+          <a:noFill/>
+          <a:ln>
+            <a:noFill/>
+          </a:ln>
+        </p:spPr>
+        <p:txBody>
+          <a:bodyPr lIns="90000" rIns="90000" tIns="45000" bIns="45000" anchor="b"/>
+          <a:p>
+            <a:pPr algn="r">
+              <a:lnSpc>
+                <a:spcPct val="100000"/>
+              </a:lnSpc>
+            </a:pPr>
+            <a:fld id="{8F2A43CE-8AA5-4AF3-9ACD-2CA0261E0D33}" type="slidenum">
+              <a:rPr b="0" lang="en-US" sz="1200" spc="-1" strike="noStrike">
+                <a:solidFill>
+                  <a:srgbClr val="000000"/>
+                </a:solidFill>
+                <a:latin typeface="+mn-lt"/>
+                <a:ea typeface="+mn-ea"/>
+              </a:rPr>
+              <a:t>&lt;number&gt;</a:t>
+            </a:fld>
+            <a:endParaRPr b="0" lang="en-US" sz="1200" spc="-1" strike="noStrike">
+              <a:latin typeface="Times New Roman"/>
+            </a:endParaRPr>
+          </a:p>
+        </p:txBody>
+      </p:sp>
+    </p:spTree>
+  </p:cSld>
+</p:notes>
+</file>
+
+<file path=ppt/notesSlides/notesSlide12.xml><?xml version="1.0" encoding="utf-8"?>
+<p:notes xmlns:a="http://schemas.openxmlformats.org/drawingml/2006/main" xmlns:p="http://schemas.openxmlformats.org/presentationml/2006/main" xmlns:r="http://schemas.openxmlformats.org/officeDocument/2006/relationships" xmlns:p14="http://schemas.microsoft.com/office/powerpoint/2010/main" xmlns:p15="http://schemas.microsoft.com/office/powerpoint/2012/main" xmlns:mc="http://schemas.openxmlformats.org/markup-compatibility/2006">
+  <p:cSld>
+    <p:spTree>
+      <p:nvGrpSpPr>
+        <p:cNvPr id="1" name=""/>
+        <p:cNvGrpSpPr/>
+        <p:nvPr/>
+      </p:nvGrpSpPr>
+      <p:grpSpPr>
+        <a:xfrm>
+          <a:off x="0" y="0"/>
+          <a:ext cx="0" cy="0"/>
+          <a:chOff x="0" y="0"/>
+          <a:chExt cx="0" cy="0"/>
+        </a:xfrm>
+      </p:grpSpPr>
+      <p:sp>
+        <p:nvSpPr>
+          <p:cNvPr id="477" name="PlaceHolder 1"/>
+          <p:cNvSpPr>
+            <a:spLocks noGrp="1"/>
+          </p:cNvSpPr>
+          <p:nvPr>
+            <p:ph type="sldImg"/>
+          </p:nvPr>
+        </p:nvSpPr>
+        <p:spPr>
+          <a:xfrm>
+            <a:off x="1143000" y="685800"/>
+            <a:ext cx="4571640" cy="3428640"/>
+          </a:xfrm>
+          <a:prstGeom prst="rect">
+            <a:avLst/>
+          </a:prstGeom>
+        </p:spPr>
+      </p:sp>
+      <p:sp>
+        <p:nvSpPr>
+          <p:cNvPr id="478" name="PlaceHolder 2"/>
+          <p:cNvSpPr>
+            <a:spLocks noGrp="1"/>
+          </p:cNvSpPr>
+          <p:nvPr>
+            <p:ph type="body"/>
+          </p:nvPr>
+        </p:nvSpPr>
+        <p:spPr>
+          <a:xfrm>
+            <a:off x="685800" y="4343400"/>
+            <a:ext cx="5486040" cy="4114440"/>
+          </a:xfrm>
+          <a:prstGeom prst="rect">
+            <a:avLst/>
+          </a:prstGeom>
+        </p:spPr>
+        <p:txBody>
+          <a:bodyPr lIns="90000" rIns="90000" tIns="45000" bIns="45000">
+            <a:normAutofit/>
+          </a:bodyPr>
+          <a:p>
+            <a:endParaRPr b="0" lang="en-US" sz="2000" spc="-1" strike="noStrike">
+              <a:latin typeface="Arial"/>
+            </a:endParaRPr>
+          </a:p>
+        </p:txBody>
+      </p:sp>
+      <p:sp>
+        <p:nvSpPr>
+          <p:cNvPr id="479" name="TextShape 3"/>
+          <p:cNvSpPr txBox="1"/>
+          <p:nvPr/>
+        </p:nvSpPr>
+        <p:spPr>
+          <a:xfrm>
+            <a:off x="3884760" y="8685360"/>
+            <a:ext cx="2971440" cy="456840"/>
+          </a:xfrm>
+          <a:prstGeom prst="rect">
+            <a:avLst/>
+          </a:prstGeom>
+          <a:noFill/>
+          <a:ln>
+            <a:noFill/>
+          </a:ln>
+        </p:spPr>
+        <p:txBody>
+          <a:bodyPr lIns="90000" rIns="90000" tIns="45000" bIns="45000" anchor="b"/>
+          <a:p>
+            <a:pPr algn="r">
+              <a:lnSpc>
+                <a:spcPct val="100000"/>
+              </a:lnSpc>
+            </a:pPr>
+            <a:fld id="{3C9D1F1B-B4E4-4FB6-8760-B8D645274A3B}" type="slidenum">
+              <a:rPr b="0" lang="en-US" sz="1200" spc="-1" strike="noStrike">
+                <a:solidFill>
+                  <a:srgbClr val="000000"/>
+                </a:solidFill>
+                <a:latin typeface="+mn-lt"/>
+                <a:ea typeface="+mn-ea"/>
+              </a:rPr>
+              <a:t>&lt;number&gt;</a:t>
             </a:fld>
             <a:endParaRPr b="0" lang="en-US" sz="1200" spc="-1" strike="noStrike">
               <a:latin typeface="Times New Roman"/>
@@ -398,7 +747,7 @@
       </p:grpSpPr>
       <p:sp>
         <p:nvSpPr>
-          <p:cNvPr id="382" name="PlaceHolder 1"/>
+          <p:cNvPr id="447" name="PlaceHolder 1"/>
           <p:cNvSpPr>
             <a:spLocks noGrp="1"/>
           </p:cNvSpPr>
@@ -418,7 +767,7 @@
       </p:sp>
       <p:sp>
         <p:nvSpPr>
-          <p:cNvPr id="383" name="PlaceHolder 2"/>
+          <p:cNvPr id="448" name="PlaceHolder 2"/>
           <p:cNvSpPr>
             <a:spLocks noGrp="1"/>
           </p:cNvSpPr>
@@ -448,7 +797,7 @@
       </p:sp>
       <p:sp>
         <p:nvSpPr>
-          <p:cNvPr id="384" name="TextShape 3"/>
+          <p:cNvPr id="449" name="TextShape 3"/>
           <p:cNvSpPr txBox="1"/>
           <p:nvPr/>
         </p:nvSpPr>
@@ -473,7 +822,7 @@
                 <a:spcPct val="100000"/>
               </a:lnSpc>
             </a:pPr>
-            <a:fld id="{10BCDC12-C80B-428D-8C91-09FAE9F1EC57}" type="slidenum">
+            <a:fld id="{E18BF9E1-2A59-4FCB-9534-49625B28501A}" type="slidenum">
               <a:rPr b="0" lang="en-US" sz="1200" spc="-1" strike="noStrike">
                 <a:solidFill>
                   <a:srgbClr val="000000"/>
@@ -513,7 +862,7 @@
       </p:grpSpPr>
       <p:sp>
         <p:nvSpPr>
-          <p:cNvPr id="385" name="PlaceHolder 1"/>
+          <p:cNvPr id="450" name="PlaceHolder 1"/>
           <p:cNvSpPr>
             <a:spLocks noGrp="1"/>
           </p:cNvSpPr>
@@ -533,7 +882,7 @@
       </p:sp>
       <p:sp>
         <p:nvSpPr>
-          <p:cNvPr id="386" name="PlaceHolder 2"/>
+          <p:cNvPr id="451" name="PlaceHolder 2"/>
           <p:cNvSpPr>
             <a:spLocks noGrp="1"/>
           </p:cNvSpPr>
@@ -563,7 +912,7 @@
       </p:sp>
       <p:sp>
         <p:nvSpPr>
-          <p:cNvPr id="387" name="TextShape 3"/>
+          <p:cNvPr id="452" name="TextShape 3"/>
           <p:cNvSpPr txBox="1"/>
           <p:nvPr/>
         </p:nvSpPr>
@@ -588,7 +937,7 @@
                 <a:spcPct val="100000"/>
               </a:lnSpc>
             </a:pPr>
-            <a:fld id="{3CA8C168-2DE9-43DC-990B-A8B78DE1BAE8}" type="slidenum">
+            <a:fld id="{C8174F2D-9E3D-4866-AC91-D7093FDBF37F}" type="slidenum">
               <a:rPr b="0" lang="en-US" sz="1200" spc="-1" strike="noStrike">
                 <a:solidFill>
                   <a:srgbClr val="000000"/>
@@ -628,7 +977,7 @@
       </p:grpSpPr>
       <p:sp>
         <p:nvSpPr>
-          <p:cNvPr id="388" name="PlaceHolder 1"/>
+          <p:cNvPr id="453" name="PlaceHolder 1"/>
           <p:cNvSpPr>
             <a:spLocks noGrp="1"/>
           </p:cNvSpPr>
@@ -648,7 +997,7 @@
       </p:sp>
       <p:sp>
         <p:nvSpPr>
-          <p:cNvPr id="389" name="PlaceHolder 2"/>
+          <p:cNvPr id="454" name="PlaceHolder 2"/>
           <p:cNvSpPr>
             <a:spLocks noGrp="1"/>
           </p:cNvSpPr>
@@ -678,7 +1027,7 @@
       </p:sp>
       <p:sp>
         <p:nvSpPr>
-          <p:cNvPr id="390" name="TextShape 3"/>
+          <p:cNvPr id="455" name="TextShape 3"/>
           <p:cNvSpPr txBox="1"/>
           <p:nvPr/>
         </p:nvSpPr>
@@ -703,7 +1052,7 @@
                 <a:spcPct val="100000"/>
               </a:lnSpc>
             </a:pPr>
-            <a:fld id="{35EF1D2A-806F-4E11-92D2-5FC8F0F05A08}" type="slidenum">
+            <a:fld id="{D2A64DE1-7BD7-4BFA-B95C-009787C3E53F}" type="slidenum">
               <a:rPr b="0" lang="en-US" sz="1200" spc="-1" strike="noStrike">
                 <a:solidFill>
                   <a:srgbClr val="000000"/>
@@ -743,7 +1092,7 @@
       </p:grpSpPr>
       <p:sp>
         <p:nvSpPr>
-          <p:cNvPr id="391" name="PlaceHolder 1"/>
+          <p:cNvPr id="456" name="PlaceHolder 1"/>
           <p:cNvSpPr>
             <a:spLocks noGrp="1"/>
           </p:cNvSpPr>
@@ -763,7 +1112,7 @@
       </p:sp>
       <p:sp>
         <p:nvSpPr>
-          <p:cNvPr id="392" name="PlaceHolder 2"/>
+          <p:cNvPr id="457" name="PlaceHolder 2"/>
           <p:cNvSpPr>
             <a:spLocks noGrp="1"/>
           </p:cNvSpPr>
@@ -793,7 +1142,7 @@
       </p:sp>
       <p:sp>
         <p:nvSpPr>
-          <p:cNvPr id="393" name="TextShape 3"/>
+          <p:cNvPr id="458" name="TextShape 3"/>
           <p:cNvSpPr txBox="1"/>
           <p:nvPr/>
         </p:nvSpPr>
@@ -818,7 +1167,7 @@
                 <a:spcPct val="100000"/>
               </a:lnSpc>
             </a:pPr>
-            <a:fld id="{2BF909C1-A35D-479E-B7E6-9BD47AE5D22B}" type="slidenum">
+            <a:fld id="{BDDC1912-DEE2-4527-B806-F0F126546E8B}" type="slidenum">
               <a:rPr b="0" lang="en-US" sz="1200" spc="-1" strike="noStrike">
                 <a:solidFill>
                   <a:srgbClr val="000000"/>
@@ -858,7 +1207,7 @@
       </p:grpSpPr>
       <p:sp>
         <p:nvSpPr>
-          <p:cNvPr id="394" name="PlaceHolder 1"/>
+          <p:cNvPr id="459" name="PlaceHolder 1"/>
           <p:cNvSpPr>
             <a:spLocks noGrp="1"/>
           </p:cNvSpPr>
@@ -878,7 +1227,7 @@
       </p:sp>
       <p:sp>
         <p:nvSpPr>
-          <p:cNvPr id="395" name="PlaceHolder 2"/>
+          <p:cNvPr id="460" name="PlaceHolder 2"/>
           <p:cNvSpPr>
             <a:spLocks noGrp="1"/>
           </p:cNvSpPr>
@@ -908,7 +1257,7 @@
       </p:sp>
       <p:sp>
         <p:nvSpPr>
-          <p:cNvPr id="396" name="TextShape 3"/>
+          <p:cNvPr id="461" name="TextShape 3"/>
           <p:cNvSpPr txBox="1"/>
           <p:nvPr/>
         </p:nvSpPr>
@@ -933,7 +1282,7 @@
                 <a:spcPct val="100000"/>
               </a:lnSpc>
             </a:pPr>
-            <a:fld id="{BB55D4F1-9F48-41A8-AB5B-5911D04894FF}" type="slidenum">
+            <a:fld id="{AB04D3A3-65F3-415F-8E43-0EBEC8F8B6E9}" type="slidenum">
               <a:rPr b="0" lang="en-US" sz="1200" spc="-1" strike="noStrike">
                 <a:solidFill>
                   <a:srgbClr val="000000"/>
@@ -941,7 +1290,7 @@
                 <a:latin typeface="+mn-lt"/>
                 <a:ea typeface="+mn-ea"/>
               </a:rPr>
-              <a:t>&lt;number&gt;</a:t>
+              <a:t>1</a:t>
             </a:fld>
             <a:endParaRPr b="0" lang="en-US" sz="1200" spc="-1" strike="noStrike">
               <a:latin typeface="Times New Roman"/>
@@ -973,7 +1322,7 @@
       </p:grpSpPr>
       <p:sp>
         <p:nvSpPr>
-          <p:cNvPr id="397" name="PlaceHolder 1"/>
+          <p:cNvPr id="462" name="PlaceHolder 1"/>
           <p:cNvSpPr>
             <a:spLocks noGrp="1"/>
           </p:cNvSpPr>
@@ -993,7 +1342,7 @@
       </p:sp>
       <p:sp>
         <p:nvSpPr>
-          <p:cNvPr id="398" name="PlaceHolder 2"/>
+          <p:cNvPr id="463" name="PlaceHolder 2"/>
           <p:cNvSpPr>
             <a:spLocks noGrp="1"/>
           </p:cNvSpPr>
@@ -1023,7 +1372,7 @@
       </p:sp>
       <p:sp>
         <p:nvSpPr>
-          <p:cNvPr id="399" name="TextShape 3"/>
+          <p:cNvPr id="464" name="TextShape 3"/>
           <p:cNvSpPr txBox="1"/>
           <p:nvPr/>
         </p:nvSpPr>
@@ -1048,7 +1397,7 @@
                 <a:spcPct val="100000"/>
               </a:lnSpc>
             </a:pPr>
-            <a:fld id="{08EB7051-7565-4A4B-AE1A-BAD59950DF5B}" type="slidenum">
+            <a:fld id="{D4E47CD4-25D6-43BD-B00B-33FDC8812A0D}" type="slidenum">
               <a:rPr b="0" lang="en-US" sz="1200" spc="-1" strike="noStrike">
                 <a:solidFill>
                   <a:srgbClr val="000000"/>
@@ -1056,7 +1405,7 @@
                 <a:latin typeface="+mn-lt"/>
                 <a:ea typeface="+mn-ea"/>
               </a:rPr>
-              <a:t>&lt;number&gt;</a:t>
+              <a:t>1</a:t>
             </a:fld>
             <a:endParaRPr b="0" lang="en-US" sz="1200" spc="-1" strike="noStrike">
               <a:latin typeface="Times New Roman"/>
@@ -1088,7 +1437,7 @@
       </p:grpSpPr>
       <p:sp>
         <p:nvSpPr>
-          <p:cNvPr id="400" name="PlaceHolder 1"/>
+          <p:cNvPr id="465" name="PlaceHolder 1"/>
           <p:cNvSpPr>
             <a:spLocks noGrp="1"/>
           </p:cNvSpPr>
@@ -1108,7 +1457,7 @@
       </p:sp>
       <p:sp>
         <p:nvSpPr>
-          <p:cNvPr id="401" name="PlaceHolder 2"/>
+          <p:cNvPr id="466" name="PlaceHolder 2"/>
           <p:cNvSpPr>
             <a:spLocks noGrp="1"/>
           </p:cNvSpPr>
@@ -1138,7 +1487,7 @@
       </p:sp>
       <p:sp>
         <p:nvSpPr>
-          <p:cNvPr id="402" name="TextShape 3"/>
+          <p:cNvPr id="467" name="TextShape 3"/>
           <p:cNvSpPr txBox="1"/>
           <p:nvPr/>
         </p:nvSpPr>
@@ -1163,7 +1512,7 @@
                 <a:spcPct val="100000"/>
               </a:lnSpc>
             </a:pPr>
-            <a:fld id="{FB4B4B4A-8DC9-4B11-B164-21BAC08C03F0}" type="slidenum">
+            <a:fld id="{58E6161D-CC74-4D8D-8202-A1955E0CD7F3}" type="slidenum">
               <a:rPr b="0" lang="en-US" sz="1200" spc="-1" strike="noStrike">
                 <a:solidFill>
                   <a:srgbClr val="000000"/>
@@ -1203,7 +1552,7 @@
       </p:grpSpPr>
       <p:sp>
         <p:nvSpPr>
-          <p:cNvPr id="403" name="PlaceHolder 1"/>
+          <p:cNvPr id="468" name="PlaceHolder 1"/>
           <p:cNvSpPr>
             <a:spLocks noGrp="1"/>
           </p:cNvSpPr>
@@ -1223,7 +1572,7 @@
       </p:sp>
       <p:sp>
         <p:nvSpPr>
-          <p:cNvPr id="404" name="PlaceHolder 2"/>
+          <p:cNvPr id="469" name="PlaceHolder 2"/>
           <p:cNvSpPr>
             <a:spLocks noGrp="1"/>
           </p:cNvSpPr>
@@ -1253,7 +1602,7 @@
       </p:sp>
       <p:sp>
         <p:nvSpPr>
-          <p:cNvPr id="405" name="TextShape 3"/>
+          <p:cNvPr id="470" name="TextShape 3"/>
           <p:cNvSpPr txBox="1"/>
           <p:nvPr/>
         </p:nvSpPr>
@@ -1278,7 +1627,7 @@
                 <a:spcPct val="100000"/>
               </a:lnSpc>
             </a:pPr>
-            <a:fld id="{0B6B4B4F-3268-4A4A-B760-2BFA3668FAF0}" type="slidenum">
+            <a:fld id="{F73144FF-8541-48C6-8CAB-FCB98A0C8178}" type="slidenum">
               <a:rPr b="0" lang="en-US" sz="1200" spc="-1" strike="noStrike">
                 <a:solidFill>
                   <a:srgbClr val="000000"/>
@@ -11115,6 +11464,368 @@
 </p:sldLayout>
 </file>
 
+<file path=ppt/slideLayouts/slideLayout85.xml><?xml version="1.0" encoding="utf-8"?>
+<p:sldLayout xmlns:a="http://schemas.openxmlformats.org/drawingml/2006/main" xmlns:p="http://schemas.openxmlformats.org/presentationml/2006/main" xmlns:r="http://schemas.openxmlformats.org/officeDocument/2006/relationships" xmlns:p14="http://schemas.microsoft.com/office/powerpoint/2010/main" xmlns:p15="http://schemas.microsoft.com/office/powerpoint/2012/main" xmlns:mc="http://schemas.openxmlformats.org/markup-compatibility/2006" type="blank" preserve="1">
+  <p:cSld name="Blank Slide">
+    <p:spTree>
+      <p:nvGrpSpPr>
+        <p:cNvPr id="1" name=""/>
+        <p:cNvGrpSpPr/>
+        <p:nvPr/>
+      </p:nvGrpSpPr>
+      <p:grpSpPr>
+        <a:xfrm>
+          <a:off x="0" y="0"/>
+          <a:ext cx="0" cy="0"/>
+          <a:chOff x="0" y="0"/>
+          <a:chExt cx="0" cy="0"/>
+        </a:xfrm>
+      </p:grpSpPr>
+    </p:spTree>
+  </p:cSld>
+</p:sldLayout>
+</file>
+
+<file path=ppt/slideLayouts/slideLayout86.xml><?xml version="1.0" encoding="utf-8"?>
+<p:sldLayout xmlns:a="http://schemas.openxmlformats.org/drawingml/2006/main" xmlns:p="http://schemas.openxmlformats.org/presentationml/2006/main" xmlns:r="http://schemas.openxmlformats.org/officeDocument/2006/relationships" xmlns:p14="http://schemas.microsoft.com/office/powerpoint/2010/main" xmlns:p15="http://schemas.microsoft.com/office/powerpoint/2012/main" xmlns:mc="http://schemas.openxmlformats.org/markup-compatibility/2006" type="tx" preserve="1">
+  <p:cSld name="Title Slide">
+    <p:spTree>
+      <p:nvGrpSpPr>
+        <p:cNvPr id="1" name=""/>
+        <p:cNvGrpSpPr/>
+        <p:nvPr/>
+      </p:nvGrpSpPr>
+      <p:grpSpPr>
+        <a:xfrm>
+          <a:off x="0" y="0"/>
+          <a:ext cx="0" cy="0"/>
+          <a:chOff x="0" y="0"/>
+          <a:chExt cx="0" cy="0"/>
+        </a:xfrm>
+      </p:grpSpPr>
+      <p:sp>
+        <p:nvSpPr>
+          <p:cNvPr id="336" name="PlaceHolder 1"/>
+          <p:cNvSpPr>
+            <a:spLocks noGrp="1"/>
+          </p:cNvSpPr>
+          <p:nvPr>
+            <p:ph type="title"/>
+          </p:nvPr>
+        </p:nvSpPr>
+        <p:spPr>
+          <a:xfrm>
+            <a:off x="466560" y="381240"/>
+            <a:ext cx="4638240" cy="675720"/>
+          </a:xfrm>
+          <a:prstGeom prst="rect">
+            <a:avLst/>
+          </a:prstGeom>
+        </p:spPr>
+        <p:txBody>
+          <a:bodyPr lIns="0" rIns="0" tIns="0" bIns="0" anchor="ctr"/>
+          <a:p>
+            <a:endParaRPr b="0" lang="en-US" sz="1800" spc="-1" strike="noStrike">
+              <a:solidFill>
+                <a:srgbClr val="ffffff"/>
+              </a:solidFill>
+              <a:latin typeface="Arial"/>
+            </a:endParaRPr>
+          </a:p>
+        </p:txBody>
+      </p:sp>
+      <p:sp>
+        <p:nvSpPr>
+          <p:cNvPr id="337" name="PlaceHolder 2"/>
+          <p:cNvSpPr>
+            <a:spLocks noGrp="1"/>
+          </p:cNvSpPr>
+          <p:nvPr>
+            <p:ph type="subTitle"/>
+          </p:nvPr>
+        </p:nvSpPr>
+        <p:spPr>
+          <a:xfrm>
+            <a:off x="457200" y="1425600"/>
+            <a:ext cx="7726320" cy="571320"/>
+          </a:xfrm>
+          <a:prstGeom prst="rect">
+            <a:avLst/>
+          </a:prstGeom>
+        </p:spPr>
+        <p:txBody>
+          <a:bodyPr lIns="0" rIns="0" tIns="0" bIns="0" anchor="ctr"/>
+          <a:p>
+            <a:pPr algn="ctr"/>
+            <a:endParaRPr b="0" lang="en-US" sz="3200" spc="-1" strike="noStrike">
+              <a:latin typeface="Arial"/>
+            </a:endParaRPr>
+          </a:p>
+        </p:txBody>
+      </p:sp>
+    </p:spTree>
+  </p:cSld>
+</p:sldLayout>
+</file>
+
+<file path=ppt/slideLayouts/slideLayout87.xml><?xml version="1.0" encoding="utf-8"?>
+<p:sldLayout xmlns:a="http://schemas.openxmlformats.org/drawingml/2006/main" xmlns:p="http://schemas.openxmlformats.org/presentationml/2006/main" xmlns:r="http://schemas.openxmlformats.org/officeDocument/2006/relationships" xmlns:p14="http://schemas.microsoft.com/office/powerpoint/2010/main" xmlns:p15="http://schemas.microsoft.com/office/powerpoint/2012/main" xmlns:mc="http://schemas.openxmlformats.org/markup-compatibility/2006" type="obj" preserve="1">
+  <p:cSld name="Title, Content">
+    <p:spTree>
+      <p:nvGrpSpPr>
+        <p:cNvPr id="1" name=""/>
+        <p:cNvGrpSpPr/>
+        <p:nvPr/>
+      </p:nvGrpSpPr>
+      <p:grpSpPr>
+        <a:xfrm>
+          <a:off x="0" y="0"/>
+          <a:ext cx="0" cy="0"/>
+          <a:chOff x="0" y="0"/>
+          <a:chExt cx="0" cy="0"/>
+        </a:xfrm>
+      </p:grpSpPr>
+      <p:sp>
+        <p:nvSpPr>
+          <p:cNvPr id="338" name="PlaceHolder 1"/>
+          <p:cNvSpPr>
+            <a:spLocks noGrp="1"/>
+          </p:cNvSpPr>
+          <p:nvPr>
+            <p:ph type="title"/>
+          </p:nvPr>
+        </p:nvSpPr>
+        <p:spPr>
+          <a:xfrm>
+            <a:off x="466560" y="381240"/>
+            <a:ext cx="4638240" cy="675720"/>
+          </a:xfrm>
+          <a:prstGeom prst="rect">
+            <a:avLst/>
+          </a:prstGeom>
+        </p:spPr>
+        <p:txBody>
+          <a:bodyPr lIns="0" rIns="0" tIns="0" bIns="0" anchor="ctr"/>
+          <a:p>
+            <a:endParaRPr b="0" lang="en-US" sz="1800" spc="-1" strike="noStrike">
+              <a:solidFill>
+                <a:srgbClr val="ffffff"/>
+              </a:solidFill>
+              <a:latin typeface="Arial"/>
+            </a:endParaRPr>
+          </a:p>
+        </p:txBody>
+      </p:sp>
+      <p:sp>
+        <p:nvSpPr>
+          <p:cNvPr id="339" name="PlaceHolder 2"/>
+          <p:cNvSpPr>
+            <a:spLocks noGrp="1"/>
+          </p:cNvSpPr>
+          <p:nvPr>
+            <p:ph type="body"/>
+          </p:nvPr>
+        </p:nvSpPr>
+        <p:spPr>
+          <a:xfrm>
+            <a:off x="457200" y="1425600"/>
+            <a:ext cx="7726320" cy="571320"/>
+          </a:xfrm>
+          <a:prstGeom prst="rect">
+            <a:avLst/>
+          </a:prstGeom>
+        </p:spPr>
+        <p:txBody>
+          <a:bodyPr lIns="0" rIns="0" tIns="0" bIns="0">
+            <a:normAutofit/>
+          </a:bodyPr>
+          <a:p>
+            <a:endParaRPr b="0" lang="en-US" sz="2800" spc="-1" strike="noStrike">
+              <a:solidFill>
+                <a:srgbClr val="262626"/>
+              </a:solidFill>
+              <a:latin typeface="Arial"/>
+            </a:endParaRPr>
+          </a:p>
+        </p:txBody>
+      </p:sp>
+    </p:spTree>
+  </p:cSld>
+</p:sldLayout>
+</file>
+
+<file path=ppt/slideLayouts/slideLayout88.xml><?xml version="1.0" encoding="utf-8"?>
+<p:sldLayout xmlns:a="http://schemas.openxmlformats.org/drawingml/2006/main" xmlns:p="http://schemas.openxmlformats.org/presentationml/2006/main" xmlns:r="http://schemas.openxmlformats.org/officeDocument/2006/relationships" xmlns:p14="http://schemas.microsoft.com/office/powerpoint/2010/main" xmlns:p15="http://schemas.microsoft.com/office/powerpoint/2012/main" xmlns:mc="http://schemas.openxmlformats.org/markup-compatibility/2006" type="twoObj" preserve="1">
+  <p:cSld name="Title, 2 Content">
+    <p:spTree>
+      <p:nvGrpSpPr>
+        <p:cNvPr id="1" name=""/>
+        <p:cNvGrpSpPr/>
+        <p:nvPr/>
+      </p:nvGrpSpPr>
+      <p:grpSpPr>
+        <a:xfrm>
+          <a:off x="0" y="0"/>
+          <a:ext cx="0" cy="0"/>
+          <a:chOff x="0" y="0"/>
+          <a:chExt cx="0" cy="0"/>
+        </a:xfrm>
+      </p:grpSpPr>
+      <p:sp>
+        <p:nvSpPr>
+          <p:cNvPr id="340" name="PlaceHolder 1"/>
+          <p:cNvSpPr>
+            <a:spLocks noGrp="1"/>
+          </p:cNvSpPr>
+          <p:nvPr>
+            <p:ph type="title"/>
+          </p:nvPr>
+        </p:nvSpPr>
+        <p:spPr>
+          <a:xfrm>
+            <a:off x="466560" y="381240"/>
+            <a:ext cx="4638240" cy="675720"/>
+          </a:xfrm>
+          <a:prstGeom prst="rect">
+            <a:avLst/>
+          </a:prstGeom>
+        </p:spPr>
+        <p:txBody>
+          <a:bodyPr lIns="0" rIns="0" tIns="0" bIns="0" anchor="ctr"/>
+          <a:p>
+            <a:endParaRPr b="0" lang="en-US" sz="1800" spc="-1" strike="noStrike">
+              <a:solidFill>
+                <a:srgbClr val="ffffff"/>
+              </a:solidFill>
+              <a:latin typeface="Arial"/>
+            </a:endParaRPr>
+          </a:p>
+        </p:txBody>
+      </p:sp>
+      <p:sp>
+        <p:nvSpPr>
+          <p:cNvPr id="341" name="PlaceHolder 2"/>
+          <p:cNvSpPr>
+            <a:spLocks noGrp="1"/>
+          </p:cNvSpPr>
+          <p:nvPr>
+            <p:ph type="body"/>
+          </p:nvPr>
+        </p:nvSpPr>
+        <p:spPr>
+          <a:xfrm>
+            <a:off x="457200" y="1425600"/>
+            <a:ext cx="3770280" cy="571320"/>
+          </a:xfrm>
+          <a:prstGeom prst="rect">
+            <a:avLst/>
+          </a:prstGeom>
+        </p:spPr>
+        <p:txBody>
+          <a:bodyPr lIns="0" rIns="0" tIns="0" bIns="0">
+            <a:normAutofit/>
+          </a:bodyPr>
+          <a:p>
+            <a:endParaRPr b="0" lang="en-US" sz="2800" spc="-1" strike="noStrike">
+              <a:solidFill>
+                <a:srgbClr val="262626"/>
+              </a:solidFill>
+              <a:latin typeface="Arial"/>
+            </a:endParaRPr>
+          </a:p>
+        </p:txBody>
+      </p:sp>
+      <p:sp>
+        <p:nvSpPr>
+          <p:cNvPr id="342" name="PlaceHolder 3"/>
+          <p:cNvSpPr>
+            <a:spLocks noGrp="1"/>
+          </p:cNvSpPr>
+          <p:nvPr>
+            <p:ph type="body"/>
+          </p:nvPr>
+        </p:nvSpPr>
+        <p:spPr>
+          <a:xfrm>
+            <a:off x="4416480" y="1425600"/>
+            <a:ext cx="3770280" cy="571320"/>
+          </a:xfrm>
+          <a:prstGeom prst="rect">
+            <a:avLst/>
+          </a:prstGeom>
+        </p:spPr>
+        <p:txBody>
+          <a:bodyPr lIns="0" rIns="0" tIns="0" bIns="0">
+            <a:normAutofit/>
+          </a:bodyPr>
+          <a:p>
+            <a:endParaRPr b="0" lang="en-US" sz="2800" spc="-1" strike="noStrike">
+              <a:solidFill>
+                <a:srgbClr val="262626"/>
+              </a:solidFill>
+              <a:latin typeface="Arial"/>
+            </a:endParaRPr>
+          </a:p>
+        </p:txBody>
+      </p:sp>
+    </p:spTree>
+  </p:cSld>
+</p:sldLayout>
+</file>
+
+<file path=ppt/slideLayouts/slideLayout89.xml><?xml version="1.0" encoding="utf-8"?>
+<p:sldLayout xmlns:a="http://schemas.openxmlformats.org/drawingml/2006/main" xmlns:p="http://schemas.openxmlformats.org/presentationml/2006/main" xmlns:r="http://schemas.openxmlformats.org/officeDocument/2006/relationships" xmlns:p14="http://schemas.microsoft.com/office/powerpoint/2010/main" xmlns:p15="http://schemas.microsoft.com/office/powerpoint/2012/main" xmlns:mc="http://schemas.openxmlformats.org/markup-compatibility/2006" type="titleOnly" preserve="1">
+  <p:cSld name="Title Only">
+    <p:spTree>
+      <p:nvGrpSpPr>
+        <p:cNvPr id="1" name=""/>
+        <p:cNvGrpSpPr/>
+        <p:nvPr/>
+      </p:nvGrpSpPr>
+      <p:grpSpPr>
+        <a:xfrm>
+          <a:off x="0" y="0"/>
+          <a:ext cx="0" cy="0"/>
+          <a:chOff x="0" y="0"/>
+          <a:chExt cx="0" cy="0"/>
+        </a:xfrm>
+      </p:grpSpPr>
+      <p:sp>
+        <p:nvSpPr>
+          <p:cNvPr id="343" name="PlaceHolder 1"/>
+          <p:cNvSpPr>
+            <a:spLocks noGrp="1"/>
+          </p:cNvSpPr>
+          <p:nvPr>
+            <p:ph type="title"/>
+          </p:nvPr>
+        </p:nvSpPr>
+        <p:spPr>
+          <a:xfrm>
+            <a:off x="466560" y="381240"/>
+            <a:ext cx="4638240" cy="675720"/>
+          </a:xfrm>
+          <a:prstGeom prst="rect">
+            <a:avLst/>
+          </a:prstGeom>
+        </p:spPr>
+        <p:txBody>
+          <a:bodyPr lIns="0" rIns="0" tIns="0" bIns="0" anchor="ctr"/>
+          <a:p>
+            <a:endParaRPr b="0" lang="en-US" sz="1800" spc="-1" strike="noStrike">
+              <a:solidFill>
+                <a:srgbClr val="ffffff"/>
+              </a:solidFill>
+              <a:latin typeface="Arial"/>
+            </a:endParaRPr>
+          </a:p>
+        </p:txBody>
+      </p:sp>
+    </p:spTree>
+  </p:cSld>
+</p:sldLayout>
+</file>
+
 <file path=ppt/slideLayouts/slideLayout9.xml><?xml version="1.0" encoding="utf-8"?>
 <p:sldLayout xmlns:a="http://schemas.openxmlformats.org/drawingml/2006/main" xmlns:p="http://schemas.openxmlformats.org/presentationml/2006/main" xmlns:r="http://schemas.openxmlformats.org/officeDocument/2006/relationships" xmlns:p14="http://schemas.microsoft.com/office/powerpoint/2010/main" xmlns:p15="http://schemas.microsoft.com/office/powerpoint/2012/main" xmlns:mc="http://schemas.openxmlformats.org/markup-compatibility/2006" type="twoObjOverTx" preserve="1">
   <p:cSld name="Title, 2 Content over Content">
@@ -11243,6 +11954,1068 @@
           <a:xfrm>
             <a:off x="457200" y="1724040"/>
             <a:ext cx="7726320" cy="272160"/>
+          </a:xfrm>
+          <a:prstGeom prst="rect">
+            <a:avLst/>
+          </a:prstGeom>
+        </p:spPr>
+        <p:txBody>
+          <a:bodyPr lIns="0" rIns="0" tIns="0" bIns="0">
+            <a:normAutofit/>
+          </a:bodyPr>
+          <a:p>
+            <a:endParaRPr b="0" lang="en-US" sz="2800" spc="-1" strike="noStrike">
+              <a:solidFill>
+                <a:srgbClr val="262626"/>
+              </a:solidFill>
+              <a:latin typeface="Arial"/>
+            </a:endParaRPr>
+          </a:p>
+        </p:txBody>
+      </p:sp>
+    </p:spTree>
+  </p:cSld>
+</p:sldLayout>
+</file>
+
+<file path=ppt/slideLayouts/slideLayout90.xml><?xml version="1.0" encoding="utf-8"?>
+<p:sldLayout xmlns:a="http://schemas.openxmlformats.org/drawingml/2006/main" xmlns:p="http://schemas.openxmlformats.org/presentationml/2006/main" xmlns:r="http://schemas.openxmlformats.org/officeDocument/2006/relationships" xmlns:p14="http://schemas.microsoft.com/office/powerpoint/2010/main" xmlns:p15="http://schemas.microsoft.com/office/powerpoint/2012/main" xmlns:mc="http://schemas.openxmlformats.org/markup-compatibility/2006" type="objOnly" preserve="1">
+  <p:cSld name="Centered Text">
+    <p:spTree>
+      <p:nvGrpSpPr>
+        <p:cNvPr id="1" name=""/>
+        <p:cNvGrpSpPr/>
+        <p:nvPr/>
+      </p:nvGrpSpPr>
+      <p:grpSpPr>
+        <a:xfrm>
+          <a:off x="0" y="0"/>
+          <a:ext cx="0" cy="0"/>
+          <a:chOff x="0" y="0"/>
+          <a:chExt cx="0" cy="0"/>
+        </a:xfrm>
+      </p:grpSpPr>
+      <p:sp>
+        <p:nvSpPr>
+          <p:cNvPr id="344" name="PlaceHolder 1"/>
+          <p:cNvSpPr>
+            <a:spLocks noGrp="1"/>
+          </p:cNvSpPr>
+          <p:nvPr>
+            <p:ph type="subTitle"/>
+          </p:nvPr>
+        </p:nvSpPr>
+        <p:spPr>
+          <a:xfrm>
+            <a:off x="466560" y="381240"/>
+            <a:ext cx="4638240" cy="3133440"/>
+          </a:xfrm>
+          <a:prstGeom prst="rect">
+            <a:avLst/>
+          </a:prstGeom>
+        </p:spPr>
+        <p:txBody>
+          <a:bodyPr lIns="0" rIns="0" tIns="0" bIns="0" anchor="ctr"/>
+          <a:p>
+            <a:pPr algn="ctr"/>
+            <a:endParaRPr b="0" lang="en-US" sz="3200" spc="-1" strike="noStrike">
+              <a:latin typeface="Arial"/>
+            </a:endParaRPr>
+          </a:p>
+        </p:txBody>
+      </p:sp>
+    </p:spTree>
+  </p:cSld>
+</p:sldLayout>
+</file>
+
+<file path=ppt/slideLayouts/slideLayout91.xml><?xml version="1.0" encoding="utf-8"?>
+<p:sldLayout xmlns:a="http://schemas.openxmlformats.org/drawingml/2006/main" xmlns:p="http://schemas.openxmlformats.org/presentationml/2006/main" xmlns:r="http://schemas.openxmlformats.org/officeDocument/2006/relationships" xmlns:p14="http://schemas.microsoft.com/office/powerpoint/2010/main" xmlns:p15="http://schemas.microsoft.com/office/powerpoint/2012/main" xmlns:mc="http://schemas.openxmlformats.org/markup-compatibility/2006" type="twoObjAndObj" preserve="1">
+  <p:cSld name="Title, 2 Content and Content">
+    <p:spTree>
+      <p:nvGrpSpPr>
+        <p:cNvPr id="1" name=""/>
+        <p:cNvGrpSpPr/>
+        <p:nvPr/>
+      </p:nvGrpSpPr>
+      <p:grpSpPr>
+        <a:xfrm>
+          <a:off x="0" y="0"/>
+          <a:ext cx="0" cy="0"/>
+          <a:chOff x="0" y="0"/>
+          <a:chExt cx="0" cy="0"/>
+        </a:xfrm>
+      </p:grpSpPr>
+      <p:sp>
+        <p:nvSpPr>
+          <p:cNvPr id="345" name="PlaceHolder 1"/>
+          <p:cNvSpPr>
+            <a:spLocks noGrp="1"/>
+          </p:cNvSpPr>
+          <p:nvPr>
+            <p:ph type="title"/>
+          </p:nvPr>
+        </p:nvSpPr>
+        <p:spPr>
+          <a:xfrm>
+            <a:off x="466560" y="381240"/>
+            <a:ext cx="4638240" cy="675720"/>
+          </a:xfrm>
+          <a:prstGeom prst="rect">
+            <a:avLst/>
+          </a:prstGeom>
+        </p:spPr>
+        <p:txBody>
+          <a:bodyPr lIns="0" rIns="0" tIns="0" bIns="0" anchor="ctr"/>
+          <a:p>
+            <a:endParaRPr b="0" lang="en-US" sz="1800" spc="-1" strike="noStrike">
+              <a:solidFill>
+                <a:srgbClr val="ffffff"/>
+              </a:solidFill>
+              <a:latin typeface="Arial"/>
+            </a:endParaRPr>
+          </a:p>
+        </p:txBody>
+      </p:sp>
+      <p:sp>
+        <p:nvSpPr>
+          <p:cNvPr id="346" name="PlaceHolder 2"/>
+          <p:cNvSpPr>
+            <a:spLocks noGrp="1"/>
+          </p:cNvSpPr>
+          <p:nvPr>
+            <p:ph type="body"/>
+          </p:nvPr>
+        </p:nvSpPr>
+        <p:spPr>
+          <a:xfrm>
+            <a:off x="457200" y="1425600"/>
+            <a:ext cx="3770280" cy="272160"/>
+          </a:xfrm>
+          <a:prstGeom prst="rect">
+            <a:avLst/>
+          </a:prstGeom>
+        </p:spPr>
+        <p:txBody>
+          <a:bodyPr lIns="0" rIns="0" tIns="0" bIns="0">
+            <a:normAutofit/>
+          </a:bodyPr>
+          <a:p>
+            <a:endParaRPr b="0" lang="en-US" sz="2800" spc="-1" strike="noStrike">
+              <a:solidFill>
+                <a:srgbClr val="262626"/>
+              </a:solidFill>
+              <a:latin typeface="Arial"/>
+            </a:endParaRPr>
+          </a:p>
+        </p:txBody>
+      </p:sp>
+      <p:sp>
+        <p:nvSpPr>
+          <p:cNvPr id="347" name="PlaceHolder 3"/>
+          <p:cNvSpPr>
+            <a:spLocks noGrp="1"/>
+          </p:cNvSpPr>
+          <p:nvPr>
+            <p:ph type="body"/>
+          </p:nvPr>
+        </p:nvSpPr>
+        <p:spPr>
+          <a:xfrm>
+            <a:off x="4416480" y="1425600"/>
+            <a:ext cx="3770280" cy="571320"/>
+          </a:xfrm>
+          <a:prstGeom prst="rect">
+            <a:avLst/>
+          </a:prstGeom>
+        </p:spPr>
+        <p:txBody>
+          <a:bodyPr lIns="0" rIns="0" tIns="0" bIns="0">
+            <a:normAutofit/>
+          </a:bodyPr>
+          <a:p>
+            <a:endParaRPr b="0" lang="en-US" sz="2800" spc="-1" strike="noStrike">
+              <a:solidFill>
+                <a:srgbClr val="262626"/>
+              </a:solidFill>
+              <a:latin typeface="Arial"/>
+            </a:endParaRPr>
+          </a:p>
+        </p:txBody>
+      </p:sp>
+      <p:sp>
+        <p:nvSpPr>
+          <p:cNvPr id="348" name="PlaceHolder 4"/>
+          <p:cNvSpPr>
+            <a:spLocks noGrp="1"/>
+          </p:cNvSpPr>
+          <p:nvPr>
+            <p:ph type="body"/>
+          </p:nvPr>
+        </p:nvSpPr>
+        <p:spPr>
+          <a:xfrm>
+            <a:off x="457200" y="1724040"/>
+            <a:ext cx="3770280" cy="272160"/>
+          </a:xfrm>
+          <a:prstGeom prst="rect">
+            <a:avLst/>
+          </a:prstGeom>
+        </p:spPr>
+        <p:txBody>
+          <a:bodyPr lIns="0" rIns="0" tIns="0" bIns="0">
+            <a:normAutofit/>
+          </a:bodyPr>
+          <a:p>
+            <a:endParaRPr b="0" lang="en-US" sz="2800" spc="-1" strike="noStrike">
+              <a:solidFill>
+                <a:srgbClr val="262626"/>
+              </a:solidFill>
+              <a:latin typeface="Arial"/>
+            </a:endParaRPr>
+          </a:p>
+        </p:txBody>
+      </p:sp>
+    </p:spTree>
+  </p:cSld>
+</p:sldLayout>
+</file>
+
+<file path=ppt/slideLayouts/slideLayout92.xml><?xml version="1.0" encoding="utf-8"?>
+<p:sldLayout xmlns:a="http://schemas.openxmlformats.org/drawingml/2006/main" xmlns:p="http://schemas.openxmlformats.org/presentationml/2006/main" xmlns:r="http://schemas.openxmlformats.org/officeDocument/2006/relationships" xmlns:p14="http://schemas.microsoft.com/office/powerpoint/2010/main" xmlns:p15="http://schemas.microsoft.com/office/powerpoint/2012/main" xmlns:mc="http://schemas.openxmlformats.org/markup-compatibility/2006" type="objAndTwoObj" preserve="1">
+  <p:cSld name="Title Content and 2 Content">
+    <p:spTree>
+      <p:nvGrpSpPr>
+        <p:cNvPr id="1" name=""/>
+        <p:cNvGrpSpPr/>
+        <p:nvPr/>
+      </p:nvGrpSpPr>
+      <p:grpSpPr>
+        <a:xfrm>
+          <a:off x="0" y="0"/>
+          <a:ext cx="0" cy="0"/>
+          <a:chOff x="0" y="0"/>
+          <a:chExt cx="0" cy="0"/>
+        </a:xfrm>
+      </p:grpSpPr>
+      <p:sp>
+        <p:nvSpPr>
+          <p:cNvPr id="349" name="PlaceHolder 1"/>
+          <p:cNvSpPr>
+            <a:spLocks noGrp="1"/>
+          </p:cNvSpPr>
+          <p:nvPr>
+            <p:ph type="title"/>
+          </p:nvPr>
+        </p:nvSpPr>
+        <p:spPr>
+          <a:xfrm>
+            <a:off x="466560" y="381240"/>
+            <a:ext cx="4638240" cy="675720"/>
+          </a:xfrm>
+          <a:prstGeom prst="rect">
+            <a:avLst/>
+          </a:prstGeom>
+        </p:spPr>
+        <p:txBody>
+          <a:bodyPr lIns="0" rIns="0" tIns="0" bIns="0" anchor="ctr"/>
+          <a:p>
+            <a:endParaRPr b="0" lang="en-US" sz="1800" spc="-1" strike="noStrike">
+              <a:solidFill>
+                <a:srgbClr val="ffffff"/>
+              </a:solidFill>
+              <a:latin typeface="Arial"/>
+            </a:endParaRPr>
+          </a:p>
+        </p:txBody>
+      </p:sp>
+      <p:sp>
+        <p:nvSpPr>
+          <p:cNvPr id="350" name="PlaceHolder 2"/>
+          <p:cNvSpPr>
+            <a:spLocks noGrp="1"/>
+          </p:cNvSpPr>
+          <p:nvPr>
+            <p:ph type="body"/>
+          </p:nvPr>
+        </p:nvSpPr>
+        <p:spPr>
+          <a:xfrm>
+            <a:off x="457200" y="1425600"/>
+            <a:ext cx="3770280" cy="571320"/>
+          </a:xfrm>
+          <a:prstGeom prst="rect">
+            <a:avLst/>
+          </a:prstGeom>
+        </p:spPr>
+        <p:txBody>
+          <a:bodyPr lIns="0" rIns="0" tIns="0" bIns="0">
+            <a:normAutofit/>
+          </a:bodyPr>
+          <a:p>
+            <a:endParaRPr b="0" lang="en-US" sz="2800" spc="-1" strike="noStrike">
+              <a:solidFill>
+                <a:srgbClr val="262626"/>
+              </a:solidFill>
+              <a:latin typeface="Arial"/>
+            </a:endParaRPr>
+          </a:p>
+        </p:txBody>
+      </p:sp>
+      <p:sp>
+        <p:nvSpPr>
+          <p:cNvPr id="351" name="PlaceHolder 3"/>
+          <p:cNvSpPr>
+            <a:spLocks noGrp="1"/>
+          </p:cNvSpPr>
+          <p:nvPr>
+            <p:ph type="body"/>
+          </p:nvPr>
+        </p:nvSpPr>
+        <p:spPr>
+          <a:xfrm>
+            <a:off x="4416480" y="1425600"/>
+            <a:ext cx="3770280" cy="272160"/>
+          </a:xfrm>
+          <a:prstGeom prst="rect">
+            <a:avLst/>
+          </a:prstGeom>
+        </p:spPr>
+        <p:txBody>
+          <a:bodyPr lIns="0" rIns="0" tIns="0" bIns="0">
+            <a:normAutofit/>
+          </a:bodyPr>
+          <a:p>
+            <a:endParaRPr b="0" lang="en-US" sz="2800" spc="-1" strike="noStrike">
+              <a:solidFill>
+                <a:srgbClr val="262626"/>
+              </a:solidFill>
+              <a:latin typeface="Arial"/>
+            </a:endParaRPr>
+          </a:p>
+        </p:txBody>
+      </p:sp>
+      <p:sp>
+        <p:nvSpPr>
+          <p:cNvPr id="352" name="PlaceHolder 4"/>
+          <p:cNvSpPr>
+            <a:spLocks noGrp="1"/>
+          </p:cNvSpPr>
+          <p:nvPr>
+            <p:ph type="body"/>
+          </p:nvPr>
+        </p:nvSpPr>
+        <p:spPr>
+          <a:xfrm>
+            <a:off x="4416480" y="1724040"/>
+            <a:ext cx="3770280" cy="272160"/>
+          </a:xfrm>
+          <a:prstGeom prst="rect">
+            <a:avLst/>
+          </a:prstGeom>
+        </p:spPr>
+        <p:txBody>
+          <a:bodyPr lIns="0" rIns="0" tIns="0" bIns="0">
+            <a:normAutofit/>
+          </a:bodyPr>
+          <a:p>
+            <a:endParaRPr b="0" lang="en-US" sz="2800" spc="-1" strike="noStrike">
+              <a:solidFill>
+                <a:srgbClr val="262626"/>
+              </a:solidFill>
+              <a:latin typeface="Arial"/>
+            </a:endParaRPr>
+          </a:p>
+        </p:txBody>
+      </p:sp>
+    </p:spTree>
+  </p:cSld>
+</p:sldLayout>
+</file>
+
+<file path=ppt/slideLayouts/slideLayout93.xml><?xml version="1.0" encoding="utf-8"?>
+<p:sldLayout xmlns:a="http://schemas.openxmlformats.org/drawingml/2006/main" xmlns:p="http://schemas.openxmlformats.org/presentationml/2006/main" xmlns:r="http://schemas.openxmlformats.org/officeDocument/2006/relationships" xmlns:p14="http://schemas.microsoft.com/office/powerpoint/2010/main" xmlns:p15="http://schemas.microsoft.com/office/powerpoint/2012/main" xmlns:mc="http://schemas.openxmlformats.org/markup-compatibility/2006" type="twoObjOverTx" preserve="1">
+  <p:cSld name="Title, 2 Content over Content">
+    <p:spTree>
+      <p:nvGrpSpPr>
+        <p:cNvPr id="1" name=""/>
+        <p:cNvGrpSpPr/>
+        <p:nvPr/>
+      </p:nvGrpSpPr>
+      <p:grpSpPr>
+        <a:xfrm>
+          <a:off x="0" y="0"/>
+          <a:ext cx="0" cy="0"/>
+          <a:chOff x="0" y="0"/>
+          <a:chExt cx="0" cy="0"/>
+        </a:xfrm>
+      </p:grpSpPr>
+      <p:sp>
+        <p:nvSpPr>
+          <p:cNvPr id="353" name="PlaceHolder 1"/>
+          <p:cNvSpPr>
+            <a:spLocks noGrp="1"/>
+          </p:cNvSpPr>
+          <p:nvPr>
+            <p:ph type="title"/>
+          </p:nvPr>
+        </p:nvSpPr>
+        <p:spPr>
+          <a:xfrm>
+            <a:off x="466560" y="381240"/>
+            <a:ext cx="4638240" cy="675720"/>
+          </a:xfrm>
+          <a:prstGeom prst="rect">
+            <a:avLst/>
+          </a:prstGeom>
+        </p:spPr>
+        <p:txBody>
+          <a:bodyPr lIns="0" rIns="0" tIns="0" bIns="0" anchor="ctr"/>
+          <a:p>
+            <a:endParaRPr b="0" lang="en-US" sz="1800" spc="-1" strike="noStrike">
+              <a:solidFill>
+                <a:srgbClr val="ffffff"/>
+              </a:solidFill>
+              <a:latin typeface="Arial"/>
+            </a:endParaRPr>
+          </a:p>
+        </p:txBody>
+      </p:sp>
+      <p:sp>
+        <p:nvSpPr>
+          <p:cNvPr id="354" name="PlaceHolder 2"/>
+          <p:cNvSpPr>
+            <a:spLocks noGrp="1"/>
+          </p:cNvSpPr>
+          <p:nvPr>
+            <p:ph type="body"/>
+          </p:nvPr>
+        </p:nvSpPr>
+        <p:spPr>
+          <a:xfrm>
+            <a:off x="457200" y="1425600"/>
+            <a:ext cx="3770280" cy="272160"/>
+          </a:xfrm>
+          <a:prstGeom prst="rect">
+            <a:avLst/>
+          </a:prstGeom>
+        </p:spPr>
+        <p:txBody>
+          <a:bodyPr lIns="0" rIns="0" tIns="0" bIns="0">
+            <a:normAutofit/>
+          </a:bodyPr>
+          <a:p>
+            <a:endParaRPr b="0" lang="en-US" sz="2800" spc="-1" strike="noStrike">
+              <a:solidFill>
+                <a:srgbClr val="262626"/>
+              </a:solidFill>
+              <a:latin typeface="Arial"/>
+            </a:endParaRPr>
+          </a:p>
+        </p:txBody>
+      </p:sp>
+      <p:sp>
+        <p:nvSpPr>
+          <p:cNvPr id="355" name="PlaceHolder 3"/>
+          <p:cNvSpPr>
+            <a:spLocks noGrp="1"/>
+          </p:cNvSpPr>
+          <p:nvPr>
+            <p:ph type="body"/>
+          </p:nvPr>
+        </p:nvSpPr>
+        <p:spPr>
+          <a:xfrm>
+            <a:off x="4416480" y="1425600"/>
+            <a:ext cx="3770280" cy="272160"/>
+          </a:xfrm>
+          <a:prstGeom prst="rect">
+            <a:avLst/>
+          </a:prstGeom>
+        </p:spPr>
+        <p:txBody>
+          <a:bodyPr lIns="0" rIns="0" tIns="0" bIns="0">
+            <a:normAutofit/>
+          </a:bodyPr>
+          <a:p>
+            <a:endParaRPr b="0" lang="en-US" sz="2800" spc="-1" strike="noStrike">
+              <a:solidFill>
+                <a:srgbClr val="262626"/>
+              </a:solidFill>
+              <a:latin typeface="Arial"/>
+            </a:endParaRPr>
+          </a:p>
+        </p:txBody>
+      </p:sp>
+      <p:sp>
+        <p:nvSpPr>
+          <p:cNvPr id="356" name="PlaceHolder 4"/>
+          <p:cNvSpPr>
+            <a:spLocks noGrp="1"/>
+          </p:cNvSpPr>
+          <p:nvPr>
+            <p:ph type="body"/>
+          </p:nvPr>
+        </p:nvSpPr>
+        <p:spPr>
+          <a:xfrm>
+            <a:off x="457200" y="1724040"/>
+            <a:ext cx="7726320" cy="272160"/>
+          </a:xfrm>
+          <a:prstGeom prst="rect">
+            <a:avLst/>
+          </a:prstGeom>
+        </p:spPr>
+        <p:txBody>
+          <a:bodyPr lIns="0" rIns="0" tIns="0" bIns="0">
+            <a:normAutofit/>
+          </a:bodyPr>
+          <a:p>
+            <a:endParaRPr b="0" lang="en-US" sz="2800" spc="-1" strike="noStrike">
+              <a:solidFill>
+                <a:srgbClr val="262626"/>
+              </a:solidFill>
+              <a:latin typeface="Arial"/>
+            </a:endParaRPr>
+          </a:p>
+        </p:txBody>
+      </p:sp>
+    </p:spTree>
+  </p:cSld>
+</p:sldLayout>
+</file>
+
+<file path=ppt/slideLayouts/slideLayout94.xml><?xml version="1.0" encoding="utf-8"?>
+<p:sldLayout xmlns:a="http://schemas.openxmlformats.org/drawingml/2006/main" xmlns:p="http://schemas.openxmlformats.org/presentationml/2006/main" xmlns:r="http://schemas.openxmlformats.org/officeDocument/2006/relationships" xmlns:p14="http://schemas.microsoft.com/office/powerpoint/2010/main" xmlns:p15="http://schemas.microsoft.com/office/powerpoint/2012/main" xmlns:mc="http://schemas.openxmlformats.org/markup-compatibility/2006" type="objOverTx" preserve="1">
+  <p:cSld name="Title, Content over Content">
+    <p:spTree>
+      <p:nvGrpSpPr>
+        <p:cNvPr id="1" name=""/>
+        <p:cNvGrpSpPr/>
+        <p:nvPr/>
+      </p:nvGrpSpPr>
+      <p:grpSpPr>
+        <a:xfrm>
+          <a:off x="0" y="0"/>
+          <a:ext cx="0" cy="0"/>
+          <a:chOff x="0" y="0"/>
+          <a:chExt cx="0" cy="0"/>
+        </a:xfrm>
+      </p:grpSpPr>
+      <p:sp>
+        <p:nvSpPr>
+          <p:cNvPr id="357" name="PlaceHolder 1"/>
+          <p:cNvSpPr>
+            <a:spLocks noGrp="1"/>
+          </p:cNvSpPr>
+          <p:nvPr>
+            <p:ph type="title"/>
+          </p:nvPr>
+        </p:nvSpPr>
+        <p:spPr>
+          <a:xfrm>
+            <a:off x="466560" y="381240"/>
+            <a:ext cx="4638240" cy="675720"/>
+          </a:xfrm>
+          <a:prstGeom prst="rect">
+            <a:avLst/>
+          </a:prstGeom>
+        </p:spPr>
+        <p:txBody>
+          <a:bodyPr lIns="0" rIns="0" tIns="0" bIns="0" anchor="ctr"/>
+          <a:p>
+            <a:endParaRPr b="0" lang="en-US" sz="1800" spc="-1" strike="noStrike">
+              <a:solidFill>
+                <a:srgbClr val="ffffff"/>
+              </a:solidFill>
+              <a:latin typeface="Arial"/>
+            </a:endParaRPr>
+          </a:p>
+        </p:txBody>
+      </p:sp>
+      <p:sp>
+        <p:nvSpPr>
+          <p:cNvPr id="358" name="PlaceHolder 2"/>
+          <p:cNvSpPr>
+            <a:spLocks noGrp="1"/>
+          </p:cNvSpPr>
+          <p:nvPr>
+            <p:ph type="body"/>
+          </p:nvPr>
+        </p:nvSpPr>
+        <p:spPr>
+          <a:xfrm>
+            <a:off x="457200" y="1425600"/>
+            <a:ext cx="7726320" cy="272160"/>
+          </a:xfrm>
+          <a:prstGeom prst="rect">
+            <a:avLst/>
+          </a:prstGeom>
+        </p:spPr>
+        <p:txBody>
+          <a:bodyPr lIns="0" rIns="0" tIns="0" bIns="0">
+            <a:normAutofit/>
+          </a:bodyPr>
+          <a:p>
+            <a:endParaRPr b="0" lang="en-US" sz="2800" spc="-1" strike="noStrike">
+              <a:solidFill>
+                <a:srgbClr val="262626"/>
+              </a:solidFill>
+              <a:latin typeface="Arial"/>
+            </a:endParaRPr>
+          </a:p>
+        </p:txBody>
+      </p:sp>
+      <p:sp>
+        <p:nvSpPr>
+          <p:cNvPr id="359" name="PlaceHolder 3"/>
+          <p:cNvSpPr>
+            <a:spLocks noGrp="1"/>
+          </p:cNvSpPr>
+          <p:nvPr>
+            <p:ph type="body"/>
+          </p:nvPr>
+        </p:nvSpPr>
+        <p:spPr>
+          <a:xfrm>
+            <a:off x="457200" y="1724040"/>
+            <a:ext cx="7726320" cy="272160"/>
+          </a:xfrm>
+          <a:prstGeom prst="rect">
+            <a:avLst/>
+          </a:prstGeom>
+        </p:spPr>
+        <p:txBody>
+          <a:bodyPr lIns="0" rIns="0" tIns="0" bIns="0">
+            <a:normAutofit/>
+          </a:bodyPr>
+          <a:p>
+            <a:endParaRPr b="0" lang="en-US" sz="2800" spc="-1" strike="noStrike">
+              <a:solidFill>
+                <a:srgbClr val="262626"/>
+              </a:solidFill>
+              <a:latin typeface="Arial"/>
+            </a:endParaRPr>
+          </a:p>
+        </p:txBody>
+      </p:sp>
+    </p:spTree>
+  </p:cSld>
+</p:sldLayout>
+</file>
+
+<file path=ppt/slideLayouts/slideLayout95.xml><?xml version="1.0" encoding="utf-8"?>
+<p:sldLayout xmlns:a="http://schemas.openxmlformats.org/drawingml/2006/main" xmlns:p="http://schemas.openxmlformats.org/presentationml/2006/main" xmlns:r="http://schemas.openxmlformats.org/officeDocument/2006/relationships" xmlns:p14="http://schemas.microsoft.com/office/powerpoint/2010/main" xmlns:p15="http://schemas.microsoft.com/office/powerpoint/2012/main" xmlns:mc="http://schemas.openxmlformats.org/markup-compatibility/2006" type="fourObj" preserve="1">
+  <p:cSld name="Title, 4 Content">
+    <p:spTree>
+      <p:nvGrpSpPr>
+        <p:cNvPr id="1" name=""/>
+        <p:cNvGrpSpPr/>
+        <p:nvPr/>
+      </p:nvGrpSpPr>
+      <p:grpSpPr>
+        <a:xfrm>
+          <a:off x="0" y="0"/>
+          <a:ext cx="0" cy="0"/>
+          <a:chOff x="0" y="0"/>
+          <a:chExt cx="0" cy="0"/>
+        </a:xfrm>
+      </p:grpSpPr>
+      <p:sp>
+        <p:nvSpPr>
+          <p:cNvPr id="360" name="PlaceHolder 1"/>
+          <p:cNvSpPr>
+            <a:spLocks noGrp="1"/>
+          </p:cNvSpPr>
+          <p:nvPr>
+            <p:ph type="title"/>
+          </p:nvPr>
+        </p:nvSpPr>
+        <p:spPr>
+          <a:xfrm>
+            <a:off x="466560" y="381240"/>
+            <a:ext cx="4638240" cy="675720"/>
+          </a:xfrm>
+          <a:prstGeom prst="rect">
+            <a:avLst/>
+          </a:prstGeom>
+        </p:spPr>
+        <p:txBody>
+          <a:bodyPr lIns="0" rIns="0" tIns="0" bIns="0" anchor="ctr"/>
+          <a:p>
+            <a:endParaRPr b="0" lang="en-US" sz="1800" spc="-1" strike="noStrike">
+              <a:solidFill>
+                <a:srgbClr val="ffffff"/>
+              </a:solidFill>
+              <a:latin typeface="Arial"/>
+            </a:endParaRPr>
+          </a:p>
+        </p:txBody>
+      </p:sp>
+      <p:sp>
+        <p:nvSpPr>
+          <p:cNvPr id="361" name="PlaceHolder 2"/>
+          <p:cNvSpPr>
+            <a:spLocks noGrp="1"/>
+          </p:cNvSpPr>
+          <p:nvPr>
+            <p:ph type="body"/>
+          </p:nvPr>
+        </p:nvSpPr>
+        <p:spPr>
+          <a:xfrm>
+            <a:off x="457200" y="1425600"/>
+            <a:ext cx="3770280" cy="272160"/>
+          </a:xfrm>
+          <a:prstGeom prst="rect">
+            <a:avLst/>
+          </a:prstGeom>
+        </p:spPr>
+        <p:txBody>
+          <a:bodyPr lIns="0" rIns="0" tIns="0" bIns="0">
+            <a:normAutofit/>
+          </a:bodyPr>
+          <a:p>
+            <a:endParaRPr b="0" lang="en-US" sz="2800" spc="-1" strike="noStrike">
+              <a:solidFill>
+                <a:srgbClr val="262626"/>
+              </a:solidFill>
+              <a:latin typeface="Arial"/>
+            </a:endParaRPr>
+          </a:p>
+        </p:txBody>
+      </p:sp>
+      <p:sp>
+        <p:nvSpPr>
+          <p:cNvPr id="362" name="PlaceHolder 3"/>
+          <p:cNvSpPr>
+            <a:spLocks noGrp="1"/>
+          </p:cNvSpPr>
+          <p:nvPr>
+            <p:ph type="body"/>
+          </p:nvPr>
+        </p:nvSpPr>
+        <p:spPr>
+          <a:xfrm>
+            <a:off x="4416480" y="1425600"/>
+            <a:ext cx="3770280" cy="272160"/>
+          </a:xfrm>
+          <a:prstGeom prst="rect">
+            <a:avLst/>
+          </a:prstGeom>
+        </p:spPr>
+        <p:txBody>
+          <a:bodyPr lIns="0" rIns="0" tIns="0" bIns="0">
+            <a:normAutofit/>
+          </a:bodyPr>
+          <a:p>
+            <a:endParaRPr b="0" lang="en-US" sz="2800" spc="-1" strike="noStrike">
+              <a:solidFill>
+                <a:srgbClr val="262626"/>
+              </a:solidFill>
+              <a:latin typeface="Arial"/>
+            </a:endParaRPr>
+          </a:p>
+        </p:txBody>
+      </p:sp>
+      <p:sp>
+        <p:nvSpPr>
+          <p:cNvPr id="363" name="PlaceHolder 4"/>
+          <p:cNvSpPr>
+            <a:spLocks noGrp="1"/>
+          </p:cNvSpPr>
+          <p:nvPr>
+            <p:ph type="body"/>
+          </p:nvPr>
+        </p:nvSpPr>
+        <p:spPr>
+          <a:xfrm>
+            <a:off x="457200" y="1724040"/>
+            <a:ext cx="3770280" cy="272160"/>
+          </a:xfrm>
+          <a:prstGeom prst="rect">
+            <a:avLst/>
+          </a:prstGeom>
+        </p:spPr>
+        <p:txBody>
+          <a:bodyPr lIns="0" rIns="0" tIns="0" bIns="0">
+            <a:normAutofit/>
+          </a:bodyPr>
+          <a:p>
+            <a:endParaRPr b="0" lang="en-US" sz="2800" spc="-1" strike="noStrike">
+              <a:solidFill>
+                <a:srgbClr val="262626"/>
+              </a:solidFill>
+              <a:latin typeface="Arial"/>
+            </a:endParaRPr>
+          </a:p>
+        </p:txBody>
+      </p:sp>
+      <p:sp>
+        <p:nvSpPr>
+          <p:cNvPr id="364" name="PlaceHolder 5"/>
+          <p:cNvSpPr>
+            <a:spLocks noGrp="1"/>
+          </p:cNvSpPr>
+          <p:nvPr>
+            <p:ph type="body"/>
+          </p:nvPr>
+        </p:nvSpPr>
+        <p:spPr>
+          <a:xfrm>
+            <a:off x="4416480" y="1724040"/>
+            <a:ext cx="3770280" cy="272160"/>
+          </a:xfrm>
+          <a:prstGeom prst="rect">
+            <a:avLst/>
+          </a:prstGeom>
+        </p:spPr>
+        <p:txBody>
+          <a:bodyPr lIns="0" rIns="0" tIns="0" bIns="0">
+            <a:normAutofit/>
+          </a:bodyPr>
+          <a:p>
+            <a:endParaRPr b="0" lang="en-US" sz="2800" spc="-1" strike="noStrike">
+              <a:solidFill>
+                <a:srgbClr val="262626"/>
+              </a:solidFill>
+              <a:latin typeface="Arial"/>
+            </a:endParaRPr>
+          </a:p>
+        </p:txBody>
+      </p:sp>
+    </p:spTree>
+  </p:cSld>
+</p:sldLayout>
+</file>
+
+<file path=ppt/slideLayouts/slideLayout96.xml><?xml version="1.0" encoding="utf-8"?>
+<p:sldLayout xmlns:a="http://schemas.openxmlformats.org/drawingml/2006/main" xmlns:p="http://schemas.openxmlformats.org/presentationml/2006/main" xmlns:r="http://schemas.openxmlformats.org/officeDocument/2006/relationships" xmlns:p14="http://schemas.microsoft.com/office/powerpoint/2010/main" xmlns:p15="http://schemas.microsoft.com/office/powerpoint/2012/main" xmlns:mc="http://schemas.openxmlformats.org/markup-compatibility/2006" type="blank" preserve="1">
+  <p:cSld name="Title, 6 Content">
+    <p:spTree>
+      <p:nvGrpSpPr>
+        <p:cNvPr id="1" name=""/>
+        <p:cNvGrpSpPr/>
+        <p:nvPr/>
+      </p:nvGrpSpPr>
+      <p:grpSpPr>
+        <a:xfrm>
+          <a:off x="0" y="0"/>
+          <a:ext cx="0" cy="0"/>
+          <a:chOff x="0" y="0"/>
+          <a:chExt cx="0" cy="0"/>
+        </a:xfrm>
+      </p:grpSpPr>
+      <p:sp>
+        <p:nvSpPr>
+          <p:cNvPr id="365" name="PlaceHolder 1"/>
+          <p:cNvSpPr>
+            <a:spLocks noGrp="1"/>
+          </p:cNvSpPr>
+          <p:nvPr>
+            <p:ph type="title"/>
+          </p:nvPr>
+        </p:nvSpPr>
+        <p:spPr>
+          <a:xfrm>
+            <a:off x="466560" y="381240"/>
+            <a:ext cx="4638240" cy="675720"/>
+          </a:xfrm>
+          <a:prstGeom prst="rect">
+            <a:avLst/>
+          </a:prstGeom>
+        </p:spPr>
+        <p:txBody>
+          <a:bodyPr lIns="0" rIns="0" tIns="0" bIns="0" anchor="ctr"/>
+          <a:p>
+            <a:endParaRPr b="0" lang="en-US" sz="1800" spc="-1" strike="noStrike">
+              <a:solidFill>
+                <a:srgbClr val="ffffff"/>
+              </a:solidFill>
+              <a:latin typeface="Arial"/>
+            </a:endParaRPr>
+          </a:p>
+        </p:txBody>
+      </p:sp>
+      <p:sp>
+        <p:nvSpPr>
+          <p:cNvPr id="366" name="PlaceHolder 2"/>
+          <p:cNvSpPr>
+            <a:spLocks noGrp="1"/>
+          </p:cNvSpPr>
+          <p:nvPr>
+            <p:ph type="body"/>
+          </p:nvPr>
+        </p:nvSpPr>
+        <p:spPr>
+          <a:xfrm>
+            <a:off x="457200" y="1425600"/>
+            <a:ext cx="2487600" cy="272160"/>
+          </a:xfrm>
+          <a:prstGeom prst="rect">
+            <a:avLst/>
+          </a:prstGeom>
+        </p:spPr>
+        <p:txBody>
+          <a:bodyPr lIns="0" rIns="0" tIns="0" bIns="0">
+            <a:normAutofit/>
+          </a:bodyPr>
+          <a:p>
+            <a:endParaRPr b="0" lang="en-US" sz="2800" spc="-1" strike="noStrike">
+              <a:solidFill>
+                <a:srgbClr val="262626"/>
+              </a:solidFill>
+              <a:latin typeface="Arial"/>
+            </a:endParaRPr>
+          </a:p>
+        </p:txBody>
+      </p:sp>
+      <p:sp>
+        <p:nvSpPr>
+          <p:cNvPr id="367" name="PlaceHolder 3"/>
+          <p:cNvSpPr>
+            <a:spLocks noGrp="1"/>
+          </p:cNvSpPr>
+          <p:nvPr>
+            <p:ph type="body"/>
+          </p:nvPr>
+        </p:nvSpPr>
+        <p:spPr>
+          <a:xfrm>
+            <a:off x="3069720" y="1425600"/>
+            <a:ext cx="2487600" cy="272160"/>
+          </a:xfrm>
+          <a:prstGeom prst="rect">
+            <a:avLst/>
+          </a:prstGeom>
+        </p:spPr>
+        <p:txBody>
+          <a:bodyPr lIns="0" rIns="0" tIns="0" bIns="0">
+            <a:normAutofit/>
+          </a:bodyPr>
+          <a:p>
+            <a:endParaRPr b="0" lang="en-US" sz="2800" spc="-1" strike="noStrike">
+              <a:solidFill>
+                <a:srgbClr val="262626"/>
+              </a:solidFill>
+              <a:latin typeface="Arial"/>
+            </a:endParaRPr>
+          </a:p>
+        </p:txBody>
+      </p:sp>
+      <p:sp>
+        <p:nvSpPr>
+          <p:cNvPr id="368" name="PlaceHolder 4"/>
+          <p:cNvSpPr>
+            <a:spLocks noGrp="1"/>
+          </p:cNvSpPr>
+          <p:nvPr>
+            <p:ph type="body"/>
+          </p:nvPr>
+        </p:nvSpPr>
+        <p:spPr>
+          <a:xfrm>
+            <a:off x="5681880" y="1425600"/>
+            <a:ext cx="2487600" cy="272160"/>
+          </a:xfrm>
+          <a:prstGeom prst="rect">
+            <a:avLst/>
+          </a:prstGeom>
+        </p:spPr>
+        <p:txBody>
+          <a:bodyPr lIns="0" rIns="0" tIns="0" bIns="0">
+            <a:normAutofit/>
+          </a:bodyPr>
+          <a:p>
+            <a:endParaRPr b="0" lang="en-US" sz="2800" spc="-1" strike="noStrike">
+              <a:solidFill>
+                <a:srgbClr val="262626"/>
+              </a:solidFill>
+              <a:latin typeface="Arial"/>
+            </a:endParaRPr>
+          </a:p>
+        </p:txBody>
+      </p:sp>
+      <p:sp>
+        <p:nvSpPr>
+          <p:cNvPr id="369" name="PlaceHolder 5"/>
+          <p:cNvSpPr>
+            <a:spLocks noGrp="1"/>
+          </p:cNvSpPr>
+          <p:nvPr>
+            <p:ph type="body"/>
+          </p:nvPr>
+        </p:nvSpPr>
+        <p:spPr>
+          <a:xfrm>
+            <a:off x="457200" y="1724040"/>
+            <a:ext cx="2487600" cy="272160"/>
+          </a:xfrm>
+          <a:prstGeom prst="rect">
+            <a:avLst/>
+          </a:prstGeom>
+        </p:spPr>
+        <p:txBody>
+          <a:bodyPr lIns="0" rIns="0" tIns="0" bIns="0">
+            <a:normAutofit/>
+          </a:bodyPr>
+          <a:p>
+            <a:endParaRPr b="0" lang="en-US" sz="2800" spc="-1" strike="noStrike">
+              <a:solidFill>
+                <a:srgbClr val="262626"/>
+              </a:solidFill>
+              <a:latin typeface="Arial"/>
+            </a:endParaRPr>
+          </a:p>
+        </p:txBody>
+      </p:sp>
+      <p:sp>
+        <p:nvSpPr>
+          <p:cNvPr id="370" name="PlaceHolder 6"/>
+          <p:cNvSpPr>
+            <a:spLocks noGrp="1"/>
+          </p:cNvSpPr>
+          <p:nvPr>
+            <p:ph type="body"/>
+          </p:nvPr>
+        </p:nvSpPr>
+        <p:spPr>
+          <a:xfrm>
+            <a:off x="3069720" y="1724040"/>
+            <a:ext cx="2487600" cy="272160"/>
+          </a:xfrm>
+          <a:prstGeom prst="rect">
+            <a:avLst/>
+          </a:prstGeom>
+        </p:spPr>
+        <p:txBody>
+          <a:bodyPr lIns="0" rIns="0" tIns="0" bIns="0">
+            <a:normAutofit/>
+          </a:bodyPr>
+          <a:p>
+            <a:endParaRPr b="0" lang="en-US" sz="2800" spc="-1" strike="noStrike">
+              <a:solidFill>
+                <a:srgbClr val="262626"/>
+              </a:solidFill>
+              <a:latin typeface="Arial"/>
+            </a:endParaRPr>
+          </a:p>
+        </p:txBody>
+      </p:sp>
+      <p:sp>
+        <p:nvSpPr>
+          <p:cNvPr id="371" name="PlaceHolder 7"/>
+          <p:cNvSpPr>
+            <a:spLocks noGrp="1"/>
+          </p:cNvSpPr>
+          <p:nvPr>
+            <p:ph type="body"/>
+          </p:nvPr>
+        </p:nvSpPr>
+        <p:spPr>
+          <a:xfrm>
+            <a:off x="5681880" y="1724040"/>
+            <a:ext cx="2487600" cy="272160"/>
           </a:xfrm>
           <a:prstGeom prst="rect">
             <a:avLst/>
@@ -11600,7 +13373,7 @@
                 <a:spcPct val="100000"/>
               </a:lnSpc>
             </a:pPr>
-            <a:fld id="{DDF2901A-F598-47C0-95DA-BBD1CB8C86DF}" type="datetime1">
+            <a:fld id="{CAFCD718-35B5-4605-9A3B-9AAAE60FB400}" type="datetime1">
               <a:rPr b="0" lang="en-US" sz="1000" spc="-1" strike="noStrike">
                 <a:solidFill>
                   <a:srgbClr val="ffffff"/>
@@ -12049,7 +13822,25 @@
                 </a:solidFill>
                 <a:latin typeface="Segoe UI"/>
               </a:rPr>
-              <a:t>Click to edit Master title style</a:t>
+              <a:t>Click to edit </a:t>
+            </a:r>
+            <a:r>
+              <a:rPr b="1" lang="en-US" sz="4000" spc="-1" strike="noStrike">
+                <a:solidFill>
+                  <a:srgbClr val="c94c25"/>
+                </a:solidFill>
+                <a:latin typeface="Segoe UI"/>
+              </a:rPr>
+              <a:t>Master title </a:t>
+            </a:r>
+            <a:r>
+              <a:rPr b="1" lang="en-US" sz="4000" spc="-1" strike="noStrike">
+                <a:solidFill>
+                  <a:srgbClr val="c94c25"/>
+                </a:solidFill>
+                <a:latin typeface="Segoe UI"/>
+              </a:rPr>
+              <a:t>style</a:t>
             </a:r>
             <a:endParaRPr b="0" lang="en-US" sz="4000" spc="-1" strike="noStrike">
               <a:solidFill>
@@ -12284,7 +14075,16 @@
                 </a:solidFill>
                 <a:latin typeface="Arial"/>
               </a:rPr>
-              <a:t>www.website.com</a:t>
+              <a:t>www.website.</a:t>
+            </a:r>
+            <a:r>
+              <a:rPr b="0" lang="en-US" sz="1200" spc="-1" strike="noStrike">
+                <a:solidFill>
+                  <a:srgbClr val="262626"/>
+                </a:solidFill>
+                <a:latin typeface="Arial"/>
+              </a:rPr>
+              <a:t>com</a:t>
             </a:r>
             <a:endParaRPr b="0" lang="en-US" sz="1200" spc="-1" strike="noStrike">
               <a:latin typeface="Times New Roman"/>
@@ -12319,7 +14119,7 @@
                 <a:spcPct val="100000"/>
               </a:lnSpc>
             </a:pPr>
-            <a:fld id="{C123C173-E6FA-49C7-8A9B-6ABD38B31508}" type="slidenum">
+            <a:fld id="{10C244C7-3991-4379-AC5D-C0A0C5AF4A8F}" type="slidenum">
               <a:rPr b="1" lang="en-US" sz="1200" spc="-1" strike="noStrike">
                 <a:solidFill>
                   <a:srgbClr val="262626"/>
@@ -12580,7 +14380,7 @@
                 </a:solidFill>
                 <a:latin typeface="Segoe UI"/>
               </a:rPr>
-              <a:t>Click to edit </a:t>
+              <a:t>Click to edit Master </a:t>
             </a:r>
             <a:r>
               <a:rPr b="1" lang="en-US" sz="4000" spc="-1" strike="noStrike">
@@ -12589,16 +14389,7 @@
                 </a:solidFill>
                 <a:latin typeface="Segoe UI"/>
               </a:rPr>
-              <a:t>Master title </a:t>
-            </a:r>
-            <a:r>
-              <a:rPr b="1" lang="en-US" sz="4000" spc="-1" strike="noStrike">
-                <a:solidFill>
-                  <a:srgbClr val="c94c25"/>
-                </a:solidFill>
-                <a:latin typeface="Segoe UI"/>
-              </a:rPr>
-              <a:t>style</a:t>
+              <a:t>title style</a:t>
             </a:r>
             <a:endParaRPr b="0" lang="en-US" sz="4000" spc="-1" strike="noStrike">
               <a:solidFill>
@@ -12678,7 +14469,7 @@
                 <a:spcPct val="100000"/>
               </a:lnSpc>
             </a:pPr>
-            <a:fld id="{08DCC3DA-A2A3-4C1B-977A-70EE3A4DFE30}" type="slidenum">
+            <a:fld id="{D90EA99B-3A2E-485C-BCFB-22775054E5A2}" type="slidenum">
               <a:rPr b="1" lang="en-US" sz="1200" spc="-1" strike="noStrike">
                 <a:solidFill>
                   <a:srgbClr val="262626"/>
@@ -12931,25 +14722,7 @@
                 </a:solidFill>
                 <a:latin typeface="Segoe UI"/>
               </a:rPr>
-              <a:t>Click to </a:t>
-            </a:r>
-            <a:r>
-              <a:rPr b="1" lang="en-US" sz="4000" spc="-1" strike="noStrike">
-                <a:solidFill>
-                  <a:srgbClr val="c94c25"/>
-                </a:solidFill>
-                <a:latin typeface="Segoe UI"/>
-              </a:rPr>
-              <a:t>edit Master </a:t>
-            </a:r>
-            <a:r>
-              <a:rPr b="1" lang="en-US" sz="4000" spc="-1" strike="noStrike">
-                <a:solidFill>
-                  <a:srgbClr val="c94c25"/>
-                </a:solidFill>
-                <a:latin typeface="Segoe UI"/>
-              </a:rPr>
-              <a:t>title style</a:t>
+              <a:t>Click to edit Master title style</a:t>
             </a:r>
             <a:endParaRPr b="0" lang="en-US" sz="4000" spc="-1" strike="noStrike">
               <a:solidFill>
@@ -13219,7 +14992,7 @@
                 <a:spcPct val="100000"/>
               </a:lnSpc>
             </a:pPr>
-            <a:fld id="{FA233906-1EFC-4C15-84F8-AA48E8435EE5}" type="slidenum">
+            <a:fld id="{A5E1FD99-BC0D-4F2F-8E5C-7EC95F77E637}" type="slidenum">
               <a:rPr b="1" lang="en-US" sz="1200" spc="-1" strike="noStrike">
                 <a:solidFill>
                   <a:srgbClr val="262626"/>
@@ -13419,25 +15192,7 @@
                 </a:solidFill>
                 <a:latin typeface="Segoe UI"/>
               </a:rPr>
-              <a:t>Click to edit </a:t>
-            </a:r>
-            <a:r>
-              <a:rPr b="1" lang="en-US" sz="4000" spc="-1" strike="noStrike">
-                <a:solidFill>
-                  <a:srgbClr val="c94c25"/>
-                </a:solidFill>
-                <a:latin typeface="Segoe UI"/>
-              </a:rPr>
-              <a:t>Master title </a:t>
-            </a:r>
-            <a:r>
-              <a:rPr b="1" lang="en-US" sz="4000" spc="-1" strike="noStrike">
-                <a:solidFill>
-                  <a:srgbClr val="c94c25"/>
-                </a:solidFill>
-                <a:latin typeface="Segoe UI"/>
-              </a:rPr>
-              <a:t>style</a:t>
+              <a:t>Click to edit Master title style</a:t>
             </a:r>
             <a:endParaRPr b="0" lang="en-US" sz="4000" spc="-1" strike="noStrike">
               <a:solidFill>
@@ -13494,16 +15249,7 @@
                 </a:solidFill>
                 <a:latin typeface="Arial"/>
               </a:rPr>
-              <a:t>Edit Master text </a:t>
-            </a:r>
-            <a:r>
-              <a:rPr b="0" lang="en-US" sz="2800" spc="-1" strike="noStrike">
-                <a:solidFill>
-                  <a:srgbClr val="262626"/>
-                </a:solidFill>
-                <a:latin typeface="Arial"/>
-              </a:rPr>
-              <a:t>styles</a:t>
+              <a:t>Edit Master text styles</a:t>
             </a:r>
             <a:endParaRPr b="0" lang="en-US" sz="2800" spc="-1" strike="noStrike">
               <a:solidFill>
@@ -13716,7 +15462,7 @@
                 <a:spcPct val="100000"/>
               </a:lnSpc>
             </a:pPr>
-            <a:fld id="{A86565F3-6477-4742-ABE3-18D6E3233D9F}" type="slidenum">
+            <a:fld id="{C8BB390C-AF0C-467F-8EC8-5041DB6DE290}" type="slidenum">
               <a:rPr b="1" lang="en-US" sz="1200" spc="-1" strike="noStrike">
                 <a:solidFill>
                   <a:srgbClr val="262626"/>
@@ -14186,7 +15932,7 @@
                 <a:spcPct val="100000"/>
               </a:lnSpc>
             </a:pPr>
-            <a:fld id="{42ADAF12-1CAD-4758-ABF4-A7207833E3AC}" type="slidenum">
+            <a:fld id="{3C006BC4-5743-4D69-A34C-509E9379E3B6}" type="slidenum">
               <a:rPr b="1" lang="en-US" sz="1200" spc="-1" strike="noStrike">
                 <a:solidFill>
                   <a:srgbClr val="262626"/>
@@ -14527,7 +16273,7 @@
                 <a:spcPct val="100000"/>
               </a:lnSpc>
             </a:pPr>
-            <a:fld id="{51350E30-31D3-4EEF-9776-BB017608351A}" type="slidenum">
+            <a:fld id="{834E2911-3635-4F4C-8161-1AC00E6CC684}" type="slidenum">
               <a:rPr b="1" lang="en-US" sz="1200" spc="-1" strike="noStrike">
                 <a:solidFill>
                   <a:srgbClr val="262626"/>
@@ -14611,6 +16357,512 @@
     <p:sldLayoutId id="2147483736" r:id="rId17"/>
     <p:sldLayoutId id="2147483737" r:id="rId18"/>
     <p:sldLayoutId id="2147483738" r:id="rId19"/>
+  </p:sldLayoutIdLst>
+</p:sldMaster>
+</file>
+
+<file path=ppt/slideMasters/slideMaster8.xml><?xml version="1.0" encoding="utf-8"?>
+<p:sldMaster xmlns:a="http://schemas.openxmlformats.org/drawingml/2006/main" xmlns:p="http://schemas.openxmlformats.org/presentationml/2006/main" xmlns:r="http://schemas.openxmlformats.org/officeDocument/2006/relationships" xmlns:p14="http://schemas.microsoft.com/office/powerpoint/2010/main" xmlns:p15="http://schemas.microsoft.com/office/powerpoint/2012/main" xmlns:mc="http://schemas.openxmlformats.org/markup-compatibility/2006">
+  <p:cSld>
+    <p:bg>
+      <p:bgPr>
+        <a:solidFill>
+          <a:srgbClr val="ffffff"/>
+        </a:solidFill>
+      </p:bgPr>
+    </p:bg>
+    <p:spTree>
+      <p:nvGrpSpPr>
+        <p:cNvPr id="1" name=""/>
+        <p:cNvGrpSpPr/>
+        <p:nvPr/>
+      </p:nvGrpSpPr>
+      <p:grpSpPr>
+        <a:xfrm>
+          <a:off x="0" y="0"/>
+          <a:ext cx="0" cy="0"/>
+          <a:chOff x="0" y="0"/>
+          <a:chExt cx="0" cy="0"/>
+        </a:xfrm>
+      </p:grpSpPr>
+      <p:grpSp>
+        <p:nvGrpSpPr>
+          <p:cNvPr id="327" name="Group 1"/>
+          <p:cNvGrpSpPr/>
+          <p:nvPr/>
+        </p:nvGrpSpPr>
+        <p:grpSpPr>
+          <a:xfrm>
+            <a:off x="5105520" y="3240"/>
+            <a:ext cx="4038120" cy="1101600"/>
+            <a:chOff x="5105520" y="3240"/>
+            <a:chExt cx="4038120" cy="1101600"/>
+          </a:xfrm>
+        </p:grpSpPr>
+        <p:pic>
+          <p:nvPicPr>
+            <p:cNvPr id="328" name="Graphic 17" descr=""/>
+            <p:cNvPicPr/>
+            <p:nvPr/>
+          </p:nvPicPr>
+          <p:blipFill>
+            <a:blip r:embed="rId2"/>
+            <a:stretch/>
+          </p:blipFill>
+          <p:spPr>
+            <a:xfrm>
+              <a:off x="5245920" y="3240"/>
+              <a:ext cx="3897720" cy="749880"/>
+            </a:xfrm>
+            <a:prstGeom prst="rect">
+              <a:avLst/>
+            </a:prstGeom>
+            <a:ln>
+              <a:noFill/>
+            </a:ln>
+          </p:spPr>
+        </p:pic>
+        <p:pic>
+          <p:nvPicPr>
+            <p:cNvPr id="329" name="Graphic 18" descr=""/>
+            <p:cNvPicPr/>
+            <p:nvPr/>
+          </p:nvPicPr>
+          <p:blipFill>
+            <a:blip r:embed="rId3"/>
+            <a:stretch/>
+          </p:blipFill>
+          <p:spPr>
+            <a:xfrm>
+              <a:off x="5105520" y="3240"/>
+              <a:ext cx="1007640" cy="1101600"/>
+            </a:xfrm>
+            <a:prstGeom prst="rect">
+              <a:avLst/>
+            </a:prstGeom>
+            <a:ln>
+              <a:noFill/>
+            </a:ln>
+          </p:spPr>
+        </p:pic>
+      </p:grpSp>
+      <p:pic>
+        <p:nvPicPr>
+          <p:cNvPr id="330" name="Graphic 20" descr=""/>
+          <p:cNvPicPr/>
+          <p:nvPr/>
+        </p:nvPicPr>
+        <p:blipFill>
+          <a:blip r:embed="rId4"/>
+          <a:stretch/>
+        </p:blipFill>
+        <p:spPr>
+          <a:xfrm>
+            <a:off x="0" y="5307120"/>
+            <a:ext cx="1218960" cy="1550520"/>
+          </a:xfrm>
+          <a:prstGeom prst="rect">
+            <a:avLst/>
+          </a:prstGeom>
+          <a:ln>
+            <a:noFill/>
+          </a:ln>
+        </p:spPr>
+      </p:pic>
+      <p:pic>
+        <p:nvPicPr>
+          <p:cNvPr id="331" name="Graphic 26" descr=""/>
+          <p:cNvPicPr/>
+          <p:nvPr/>
+        </p:nvPicPr>
+        <p:blipFill>
+          <a:blip r:embed="rId5"/>
+          <a:stretch/>
+        </p:blipFill>
+        <p:spPr>
+          <a:xfrm>
+            <a:off x="-16560" y="4545360"/>
+            <a:ext cx="1248120" cy="1569960"/>
+          </a:xfrm>
+          <a:prstGeom prst="rect">
+            <a:avLst/>
+          </a:prstGeom>
+          <a:ln>
+            <a:noFill/>
+          </a:ln>
+        </p:spPr>
+      </p:pic>
+      <p:sp>
+        <p:nvSpPr>
+          <p:cNvPr id="332" name="PlaceHolder 2"/>
+          <p:cNvSpPr>
+            <a:spLocks noGrp="1"/>
+          </p:cNvSpPr>
+          <p:nvPr>
+            <p:ph type="title"/>
+          </p:nvPr>
+        </p:nvSpPr>
+        <p:spPr>
+          <a:xfrm>
+            <a:off x="457200" y="365400"/>
+            <a:ext cx="4876560" cy="798840"/>
+          </a:xfrm>
+          <a:prstGeom prst="rect">
+            <a:avLst/>
+          </a:prstGeom>
+        </p:spPr>
+        <p:txBody>
+          <a:bodyPr lIns="0" rIns="0" tIns="45000" bIns="45000" anchor="ctr"/>
+          <a:p>
+            <a:pPr marL="182880">
+              <a:lnSpc>
+                <a:spcPct val="100000"/>
+              </a:lnSpc>
+            </a:pPr>
+            <a:r>
+              <a:rPr b="1" lang="en-US" sz="4000" spc="-1" strike="noStrike">
+                <a:solidFill>
+                  <a:srgbClr val="c94c25"/>
+                </a:solidFill>
+                <a:latin typeface="Segoe UI"/>
+              </a:rPr>
+              <a:t>Click to </a:t>
+            </a:r>
+            <a:r>
+              <a:rPr b="1" lang="en-US" sz="4000" spc="-1" strike="noStrike">
+                <a:solidFill>
+                  <a:srgbClr val="c94c25"/>
+                </a:solidFill>
+                <a:latin typeface="Segoe UI"/>
+              </a:rPr>
+              <a:t>edit </a:t>
+            </a:r>
+            <a:r>
+              <a:rPr b="1" lang="en-US" sz="4000" spc="-1" strike="noStrike">
+                <a:solidFill>
+                  <a:srgbClr val="c94c25"/>
+                </a:solidFill>
+                <a:latin typeface="Segoe UI"/>
+              </a:rPr>
+              <a:t>Master </a:t>
+            </a:r>
+            <a:r>
+              <a:rPr b="1" lang="en-US" sz="4000" spc="-1" strike="noStrike">
+                <a:solidFill>
+                  <a:srgbClr val="c94c25"/>
+                </a:solidFill>
+                <a:latin typeface="Segoe UI"/>
+              </a:rPr>
+              <a:t>title </a:t>
+            </a:r>
+            <a:r>
+              <a:rPr b="1" lang="en-US" sz="4000" spc="-1" strike="noStrike">
+                <a:solidFill>
+                  <a:srgbClr val="c94c25"/>
+                </a:solidFill>
+                <a:latin typeface="Segoe UI"/>
+              </a:rPr>
+              <a:t>style</a:t>
+            </a:r>
+            <a:endParaRPr b="0" lang="en-US" sz="4000" spc="-1" strike="noStrike">
+              <a:solidFill>
+                <a:srgbClr val="ffffff"/>
+              </a:solidFill>
+              <a:latin typeface="Arial"/>
+            </a:endParaRPr>
+          </a:p>
+        </p:txBody>
+      </p:sp>
+      <p:sp>
+        <p:nvSpPr>
+          <p:cNvPr id="333" name="PlaceHolder 3"/>
+          <p:cNvSpPr>
+            <a:spLocks noGrp="1"/>
+          </p:cNvSpPr>
+          <p:nvPr>
+            <p:ph type="body"/>
+          </p:nvPr>
+        </p:nvSpPr>
+        <p:spPr>
+          <a:xfrm>
+            <a:off x="457200" y="1600200"/>
+            <a:ext cx="8229240" cy="4571640"/>
+          </a:xfrm>
+          <a:prstGeom prst="rect">
+            <a:avLst/>
+          </a:prstGeom>
+        </p:spPr>
+        <p:txBody>
+          <a:bodyPr lIns="90000" rIns="90000" tIns="45000" bIns="45000"/>
+          <a:p>
+            <a:pPr marL="448200" indent="-383760">
+              <a:lnSpc>
+                <a:spcPct val="100000"/>
+              </a:lnSpc>
+              <a:spcBef>
+                <a:spcPts val="561"/>
+              </a:spcBef>
+              <a:spcAft>
+                <a:spcPts val="1001"/>
+              </a:spcAft>
+              <a:buClr>
+                <a:srgbClr val="c94c25"/>
+              </a:buClr>
+              <a:buSzPct val="80000"/>
+              <a:buFont typeface="Arial"/>
+              <a:buChar char="•"/>
+            </a:pPr>
+            <a:r>
+              <a:rPr b="0" lang="en-US" sz="2800" spc="-1" strike="noStrike">
+                <a:solidFill>
+                  <a:srgbClr val="262626"/>
+                </a:solidFill>
+                <a:latin typeface="Arial"/>
+              </a:rPr>
+              <a:t>Edit Master text styles</a:t>
+            </a:r>
+            <a:endParaRPr b="0" lang="en-US" sz="2800" spc="-1" strike="noStrike">
+              <a:solidFill>
+                <a:srgbClr val="262626"/>
+              </a:solidFill>
+              <a:latin typeface="Arial"/>
+            </a:endParaRPr>
+          </a:p>
+          <a:p>
+            <a:pPr lvl="1" marL="822960" indent="-285480">
+              <a:lnSpc>
+                <a:spcPct val="100000"/>
+              </a:lnSpc>
+              <a:spcBef>
+                <a:spcPts val="479"/>
+              </a:spcBef>
+              <a:spcAft>
+                <a:spcPts val="1001"/>
+              </a:spcAft>
+              <a:buClr>
+                <a:srgbClr val="c94c25"/>
+              </a:buClr>
+              <a:buSzPct val="95000"/>
+              <a:buFont typeface="Arial"/>
+              <a:buChar char="•"/>
+            </a:pPr>
+            <a:r>
+              <a:rPr b="0" lang="en-US" sz="2400" spc="-1" strike="noStrike">
+                <a:solidFill>
+                  <a:srgbClr val="262626"/>
+                </a:solidFill>
+                <a:latin typeface="Arial"/>
+              </a:rPr>
+              <a:t>Second level</a:t>
+            </a:r>
+            <a:endParaRPr b="0" lang="en-US" sz="2400" spc="-1" strike="noStrike">
+              <a:solidFill>
+                <a:srgbClr val="262626"/>
+              </a:solidFill>
+              <a:latin typeface="Arial"/>
+            </a:endParaRPr>
+          </a:p>
+          <a:p>
+            <a:pPr lvl="2" marL="1106280" indent="-228240">
+              <a:lnSpc>
+                <a:spcPct val="100000"/>
+              </a:lnSpc>
+              <a:spcBef>
+                <a:spcPts val="400"/>
+              </a:spcBef>
+              <a:spcAft>
+                <a:spcPts val="1001"/>
+              </a:spcAft>
+              <a:buClr>
+                <a:srgbClr val="c94c25"/>
+              </a:buClr>
+              <a:buFont typeface="Arial"/>
+              <a:buChar char="•"/>
+            </a:pPr>
+            <a:r>
+              <a:rPr b="0" lang="en-US" sz="2000" spc="-1" strike="noStrike">
+                <a:solidFill>
+                  <a:srgbClr val="262626"/>
+                </a:solidFill>
+                <a:latin typeface="Arial"/>
+              </a:rPr>
+              <a:t>Third level</a:t>
+            </a:r>
+            <a:endParaRPr b="0" lang="en-US" sz="2000" spc="-1" strike="noStrike">
+              <a:solidFill>
+                <a:srgbClr val="262626"/>
+              </a:solidFill>
+              <a:latin typeface="Arial"/>
+            </a:endParaRPr>
+          </a:p>
+          <a:p>
+            <a:pPr lvl="3" marL="1371600" indent="-209880">
+              <a:lnSpc>
+                <a:spcPct val="100000"/>
+              </a:lnSpc>
+              <a:spcBef>
+                <a:spcPts val="360"/>
+              </a:spcBef>
+              <a:spcAft>
+                <a:spcPts val="1001"/>
+              </a:spcAft>
+              <a:buClr>
+                <a:srgbClr val="c94c25"/>
+              </a:buClr>
+              <a:buFont typeface="Arial"/>
+              <a:buChar char="•"/>
+            </a:pPr>
+            <a:r>
+              <a:rPr b="0" lang="en-US" sz="1800" spc="-1" strike="noStrike">
+                <a:solidFill>
+                  <a:srgbClr val="262626"/>
+                </a:solidFill>
+                <a:latin typeface="Arial"/>
+              </a:rPr>
+              <a:t>Fourth level</a:t>
+            </a:r>
+            <a:endParaRPr b="0" lang="en-US" sz="1800" spc="-1" strike="noStrike">
+              <a:solidFill>
+                <a:srgbClr val="262626"/>
+              </a:solidFill>
+              <a:latin typeface="Arial"/>
+            </a:endParaRPr>
+          </a:p>
+          <a:p>
+            <a:pPr lvl="4" marL="1600200" indent="-209880">
+              <a:lnSpc>
+                <a:spcPct val="100000"/>
+              </a:lnSpc>
+              <a:spcBef>
+                <a:spcPts val="360"/>
+              </a:spcBef>
+              <a:spcAft>
+                <a:spcPts val="1001"/>
+              </a:spcAft>
+              <a:buClr>
+                <a:srgbClr val="c94c25"/>
+              </a:buClr>
+              <a:buFont typeface="Arial"/>
+              <a:buChar char="•"/>
+            </a:pPr>
+            <a:r>
+              <a:rPr b="0" lang="en-US" sz="1800" spc="-1" strike="noStrike">
+                <a:solidFill>
+                  <a:srgbClr val="262626"/>
+                </a:solidFill>
+                <a:latin typeface="Arial"/>
+              </a:rPr>
+              <a:t>Fifth level</a:t>
+            </a:r>
+            <a:endParaRPr b="0" lang="en-US" sz="1800" spc="-1" strike="noStrike">
+              <a:solidFill>
+                <a:srgbClr val="262626"/>
+              </a:solidFill>
+              <a:latin typeface="Arial"/>
+            </a:endParaRPr>
+          </a:p>
+        </p:txBody>
+      </p:sp>
+      <p:sp>
+        <p:nvSpPr>
+          <p:cNvPr id="334" name="PlaceHolder 4"/>
+          <p:cNvSpPr>
+            <a:spLocks noGrp="1"/>
+          </p:cNvSpPr>
+          <p:nvPr>
+            <p:ph type="ftr"/>
+          </p:nvPr>
+        </p:nvSpPr>
+        <p:spPr>
+          <a:xfrm>
+            <a:off x="5715000" y="173160"/>
+            <a:ext cx="2468520" cy="300600"/>
+          </a:xfrm>
+          <a:prstGeom prst="rect">
+            <a:avLst/>
+          </a:prstGeom>
+        </p:spPr>
+        <p:txBody>
+          <a:bodyPr lIns="90000" rIns="90000" tIns="45000" bIns="45000" anchor="b"/>
+          <a:p>
+            <a:pPr algn="r">
+              <a:lnSpc>
+                <a:spcPct val="100000"/>
+              </a:lnSpc>
+            </a:pPr>
+            <a:r>
+              <a:rPr b="0" lang="en-US" sz="1200" spc="-1" strike="noStrike">
+                <a:solidFill>
+                  <a:srgbClr val="262626"/>
+                </a:solidFill>
+                <a:latin typeface="Arial"/>
+              </a:rPr>
+              <a:t>www.website.com</a:t>
+            </a:r>
+            <a:endParaRPr b="0" lang="en-US" sz="1200" spc="-1" strike="noStrike">
+              <a:latin typeface="Times New Roman"/>
+            </a:endParaRPr>
+          </a:p>
+        </p:txBody>
+      </p:sp>
+      <p:sp>
+        <p:nvSpPr>
+          <p:cNvPr id="335" name="PlaceHolder 5"/>
+          <p:cNvSpPr>
+            <a:spLocks noGrp="1"/>
+          </p:cNvSpPr>
+          <p:nvPr>
+            <p:ph type="sldNum"/>
+          </p:nvPr>
+        </p:nvSpPr>
+        <p:spPr>
+          <a:xfrm>
+            <a:off x="8183880" y="173160"/>
+            <a:ext cx="502560" cy="301320"/>
+          </a:xfrm>
+          <a:prstGeom prst="rect">
+            <a:avLst/>
+          </a:prstGeom>
+        </p:spPr>
+        <p:txBody>
+          <a:bodyPr lIns="90000" rIns="90000" tIns="45000" bIns="45000" anchor="b"/>
+          <a:p>
+            <a:pPr algn="ctr">
+              <a:lnSpc>
+                <a:spcPct val="100000"/>
+              </a:lnSpc>
+            </a:pPr>
+            <a:fld id="{D0E00F3A-3159-484B-A313-80C10BB7787C}" type="slidenum">
+              <a:rPr b="1" lang="en-US" sz="1200" spc="-1" strike="noStrike">
+                <a:solidFill>
+                  <a:srgbClr val="262626"/>
+                </a:solidFill>
+                <a:latin typeface="Arial"/>
+              </a:rPr>
+              <a:t>1</a:t>
+            </a:fld>
+            <a:endParaRPr b="0" lang="en-US" sz="1200" spc="-1" strike="noStrike">
+              <a:latin typeface="Times New Roman"/>
+            </a:endParaRPr>
+          </a:p>
+        </p:txBody>
+      </p:sp>
+    </p:spTree>
+  </p:cSld>
+  <p:clrMap bg1="lt1" bg2="lt2" tx1="dk1" tx2="dk2" accent1="accent1" accent2="accent2" accent3="accent3" accent4="accent4" accent5="accent5" accent6="accent6" hlink="hlink" folHlink="folHlink"/>
+  <p:sldLayoutIdLst>
+    <p:sldLayoutId id="2147483740" r:id="rId6"/>
+    <p:sldLayoutId id="2147483741" r:id="rId7"/>
+    <p:sldLayoutId id="2147483742" r:id="rId8"/>
+    <p:sldLayoutId id="2147483743" r:id="rId9"/>
+    <p:sldLayoutId id="2147483744" r:id="rId10"/>
+    <p:sldLayoutId id="2147483745" r:id="rId11"/>
+    <p:sldLayoutId id="2147483746" r:id="rId12"/>
+    <p:sldLayoutId id="2147483747" r:id="rId13"/>
+    <p:sldLayoutId id="2147483748" r:id="rId14"/>
+    <p:sldLayoutId id="2147483749" r:id="rId15"/>
+    <p:sldLayoutId id="2147483750" r:id="rId16"/>
+    <p:sldLayoutId id="2147483751" r:id="rId17"/>
   </p:sldLayoutIdLst>
 </p:sldMaster>
 </file>
@@ -14634,7 +16886,7 @@
       </p:grpSpPr>
       <p:sp>
         <p:nvSpPr>
-          <p:cNvPr id="333" name="TextShape 1"/>
+          <p:cNvPr id="378" name="TextShape 1"/>
           <p:cNvSpPr txBox="1"/>
           <p:nvPr/>
         </p:nvSpPr>
@@ -14666,7 +16918,16 @@
                 </a:solidFill>
                 <a:latin typeface="Segoe UI"/>
               </a:rPr>
-              <a:t>Project Report</a:t>
+              <a:t>Project </a:t>
+            </a:r>
+            <a:r>
+              <a:rPr b="1" lang="en-US" sz="4500" spc="-1" strike="noStrike">
+                <a:solidFill>
+                  <a:srgbClr val="262626"/>
+                </a:solidFill>
+                <a:latin typeface="Segoe UI"/>
+              </a:rPr>
+              <a:t>Report</a:t>
             </a:r>
             <a:br/>
             <a:r>
@@ -14676,9 +16937,8 @@
                 </a:solidFill>
                 <a:latin typeface="Segoe UI"/>
               </a:rPr>
-              <a:t>iCT Multi-platform Flashcard software</a:t>
-            </a:r>
-            <a:br/>
+              <a:t>iCT Multi-</a:t>
+            </a:r>
             <a:r>
               <a:rPr b="0" lang="en-US" sz="4500" spc="-1" strike="noStrike">
                 <a:solidFill>
@@ -14686,7 +16946,62 @@
                 </a:solidFill>
                 <a:latin typeface="Segoe UI"/>
               </a:rPr>
-              <a:t>for learning English</a:t>
+              <a:t>platform </a:t>
+            </a:r>
+            <a:r>
+              <a:rPr b="0" lang="en-US" sz="4500" spc="-1" strike="noStrike">
+                <a:solidFill>
+                  <a:srgbClr val="262626"/>
+                </a:solidFill>
+                <a:latin typeface="Segoe UI"/>
+              </a:rPr>
+              <a:t>Flashcar</a:t>
+            </a:r>
+            <a:r>
+              <a:rPr b="0" lang="en-US" sz="4500" spc="-1" strike="noStrike">
+                <a:solidFill>
+                  <a:srgbClr val="262626"/>
+                </a:solidFill>
+                <a:latin typeface="Segoe UI"/>
+              </a:rPr>
+              <a:t>d </a:t>
+            </a:r>
+            <a:r>
+              <a:rPr b="0" lang="en-US" sz="4500" spc="-1" strike="noStrike">
+                <a:solidFill>
+                  <a:srgbClr val="262626"/>
+                </a:solidFill>
+                <a:latin typeface="Segoe UI"/>
+              </a:rPr>
+              <a:t>software</a:t>
+            </a:r>
+            <a:br/>
+            <a:r>
+              <a:rPr b="0" lang="en-US" sz="4500" spc="-1" strike="noStrike">
+                <a:solidFill>
+                  <a:srgbClr val="262626"/>
+                </a:solidFill>
+                <a:latin typeface="Segoe UI"/>
+              </a:rPr>
+              <a:t>for </a:t>
+            </a:r>
+            <a:r>
+              <a:rPr b="0" lang="en-US" sz="4500" spc="-1" strike="noStrike">
+                <a:solidFill>
+                  <a:srgbClr val="262626"/>
+                </a:solidFill>
+                <a:latin typeface="Segoe UI"/>
+              </a:rPr>
+              <a:t>learning </a:t>
+            </a:r>
+            <a:r>
+              <a:rPr b="0" lang="en-US" sz="4500" spc="-1" strike="noStrike">
+                <a:solidFill>
+                  <a:srgbClr val="262626"/>
+                </a:solidFill>
+                <a:latin typeface="Segoe UI"/>
+              </a:rPr>
+              <a:t>English</a:t>
             </a:r>
             <a:endParaRPr b="0" lang="en-US" sz="4500" spc="-1" strike="noStrike">
               <a:solidFill>
@@ -14699,7 +17014,7 @@
       </p:sp>
       <p:sp>
         <p:nvSpPr>
-          <p:cNvPr id="334" name="TextShape 2"/>
+          <p:cNvPr id="379" name="TextShape 2"/>
           <p:cNvSpPr txBox="1"/>
           <p:nvPr/>
         </p:nvSpPr>
@@ -14736,7 +17051,25 @@
                 </a:solidFill>
                 <a:latin typeface="Arial"/>
               </a:rPr>
-              <a:t>COURSE: SOFTWARE ENGINEERING</a:t>
+              <a:t>COURSE: </a:t>
+            </a:r>
+            <a:r>
+              <a:rPr b="1" lang="en-US" sz="2800" spc="-1" strike="noStrike">
+                <a:solidFill>
+                  <a:srgbClr val="5c5c5c"/>
+                </a:solidFill>
+                <a:latin typeface="Arial"/>
+              </a:rPr>
+              <a:t>SOFTWARE </a:t>
+            </a:r>
+            <a:r>
+              <a:rPr b="1" lang="en-US" sz="2800" spc="-1" strike="noStrike">
+                <a:solidFill>
+                  <a:srgbClr val="5c5c5c"/>
+                </a:solidFill>
+                <a:latin typeface="Arial"/>
+              </a:rPr>
+              <a:t>ENGINEERING</a:t>
             </a:r>
             <a:endParaRPr b="0" lang="en-US" sz="2800" spc="-1" strike="noStrike">
               <a:latin typeface="Arial"/>
@@ -14746,7 +17079,7 @@
       </p:sp>
       <p:sp>
         <p:nvSpPr>
-          <p:cNvPr id="335" name="CustomShape 3"/>
+          <p:cNvPr id="380" name="CustomShape 3"/>
           <p:cNvSpPr/>
           <p:nvPr/>
         </p:nvSpPr>
@@ -14890,7 +17223,7 @@
       </p:sp>
       <p:sp>
         <p:nvSpPr>
-          <p:cNvPr id="336" name="CustomShape 4"/>
+          <p:cNvPr id="381" name="CustomShape 4"/>
           <p:cNvSpPr/>
           <p:nvPr/>
         </p:nvSpPr>
@@ -14950,6 +17283,475 @@
           <p:childTnLst>
             <p:seq>
               <p:cTn id="2" dur="indefinite" nodeType="mainSeq"/>
+              <p:prevCondLst>
+                <p:cond delay="0" evt="onPrev">
+                  <p:tgtEl>
+                    <p:sldTgt/>
+                  </p:tgtEl>
+                </p:cond>
+              </p:prevCondLst>
+              <p:nextCondLst>
+                <p:cond delay="0" evt="onNext">
+                  <p:tgtEl>
+                    <p:sldTgt/>
+                  </p:tgtEl>
+                </p:cond>
+              </p:nextCondLst>
+            </p:seq>
+          </p:childTnLst>
+        </p:cTn>
+      </p:par>
+    </p:tnLst>
+  </p:timing>
+</p:sld>
+</file>
+
+<file path=ppt/slides/slide10.xml><?xml version="1.0" encoding="utf-8"?>
+<p:sld xmlns:a="http://schemas.openxmlformats.org/drawingml/2006/main" xmlns:p="http://schemas.openxmlformats.org/presentationml/2006/main" xmlns:r="http://schemas.openxmlformats.org/officeDocument/2006/relationships" xmlns:p14="http://schemas.microsoft.com/office/powerpoint/2010/main" xmlns:p15="http://schemas.microsoft.com/office/powerpoint/2012/main" xmlns:mc="http://schemas.openxmlformats.org/markup-compatibility/2006">
+  <p:cSld>
+    <p:spTree>
+      <p:nvGrpSpPr>
+        <p:cNvPr id="1" name=""/>
+        <p:cNvGrpSpPr/>
+        <p:nvPr/>
+      </p:nvGrpSpPr>
+      <p:grpSpPr>
+        <a:xfrm>
+          <a:off x="0" y="0"/>
+          <a:ext cx="0" cy="0"/>
+          <a:chOff x="0" y="0"/>
+          <a:chExt cx="0" cy="0"/>
+        </a:xfrm>
+      </p:grpSpPr>
+      <p:sp>
+        <p:nvSpPr>
+          <p:cNvPr id="437" name="TextShape 1"/>
+          <p:cNvSpPr txBox="1"/>
+          <p:nvPr/>
+        </p:nvSpPr>
+        <p:spPr>
+          <a:xfrm>
+            <a:off x="457200" y="474120"/>
+            <a:ext cx="4754520" cy="798840"/>
+          </a:xfrm>
+          <a:prstGeom prst="rect">
+            <a:avLst/>
+          </a:prstGeom>
+          <a:noFill/>
+          <a:ln>
+            <a:noFill/>
+          </a:ln>
+        </p:spPr>
+        <p:txBody>
+          <a:bodyPr lIns="0" rIns="0" tIns="45000" bIns="45000" anchor="ctr"/>
+          <a:p>
+            <a:pPr marL="182880">
+              <a:lnSpc>
+                <a:spcPct val="100000"/>
+              </a:lnSpc>
+            </a:pPr>
+            <a:r>
+              <a:rPr b="1" lang="en-US" sz="4000" spc="-1" strike="noStrike">
+                <a:solidFill>
+                  <a:srgbClr val="c94c25"/>
+                </a:solidFill>
+                <a:latin typeface="Segoe UI"/>
+              </a:rPr>
+              <a:t>6.FINAL </a:t>
+            </a:r>
+            <a:r>
+              <a:rPr b="1" lang="en-US" sz="4000" spc="-1" strike="noStrike">
+                <a:solidFill>
+                  <a:srgbClr val="c94c25"/>
+                </a:solidFill>
+                <a:latin typeface="Segoe UI"/>
+              </a:rPr>
+              <a:t>RESULT</a:t>
+            </a:r>
+            <a:endParaRPr b="0" lang="en-US" sz="4000" spc="-1" strike="noStrike">
+              <a:solidFill>
+                <a:srgbClr val="ffffff"/>
+              </a:solidFill>
+              <a:latin typeface="Arial"/>
+            </a:endParaRPr>
+          </a:p>
+        </p:txBody>
+      </p:sp>
+      <p:sp>
+        <p:nvSpPr>
+          <p:cNvPr id="438" name="TextShape 2"/>
+          <p:cNvSpPr txBox="1"/>
+          <p:nvPr/>
+        </p:nvSpPr>
+        <p:spPr>
+          <a:xfrm>
+            <a:off x="457200" y="1188720"/>
+            <a:ext cx="3931920" cy="2286000"/>
+          </a:xfrm>
+          <a:prstGeom prst="rect">
+            <a:avLst/>
+          </a:prstGeom>
+          <a:noFill/>
+          <a:ln>
+            <a:noFill/>
+          </a:ln>
+        </p:spPr>
+        <p:txBody>
+          <a:bodyPr lIns="90000" rIns="90000" tIns="45000" bIns="45000"/>
+          <a:p>
+            <a:r>
+              <a:rPr b="1" lang="en-US" sz="2600" spc="-1" strike="noStrike">
+                <a:latin typeface="Arial"/>
+              </a:rPr>
+              <a:t>Webpage: </a:t>
+            </a:r>
+            <a:r>
+              <a:rPr b="1" lang="en-US" sz="2600" spc="-1" strike="noStrike">
+                <a:latin typeface="Arial"/>
+                <a:hlinkClick r:id="rId1"/>
+              </a:rPr>
+              <a:t>https://ict-flashcard-server.herokuapp.com/</a:t>
+            </a:r>
+            <a:endParaRPr b="0" lang="en-US" sz="2600" spc="-1" strike="noStrike">
+              <a:latin typeface="Arial"/>
+            </a:endParaRPr>
+          </a:p>
+          <a:p>
+            <a:endParaRPr b="0" lang="en-US" sz="2600" spc="-1" strike="noStrike">
+              <a:latin typeface="Arial"/>
+            </a:endParaRPr>
+          </a:p>
+        </p:txBody>
+      </p:sp>
+      <p:pic>
+        <p:nvPicPr>
+          <p:cNvPr id="439" name="" descr=""/>
+          <p:cNvPicPr/>
+          <p:nvPr/>
+        </p:nvPicPr>
+        <p:blipFill>
+          <a:blip r:embed="rId2"/>
+          <a:stretch/>
+        </p:blipFill>
+        <p:spPr>
+          <a:xfrm>
+            <a:off x="4572000" y="1554480"/>
+            <a:ext cx="4186440" cy="2117520"/>
+          </a:xfrm>
+          <a:prstGeom prst="rect">
+            <a:avLst/>
+          </a:prstGeom>
+          <a:ln>
+            <a:noFill/>
+          </a:ln>
+        </p:spPr>
+      </p:pic>
+      <p:sp>
+        <p:nvSpPr>
+          <p:cNvPr id="440" name="TextShape 3"/>
+          <p:cNvSpPr txBox="1"/>
+          <p:nvPr/>
+        </p:nvSpPr>
+        <p:spPr>
+          <a:xfrm>
+            <a:off x="548640" y="4206240"/>
+            <a:ext cx="4272840" cy="712800"/>
+          </a:xfrm>
+          <a:prstGeom prst="rect">
+            <a:avLst/>
+          </a:prstGeom>
+          <a:noFill/>
+          <a:ln>
+            <a:noFill/>
+          </a:ln>
+        </p:spPr>
+        <p:txBody>
+          <a:bodyPr lIns="90000" rIns="90000" tIns="45000" bIns="45000"/>
+          <a:p>
+            <a:r>
+              <a:rPr b="1" lang="en-US" sz="2600" spc="-1" strike="noStrike">
+                <a:latin typeface="Arial"/>
+              </a:rPr>
+              <a:t>PC App:</a:t>
+            </a:r>
+            <a:endParaRPr b="0" lang="en-US" sz="2600" spc="-1" strike="noStrike">
+              <a:latin typeface="Arial"/>
+            </a:endParaRPr>
+          </a:p>
+          <a:p>
+            <a:r>
+              <a:rPr b="1" lang="en-US" sz="2600" spc="-1" strike="noStrike">
+                <a:latin typeface="Arial"/>
+              </a:rPr>
+              <a:t>&lt; Phuong Anh adds later&gt;</a:t>
+            </a:r>
+            <a:endParaRPr b="0" lang="en-US" sz="2600" spc="-1" strike="noStrike">
+              <a:latin typeface="Arial"/>
+            </a:endParaRPr>
+          </a:p>
+        </p:txBody>
+      </p:sp>
+      <p:pic>
+        <p:nvPicPr>
+          <p:cNvPr id="441" name="" descr=""/>
+          <p:cNvPicPr/>
+          <p:nvPr/>
+        </p:nvPicPr>
+        <p:blipFill>
+          <a:blip r:embed="rId3"/>
+          <a:stretch/>
+        </p:blipFill>
+        <p:spPr>
+          <a:xfrm>
+            <a:off x="914400" y="2194560"/>
+            <a:ext cx="1737360" cy="1737360"/>
+          </a:xfrm>
+          <a:prstGeom prst="rect">
+            <a:avLst/>
+          </a:prstGeom>
+          <a:ln>
+            <a:noFill/>
+          </a:ln>
+        </p:spPr>
+      </p:pic>
+    </p:spTree>
+  </p:cSld>
+  <p:timing>
+    <p:tnLst>
+      <p:par>
+        <p:cTn id="19" dur="indefinite" restart="never" nodeType="tmRoot">
+          <p:childTnLst>
+            <p:seq>
+              <p:cTn id="20" dur="indefinite" nodeType="mainSeq"/>
+              <p:prevCondLst>
+                <p:cond delay="0" evt="onPrev">
+                  <p:tgtEl>
+                    <p:sldTgt/>
+                  </p:tgtEl>
+                </p:cond>
+              </p:prevCondLst>
+              <p:nextCondLst>
+                <p:cond delay="0" evt="onNext">
+                  <p:tgtEl>
+                    <p:sldTgt/>
+                  </p:tgtEl>
+                </p:cond>
+              </p:nextCondLst>
+            </p:seq>
+          </p:childTnLst>
+        </p:cTn>
+      </p:par>
+    </p:tnLst>
+  </p:timing>
+</p:sld>
+</file>
+
+<file path=ppt/slides/slide11.xml><?xml version="1.0" encoding="utf-8"?>
+<p:sld xmlns:a="http://schemas.openxmlformats.org/drawingml/2006/main" xmlns:p="http://schemas.openxmlformats.org/presentationml/2006/main" xmlns:r="http://schemas.openxmlformats.org/officeDocument/2006/relationships" xmlns:p14="http://schemas.microsoft.com/office/powerpoint/2010/main" xmlns:p15="http://schemas.microsoft.com/office/powerpoint/2012/main" xmlns:mc="http://schemas.openxmlformats.org/markup-compatibility/2006">
+  <p:cSld>
+    <p:bg>
+      <p:bgPr>
+        <a:solidFill>
+          <a:srgbClr val="ffffff"/>
+        </a:solidFill>
+      </p:bgPr>
+    </p:bg>
+    <p:spTree>
+      <p:nvGrpSpPr>
+        <p:cNvPr id="1" name=""/>
+        <p:cNvGrpSpPr/>
+        <p:nvPr/>
+      </p:nvGrpSpPr>
+      <p:grpSpPr>
+        <a:xfrm>
+          <a:off x="0" y="0"/>
+          <a:ext cx="0" cy="0"/>
+          <a:chOff x="0" y="0"/>
+          <a:chExt cx="0" cy="0"/>
+        </a:xfrm>
+      </p:grpSpPr>
+      <p:sp>
+        <p:nvSpPr>
+          <p:cNvPr id="442" name="TextShape 1"/>
+          <p:cNvSpPr txBox="1"/>
+          <p:nvPr/>
+        </p:nvSpPr>
+        <p:spPr>
+          <a:xfrm>
+            <a:off x="723960" y="2878920"/>
+            <a:ext cx="7695720" cy="1099440"/>
+          </a:xfrm>
+          <a:prstGeom prst="rect">
+            <a:avLst/>
+          </a:prstGeom>
+          <a:noFill/>
+          <a:ln>
+            <a:noFill/>
+          </a:ln>
+        </p:spPr>
+        <p:txBody>
+          <a:bodyPr lIns="0" rIns="0" tIns="45000" bIns="45000" anchor="ctr"/>
+          <a:p>
+            <a:pPr marL="182880">
+              <a:lnSpc>
+                <a:spcPct val="100000"/>
+              </a:lnSpc>
+            </a:pPr>
+            <a:r>
+              <a:rPr b="1" lang="en-US" sz="6000" spc="-1" strike="noStrike">
+                <a:solidFill>
+                  <a:srgbClr val="c94c25"/>
+                </a:solidFill>
+                <a:latin typeface="Segoe UI"/>
+              </a:rPr>
+              <a:t>Q</a:t>
+            </a:r>
+            <a:r>
+              <a:rPr b="0" lang="en-US" sz="3200" spc="-1" strike="noStrike">
+                <a:solidFill>
+                  <a:srgbClr val="c94c25"/>
+                </a:solidFill>
+                <a:latin typeface="Segoe UI"/>
+              </a:rPr>
+              <a:t>&amp;</a:t>
+            </a:r>
+            <a:r>
+              <a:rPr b="1" lang="en-US" sz="6000" spc="-1" strike="noStrike">
+                <a:solidFill>
+                  <a:srgbClr val="c94c25"/>
+                </a:solidFill>
+                <a:latin typeface="Segoe UI"/>
+              </a:rPr>
+              <a:t>A</a:t>
+            </a:r>
+            <a:endParaRPr b="0" lang="en-US" sz="6000" spc="-1" strike="noStrike">
+              <a:solidFill>
+                <a:srgbClr val="ffffff"/>
+              </a:solidFill>
+              <a:latin typeface="Arial"/>
+            </a:endParaRPr>
+          </a:p>
+        </p:txBody>
+      </p:sp>
+    </p:spTree>
+  </p:cSld>
+  <p:timing>
+    <p:tnLst>
+      <p:par>
+        <p:cTn id="21" dur="indefinite" restart="never" nodeType="tmRoot">
+          <p:childTnLst>
+            <p:seq>
+              <p:cTn id="22" dur="indefinite" nodeType="mainSeq"/>
+              <p:prevCondLst>
+                <p:cond delay="0" evt="onPrev">
+                  <p:tgtEl>
+                    <p:sldTgt/>
+                  </p:tgtEl>
+                </p:cond>
+              </p:prevCondLst>
+              <p:nextCondLst>
+                <p:cond delay="0" evt="onNext">
+                  <p:tgtEl>
+                    <p:sldTgt/>
+                  </p:tgtEl>
+                </p:cond>
+              </p:nextCondLst>
+            </p:seq>
+          </p:childTnLst>
+        </p:cTn>
+      </p:par>
+    </p:tnLst>
+  </p:timing>
+</p:sld>
+</file>
+
+<file path=ppt/slides/slide12.xml><?xml version="1.0" encoding="utf-8"?>
+<p:sld xmlns:a="http://schemas.openxmlformats.org/drawingml/2006/main" xmlns:p="http://schemas.openxmlformats.org/presentationml/2006/main" xmlns:r="http://schemas.openxmlformats.org/officeDocument/2006/relationships" xmlns:p14="http://schemas.microsoft.com/office/powerpoint/2010/main" xmlns:p15="http://schemas.microsoft.com/office/powerpoint/2012/main" xmlns:mc="http://schemas.openxmlformats.org/markup-compatibility/2006">
+  <p:cSld>
+    <p:bg>
+      <p:bgPr>
+        <a:solidFill>
+          <a:srgbClr val="ffffff"/>
+        </a:solidFill>
+      </p:bgPr>
+    </p:bg>
+    <p:spTree>
+      <p:nvGrpSpPr>
+        <p:cNvPr id="1" name=""/>
+        <p:cNvGrpSpPr/>
+        <p:nvPr/>
+      </p:nvGrpSpPr>
+      <p:grpSpPr>
+        <a:xfrm>
+          <a:off x="0" y="0"/>
+          <a:ext cx="0" cy="0"/>
+          <a:chOff x="0" y="0"/>
+          <a:chExt cx="0" cy="0"/>
+        </a:xfrm>
+      </p:grpSpPr>
+      <p:sp>
+        <p:nvSpPr>
+          <p:cNvPr id="443" name="TextShape 1"/>
+          <p:cNvSpPr txBox="1"/>
+          <p:nvPr/>
+        </p:nvSpPr>
+        <p:spPr>
+          <a:xfrm>
+            <a:off x="723960" y="2878920"/>
+            <a:ext cx="7695720" cy="1099440"/>
+          </a:xfrm>
+          <a:prstGeom prst="rect">
+            <a:avLst/>
+          </a:prstGeom>
+          <a:noFill/>
+          <a:ln>
+            <a:noFill/>
+          </a:ln>
+        </p:spPr>
+        <p:txBody>
+          <a:bodyPr lIns="0" rIns="0" tIns="45000" bIns="45000" anchor="ctr"/>
+          <a:p>
+            <a:pPr marL="182880">
+              <a:lnSpc>
+                <a:spcPct val="100000"/>
+              </a:lnSpc>
+            </a:pPr>
+            <a:r>
+              <a:rPr b="0" lang="en-US" sz="4000" spc="-1" strike="noStrike">
+                <a:solidFill>
+                  <a:srgbClr val="c94c25"/>
+                </a:solidFill>
+                <a:latin typeface="Segoe UI"/>
+              </a:rPr>
+              <a:t>THANK YOU </a:t>
+            </a:r>
+            <a:r>
+              <a:rPr b="1" lang="en-US" sz="4000" spc="-1" strike="noStrike">
+                <a:solidFill>
+                  <a:srgbClr val="c94c25"/>
+                </a:solidFill>
+                <a:latin typeface="Segoe UI"/>
+              </a:rPr>
+              <a:t>YOUR ATTENTION!</a:t>
+            </a:r>
+            <a:endParaRPr b="0" lang="en-US" sz="4000" spc="-1" strike="noStrike">
+              <a:solidFill>
+                <a:srgbClr val="ffffff"/>
+              </a:solidFill>
+              <a:latin typeface="Arial"/>
+            </a:endParaRPr>
+          </a:p>
+        </p:txBody>
+      </p:sp>
+    </p:spTree>
+  </p:cSld>
+  <p:timing>
+    <p:tnLst>
+      <p:par>
+        <p:cTn id="23" dur="indefinite" restart="never" nodeType="tmRoot">
+          <p:childTnLst>
+            <p:seq>
+              <p:cTn id="24" dur="indefinite" nodeType="mainSeq"/>
               <p:prevCondLst>
                 <p:cond delay="0" evt="onPrev">
                   <p:tgtEl>
@@ -14992,7 +17794,7 @@
       </p:grpSpPr>
       <p:sp>
         <p:nvSpPr>
-          <p:cNvPr id="337" name="TextShape 1"/>
+          <p:cNvPr id="382" name="TextShape 1"/>
           <p:cNvSpPr txBox="1"/>
           <p:nvPr/>
         </p:nvSpPr>
@@ -15037,7 +17839,7 @@
       </p:sp>
       <p:sp>
         <p:nvSpPr>
-          <p:cNvPr id="338" name="CustomShape 2"/>
+          <p:cNvPr id="383" name="CustomShape 2"/>
           <p:cNvSpPr/>
           <p:nvPr/>
         </p:nvSpPr>
@@ -15123,7 +17925,7 @@
                 </a:solidFill>
                 <a:latin typeface="Segoe UI"/>
               </a:rPr>
-              <a:t>3. Teamwork</a:t>
+              <a:t>3. Software Implementation/Coding</a:t>
             </a:r>
             <a:endParaRPr b="0" lang="en-US" sz="3200" spc="-1" strike="noStrike">
               <a:latin typeface="Arial"/>
@@ -15142,7 +17944,45 @@
                 </a:solidFill>
                 <a:latin typeface="Segoe UI"/>
               </a:rPr>
-              <a:t>4. Final result </a:t>
+              <a:t>4. Testing &amp; Document</a:t>
+            </a:r>
+            <a:endParaRPr b="0" lang="en-US" sz="3200" spc="-1" strike="noStrike">
+              <a:latin typeface="Arial"/>
+            </a:endParaRPr>
+          </a:p>
+          <a:p>
+            <a:pPr marL="182880">
+              <a:lnSpc>
+                <a:spcPct val="100000"/>
+              </a:lnSpc>
+            </a:pPr>
+            <a:r>
+              <a:rPr b="1" lang="en-US" sz="3200" spc="-1" strike="noStrike">
+                <a:solidFill>
+                  <a:srgbClr val="c94c25"/>
+                </a:solidFill>
+                <a:latin typeface="Segoe UI"/>
+              </a:rPr>
+              <a:t>5. Teamwork</a:t>
+            </a:r>
+            <a:endParaRPr b="0" lang="en-US" sz="3200" spc="-1" strike="noStrike">
+              <a:latin typeface="Arial"/>
+            </a:endParaRPr>
+          </a:p>
+          <a:p>
+            <a:pPr marL="182880">
+              <a:lnSpc>
+                <a:spcPct val="100000"/>
+              </a:lnSpc>
+            </a:pPr>
+            <a:r>
+              <a:rPr b="1" lang="en-US" sz="3200" spc="-1" strike="noStrike">
+                <a:solidFill>
+                  <a:srgbClr val="c94c25"/>
+                </a:solidFill>
+                <a:latin typeface="Segoe UI"/>
+              </a:rPr>
+              <a:t>6. Final result </a:t>
             </a:r>
             <a:endParaRPr b="0" lang="en-US" sz="3200" spc="-1" strike="noStrike">
               <a:latin typeface="Arial"/>
@@ -15201,7 +18041,7 @@
       </p:grpSpPr>
       <p:sp>
         <p:nvSpPr>
-          <p:cNvPr id="339" name="TextShape 1"/>
+          <p:cNvPr id="384" name="TextShape 1"/>
           <p:cNvSpPr txBox="1"/>
           <p:nvPr/>
         </p:nvSpPr>
@@ -15233,70 +18073,7 @@
                 </a:solidFill>
                 <a:latin typeface="Segoe UI"/>
               </a:rPr>
-              <a:t>O</a:t>
-            </a:r>
-            <a:r>
-              <a:rPr b="1" lang="en-US" sz="4000" spc="-1" strike="noStrike">
-                <a:solidFill>
-                  <a:srgbClr val="c94c25"/>
-                </a:solidFill>
-                <a:latin typeface="Segoe UI"/>
-              </a:rPr>
-              <a:t>V</a:t>
-            </a:r>
-            <a:r>
-              <a:rPr b="1" lang="en-US" sz="4000" spc="-1" strike="noStrike">
-                <a:solidFill>
-                  <a:srgbClr val="c94c25"/>
-                </a:solidFill>
-                <a:latin typeface="Segoe UI"/>
-              </a:rPr>
-              <a:t>E</a:t>
-            </a:r>
-            <a:r>
-              <a:rPr b="1" lang="en-US" sz="4000" spc="-1" strike="noStrike">
-                <a:solidFill>
-                  <a:srgbClr val="c94c25"/>
-                </a:solidFill>
-                <a:latin typeface="Segoe UI"/>
-              </a:rPr>
-              <a:t>R</a:t>
-            </a:r>
-            <a:r>
-              <a:rPr b="1" lang="en-US" sz="4000" spc="-1" strike="noStrike">
-                <a:solidFill>
-                  <a:srgbClr val="c94c25"/>
-                </a:solidFill>
-                <a:latin typeface="Segoe UI"/>
-              </a:rPr>
-              <a:t>V</a:t>
-            </a:r>
-            <a:r>
-              <a:rPr b="1" lang="en-US" sz="4000" spc="-1" strike="noStrike">
-                <a:solidFill>
-                  <a:srgbClr val="c94c25"/>
-                </a:solidFill>
-                <a:latin typeface="Segoe UI"/>
-              </a:rPr>
-              <a:t>I</a:t>
-            </a:r>
-            <a:r>
-              <a:rPr b="1" lang="en-US" sz="4000" spc="-1" strike="noStrike">
-                <a:solidFill>
-                  <a:srgbClr val="c94c25"/>
-                </a:solidFill>
-                <a:latin typeface="Segoe UI"/>
-              </a:rPr>
-              <a:t>E</a:t>
-            </a:r>
-            <a:r>
-              <a:rPr b="1" lang="en-US" sz="4000" spc="-1" strike="noStrike">
-                <a:solidFill>
-                  <a:srgbClr val="c94c25"/>
-                </a:solidFill>
-                <a:latin typeface="Segoe UI"/>
-              </a:rPr>
-              <a:t>W</a:t>
+              <a:t>1.OVERVIEW</a:t>
             </a:r>
             <a:endParaRPr b="0" lang="en-US" sz="4000" spc="-1" strike="noStrike">
               <a:solidFill>
@@ -15309,7 +18086,7 @@
       </p:sp>
       <p:sp>
         <p:nvSpPr>
-          <p:cNvPr id="340" name="TextShape 2"/>
+          <p:cNvPr id="385" name="TextShape 2"/>
           <p:cNvSpPr txBox="1"/>
           <p:nvPr/>
         </p:nvSpPr>
@@ -15336,354 +18113,129 @@
                 </a:solidFill>
                 <a:latin typeface="Arial"/>
               </a:rPr>
-              <a:t>Fla</a:t>
-            </a:r>
-            <a:r>
-              <a:rPr b="1" lang="en-US" sz="2200" spc="-1" strike="noStrike">
-                <a:solidFill>
-                  <a:srgbClr val="ce181e"/>
-                </a:solidFill>
-                <a:latin typeface="Arial"/>
-              </a:rPr>
-              <a:t>sh</a:t>
-            </a:r>
-            <a:r>
-              <a:rPr b="1" lang="en-US" sz="2200" spc="-1" strike="noStrike">
-                <a:solidFill>
-                  <a:srgbClr val="ce181e"/>
-                </a:solidFill>
-                <a:latin typeface="Arial"/>
-              </a:rPr>
-              <a:t>car</a:t>
-            </a:r>
-            <a:r>
-              <a:rPr b="1" lang="en-US" sz="2200" spc="-1" strike="noStrike">
-                <a:solidFill>
-                  <a:srgbClr val="ce181e"/>
-                </a:solidFill>
-                <a:latin typeface="Arial"/>
-              </a:rPr>
-              <a:t>d</a:t>
+              <a:t>Flashcard</a:t>
             </a:r>
             <a:r>
               <a:rPr b="0" lang="en-US" sz="2200" spc="-1" strike="noStrike">
                 <a:latin typeface="Arial"/>
               </a:rPr>
-              <a:t> </a:t>
+              <a:t> =&gt; </a:t>
+            </a:r>
+            <a:r>
+              <a:rPr b="1" lang="en-US" sz="2200" spc="-1" strike="noStrike">
+                <a:latin typeface="Arial"/>
+              </a:rPr>
+              <a:t>METHOD TO LEARN</a:t>
             </a:r>
             <a:r>
               <a:rPr b="0" lang="en-US" sz="2200" spc="-1" strike="noStrike">
                 <a:latin typeface="Arial"/>
               </a:rPr>
+              <a:t> FOREIGN LANGUAGE</a:t>
+            </a:r>
+            <a:endParaRPr b="0" lang="en-US" sz="2200" spc="-1" strike="noStrike">
+              <a:latin typeface="Arial"/>
+            </a:endParaRPr>
+          </a:p>
+          <a:p>
+            <a:r>
+              <a:rPr b="0" lang="en-US" sz="2200" spc="-1" strike="noStrike">
+                <a:latin typeface="Arial"/>
+              </a:rPr>
+              <a:t>	</a:t>
+            </a:r>
+            <a:r>
+              <a:rPr b="0" lang="en-US" sz="2200" spc="-1" strike="noStrike">
+                <a:latin typeface="Arial"/>
+              </a:rPr>
+              <a:t>	</a:t>
+            </a:r>
+            <a:r>
+              <a:rPr b="0" lang="en-US" sz="2200" spc="-1" strike="noStrike">
+                <a:latin typeface="Arial"/>
+              </a:rPr>
+              <a:t>	</a:t>
+            </a:r>
+            <a:r>
+              <a:rPr b="0" lang="en-US" sz="2200" spc="-1" strike="noStrike">
+                <a:latin typeface="Arial"/>
+              </a:rPr>
               <a:t>=&gt; </a:t>
             </a:r>
             <a:r>
               <a:rPr b="1" lang="en-US" sz="2200" spc="-1" strike="noStrike">
                 <a:latin typeface="Arial"/>
               </a:rPr>
-              <a:t>ME</a:t>
+              <a:t>COMBINE IMAGES WITH WORD</a:t>
+            </a:r>
+            <a:r>
+              <a:rPr b="0" lang="en-US" sz="2200" spc="-1" strike="noStrike">
+                <a:latin typeface="Arial"/>
+              </a:rPr>
+              <a:t> </a:t>
+            </a:r>
+            <a:endParaRPr b="0" lang="en-US" sz="2200" spc="-1" strike="noStrike">
+              <a:latin typeface="Arial"/>
+            </a:endParaRPr>
+          </a:p>
+          <a:p>
+            <a:r>
+              <a:rPr b="0" lang="en-US" sz="2200" spc="-1" strike="noStrike">
+                <a:latin typeface="Arial"/>
+              </a:rPr>
+              <a:t>	</a:t>
+            </a:r>
+            <a:r>
+              <a:rPr b="0" lang="en-US" sz="2200" spc="-1" strike="noStrike">
+                <a:latin typeface="Arial"/>
+              </a:rPr>
+              <a:t>	</a:t>
+            </a:r>
+            <a:r>
+              <a:rPr b="0" lang="en-US" sz="2200" spc="-1" strike="noStrike">
+                <a:latin typeface="Arial"/>
+              </a:rPr>
+              <a:t>	</a:t>
+            </a:r>
+            <a:r>
+              <a:rPr b="0" lang="en-US" sz="2200" spc="-1" strike="noStrike">
+                <a:latin typeface="Arial"/>
+              </a:rPr>
+              <a:t>	</a:t>
+            </a:r>
+            <a:r>
+              <a:rPr b="0" lang="en-US" sz="2200" spc="-1" strike="noStrike">
+                <a:latin typeface="Arial"/>
+              </a:rPr>
+              <a:t>	</a:t>
+            </a:r>
+            <a:r>
+              <a:rPr b="0" lang="en-US" sz="2200" spc="-1" strike="noStrike">
+                <a:latin typeface="Arial"/>
+              </a:rPr>
+              <a:t>	</a:t>
+            </a:r>
+            <a:r>
+              <a:rPr b="0" lang="en-US" sz="2200" spc="-1" strike="noStrike">
+                <a:latin typeface="Arial"/>
+              </a:rPr>
+              <a:t>-------&gt;</a:t>
             </a:r>
             <a:r>
               <a:rPr b="1" lang="en-US" sz="2200" spc="-1" strike="noStrike">
                 <a:latin typeface="Arial"/>
               </a:rPr>
-              <a:t>TH</a:t>
-            </a:r>
-            <a:r>
-              <a:rPr b="1" lang="en-US" sz="2200" spc="-1" strike="noStrike">
-                <a:latin typeface="Arial"/>
-              </a:rPr>
-              <a:t>OD </a:t>
-            </a:r>
-            <a:r>
-              <a:rPr b="1" lang="en-US" sz="2200" spc="-1" strike="noStrike">
-                <a:latin typeface="Arial"/>
-              </a:rPr>
-              <a:t>TO </a:t>
-            </a:r>
-            <a:r>
-              <a:rPr b="1" lang="en-US" sz="2200" spc="-1" strike="noStrike">
-                <a:latin typeface="Arial"/>
-              </a:rPr>
-              <a:t>LE</a:t>
-            </a:r>
-            <a:r>
-              <a:rPr b="1" lang="en-US" sz="2200" spc="-1" strike="noStrike">
-                <a:latin typeface="Arial"/>
-              </a:rPr>
-              <a:t>AR</a:t>
-            </a:r>
-            <a:r>
-              <a:rPr b="1" lang="en-US" sz="2200" spc="-1" strike="noStrike">
-                <a:latin typeface="Arial"/>
-              </a:rPr>
-              <a:t>N</a:t>
-            </a:r>
-            <a:r>
-              <a:rPr b="0" lang="en-US" sz="2200" spc="-1" strike="noStrike">
-                <a:latin typeface="Arial"/>
-              </a:rPr>
-              <a:t> </a:t>
-            </a:r>
-            <a:r>
-              <a:rPr b="0" lang="en-US" sz="2200" spc="-1" strike="noStrike">
-                <a:latin typeface="Arial"/>
-              </a:rPr>
-              <a:t>FO</a:t>
-            </a:r>
-            <a:r>
-              <a:rPr b="0" lang="en-US" sz="2200" spc="-1" strike="noStrike">
-                <a:latin typeface="Arial"/>
-              </a:rPr>
-              <a:t>REI</a:t>
-            </a:r>
-            <a:r>
-              <a:rPr b="0" lang="en-US" sz="2200" spc="-1" strike="noStrike">
-                <a:latin typeface="Arial"/>
-              </a:rPr>
-              <a:t>GN </a:t>
-            </a:r>
-            <a:r>
-              <a:rPr b="0" lang="en-US" sz="2200" spc="-1" strike="noStrike">
-                <a:latin typeface="Arial"/>
-              </a:rPr>
-              <a:t>LA</a:t>
-            </a:r>
-            <a:r>
-              <a:rPr b="0" lang="en-US" sz="2200" spc="-1" strike="noStrike">
-                <a:latin typeface="Arial"/>
-              </a:rPr>
-              <a:t>NG</a:t>
-            </a:r>
-            <a:r>
-              <a:rPr b="0" lang="en-US" sz="2200" spc="-1" strike="noStrike">
-                <a:latin typeface="Arial"/>
-              </a:rPr>
-              <a:t>UA</a:t>
-            </a:r>
-            <a:r>
-              <a:rPr b="0" lang="en-US" sz="2200" spc="-1" strike="noStrike">
-                <a:latin typeface="Arial"/>
-              </a:rPr>
-              <a:t>GE</a:t>
+              <a:t> EASIER TO REMEMBER </a:t>
             </a:r>
             <a:endParaRPr b="0" lang="en-US" sz="2200" spc="-1" strike="noStrike">
               <a:latin typeface="Arial"/>
             </a:endParaRPr>
           </a:p>
-          <a:p>
-            <a:r>
-              <a:rPr b="0" lang="en-US" sz="2200" spc="-1" strike="noStrike">
-                <a:latin typeface="Arial"/>
-              </a:rPr>
-              <a:t>	</a:t>
-            </a:r>
-            <a:r>
-              <a:rPr b="0" lang="en-US" sz="2200" spc="-1" strike="noStrike">
-                <a:latin typeface="Arial"/>
-              </a:rPr>
-              <a:t>	</a:t>
-            </a:r>
-            <a:r>
-              <a:rPr b="0" lang="en-US" sz="2200" spc="-1" strike="noStrike">
-                <a:latin typeface="Arial"/>
-              </a:rPr>
-              <a:t>	</a:t>
-            </a:r>
-            <a:r>
-              <a:rPr b="0" lang="en-US" sz="2200" spc="-1" strike="noStrike">
-                <a:latin typeface="Arial"/>
-              </a:rPr>
-              <a:t>=&gt; </a:t>
-            </a:r>
-            <a:r>
-              <a:rPr b="1" lang="en-US" sz="2200" spc="-1" strike="noStrike">
-                <a:latin typeface="Arial"/>
-              </a:rPr>
-              <a:t>CO</a:t>
-            </a:r>
-            <a:r>
-              <a:rPr b="1" lang="en-US" sz="2200" spc="-1" strike="noStrike">
-                <a:latin typeface="Arial"/>
-              </a:rPr>
-              <a:t>MB</a:t>
-            </a:r>
-            <a:r>
-              <a:rPr b="1" lang="en-US" sz="2200" spc="-1" strike="noStrike">
-                <a:latin typeface="Arial"/>
-              </a:rPr>
-              <a:t>INE </a:t>
-            </a:r>
-            <a:r>
-              <a:rPr b="1" lang="en-US" sz="2200" spc="-1" strike="noStrike">
-                <a:latin typeface="Arial"/>
-              </a:rPr>
-              <a:t>IM</a:t>
-            </a:r>
-            <a:r>
-              <a:rPr b="1" lang="en-US" sz="2200" spc="-1" strike="noStrike">
-                <a:latin typeface="Arial"/>
-              </a:rPr>
-              <a:t>AG</a:t>
-            </a:r>
-            <a:r>
-              <a:rPr b="1" lang="en-US" sz="2200" spc="-1" strike="noStrike">
-                <a:latin typeface="Arial"/>
-              </a:rPr>
-              <a:t>ES </a:t>
-            </a:r>
-            <a:r>
-              <a:rPr b="1" lang="en-US" sz="2200" spc="-1" strike="noStrike">
-                <a:latin typeface="Arial"/>
-              </a:rPr>
-              <a:t>WI</a:t>
-            </a:r>
-            <a:r>
-              <a:rPr b="1" lang="en-US" sz="2200" spc="-1" strike="noStrike">
-                <a:latin typeface="Arial"/>
-              </a:rPr>
-              <a:t>TH </a:t>
-            </a:r>
-            <a:r>
-              <a:rPr b="1" lang="en-US" sz="2200" spc="-1" strike="noStrike">
-                <a:latin typeface="Arial"/>
-              </a:rPr>
-              <a:t>W</a:t>
-            </a:r>
-            <a:r>
-              <a:rPr b="1" lang="en-US" sz="2200" spc="-1" strike="noStrike">
-                <a:latin typeface="Arial"/>
-              </a:rPr>
-              <a:t>OR</a:t>
-            </a:r>
-            <a:r>
-              <a:rPr b="1" lang="en-US" sz="2200" spc="-1" strike="noStrike">
-                <a:latin typeface="Arial"/>
-              </a:rPr>
-              <a:t>D</a:t>
-            </a:r>
-            <a:r>
-              <a:rPr b="0" lang="en-US" sz="2200" spc="-1" strike="noStrike">
-                <a:latin typeface="Arial"/>
-              </a:rPr>
-              <a:t> </a:t>
-            </a:r>
-            <a:endParaRPr b="0" lang="en-US" sz="2200" spc="-1" strike="noStrike">
-              <a:latin typeface="Arial"/>
-            </a:endParaRPr>
-          </a:p>
-          <a:p>
-            <a:r>
-              <a:rPr b="0" lang="en-US" sz="2200" spc="-1" strike="noStrike">
-                <a:latin typeface="Arial"/>
-              </a:rPr>
-              <a:t>	</a:t>
-            </a:r>
-            <a:r>
-              <a:rPr b="0" lang="en-US" sz="2200" spc="-1" strike="noStrike">
-                <a:latin typeface="Arial"/>
-              </a:rPr>
-              <a:t>	</a:t>
-            </a:r>
-            <a:r>
-              <a:rPr b="0" lang="en-US" sz="2200" spc="-1" strike="noStrike">
-                <a:latin typeface="Arial"/>
-              </a:rPr>
-              <a:t>	</a:t>
-            </a:r>
-            <a:r>
-              <a:rPr b="0" lang="en-US" sz="2200" spc="-1" strike="noStrike">
-                <a:latin typeface="Arial"/>
-              </a:rPr>
-              <a:t>	</a:t>
-            </a:r>
-            <a:r>
-              <a:rPr b="0" lang="en-US" sz="2200" spc="-1" strike="noStrike">
-                <a:latin typeface="Arial"/>
-              </a:rPr>
-              <a:t>	</a:t>
-            </a:r>
-            <a:r>
-              <a:rPr b="0" lang="en-US" sz="2200" spc="-1" strike="noStrike">
-                <a:latin typeface="Arial"/>
-              </a:rPr>
-              <a:t>	</a:t>
-            </a:r>
-            <a:r>
-              <a:rPr b="0" lang="en-US" sz="2200" spc="-1" strike="noStrike">
-                <a:latin typeface="Arial"/>
-              </a:rPr>
-              <a:t>----</a:t>
-            </a:r>
-            <a:r>
-              <a:rPr b="0" lang="en-US" sz="2200" spc="-1" strike="noStrike">
-                <a:latin typeface="Arial"/>
-              </a:rPr>
-              <a:t>---&gt;</a:t>
-            </a:r>
-            <a:r>
-              <a:rPr b="1" lang="en-US" sz="2200" spc="-1" strike="noStrike">
-                <a:latin typeface="Arial"/>
-              </a:rPr>
-              <a:t> </a:t>
-            </a:r>
-            <a:r>
-              <a:rPr b="1" lang="en-US" sz="2200" spc="-1" strike="noStrike">
-                <a:latin typeface="Arial"/>
-              </a:rPr>
-              <a:t>EA</a:t>
-            </a:r>
-            <a:r>
-              <a:rPr b="1" lang="en-US" sz="2200" spc="-1" strike="noStrike">
-                <a:latin typeface="Arial"/>
-              </a:rPr>
-              <a:t>SIE</a:t>
-            </a:r>
-            <a:r>
-              <a:rPr b="1" lang="en-US" sz="2200" spc="-1" strike="noStrike">
-                <a:latin typeface="Arial"/>
-              </a:rPr>
-              <a:t>R </a:t>
-            </a:r>
-            <a:r>
-              <a:rPr b="1" lang="en-US" sz="2200" spc="-1" strike="noStrike">
-                <a:latin typeface="Arial"/>
-              </a:rPr>
-              <a:t>TO </a:t>
-            </a:r>
-            <a:r>
-              <a:rPr b="1" lang="en-US" sz="2200" spc="-1" strike="noStrike">
-                <a:latin typeface="Arial"/>
-              </a:rPr>
-              <a:t>RE</a:t>
-            </a:r>
-            <a:r>
-              <a:rPr b="1" lang="en-US" sz="2200" spc="-1" strike="noStrike">
-                <a:latin typeface="Arial"/>
-              </a:rPr>
-              <a:t>ME</a:t>
-            </a:r>
-            <a:r>
-              <a:rPr b="1" lang="en-US" sz="2200" spc="-1" strike="noStrike">
-                <a:latin typeface="Arial"/>
-              </a:rPr>
-              <a:t>MB</a:t>
-            </a:r>
-            <a:r>
-              <a:rPr b="1" lang="en-US" sz="2200" spc="-1" strike="noStrike">
-                <a:latin typeface="Arial"/>
-              </a:rPr>
-              <a:t>ER </a:t>
-            </a:r>
-            <a:endParaRPr b="0" lang="en-US" sz="2200" spc="-1" strike="noStrike">
-              <a:latin typeface="Arial"/>
-            </a:endParaRPr>
-          </a:p>
-        </p:txBody>
-      </p:sp>
-      <p:sp>
-        <p:nvSpPr>
-          <p:cNvPr id="341" name="TextShape 3"/>
+        </p:txBody>
+      </p:sp>
+      <p:sp>
+        <p:nvSpPr>
+          <p:cNvPr id="386" name="TextShape 3"/>
           <p:cNvSpPr txBox="1"/>
           <p:nvPr/>
         </p:nvSpPr>
@@ -15881,7 +18433,7 @@
       </p:grpSpPr>
       <p:sp>
         <p:nvSpPr>
-          <p:cNvPr id="342" name="TextShape 1"/>
+          <p:cNvPr id="387" name="TextShape 1"/>
           <p:cNvSpPr txBox="1"/>
           <p:nvPr/>
         </p:nvSpPr>
@@ -15913,169 +18465,7 @@
                 </a:solidFill>
                 <a:latin typeface="Segoe UI"/>
               </a:rPr>
-              <a:t>A</a:t>
-            </a:r>
-            <a:r>
-              <a:rPr b="1" lang="en-US" sz="4000" spc="-1" strike="noStrike">
-                <a:solidFill>
-                  <a:srgbClr val="c94c25"/>
-                </a:solidFill>
-                <a:latin typeface="Segoe UI"/>
-              </a:rPr>
-              <a:t>N</a:t>
-            </a:r>
-            <a:r>
-              <a:rPr b="1" lang="en-US" sz="4000" spc="-1" strike="noStrike">
-                <a:solidFill>
-                  <a:srgbClr val="c94c25"/>
-                </a:solidFill>
-                <a:latin typeface="Segoe UI"/>
-              </a:rPr>
-              <a:t>A</a:t>
-            </a:r>
-            <a:r>
-              <a:rPr b="1" lang="en-US" sz="4000" spc="-1" strike="noStrike">
-                <a:solidFill>
-                  <a:srgbClr val="c94c25"/>
-                </a:solidFill>
-                <a:latin typeface="Segoe UI"/>
-              </a:rPr>
-              <a:t>L</a:t>
-            </a:r>
-            <a:r>
-              <a:rPr b="1" lang="en-US" sz="4000" spc="-1" strike="noStrike">
-                <a:solidFill>
-                  <a:srgbClr val="c94c25"/>
-                </a:solidFill>
-                <a:latin typeface="Segoe UI"/>
-              </a:rPr>
-              <a:t>Y</a:t>
-            </a:r>
-            <a:r>
-              <a:rPr b="1" lang="en-US" sz="4000" spc="-1" strike="noStrike">
-                <a:solidFill>
-                  <a:srgbClr val="c94c25"/>
-                </a:solidFill>
-                <a:latin typeface="Segoe UI"/>
-              </a:rPr>
-              <a:t>S</a:t>
-            </a:r>
-            <a:r>
-              <a:rPr b="1" lang="en-US" sz="4000" spc="-1" strike="noStrike">
-                <a:solidFill>
-                  <a:srgbClr val="c94c25"/>
-                </a:solidFill>
-                <a:latin typeface="Segoe UI"/>
-              </a:rPr>
-              <a:t>I</a:t>
-            </a:r>
-            <a:r>
-              <a:rPr b="1" lang="en-US" sz="4000" spc="-1" strike="noStrike">
-                <a:solidFill>
-                  <a:srgbClr val="c94c25"/>
-                </a:solidFill>
-                <a:latin typeface="Segoe UI"/>
-              </a:rPr>
-              <a:t>S</a:t>
-            </a:r>
-            <a:r>
-              <a:rPr b="1" lang="en-US" sz="4000" spc="-1" strike="noStrike">
-                <a:solidFill>
-                  <a:srgbClr val="c94c25"/>
-                </a:solidFill>
-                <a:latin typeface="Segoe UI"/>
-              </a:rPr>
-              <a:t> </a:t>
-            </a:r>
-            <a:r>
-              <a:rPr b="1" lang="en-US" sz="4000" spc="-1" strike="noStrike">
-                <a:solidFill>
-                  <a:srgbClr val="c94c25"/>
-                </a:solidFill>
-                <a:latin typeface="Segoe UI"/>
-              </a:rPr>
-              <a:t>A</a:t>
-            </a:r>
-            <a:r>
-              <a:rPr b="1" lang="en-US" sz="4000" spc="-1" strike="noStrike">
-                <a:solidFill>
-                  <a:srgbClr val="c94c25"/>
-                </a:solidFill>
-                <a:latin typeface="Segoe UI"/>
-              </a:rPr>
-              <a:t>N</a:t>
-            </a:r>
-            <a:r>
-              <a:rPr b="1" lang="en-US" sz="4000" spc="-1" strike="noStrike">
-                <a:solidFill>
-                  <a:srgbClr val="c94c25"/>
-                </a:solidFill>
-                <a:latin typeface="Segoe UI"/>
-              </a:rPr>
-              <a:t>D</a:t>
-            </a:r>
-            <a:r>
-              <a:rPr b="1" lang="en-US" sz="4000" spc="-1" strike="noStrike">
-                <a:solidFill>
-                  <a:srgbClr val="c94c25"/>
-                </a:solidFill>
-                <a:latin typeface="Segoe UI"/>
-              </a:rPr>
-              <a:t> </a:t>
-            </a:r>
-            <a:r>
-              <a:rPr b="1" lang="en-US" sz="4000" spc="-1" strike="noStrike">
-                <a:solidFill>
-                  <a:srgbClr val="c94c25"/>
-                </a:solidFill>
-                <a:latin typeface="Segoe UI"/>
-              </a:rPr>
-              <a:t>D</a:t>
-            </a:r>
-            <a:r>
-              <a:rPr b="1" lang="en-US" sz="4000" spc="-1" strike="noStrike">
-                <a:solidFill>
-                  <a:srgbClr val="c94c25"/>
-                </a:solidFill>
-                <a:latin typeface="Segoe UI"/>
-              </a:rPr>
-              <a:t>E</a:t>
-            </a:r>
-            <a:r>
-              <a:rPr b="1" lang="en-US" sz="4000" spc="-1" strike="noStrike">
-                <a:solidFill>
-                  <a:srgbClr val="c94c25"/>
-                </a:solidFill>
-                <a:latin typeface="Segoe UI"/>
-              </a:rPr>
-              <a:t>S</a:t>
-            </a:r>
-            <a:r>
-              <a:rPr b="1" lang="en-US" sz="4000" spc="-1" strike="noStrike">
-                <a:solidFill>
-                  <a:srgbClr val="c94c25"/>
-                </a:solidFill>
-                <a:latin typeface="Segoe UI"/>
-              </a:rPr>
-              <a:t>I</a:t>
-            </a:r>
-            <a:r>
-              <a:rPr b="1" lang="en-US" sz="4000" spc="-1" strike="noStrike">
-                <a:solidFill>
-                  <a:srgbClr val="c94c25"/>
-                </a:solidFill>
-                <a:latin typeface="Segoe UI"/>
-              </a:rPr>
-              <a:t>G</a:t>
-            </a:r>
-            <a:r>
-              <a:rPr b="1" lang="en-US" sz="4000" spc="-1" strike="noStrike">
-                <a:solidFill>
-                  <a:srgbClr val="c94c25"/>
-                </a:solidFill>
-                <a:latin typeface="Segoe UI"/>
-              </a:rPr>
-              <a:t>N</a:t>
+              <a:t>2.ANALYSIS AND DESIGN</a:t>
             </a:r>
             <a:endParaRPr b="0" lang="en-US" sz="4000" spc="-1" strike="noStrike">
               <a:solidFill>
@@ -16088,7 +18478,7 @@
       </p:sp>
       <p:sp>
         <p:nvSpPr>
-          <p:cNvPr id="343" name="TextShape 2"/>
+          <p:cNvPr id="388" name="TextShape 2"/>
           <p:cNvSpPr txBox="1"/>
           <p:nvPr/>
         </p:nvSpPr>
@@ -16281,14 +18671,14 @@
       </p:grpSpPr>
       <p:sp>
         <p:nvSpPr>
-          <p:cNvPr id="344" name="TextShape 1"/>
+          <p:cNvPr id="389" name="TextShape 1"/>
           <p:cNvSpPr txBox="1"/>
           <p:nvPr/>
         </p:nvSpPr>
         <p:spPr>
           <a:xfrm>
-            <a:off x="457200" y="474120"/>
-            <a:ext cx="4754520" cy="798840"/>
+            <a:off x="182880" y="182880"/>
+            <a:ext cx="5028840" cy="1090080"/>
           </a:xfrm>
           <a:prstGeom prst="rect">
             <a:avLst/>
@@ -16313,25 +18703,7 @@
                 </a:solidFill>
                 <a:latin typeface="Segoe UI"/>
               </a:rPr>
-              <a:t>ANALYSIS </a:t>
-            </a:r>
-            <a:r>
-              <a:rPr b="1" lang="en-US" sz="4000" spc="-1" strike="noStrike">
-                <a:solidFill>
-                  <a:srgbClr val="c94c25"/>
-                </a:solidFill>
-                <a:latin typeface="Segoe UI"/>
-              </a:rPr>
-              <a:t>AND </a:t>
-            </a:r>
-            <a:r>
-              <a:rPr b="1" lang="en-US" sz="4000" spc="-1" strike="noStrike">
-                <a:solidFill>
-                  <a:srgbClr val="c94c25"/>
-                </a:solidFill>
-                <a:latin typeface="Segoe UI"/>
-              </a:rPr>
-              <a:t>DESIGN</a:t>
+              <a:t>2.ANALYSIS AND DESIGN</a:t>
             </a:r>
             <a:endParaRPr b="0" lang="en-US" sz="4000" spc="-1" strike="noStrike">
               <a:solidFill>
@@ -16344,7 +18716,7 @@
       </p:sp>
       <p:sp>
         <p:nvSpPr>
-          <p:cNvPr id="345" name="CustomShape 2"/>
+          <p:cNvPr id="390" name="CustomShape 2"/>
           <p:cNvSpPr/>
           <p:nvPr/>
         </p:nvSpPr>
@@ -16374,7 +18746,7 @@
       </p:sp>
       <p:sp>
         <p:nvSpPr>
-          <p:cNvPr id="346" name="CustomShape 3"/>
+          <p:cNvPr id="391" name="CustomShape 3"/>
           <p:cNvSpPr/>
           <p:nvPr/>
         </p:nvSpPr>
@@ -16404,7 +18776,7 @@
       </p:sp>
       <p:sp>
         <p:nvSpPr>
-          <p:cNvPr id="347" name="CustomShape 4"/>
+          <p:cNvPr id="392" name="CustomShape 4"/>
           <p:cNvSpPr/>
           <p:nvPr/>
         </p:nvSpPr>
@@ -16434,7 +18806,7 @@
       </p:sp>
       <p:sp>
         <p:nvSpPr>
-          <p:cNvPr id="348" name="TextShape 5"/>
+          <p:cNvPr id="393" name="TextShape 5"/>
           <p:cNvSpPr txBox="1"/>
           <p:nvPr/>
         </p:nvSpPr>
@@ -16458,19 +18830,7 @@
               <a:rPr b="1" lang="en-US" sz="2200" spc="-1" strike="noStrike">
                 <a:latin typeface="Arial"/>
               </a:rPr>
-              <a:t>SYSTEM </a:t>
-            </a:r>
-            <a:r>
-              <a:rPr b="1" lang="en-US" sz="2200" spc="-1" strike="noStrike">
-                <a:latin typeface="Arial"/>
-              </a:rPr>
-              <a:t>ARCHITE</a:t>
-            </a:r>
-            <a:r>
-              <a:rPr b="1" lang="en-US" sz="2200" spc="-1" strike="noStrike">
-                <a:latin typeface="Arial"/>
-              </a:rPr>
-              <a:t>CTURE</a:t>
+              <a:t>SYSTEM ARCHITECTURE</a:t>
             </a:r>
             <a:endParaRPr b="0" lang="en-US" sz="2200" spc="-1" strike="noStrike">
               <a:latin typeface="Arial"/>
@@ -16480,7 +18840,7 @@
       </p:sp>
       <p:sp>
         <p:nvSpPr>
-          <p:cNvPr id="349" name="TextShape 6"/>
+          <p:cNvPr id="394" name="TextShape 6"/>
           <p:cNvSpPr txBox="1"/>
           <p:nvPr/>
         </p:nvSpPr>
@@ -16514,7 +18874,7 @@
       </p:sp>
       <p:sp>
         <p:nvSpPr>
-          <p:cNvPr id="350" name="TextShape 7"/>
+          <p:cNvPr id="395" name="TextShape 7"/>
           <p:cNvSpPr txBox="1"/>
           <p:nvPr/>
         </p:nvSpPr>
@@ -16548,7 +18908,7 @@
       </p:sp>
       <p:sp>
         <p:nvSpPr>
-          <p:cNvPr id="351" name="TextShape 8"/>
+          <p:cNvPr id="396" name="TextShape 8"/>
           <p:cNvSpPr txBox="1"/>
           <p:nvPr/>
         </p:nvSpPr>
@@ -16588,7 +18948,7 @@
       </p:sp>
       <p:sp>
         <p:nvSpPr>
-          <p:cNvPr id="352" name="CustomShape 9"/>
+          <p:cNvPr id="397" name="CustomShape 9"/>
           <p:cNvSpPr/>
           <p:nvPr/>
         </p:nvSpPr>
@@ -16618,7 +18978,7 @@
       </p:sp>
       <p:pic>
         <p:nvPicPr>
-          <p:cNvPr id="353" name="" descr=""/>
+          <p:cNvPr id="398" name="" descr=""/>
           <p:cNvPicPr/>
           <p:nvPr/>
         </p:nvPicPr>
@@ -16641,7 +19001,7 @@
       </p:pic>
       <p:sp>
         <p:nvSpPr>
-          <p:cNvPr id="354" name="Line 10"/>
+          <p:cNvPr id="399" name="Line 10"/>
           <p:cNvSpPr/>
           <p:nvPr/>
         </p:nvSpPr>
@@ -16670,7 +19030,7 @@
       </p:sp>
       <p:sp>
         <p:nvSpPr>
-          <p:cNvPr id="355" name="TextShape 11"/>
+          <p:cNvPr id="400" name="TextShape 11"/>
           <p:cNvSpPr txBox="1"/>
           <p:nvPr/>
         </p:nvSpPr>
@@ -16704,7 +19064,7 @@
       </p:sp>
       <p:sp>
         <p:nvSpPr>
-          <p:cNvPr id="356" name="CustomShape 12"/>
+          <p:cNvPr id="401" name="CustomShape 12"/>
           <p:cNvSpPr/>
           <p:nvPr/>
         </p:nvSpPr>
@@ -16749,7 +19109,7 @@
       </p:sp>
       <p:sp>
         <p:nvSpPr>
-          <p:cNvPr id="357" name="CustomShape 13"/>
+          <p:cNvPr id="402" name="CustomShape 13"/>
           <p:cNvSpPr/>
           <p:nvPr/>
         </p:nvSpPr>
@@ -16794,7 +19154,7 @@
       </p:sp>
       <p:sp>
         <p:nvSpPr>
-          <p:cNvPr id="358" name="Line 14"/>
+          <p:cNvPr id="403" name="Line 14"/>
           <p:cNvSpPr/>
           <p:nvPr/>
         </p:nvSpPr>
@@ -16823,7 +19183,7 @@
       </p:sp>
       <p:sp>
         <p:nvSpPr>
-          <p:cNvPr id="359" name="CustomShape 15"/>
+          <p:cNvPr id="404" name="CustomShape 15"/>
           <p:cNvSpPr/>
           <p:nvPr/>
         </p:nvSpPr>
@@ -16868,7 +19228,7 @@
       </p:sp>
       <p:sp>
         <p:nvSpPr>
-          <p:cNvPr id="360" name="Line 16"/>
+          <p:cNvPr id="405" name="Line 16"/>
           <p:cNvSpPr/>
           <p:nvPr/>
         </p:nvSpPr>
@@ -16897,7 +19257,7 @@
       </p:sp>
       <p:sp>
         <p:nvSpPr>
-          <p:cNvPr id="361" name="CustomShape 17"/>
+          <p:cNvPr id="406" name="CustomShape 17"/>
           <p:cNvSpPr/>
           <p:nvPr/>
         </p:nvSpPr>
@@ -16942,7 +19302,7 @@
       </p:sp>
       <p:sp>
         <p:nvSpPr>
-          <p:cNvPr id="362" name="Line 18"/>
+          <p:cNvPr id="407" name="Line 18"/>
           <p:cNvSpPr/>
           <p:nvPr/>
         </p:nvSpPr>
@@ -16971,7 +19331,7 @@
       </p:sp>
       <p:sp>
         <p:nvSpPr>
-          <p:cNvPr id="363" name="Line 19"/>
+          <p:cNvPr id="408" name="Line 19"/>
           <p:cNvSpPr/>
           <p:nvPr/>
         </p:nvSpPr>
@@ -17000,7 +19360,7 @@
       </p:sp>
       <p:sp>
         <p:nvSpPr>
-          <p:cNvPr id="364" name="CustomShape 20"/>
+          <p:cNvPr id="409" name="CustomShape 20"/>
           <p:cNvSpPr/>
           <p:nvPr/>
         </p:nvSpPr>
@@ -17051,7 +19411,7 @@
       </p:sp>
       <p:sp>
         <p:nvSpPr>
-          <p:cNvPr id="365" name="Line 21"/>
+          <p:cNvPr id="410" name="Line 21"/>
           <p:cNvSpPr/>
           <p:nvPr/>
         </p:nvSpPr>
@@ -17080,7 +19440,7 @@
       </p:sp>
       <p:sp>
         <p:nvSpPr>
-          <p:cNvPr id="366" name="CustomShape 22"/>
+          <p:cNvPr id="411" name="CustomShape 22"/>
           <p:cNvSpPr/>
           <p:nvPr/>
         </p:nvSpPr>
@@ -17137,7 +19497,7 @@
       </p:sp>
       <p:sp>
         <p:nvSpPr>
-          <p:cNvPr id="367" name="TextShape 23"/>
+          <p:cNvPr id="412" name="TextShape 23"/>
           <p:cNvSpPr txBox="1"/>
           <p:nvPr/>
         </p:nvSpPr>
@@ -17161,19 +19521,7 @@
               <a:rPr b="0" lang="en-US" sz="1800" spc="-1" strike="noStrike">
                 <a:latin typeface="Arial"/>
               </a:rPr>
-              <a:t>Web </a:t>
-            </a:r>
-            <a:r>
-              <a:rPr b="0" lang="en-US" sz="1800" spc="-1" strike="noStrike">
-                <a:latin typeface="Arial"/>
-              </a:rPr>
-              <a:t>clien</a:t>
-            </a:r>
-            <a:r>
-              <a:rPr b="0" lang="en-US" sz="1800" spc="-1" strike="noStrike">
-                <a:latin typeface="Arial"/>
-              </a:rPr>
-              <a:t>t:</a:t>
+              <a:t>Web client:</a:t>
             </a:r>
             <a:endParaRPr b="0" lang="en-US" sz="1800" spc="-1" strike="noStrike">
               <a:latin typeface="Arial"/>
@@ -17183,7 +19531,7 @@
       </p:sp>
       <p:sp>
         <p:nvSpPr>
-          <p:cNvPr id="368" name="Line 24"/>
+          <p:cNvPr id="413" name="Line 24"/>
           <p:cNvSpPr/>
           <p:nvPr/>
         </p:nvSpPr>
@@ -17261,7 +19609,7 @@
       </p:grpSpPr>
       <p:sp>
         <p:nvSpPr>
-          <p:cNvPr id="369" name="TextShape 1"/>
+          <p:cNvPr id="414" name="TextShape 1"/>
           <p:cNvSpPr txBox="1"/>
           <p:nvPr/>
         </p:nvSpPr>
@@ -17293,7 +19641,25 @@
                 </a:solidFill>
                 <a:latin typeface="Segoe UI"/>
               </a:rPr>
-              <a:t>SOFTWARE IMPLEMENTATION / CODING</a:t>
+              <a:t>3.SOFTWARE </a:t>
+            </a:r>
+            <a:r>
+              <a:rPr b="1" lang="en-US" sz="4000" spc="-1" strike="noStrike">
+                <a:solidFill>
+                  <a:srgbClr val="c94c25"/>
+                </a:solidFill>
+                <a:latin typeface="Segoe UI"/>
+              </a:rPr>
+              <a:t>IMPLEMENTATIO</a:t>
+            </a:r>
+            <a:r>
+              <a:rPr b="1" lang="en-US" sz="4000" spc="-1" strike="noStrike">
+                <a:solidFill>
+                  <a:srgbClr val="c94c25"/>
+                </a:solidFill>
+                <a:latin typeface="Segoe UI"/>
+              </a:rPr>
+              <a:t>N / CODING</a:t>
             </a:r>
             <a:endParaRPr b="0" lang="en-US" sz="4000" spc="-1" strike="noStrike">
               <a:solidFill>
@@ -17306,14 +19672,14 @@
       </p:sp>
       <p:sp>
         <p:nvSpPr>
-          <p:cNvPr id="370" name="TextShape 2"/>
+          <p:cNvPr id="415" name="TextShape 2"/>
           <p:cNvSpPr txBox="1"/>
           <p:nvPr/>
         </p:nvSpPr>
         <p:spPr>
           <a:xfrm>
             <a:off x="457200" y="2005920"/>
-            <a:ext cx="8229600" cy="1279440"/>
+            <a:ext cx="8229600" cy="1846440"/>
           </a:xfrm>
           <a:prstGeom prst="rect">
             <a:avLst/>
@@ -17330,14 +19696,192 @@
               <a:rPr b="1" lang="en-US" sz="2600" spc="-1" strike="noStrike">
                 <a:latin typeface="Arial"/>
               </a:rPr>
-              <a:t>VERSION CONTROL</a:t>
+              <a:t>S</a:t>
+            </a:r>
+            <a:r>
+              <a:rPr b="1" lang="en-US" sz="2600" spc="-1" strike="noStrike">
+                <a:latin typeface="Arial"/>
+              </a:rPr>
+              <a:t>O</a:t>
+            </a:r>
+            <a:r>
+              <a:rPr b="1" lang="en-US" sz="2600" spc="-1" strike="noStrike">
+                <a:latin typeface="Arial"/>
+              </a:rPr>
+              <a:t>U</a:t>
+            </a:r>
+            <a:r>
+              <a:rPr b="1" lang="en-US" sz="2600" spc="-1" strike="noStrike">
+                <a:latin typeface="Arial"/>
+              </a:rPr>
+              <a:t>R</a:t>
+            </a:r>
+            <a:r>
+              <a:rPr b="1" lang="en-US" sz="2600" spc="-1" strike="noStrike">
+                <a:latin typeface="Arial"/>
+              </a:rPr>
+              <a:t>CE </a:t>
+            </a:r>
+            <a:r>
+              <a:rPr b="1" lang="en-US" sz="2600" spc="-1" strike="noStrike">
+                <a:latin typeface="Arial"/>
+              </a:rPr>
+              <a:t>VE</a:t>
+            </a:r>
+            <a:r>
+              <a:rPr b="1" lang="en-US" sz="2600" spc="-1" strike="noStrike">
+                <a:latin typeface="Arial"/>
+              </a:rPr>
+              <a:t>RS</a:t>
+            </a:r>
+            <a:r>
+              <a:rPr b="1" lang="en-US" sz="2600" spc="-1" strike="noStrike">
+                <a:latin typeface="Arial"/>
+              </a:rPr>
+              <a:t>IO</a:t>
+            </a:r>
+            <a:r>
+              <a:rPr b="1" lang="en-US" sz="2600" spc="-1" strike="noStrike">
+                <a:latin typeface="Arial"/>
+              </a:rPr>
+              <a:t>N </a:t>
+            </a:r>
+            <a:r>
+              <a:rPr b="1" lang="en-US" sz="2600" spc="-1" strike="noStrike">
+                <a:latin typeface="Arial"/>
+              </a:rPr>
+              <a:t>C</a:t>
+            </a:r>
+            <a:r>
+              <a:rPr b="1" lang="en-US" sz="2600" spc="-1" strike="noStrike">
+                <a:latin typeface="Arial"/>
+              </a:rPr>
+              <a:t>O</a:t>
+            </a:r>
+            <a:r>
+              <a:rPr b="1" lang="en-US" sz="2600" spc="-1" strike="noStrike">
+                <a:latin typeface="Arial"/>
+              </a:rPr>
+              <a:t>NT</a:t>
+            </a:r>
+            <a:r>
+              <a:rPr b="1" lang="en-US" sz="2600" spc="-1" strike="noStrike">
+                <a:latin typeface="Arial"/>
+              </a:rPr>
+              <a:t>R</a:t>
+            </a:r>
+            <a:r>
+              <a:rPr b="1" lang="en-US" sz="2600" spc="-1" strike="noStrike">
+                <a:latin typeface="Arial"/>
+              </a:rPr>
+              <a:t>OL </a:t>
+            </a:r>
+            <a:r>
+              <a:rPr b="1" lang="en-US" sz="2600" spc="-1" strike="noStrike">
+                <a:latin typeface="Arial"/>
+              </a:rPr>
+              <a:t>: </a:t>
+            </a:r>
+            <a:r>
+              <a:rPr b="1" lang="en-US" sz="2600" spc="-1" strike="noStrike">
+                <a:latin typeface="Arial"/>
+              </a:rPr>
+              <a:t>GI</a:t>
+            </a:r>
+            <a:r>
+              <a:rPr b="1" lang="en-US" sz="2600" spc="-1" strike="noStrike">
+                <a:latin typeface="Arial"/>
+              </a:rPr>
+              <a:t>T</a:t>
             </a:r>
             <a:endParaRPr b="0" lang="en-US" sz="2600" spc="-1" strike="noStrike">
               <a:latin typeface="Arial"/>
             </a:endParaRPr>
           </a:p>
-        </p:txBody>
-      </p:sp>
+          <a:p>
+            <a:r>
+              <a:rPr b="1" lang="en-US" sz="2600" spc="-1" strike="noStrike">
+                <a:latin typeface="Arial"/>
+              </a:rPr>
+              <a:t>Gi</a:t>
+            </a:r>
+            <a:r>
+              <a:rPr b="1" lang="en-US" sz="2600" spc="-1" strike="noStrike">
+                <a:latin typeface="Arial"/>
+              </a:rPr>
+              <a:t>th</a:t>
+            </a:r>
+            <a:r>
+              <a:rPr b="1" lang="en-US" sz="2600" spc="-1" strike="noStrike">
+                <a:latin typeface="Arial"/>
+              </a:rPr>
+              <a:t>ub </a:t>
+            </a:r>
+            <a:r>
+              <a:rPr b="1" lang="en-US" sz="2600" spc="-1" strike="noStrike">
+                <a:latin typeface="Arial"/>
+              </a:rPr>
+              <a:t>Ad</a:t>
+            </a:r>
+            <a:r>
+              <a:rPr b="1" lang="en-US" sz="2600" spc="-1" strike="noStrike">
+                <a:latin typeface="Arial"/>
+              </a:rPr>
+              <a:t>dr</a:t>
+            </a:r>
+            <a:r>
+              <a:rPr b="1" lang="en-US" sz="2600" spc="-1" strike="noStrike">
+                <a:latin typeface="Arial"/>
+              </a:rPr>
+              <a:t>es</a:t>
+            </a:r>
+            <a:r>
+              <a:rPr b="1" lang="en-US" sz="2600" spc="-1" strike="noStrike">
+                <a:latin typeface="Arial"/>
+              </a:rPr>
+              <a:t>s: </a:t>
+            </a:r>
+            <a:r>
+              <a:rPr b="1" lang="en-US" sz="2600" spc="-1" strike="noStrike">
+                <a:latin typeface="Arial"/>
+                <a:hlinkClick r:id="rId1"/>
+              </a:rPr>
+              <a:t>https://github.com/vietanhdev/iCT-Flashcard</a:t>
+            </a:r>
+            <a:endParaRPr b="0" lang="en-US" sz="2600" spc="-1" strike="noStrike">
+              <a:latin typeface="Arial"/>
+            </a:endParaRPr>
+          </a:p>
+          <a:p>
+            <a:endParaRPr b="0" lang="en-US" sz="2600" spc="-1" strike="noStrike">
+              <a:latin typeface="Arial"/>
+            </a:endParaRPr>
+          </a:p>
+        </p:txBody>
+      </p:sp>
+      <p:pic>
+        <p:nvPicPr>
+          <p:cNvPr id="416" name="" descr=""/>
+          <p:cNvPicPr/>
+          <p:nvPr/>
+        </p:nvPicPr>
+        <p:blipFill>
+          <a:blip r:embed="rId2"/>
+          <a:stretch/>
+        </p:blipFill>
+        <p:spPr>
+          <a:xfrm>
+            <a:off x="3208320" y="3574080"/>
+            <a:ext cx="2095200" cy="2095200"/>
+          </a:xfrm>
+          <a:prstGeom prst="rect">
+            <a:avLst/>
+          </a:prstGeom>
+          <a:ln>
+            <a:noFill/>
+          </a:ln>
+        </p:spPr>
+      </p:pic>
     </p:spTree>
   </p:cSld>
   <p:timing>
@@ -17389,14 +19933,14 @@
       </p:grpSpPr>
       <p:sp>
         <p:nvSpPr>
-          <p:cNvPr id="371" name="TextShape 1"/>
+          <p:cNvPr id="417" name="TextShape 1"/>
           <p:cNvSpPr txBox="1"/>
           <p:nvPr/>
         </p:nvSpPr>
         <p:spPr>
           <a:xfrm>
             <a:off x="457200" y="474120"/>
-            <a:ext cx="4754520" cy="798840"/>
+            <a:ext cx="8869680" cy="798840"/>
           </a:xfrm>
           <a:prstGeom prst="rect">
             <a:avLst/>
@@ -17421,70 +19965,7 @@
                 </a:solidFill>
                 <a:latin typeface="Segoe UI"/>
               </a:rPr>
-              <a:t>T</a:t>
-            </a:r>
-            <a:r>
-              <a:rPr b="1" lang="en-US" sz="4000" spc="-1" strike="noStrike">
-                <a:solidFill>
-                  <a:srgbClr val="c94c25"/>
-                </a:solidFill>
-                <a:latin typeface="Segoe UI"/>
-              </a:rPr>
-              <a:t>E</a:t>
-            </a:r>
-            <a:r>
-              <a:rPr b="1" lang="en-US" sz="4000" spc="-1" strike="noStrike">
-                <a:solidFill>
-                  <a:srgbClr val="c94c25"/>
-                </a:solidFill>
-                <a:latin typeface="Segoe UI"/>
-              </a:rPr>
-              <a:t>A</a:t>
-            </a:r>
-            <a:r>
-              <a:rPr b="1" lang="en-US" sz="4000" spc="-1" strike="noStrike">
-                <a:solidFill>
-                  <a:srgbClr val="c94c25"/>
-                </a:solidFill>
-                <a:latin typeface="Segoe UI"/>
-              </a:rPr>
-              <a:t>M</a:t>
-            </a:r>
-            <a:r>
-              <a:rPr b="1" lang="en-US" sz="4000" spc="-1" strike="noStrike">
-                <a:solidFill>
-                  <a:srgbClr val="c94c25"/>
-                </a:solidFill>
-                <a:latin typeface="Segoe UI"/>
-              </a:rPr>
-              <a:t>W</a:t>
-            </a:r>
-            <a:r>
-              <a:rPr b="1" lang="en-US" sz="4000" spc="-1" strike="noStrike">
-                <a:solidFill>
-                  <a:srgbClr val="c94c25"/>
-                </a:solidFill>
-                <a:latin typeface="Segoe UI"/>
-              </a:rPr>
-              <a:t>O</a:t>
-            </a:r>
-            <a:r>
-              <a:rPr b="1" lang="en-US" sz="4000" spc="-1" strike="noStrike">
-                <a:solidFill>
-                  <a:srgbClr val="c94c25"/>
-                </a:solidFill>
-                <a:latin typeface="Segoe UI"/>
-              </a:rPr>
-              <a:t>R</a:t>
-            </a:r>
-            <a:r>
-              <a:rPr b="1" lang="en-US" sz="4000" spc="-1" strike="noStrike">
-                <a:solidFill>
-                  <a:srgbClr val="c94c25"/>
-                </a:solidFill>
-                <a:latin typeface="Segoe UI"/>
-              </a:rPr>
-              <a:t>K</a:t>
+              <a:t>4. TESTING &amp; DOCUMENTS</a:t>
             </a:r>
             <a:endParaRPr b="0" lang="en-US" sz="4000" spc="-1" strike="noStrike">
               <a:solidFill>
@@ -17497,74 +19978,14 @@
       </p:sp>
       <p:sp>
         <p:nvSpPr>
-          <p:cNvPr id="372" name="CustomShape 2"/>
-          <p:cNvSpPr/>
-          <p:nvPr/>
-        </p:nvSpPr>
-        <p:spPr>
-          <a:xfrm>
-            <a:off x="22320" y="1554480"/>
-            <a:ext cx="2903760" cy="5120640"/>
-          </a:xfrm>
-          <a:prstGeom prst="rect">
-            <a:avLst/>
-          </a:prstGeom>
-          <a:solidFill>
-            <a:srgbClr val="bce4e5"/>
-          </a:solidFill>
-          <a:ln>
-            <a:solidFill>
-              <a:srgbClr val="3465a4"/>
-            </a:solidFill>
-          </a:ln>
-        </p:spPr>
-        <p:style>
-          <a:lnRef idx="0"/>
-          <a:fillRef idx="0"/>
-          <a:effectRef idx="0"/>
-          <a:fontRef idx="minor"/>
-        </p:style>
-      </p:sp>
-      <p:sp>
-        <p:nvSpPr>
-          <p:cNvPr id="373" name="CustomShape 3"/>
-          <p:cNvSpPr/>
-          <p:nvPr/>
-        </p:nvSpPr>
-        <p:spPr>
-          <a:xfrm>
-            <a:off x="2926080" y="1554480"/>
-            <a:ext cx="3108960" cy="5120640"/>
-          </a:xfrm>
-          <a:prstGeom prst="rect">
-            <a:avLst/>
-          </a:prstGeom>
-          <a:solidFill>
-            <a:srgbClr val="bce4e5"/>
-          </a:solidFill>
-          <a:ln>
-            <a:solidFill>
-              <a:srgbClr val="3465a4"/>
-            </a:solidFill>
-          </a:ln>
-        </p:spPr>
-        <p:style>
-          <a:lnRef idx="0"/>
-          <a:fillRef idx="0"/>
-          <a:effectRef idx="0"/>
-          <a:fontRef idx="minor"/>
-        </p:style>
-      </p:sp>
-      <p:sp>
-        <p:nvSpPr>
-          <p:cNvPr id="374" name="TextShape 4"/>
+          <p:cNvPr id="418" name="TextShape 2"/>
           <p:cNvSpPr txBox="1"/>
           <p:nvPr/>
         </p:nvSpPr>
         <p:spPr>
           <a:xfrm>
-            <a:off x="205200" y="1731600"/>
-            <a:ext cx="3840480" cy="463320"/>
+            <a:off x="274320" y="1645920"/>
+            <a:ext cx="8229600" cy="968400"/>
           </a:xfrm>
           <a:prstGeom prst="rect">
             <a:avLst/>
@@ -17578,116 +19999,21 @@
           <a:bodyPr lIns="90000" rIns="90000" tIns="45000" bIns="45000"/>
           <a:p>
             <a:r>
-              <a:rPr b="1" lang="en-US" sz="1800" spc="-1" strike="noStrike">
+              <a:rPr b="1" lang="en-US" sz="2600" spc="-1" strike="noStrike">
                 <a:latin typeface="Arial"/>
               </a:rPr>
-              <a:t>WEB SERVER</a:t>
-            </a:r>
-            <a:endParaRPr b="0" lang="en-US" sz="1800" spc="-1" strike="noStrike">
-              <a:latin typeface="Arial"/>
-            </a:endParaRPr>
-          </a:p>
-        </p:txBody>
-      </p:sp>
-      <p:sp>
-        <p:nvSpPr>
-          <p:cNvPr id="375" name="TextShape 5"/>
-          <p:cNvSpPr txBox="1"/>
-          <p:nvPr/>
-        </p:nvSpPr>
-        <p:spPr>
-          <a:xfrm>
-            <a:off x="3222720" y="1731600"/>
-            <a:ext cx="3840480" cy="463320"/>
-          </a:xfrm>
-          <a:prstGeom prst="rect">
-            <a:avLst/>
-          </a:prstGeom>
-          <a:noFill/>
-          <a:ln>
-            <a:noFill/>
-          </a:ln>
-        </p:spPr>
-        <p:txBody>
-          <a:bodyPr lIns="90000" rIns="90000" tIns="45000" bIns="45000"/>
-          <a:p>
-            <a:r>
-              <a:rPr b="1" lang="en-US" sz="1800" spc="-1" strike="noStrike">
-                <a:latin typeface="Arial"/>
-              </a:rPr>
-              <a:t>CLI</a:t>
-            </a:r>
-            <a:r>
-              <a:rPr b="1" lang="en-US" sz="1800" spc="-1" strike="noStrike">
-                <a:latin typeface="Arial"/>
-              </a:rPr>
-              <a:t>ENT </a:t>
-            </a:r>
-            <a:r>
-              <a:rPr b="1" lang="en-US" sz="1800" spc="-1" strike="noStrike">
-                <a:latin typeface="Arial"/>
-              </a:rPr>
-              <a:t>DE</a:t>
-            </a:r>
-            <a:r>
-              <a:rPr b="1" lang="en-US" sz="1800" spc="-1" strike="noStrike">
-                <a:latin typeface="Arial"/>
-              </a:rPr>
-              <a:t>SKT</a:t>
-            </a:r>
-            <a:r>
-              <a:rPr b="1" lang="en-US" sz="1800" spc="-1" strike="noStrike">
-                <a:latin typeface="Arial"/>
-              </a:rPr>
-              <a:t>OP </a:t>
-            </a:r>
-            <a:r>
-              <a:rPr b="1" lang="en-US" sz="1800" spc="-1" strike="noStrike">
-                <a:latin typeface="Arial"/>
-              </a:rPr>
-              <a:t>AP</a:t>
-            </a:r>
-            <a:r>
-              <a:rPr b="1" lang="en-US" sz="1800" spc="-1" strike="noStrike">
-                <a:latin typeface="Arial"/>
-              </a:rPr>
-              <a:t>P</a:t>
-            </a:r>
-            <a:endParaRPr b="0" lang="en-US" sz="1800" spc="-1" strike="noStrike">
-              <a:latin typeface="Arial"/>
-            </a:endParaRPr>
-          </a:p>
-        </p:txBody>
-      </p:sp>
-      <p:sp>
-        <p:nvSpPr>
-          <p:cNvPr id="376" name="CustomShape 6"/>
-          <p:cNvSpPr/>
-          <p:nvPr/>
-        </p:nvSpPr>
-        <p:spPr>
-          <a:xfrm>
-            <a:off x="6035040" y="1554480"/>
-            <a:ext cx="3108960" cy="5120640"/>
-          </a:xfrm>
-          <a:prstGeom prst="rect">
-            <a:avLst/>
-          </a:prstGeom>
-          <a:solidFill>
-            <a:srgbClr val="bce4e5"/>
-          </a:solidFill>
-          <a:ln>
-            <a:solidFill>
-              <a:srgbClr val="3465a4"/>
-            </a:solidFill>
-          </a:ln>
-        </p:spPr>
-        <p:style>
-          <a:lnRef idx="0"/>
-          <a:fillRef idx="0"/>
-          <a:effectRef idx="0"/>
-          <a:fontRef idx="minor"/>
-        </p:style>
+              <a:t>TESTING: USE POSTMAN TEST FOR WEB APIs</a:t>
+            </a:r>
+            <a:endParaRPr b="0" lang="en-US" sz="2600" spc="-1" strike="noStrike">
+              <a:latin typeface="Arial"/>
+            </a:endParaRPr>
+          </a:p>
+          <a:p>
+            <a:endParaRPr b="0" lang="en-US" sz="2600" spc="-1" strike="noStrike">
+              <a:latin typeface="Arial"/>
+            </a:endParaRPr>
+          </a:p>
+        </p:txBody>
       </p:sp>
     </p:spTree>
   </p:cSld>
@@ -17724,13 +20050,6 @@
 <file path=ppt/slides/slide8.xml><?xml version="1.0" encoding="utf-8"?>
 <p:sld xmlns:a="http://schemas.openxmlformats.org/drawingml/2006/main" xmlns:p="http://schemas.openxmlformats.org/presentationml/2006/main" xmlns:r="http://schemas.openxmlformats.org/officeDocument/2006/relationships" xmlns:p14="http://schemas.microsoft.com/office/powerpoint/2010/main" xmlns:p15="http://schemas.microsoft.com/office/powerpoint/2012/main" xmlns:mc="http://schemas.openxmlformats.org/markup-compatibility/2006">
   <p:cSld>
-    <p:bg>
-      <p:bgPr>
-        <a:solidFill>
-          <a:srgbClr val="ffffff"/>
-        </a:solidFill>
-      </p:bgPr>
-    </p:bg>
     <p:spTree>
       <p:nvGrpSpPr>
         <p:cNvPr id="1" name=""/>
@@ -17747,14 +20066,14 @@
       </p:grpSpPr>
       <p:sp>
         <p:nvSpPr>
-          <p:cNvPr id="377" name="TextShape 1"/>
+          <p:cNvPr id="419" name="TextShape 1"/>
           <p:cNvSpPr txBox="1"/>
           <p:nvPr/>
         </p:nvSpPr>
         <p:spPr>
           <a:xfrm>
-            <a:off x="723960" y="2878920"/>
-            <a:ext cx="7695720" cy="1099440"/>
+            <a:off x="457200" y="474120"/>
+            <a:ext cx="8869680" cy="798840"/>
           </a:xfrm>
           <a:prstGeom prst="rect">
             <a:avLst/>
@@ -17773,33 +20092,15 @@
               </a:lnSpc>
             </a:pPr>
             <a:r>
-              <a:rPr b="1" lang="en-US" sz="6000" spc="-1" strike="noStrike">
+              <a:rPr b="1" lang="en-US" sz="4000" spc="-1" strike="noStrike">
                 <a:solidFill>
                   <a:srgbClr val="c94c25"/>
                 </a:solidFill>
                 <a:latin typeface="Segoe UI"/>
               </a:rPr>
-              <a:t>Q</a:t>
-            </a:r>
-            <a:r>
-              <a:rPr b="0" lang="en-US" sz="3200" spc="-1" strike="noStrike">
-                <a:solidFill>
-                  <a:srgbClr val="c94c25"/>
-                </a:solidFill>
-                <a:latin typeface="Segoe UI"/>
-              </a:rPr>
-              <a:t>&amp;</a:t>
-            </a:r>
-            <a:r>
-              <a:rPr b="1" lang="en-US" sz="6000" spc="-1" strike="noStrike">
-                <a:solidFill>
-                  <a:srgbClr val="c94c25"/>
-                </a:solidFill>
-                <a:latin typeface="Segoe UI"/>
-              </a:rPr>
-              <a:t>A</a:t>
-            </a:r>
-            <a:endParaRPr b="0" lang="en-US" sz="6000" spc="-1" strike="noStrike">
+              <a:t>4. TESTING &amp; DOCUMENTS</a:t>
+            </a:r>
+            <a:endParaRPr b="0" lang="en-US" sz="4000" spc="-1" strike="noStrike">
               <a:solidFill>
                 <a:srgbClr val="ffffff"/>
               </a:solidFill>
@@ -17808,6 +20109,142 @@
           </a:p>
         </p:txBody>
       </p:sp>
+      <p:sp>
+        <p:nvSpPr>
+          <p:cNvPr id="420" name="TextShape 2"/>
+          <p:cNvSpPr txBox="1"/>
+          <p:nvPr/>
+        </p:nvSpPr>
+        <p:spPr>
+          <a:xfrm>
+            <a:off x="274320" y="1645920"/>
+            <a:ext cx="5029200" cy="4480560"/>
+          </a:xfrm>
+          <a:prstGeom prst="rect">
+            <a:avLst/>
+          </a:prstGeom>
+          <a:noFill/>
+          <a:ln>
+            <a:noFill/>
+          </a:ln>
+        </p:spPr>
+        <p:txBody>
+          <a:bodyPr lIns="90000" rIns="90000" tIns="45000" bIns="45000"/>
+          <a:p>
+            <a:r>
+              <a:rPr b="1" lang="en-US" sz="2600" spc="-1" strike="noStrike">
+                <a:latin typeface="Arial"/>
+              </a:rPr>
+              <a:t>DOCUMENTS</a:t>
+            </a:r>
+            <a:endParaRPr b="0" lang="en-US" sz="2600" spc="-1" strike="noStrike">
+              <a:latin typeface="Arial"/>
+            </a:endParaRPr>
+          </a:p>
+          <a:p>
+            <a:r>
+              <a:rPr b="1" lang="en-US" sz="2600" spc="-1" strike="noStrike">
+                <a:latin typeface="Arial"/>
+              </a:rPr>
+              <a:t>- DESIGN </a:t>
+            </a:r>
+            <a:r>
+              <a:rPr b="1" lang="en-US" sz="2400" spc="-1" strike="noStrike">
+                <a:latin typeface="Arial"/>
+              </a:rPr>
+              <a:t>DOCUMENT</a:t>
+            </a:r>
+            <a:r>
+              <a:rPr b="1" lang="en-US" sz="2600" spc="-1" strike="noStrike">
+                <a:latin typeface="Arial"/>
+              </a:rPr>
+              <a:t>:</a:t>
+            </a:r>
+            <a:endParaRPr b="0" lang="en-US" sz="2600" spc="-1" strike="noStrike">
+              <a:latin typeface="Arial"/>
+            </a:endParaRPr>
+          </a:p>
+          <a:p>
+            <a:r>
+              <a:rPr b="1" lang="en-US" sz="2600" spc="-1" strike="noStrike">
+                <a:latin typeface="Arial"/>
+              </a:rPr>
+              <a:t> </a:t>
+            </a:r>
+            <a:r>
+              <a:rPr b="1" lang="en-US" sz="2400" spc="-1" strike="noStrike">
+                <a:latin typeface="Arial"/>
+                <a:hlinkClick r:id="rId1"/>
+              </a:rPr>
+              <a:t>https://github.com/vietanhdev/iCT-Flashcard/blob/master/docs/DesignDoc.pdf</a:t>
+            </a:r>
+            <a:endParaRPr b="0" lang="en-US" sz="2400" spc="-1" strike="noStrike">
+              <a:latin typeface="Arial"/>
+            </a:endParaRPr>
+          </a:p>
+          <a:p>
+            <a:r>
+              <a:rPr b="1" lang="en-US" sz="2600" spc="-1" strike="noStrike">
+                <a:latin typeface="Arial"/>
+              </a:rPr>
+              <a:t>- DOCUMENT PAGE FOR DEVELOPER</a:t>
+            </a:r>
+            <a:r>
+              <a:rPr b="1" lang="en-US" sz="2600" spc="-1" strike="noStrike">
+                <a:latin typeface="Arial"/>
+              </a:rPr>
+              <a:t>:</a:t>
+            </a:r>
+            <a:endParaRPr b="0" lang="en-US" sz="2600" spc="-1" strike="noStrike">
+              <a:latin typeface="Arial"/>
+            </a:endParaRPr>
+          </a:p>
+          <a:p>
+            <a:r>
+              <a:rPr b="1" lang="en-US" sz="2600" spc="-1" strike="noStrike">
+                <a:latin typeface="Arial"/>
+              </a:rPr>
+              <a:t>&lt; Phong làm &gt;</a:t>
+            </a:r>
+            <a:endParaRPr b="0" lang="en-US" sz="2600" spc="-1" strike="noStrike">
+              <a:latin typeface="Arial"/>
+            </a:endParaRPr>
+          </a:p>
+          <a:p>
+            <a:endParaRPr b="0" lang="en-US" sz="2600" spc="-1" strike="noStrike">
+              <a:latin typeface="Arial"/>
+            </a:endParaRPr>
+          </a:p>
+          <a:p>
+            <a:endParaRPr b="0" lang="en-US" sz="2600" spc="-1" strike="noStrike">
+              <a:latin typeface="Arial"/>
+            </a:endParaRPr>
+          </a:p>
+        </p:txBody>
+      </p:sp>
+      <p:pic>
+        <p:nvPicPr>
+          <p:cNvPr id="421" name="" descr=""/>
+          <p:cNvPicPr/>
+          <p:nvPr/>
+        </p:nvPicPr>
+        <p:blipFill>
+          <a:blip r:embed="rId2"/>
+          <a:stretch/>
+        </p:blipFill>
+        <p:spPr>
+          <a:xfrm>
+            <a:off x="5951520" y="1470960"/>
+            <a:ext cx="2095200" cy="2095200"/>
+          </a:xfrm>
+          <a:prstGeom prst="rect">
+            <a:avLst/>
+          </a:prstGeom>
+          <a:ln>
+            <a:noFill/>
+          </a:ln>
+        </p:spPr>
+      </p:pic>
     </p:spTree>
   </p:cSld>
   <p:timing>
@@ -17843,13 +20280,6 @@
 <file path=ppt/slides/slide9.xml><?xml version="1.0" encoding="utf-8"?>
 <p:sld xmlns:a="http://schemas.openxmlformats.org/drawingml/2006/main" xmlns:p="http://schemas.openxmlformats.org/presentationml/2006/main" xmlns:r="http://schemas.openxmlformats.org/officeDocument/2006/relationships" xmlns:p14="http://schemas.microsoft.com/office/powerpoint/2010/main" xmlns:p15="http://schemas.microsoft.com/office/powerpoint/2012/main" xmlns:mc="http://schemas.openxmlformats.org/markup-compatibility/2006">
   <p:cSld>
-    <p:bg>
-      <p:bgPr>
-        <a:solidFill>
-          <a:srgbClr val="ffffff"/>
-        </a:solidFill>
-      </p:bgPr>
-    </p:bg>
     <p:spTree>
       <p:nvGrpSpPr>
         <p:cNvPr id="1" name=""/>
@@ -17866,14 +20296,14 @@
       </p:grpSpPr>
       <p:sp>
         <p:nvSpPr>
-          <p:cNvPr id="378" name="TextShape 1"/>
+          <p:cNvPr id="422" name="TextShape 1"/>
           <p:cNvSpPr txBox="1"/>
           <p:nvPr/>
         </p:nvSpPr>
         <p:spPr>
           <a:xfrm>
-            <a:off x="723960" y="2878920"/>
-            <a:ext cx="7695720" cy="1099440"/>
+            <a:off x="457200" y="474120"/>
+            <a:ext cx="4754520" cy="798840"/>
           </a:xfrm>
           <a:prstGeom prst="rect">
             <a:avLst/>
@@ -17892,27 +20322,943 @@
               </a:lnSpc>
             </a:pPr>
             <a:r>
-              <a:rPr b="0" lang="en-US" sz="4000" spc="-1" strike="noStrike">
-                <a:solidFill>
-                  <a:srgbClr val="c94c25"/>
-                </a:solidFill>
-                <a:latin typeface="Segoe UI"/>
-              </a:rPr>
-              <a:t>THANK YOU </a:t>
-            </a:r>
-            <a:r>
               <a:rPr b="1" lang="en-US" sz="4000" spc="-1" strike="noStrike">
                 <a:solidFill>
                   <a:srgbClr val="c94c25"/>
                 </a:solidFill>
                 <a:latin typeface="Segoe UI"/>
               </a:rPr>
-              <a:t>YOUR ATTENTION!</a:t>
+              <a:t>5.TEAMWORK</a:t>
             </a:r>
             <a:endParaRPr b="0" lang="en-US" sz="4000" spc="-1" strike="noStrike">
               <a:solidFill>
                 <a:srgbClr val="ffffff"/>
               </a:solidFill>
+              <a:latin typeface="Arial"/>
+            </a:endParaRPr>
+          </a:p>
+        </p:txBody>
+      </p:sp>
+      <p:sp>
+        <p:nvSpPr>
+          <p:cNvPr id="423" name="CustomShape 2"/>
+          <p:cNvSpPr/>
+          <p:nvPr/>
+        </p:nvSpPr>
+        <p:spPr>
+          <a:xfrm>
+            <a:off x="22320" y="1554480"/>
+            <a:ext cx="2903760" cy="2926080"/>
+          </a:xfrm>
+          <a:prstGeom prst="rect">
+            <a:avLst/>
+          </a:prstGeom>
+          <a:solidFill>
+            <a:srgbClr val="bce4e5"/>
+          </a:solidFill>
+          <a:ln>
+            <a:solidFill>
+              <a:srgbClr val="3465a4"/>
+            </a:solidFill>
+          </a:ln>
+        </p:spPr>
+        <p:style>
+          <a:lnRef idx="0"/>
+          <a:fillRef idx="0"/>
+          <a:effectRef idx="0"/>
+          <a:fontRef idx="minor"/>
+        </p:style>
+        <p:txBody>
+          <a:bodyPr wrap="none" lIns="90000" rIns="90000" tIns="45000" bIns="45000" anchor="ctr"/>
+          <a:p>
+            <a:endParaRPr b="0" lang="en-US" sz="1800" spc="-1" strike="noStrike">
+              <a:latin typeface="Arial"/>
+            </a:endParaRPr>
+          </a:p>
+          <a:p>
+            <a:endParaRPr b="0" lang="en-US" sz="1800" spc="-1" strike="noStrike">
+              <a:latin typeface="Arial"/>
+            </a:endParaRPr>
+          </a:p>
+          <a:p>
+            <a:pPr marL="36720" indent="36720" algn="ctr"/>
+            <a:endParaRPr b="0" lang="en-US" sz="1800" spc="-1" strike="noStrike">
+              <a:latin typeface="Arial"/>
+            </a:endParaRPr>
+          </a:p>
+        </p:txBody>
+      </p:sp>
+      <p:sp>
+        <p:nvSpPr>
+          <p:cNvPr id="424" name="CustomShape 3"/>
+          <p:cNvSpPr/>
+          <p:nvPr/>
+        </p:nvSpPr>
+        <p:spPr>
+          <a:xfrm>
+            <a:off x="2926080" y="1554480"/>
+            <a:ext cx="3108960" cy="2926080"/>
+          </a:xfrm>
+          <a:prstGeom prst="rect">
+            <a:avLst/>
+          </a:prstGeom>
+          <a:solidFill>
+            <a:srgbClr val="bce4e5"/>
+          </a:solidFill>
+          <a:ln>
+            <a:solidFill>
+              <a:srgbClr val="3465a4"/>
+            </a:solidFill>
+          </a:ln>
+        </p:spPr>
+        <p:style>
+          <a:lnRef idx="0"/>
+          <a:fillRef idx="0"/>
+          <a:effectRef idx="0"/>
+          <a:fontRef idx="minor"/>
+        </p:style>
+      </p:sp>
+      <p:sp>
+        <p:nvSpPr>
+          <p:cNvPr id="425" name="TextShape 4"/>
+          <p:cNvSpPr txBox="1"/>
+          <p:nvPr/>
+        </p:nvSpPr>
+        <p:spPr>
+          <a:xfrm>
+            <a:off x="182880" y="1639800"/>
+            <a:ext cx="3840480" cy="463320"/>
+          </a:xfrm>
+          <a:prstGeom prst="rect">
+            <a:avLst/>
+          </a:prstGeom>
+          <a:noFill/>
+          <a:ln>
+            <a:noFill/>
+          </a:ln>
+        </p:spPr>
+        <p:txBody>
+          <a:bodyPr lIns="90000" rIns="90000" tIns="45000" bIns="45000"/>
+          <a:p>
+            <a:r>
+              <a:rPr b="1" lang="en-US" sz="1800" spc="-1" strike="noStrike">
+                <a:latin typeface="Arial"/>
+              </a:rPr>
+              <a:t>WEB </a:t>
+            </a:r>
+            <a:r>
+              <a:rPr b="1" lang="en-US" sz="1800" spc="-1" strike="noStrike">
+                <a:latin typeface="Arial"/>
+              </a:rPr>
+              <a:t>SERVER</a:t>
+            </a:r>
+            <a:endParaRPr b="0" lang="en-US" sz="1800" spc="-1" strike="noStrike">
+              <a:latin typeface="Arial"/>
+            </a:endParaRPr>
+          </a:p>
+        </p:txBody>
+      </p:sp>
+      <p:sp>
+        <p:nvSpPr>
+          <p:cNvPr id="426" name="TextShape 5"/>
+          <p:cNvSpPr txBox="1"/>
+          <p:nvPr/>
+        </p:nvSpPr>
+        <p:spPr>
+          <a:xfrm>
+            <a:off x="6035040" y="2251440"/>
+            <a:ext cx="2720880" cy="463320"/>
+          </a:xfrm>
+          <a:prstGeom prst="rect">
+            <a:avLst/>
+          </a:prstGeom>
+          <a:noFill/>
+          <a:ln>
+            <a:noFill/>
+          </a:ln>
+        </p:spPr>
+        <p:txBody>
+          <a:bodyPr lIns="90000" rIns="90000" tIns="45000" bIns="45000"/>
+          <a:p>
+            <a:r>
+              <a:rPr b="1" lang="en-US" sz="1800" spc="-1" strike="noStrike">
+                <a:latin typeface="Arial"/>
+              </a:rPr>
+              <a:t>CLIENT DESKTOP APP</a:t>
+            </a:r>
+            <a:endParaRPr b="0" lang="en-US" sz="1800" spc="-1" strike="noStrike">
+              <a:latin typeface="Arial"/>
+            </a:endParaRPr>
+          </a:p>
+        </p:txBody>
+      </p:sp>
+      <p:sp>
+        <p:nvSpPr>
+          <p:cNvPr id="427" name="CustomShape 6"/>
+          <p:cNvSpPr/>
+          <p:nvPr/>
+        </p:nvSpPr>
+        <p:spPr>
+          <a:xfrm>
+            <a:off x="6035040" y="1554480"/>
+            <a:ext cx="3108960" cy="5303520"/>
+          </a:xfrm>
+          <a:prstGeom prst="rect">
+            <a:avLst/>
+          </a:prstGeom>
+          <a:solidFill>
+            <a:srgbClr val="bce4e5"/>
+          </a:solidFill>
+          <a:ln>
+            <a:solidFill>
+              <a:srgbClr val="3465a4"/>
+            </a:solidFill>
+          </a:ln>
+        </p:spPr>
+        <p:style>
+          <a:lnRef idx="0"/>
+          <a:fillRef idx="0"/>
+          <a:effectRef idx="0"/>
+          <a:fontRef idx="minor"/>
+        </p:style>
+      </p:sp>
+      <p:sp>
+        <p:nvSpPr>
+          <p:cNvPr id="428" name="TextShape 7"/>
+          <p:cNvSpPr txBox="1"/>
+          <p:nvPr/>
+        </p:nvSpPr>
+        <p:spPr>
+          <a:xfrm>
+            <a:off x="6217920" y="1582920"/>
+            <a:ext cx="2720880" cy="520200"/>
+          </a:xfrm>
+          <a:prstGeom prst="rect">
+            <a:avLst/>
+          </a:prstGeom>
+          <a:noFill/>
+          <a:ln>
+            <a:noFill/>
+          </a:ln>
+        </p:spPr>
+        <p:txBody>
+          <a:bodyPr lIns="90000" rIns="90000" tIns="45000" bIns="45000"/>
+          <a:p>
+            <a:r>
+              <a:rPr b="1" lang="en-US" sz="1800" spc="-1" strike="noStrike">
+                <a:latin typeface="Arial"/>
+              </a:rPr>
+              <a:t>TES</a:t>
+            </a:r>
+            <a:r>
+              <a:rPr b="1" lang="en-US" sz="1800" spc="-1" strike="noStrike">
+                <a:latin typeface="Arial"/>
+              </a:rPr>
+              <a:t>TIN</a:t>
+            </a:r>
+            <a:r>
+              <a:rPr b="1" lang="en-US" sz="1800" spc="-1" strike="noStrike">
+                <a:latin typeface="Arial"/>
+              </a:rPr>
+              <a:t>G &amp; </a:t>
+            </a:r>
+            <a:r>
+              <a:rPr b="1" lang="en-US" sz="1800" spc="-1" strike="noStrike">
+                <a:latin typeface="Arial"/>
+              </a:rPr>
+              <a:t>DO</a:t>
+            </a:r>
+            <a:r>
+              <a:rPr b="1" lang="en-US" sz="1800" spc="-1" strike="noStrike">
+                <a:latin typeface="Arial"/>
+              </a:rPr>
+              <a:t>CU</a:t>
+            </a:r>
+            <a:r>
+              <a:rPr b="1" lang="en-US" sz="1800" spc="-1" strike="noStrike">
+                <a:latin typeface="Arial"/>
+              </a:rPr>
+              <a:t>ME</a:t>
+            </a:r>
+            <a:r>
+              <a:rPr b="1" lang="en-US" sz="1800" spc="-1" strike="noStrike">
+                <a:latin typeface="Arial"/>
+              </a:rPr>
+              <a:t>NT</a:t>
+            </a:r>
+            <a:endParaRPr b="0" lang="en-US" sz="1800" spc="-1" strike="noStrike">
+              <a:latin typeface="Arial"/>
+            </a:endParaRPr>
+          </a:p>
+        </p:txBody>
+      </p:sp>
+      <p:sp>
+        <p:nvSpPr>
+          <p:cNvPr id="429" name="CustomShape 8"/>
+          <p:cNvSpPr/>
+          <p:nvPr/>
+        </p:nvSpPr>
+        <p:spPr>
+          <a:xfrm>
+            <a:off x="22320" y="4480560"/>
+            <a:ext cx="6012720" cy="2377440"/>
+          </a:xfrm>
+          <a:prstGeom prst="rect">
+            <a:avLst/>
+          </a:prstGeom>
+          <a:solidFill>
+            <a:srgbClr val="bce4e5"/>
+          </a:solidFill>
+          <a:ln>
+            <a:solidFill>
+              <a:srgbClr val="3465a4"/>
+            </a:solidFill>
+          </a:ln>
+        </p:spPr>
+        <p:style>
+          <a:lnRef idx="0"/>
+          <a:fillRef idx="0"/>
+          <a:effectRef idx="0"/>
+          <a:fontRef idx="minor"/>
+        </p:style>
+      </p:sp>
+      <p:sp>
+        <p:nvSpPr>
+          <p:cNvPr id="430" name="TextShape 9"/>
+          <p:cNvSpPr txBox="1"/>
+          <p:nvPr/>
+        </p:nvSpPr>
+        <p:spPr>
+          <a:xfrm>
+            <a:off x="113760" y="4663440"/>
+            <a:ext cx="2720880" cy="463320"/>
+          </a:xfrm>
+          <a:prstGeom prst="rect">
+            <a:avLst/>
+          </a:prstGeom>
+          <a:noFill/>
+          <a:ln>
+            <a:noFill/>
+          </a:ln>
+        </p:spPr>
+        <p:txBody>
+          <a:bodyPr lIns="90000" rIns="90000" tIns="45000" bIns="45000"/>
+          <a:p>
+            <a:r>
+              <a:rPr b="1" lang="en-US" sz="1800" spc="-1" strike="noStrike">
+                <a:latin typeface="Arial"/>
+              </a:rPr>
+              <a:t>WEB - CLIENT SIDE</a:t>
+            </a:r>
+            <a:endParaRPr b="0" lang="en-US" sz="1800" spc="-1" strike="noStrike">
+              <a:latin typeface="Arial"/>
+            </a:endParaRPr>
+          </a:p>
+        </p:txBody>
+      </p:sp>
+      <p:sp>
+        <p:nvSpPr>
+          <p:cNvPr id="431" name="TextShape 10"/>
+          <p:cNvSpPr txBox="1"/>
+          <p:nvPr/>
+        </p:nvSpPr>
+        <p:spPr>
+          <a:xfrm>
+            <a:off x="182880" y="2103120"/>
+            <a:ext cx="2743200" cy="2454480"/>
+          </a:xfrm>
+          <a:prstGeom prst="rect">
+            <a:avLst/>
+          </a:prstGeom>
+          <a:noFill/>
+          <a:ln>
+            <a:noFill/>
+          </a:ln>
+        </p:spPr>
+        <p:txBody>
+          <a:bodyPr lIns="90000" rIns="90000" tIns="45000" bIns="45000"/>
+          <a:p>
+            <a:r>
+              <a:rPr b="1" lang="en-US" sz="1800" spc="-1" strike="noStrike">
+                <a:latin typeface="Arial"/>
+              </a:rPr>
+              <a:t>Thoa:</a:t>
+            </a:r>
+            <a:endParaRPr b="0" lang="en-US" sz="1800" spc="-1" strike="noStrike">
+              <a:latin typeface="Arial"/>
+            </a:endParaRPr>
+          </a:p>
+          <a:p>
+            <a:r>
+              <a:rPr b="0" lang="en-US" sz="1800" spc="-1" strike="noStrike">
+                <a:latin typeface="Arial"/>
+              </a:rPr>
+              <a:t>- Design the </a:t>
+            </a:r>
+            <a:r>
+              <a:rPr b="0" lang="en-US" sz="1800" spc="-1" strike="noStrike">
+                <a:latin typeface="Arial"/>
+              </a:rPr>
+              <a:t>base </a:t>
+            </a:r>
+            <a:r>
+              <a:rPr b="0" lang="en-US" sz="1800" spc="-1" strike="noStrike">
+                <a:latin typeface="Arial"/>
+              </a:rPr>
+              <a:t>structure</a:t>
+            </a:r>
+            <a:endParaRPr b="0" lang="en-US" sz="1800" spc="-1" strike="noStrike">
+              <a:latin typeface="Arial"/>
+            </a:endParaRPr>
+          </a:p>
+          <a:p>
+            <a:r>
+              <a:rPr b="0" lang="en-US" sz="1800" spc="-1" strike="noStrike">
+                <a:latin typeface="Arial"/>
+              </a:rPr>
+              <a:t>- Design </a:t>
+            </a:r>
+            <a:r>
+              <a:rPr b="0" lang="en-US" sz="1800" spc="-1" strike="noStrike">
+                <a:latin typeface="Arial"/>
+              </a:rPr>
+              <a:t>database</a:t>
+            </a:r>
+            <a:endParaRPr b="0" lang="en-US" sz="1800" spc="-1" strike="noStrike">
+              <a:latin typeface="Arial"/>
+            </a:endParaRPr>
+          </a:p>
+          <a:p>
+            <a:r>
+              <a:rPr b="0" lang="en-US" sz="1800" spc="-1" strike="noStrike">
+                <a:latin typeface="Arial"/>
+              </a:rPr>
+              <a:t>- MVC model</a:t>
+            </a:r>
+            <a:endParaRPr b="0" lang="en-US" sz="1800" spc="-1" strike="noStrike">
+              <a:latin typeface="Arial"/>
+            </a:endParaRPr>
+          </a:p>
+          <a:p>
+            <a:r>
+              <a:rPr b="0" lang="en-US" sz="1800" spc="-1" strike="noStrike">
+                <a:latin typeface="Arial"/>
+              </a:rPr>
+              <a:t>- Manage </a:t>
+            </a:r>
+            <a:r>
+              <a:rPr b="0" lang="en-US" sz="1800" spc="-1" strike="noStrike">
+                <a:latin typeface="Arial"/>
+              </a:rPr>
+              <a:t>images</a:t>
+            </a:r>
+            <a:endParaRPr b="0" lang="en-US" sz="1800" spc="-1" strike="noStrike">
+              <a:latin typeface="Arial"/>
+            </a:endParaRPr>
+          </a:p>
+          <a:p>
+            <a:r>
+              <a:rPr b="1" lang="en-US" sz="1800" spc="-1" strike="noStrike">
+                <a:latin typeface="Arial"/>
+              </a:rPr>
+              <a:t>VietAnh:</a:t>
+            </a:r>
+            <a:endParaRPr b="0" lang="en-US" sz="1800" spc="-1" strike="noStrike">
+              <a:latin typeface="Arial"/>
+            </a:endParaRPr>
+          </a:p>
+          <a:p>
+            <a:r>
+              <a:rPr b="0" lang="en-US" sz="1800" spc="-1" strike="noStrike">
+                <a:latin typeface="Arial"/>
+              </a:rPr>
+              <a:t>- Implement </a:t>
+            </a:r>
+            <a:r>
+              <a:rPr b="0" lang="en-US" sz="1800" spc="-1" strike="noStrike">
+                <a:latin typeface="Arial"/>
+              </a:rPr>
+              <a:t>Restful APIs</a:t>
+            </a:r>
+            <a:endParaRPr b="0" lang="en-US" sz="1800" spc="-1" strike="noStrike">
+              <a:latin typeface="Arial"/>
+            </a:endParaRPr>
+          </a:p>
+          <a:p>
+            <a:r>
+              <a:rPr b="0" lang="en-US" sz="1800" spc="-1" strike="noStrike">
+                <a:latin typeface="Arial"/>
+              </a:rPr>
+              <a:t>- Create </a:t>
+            </a:r>
+            <a:r>
+              <a:rPr b="0" lang="en-US" sz="1800" spc="-1" strike="noStrike">
+                <a:latin typeface="Arial"/>
+              </a:rPr>
+              <a:t>dictionary </a:t>
+            </a:r>
+            <a:r>
+              <a:rPr b="0" lang="en-US" sz="1800" spc="-1" strike="noStrike">
+                <a:latin typeface="Arial"/>
+              </a:rPr>
+              <a:t>database</a:t>
+            </a:r>
+            <a:endParaRPr b="0" lang="en-US" sz="1800" spc="-1" strike="noStrike">
+              <a:latin typeface="Arial"/>
+            </a:endParaRPr>
+          </a:p>
+          <a:p>
+            <a:endParaRPr b="0" lang="en-US" sz="1800" spc="-1" strike="noStrike">
+              <a:latin typeface="Arial"/>
+            </a:endParaRPr>
+          </a:p>
+        </p:txBody>
+      </p:sp>
+      <p:sp>
+        <p:nvSpPr>
+          <p:cNvPr id="432" name="TextShape 11"/>
+          <p:cNvSpPr txBox="1"/>
+          <p:nvPr/>
+        </p:nvSpPr>
+        <p:spPr>
+          <a:xfrm>
+            <a:off x="113760" y="5029200"/>
+            <a:ext cx="5921280" cy="1809720"/>
+          </a:xfrm>
+          <a:prstGeom prst="rect">
+            <a:avLst/>
+          </a:prstGeom>
+          <a:noFill/>
+          <a:ln>
+            <a:noFill/>
+          </a:ln>
+        </p:spPr>
+        <p:txBody>
+          <a:bodyPr lIns="90000" rIns="90000" tIns="45000" bIns="45000"/>
+          <a:p>
+            <a:r>
+              <a:rPr b="1" lang="en-US" sz="1800" spc="-1" strike="noStrike">
+                <a:latin typeface="Arial"/>
+              </a:rPr>
+              <a:t>Phong:</a:t>
+            </a:r>
+            <a:endParaRPr b="0" lang="en-US" sz="1800" spc="-1" strike="noStrike">
+              <a:latin typeface="Arial"/>
+            </a:endParaRPr>
+          </a:p>
+          <a:p>
+            <a:r>
+              <a:rPr b="0" lang="en-US" sz="1800" spc="-1" strike="noStrike">
+                <a:latin typeface="Arial"/>
+              </a:rPr>
+              <a:t>- HTML layouting</a:t>
+            </a:r>
+            <a:endParaRPr b="0" lang="en-US" sz="1800" spc="-1" strike="noStrike">
+              <a:latin typeface="Arial"/>
+            </a:endParaRPr>
+          </a:p>
+          <a:p>
+            <a:r>
+              <a:rPr b="0" lang="en-US" sz="1800" spc="-1" strike="noStrike">
+                <a:latin typeface="Arial"/>
+              </a:rPr>
+              <a:t>- About pages</a:t>
+            </a:r>
+            <a:endParaRPr b="0" lang="en-US" sz="1800" spc="-1" strike="noStrike">
+              <a:latin typeface="Arial"/>
+            </a:endParaRPr>
+          </a:p>
+          <a:p>
+            <a:r>
+              <a:rPr b="1" lang="en-US" sz="1800" spc="-1" strike="noStrike">
+                <a:latin typeface="Arial"/>
+              </a:rPr>
+              <a:t>VietAnh:</a:t>
+            </a:r>
+            <a:endParaRPr b="0" lang="en-US" sz="1800" spc="-1" strike="noStrike">
+              <a:latin typeface="Arial"/>
+            </a:endParaRPr>
+          </a:p>
+          <a:p>
+            <a:r>
+              <a:rPr b="0" lang="en-US" sz="1800" spc="-1" strike="noStrike">
+                <a:latin typeface="Arial"/>
+              </a:rPr>
+              <a:t>- Webpage design / Logic code for client</a:t>
+            </a:r>
+            <a:endParaRPr b="0" lang="en-US" sz="1800" spc="-1" strike="noStrike">
+              <a:latin typeface="Arial"/>
+            </a:endParaRPr>
+          </a:p>
+          <a:p>
+            <a:r>
+              <a:rPr b="1" lang="en-US" sz="1800" spc="-1" strike="noStrike">
+                <a:latin typeface="Arial"/>
+              </a:rPr>
+              <a:t>Thoa:</a:t>
+            </a:r>
+            <a:endParaRPr b="0" lang="en-US" sz="1800" spc="-1" strike="noStrike">
+              <a:latin typeface="Arial"/>
+            </a:endParaRPr>
+          </a:p>
+          <a:p>
+            <a:r>
+              <a:rPr b="0" lang="en-US" sz="1800" spc="-1" strike="noStrike">
+                <a:latin typeface="Arial"/>
+              </a:rPr>
+              <a:t>- Implement multiple-language.</a:t>
+            </a:r>
+            <a:endParaRPr b="0" lang="en-US" sz="1800" spc="-1" strike="noStrike">
+              <a:latin typeface="Arial"/>
+            </a:endParaRPr>
+          </a:p>
+          <a:p>
+            <a:endParaRPr b="0" lang="en-US" sz="1800" spc="-1" strike="noStrike">
+              <a:latin typeface="Arial"/>
+            </a:endParaRPr>
+          </a:p>
+        </p:txBody>
+      </p:sp>
+      <p:sp>
+        <p:nvSpPr>
+          <p:cNvPr id="433" name="TextShape 12"/>
+          <p:cNvSpPr txBox="1"/>
+          <p:nvPr/>
+        </p:nvSpPr>
+        <p:spPr>
+          <a:xfrm>
+            <a:off x="3017520" y="2103120"/>
+            <a:ext cx="2743200" cy="2331360"/>
+          </a:xfrm>
+          <a:prstGeom prst="rect">
+            <a:avLst/>
+          </a:prstGeom>
+          <a:noFill/>
+          <a:ln>
+            <a:noFill/>
+          </a:ln>
+        </p:spPr>
+        <p:txBody>
+          <a:bodyPr lIns="90000" rIns="90000" tIns="45000" bIns="45000"/>
+          <a:p>
+            <a:r>
+              <a:rPr b="1" lang="en-US" sz="1800" spc="-1" strike="noStrike">
+                <a:latin typeface="Arial"/>
+              </a:rPr>
+              <a:t>PhuongAnh:</a:t>
+            </a:r>
+            <a:endParaRPr b="0" lang="en-US" sz="1800" spc="-1" strike="noStrike">
+              <a:latin typeface="Arial"/>
+            </a:endParaRPr>
+          </a:p>
+          <a:p>
+            <a:r>
+              <a:rPr b="0" lang="en-US" sz="1800" spc="-1" strike="noStrike">
+                <a:latin typeface="Arial"/>
+              </a:rPr>
+              <a:t>- Design the desktop app</a:t>
+            </a:r>
+            <a:endParaRPr b="0" lang="en-US" sz="1800" spc="-1" strike="noStrike">
+              <a:latin typeface="Arial"/>
+            </a:endParaRPr>
+          </a:p>
+          <a:p>
+            <a:r>
+              <a:rPr b="0" lang="en-US" sz="1800" spc="-1" strike="noStrike">
+                <a:latin typeface="Arial"/>
+              </a:rPr>
+              <a:t>- Implement in </a:t>
+            </a:r>
+            <a:r>
+              <a:rPr b="0" lang="en-US" sz="1800" spc="-1" strike="noStrike">
+                <a:latin typeface="Arial"/>
+              </a:rPr>
+              <a:t>JavaSwing</a:t>
+            </a:r>
+            <a:endParaRPr b="0" lang="en-US" sz="1800" spc="-1" strike="noStrike">
+              <a:latin typeface="Arial"/>
+            </a:endParaRPr>
+          </a:p>
+          <a:p>
+            <a:r>
+              <a:rPr b="1" lang="en-US" sz="1800" spc="-1" strike="noStrike">
+                <a:latin typeface="Arial"/>
+              </a:rPr>
+              <a:t>Hai:</a:t>
+            </a:r>
+            <a:endParaRPr b="0" lang="en-US" sz="1800" spc="-1" strike="noStrike">
+              <a:latin typeface="Arial"/>
+            </a:endParaRPr>
+          </a:p>
+          <a:p>
+            <a:r>
+              <a:rPr b="0" lang="en-US" sz="1800" spc="-1" strike="noStrike">
+                <a:latin typeface="Arial"/>
+              </a:rPr>
+              <a:t>- Create initial layouting </a:t>
+            </a:r>
+            <a:r>
+              <a:rPr b="0" lang="en-US" sz="1800" spc="-1" strike="noStrike">
+                <a:latin typeface="Arial"/>
+              </a:rPr>
+              <a:t>for desktop app</a:t>
+            </a:r>
+            <a:endParaRPr b="0" lang="en-US" sz="1800" spc="-1" strike="noStrike">
+              <a:latin typeface="Arial"/>
+            </a:endParaRPr>
+          </a:p>
+          <a:p>
+            <a:r>
+              <a:rPr b="0" lang="en-US" sz="1800" spc="-1" strike="noStrike">
+                <a:latin typeface="Arial"/>
+              </a:rPr>
+              <a:t>- Flashcard displaying</a:t>
+            </a:r>
+            <a:endParaRPr b="0" lang="en-US" sz="1800" spc="-1" strike="noStrike">
+              <a:latin typeface="Arial"/>
+            </a:endParaRPr>
+          </a:p>
+          <a:p>
+            <a:endParaRPr b="0" lang="en-US" sz="1800" spc="-1" strike="noStrike">
+              <a:latin typeface="Arial"/>
+            </a:endParaRPr>
+          </a:p>
+        </p:txBody>
+      </p:sp>
+      <p:sp>
+        <p:nvSpPr>
+          <p:cNvPr id="434" name="TextShape 13"/>
+          <p:cNvSpPr txBox="1"/>
+          <p:nvPr/>
+        </p:nvSpPr>
+        <p:spPr>
+          <a:xfrm>
+            <a:off x="3039840" y="1639800"/>
+            <a:ext cx="2720880" cy="463320"/>
+          </a:xfrm>
+          <a:prstGeom prst="rect">
+            <a:avLst/>
+          </a:prstGeom>
+          <a:noFill/>
+          <a:ln>
+            <a:noFill/>
+          </a:ln>
+        </p:spPr>
+        <p:txBody>
+          <a:bodyPr lIns="90000" rIns="90000" tIns="45000" bIns="45000"/>
+          <a:p>
+            <a:r>
+              <a:rPr b="1" lang="en-US" sz="1800" spc="-1" strike="noStrike">
+                <a:latin typeface="Arial"/>
+              </a:rPr>
+              <a:t>DESKTOP APP</a:t>
+            </a:r>
+            <a:endParaRPr b="0" lang="en-US" sz="1800" spc="-1" strike="noStrike">
+              <a:latin typeface="Arial"/>
+            </a:endParaRPr>
+          </a:p>
+        </p:txBody>
+      </p:sp>
+      <p:sp>
+        <p:nvSpPr>
+          <p:cNvPr id="435" name="TextShape 14"/>
+          <p:cNvSpPr txBox="1"/>
+          <p:nvPr/>
+        </p:nvSpPr>
+        <p:spPr>
+          <a:xfrm>
+            <a:off x="6195600" y="2149200"/>
+            <a:ext cx="2743200" cy="4173840"/>
+          </a:xfrm>
+          <a:prstGeom prst="rect">
+            <a:avLst/>
+          </a:prstGeom>
+          <a:noFill/>
+          <a:ln>
+            <a:noFill/>
+          </a:ln>
+        </p:spPr>
+        <p:txBody>
+          <a:bodyPr lIns="90000" rIns="90000" tIns="45000" bIns="45000"/>
+          <a:p>
+            <a:r>
+              <a:rPr b="1" lang="en-US" sz="1800" spc="-1" strike="noStrike">
+                <a:latin typeface="Arial"/>
+              </a:rPr>
+              <a:t>Hai:</a:t>
+            </a:r>
+            <a:endParaRPr b="0" lang="en-US" sz="1800" spc="-1" strike="noStrike">
+              <a:latin typeface="Arial"/>
+            </a:endParaRPr>
+          </a:p>
+          <a:p>
+            <a:r>
+              <a:rPr b="0" lang="en-US" sz="1800" spc="-1" strike="noStrike">
+                <a:latin typeface="Arial"/>
+              </a:rPr>
+              <a:t>- Write test script using Postman script</a:t>
+            </a:r>
+            <a:endParaRPr b="0" lang="en-US" sz="1800" spc="-1" strike="noStrike">
+              <a:latin typeface="Arial"/>
+            </a:endParaRPr>
+          </a:p>
+          <a:p>
+            <a:r>
+              <a:rPr b="1" lang="en-US" sz="1800" spc="-1" strike="noStrike">
+                <a:latin typeface="Arial"/>
+              </a:rPr>
+              <a:t>All team:</a:t>
+            </a:r>
+            <a:endParaRPr b="0" lang="en-US" sz="1800" spc="-1" strike="noStrike">
+              <a:latin typeface="Arial"/>
+            </a:endParaRPr>
+          </a:p>
+          <a:p>
+            <a:r>
+              <a:rPr b="0" lang="en-US" sz="1800" spc="-1" strike="noStrike">
+                <a:latin typeface="Arial"/>
+              </a:rPr>
+              <a:t>- Design general structure and UMLs</a:t>
+            </a:r>
+            <a:endParaRPr b="0" lang="en-US" sz="1800" spc="-1" strike="noStrike">
+              <a:latin typeface="Arial"/>
+            </a:endParaRPr>
+          </a:p>
+          <a:p>
+            <a:r>
+              <a:rPr b="1" lang="en-US" sz="1800" spc="-1" strike="noStrike">
+                <a:latin typeface="Arial"/>
+              </a:rPr>
+              <a:t>VietAnh:</a:t>
+            </a:r>
+            <a:endParaRPr b="0" lang="en-US" sz="1800" spc="-1" strike="noStrike">
+              <a:latin typeface="Arial"/>
+            </a:endParaRPr>
+          </a:p>
+          <a:p>
+            <a:r>
+              <a:rPr b="0" lang="en-US" sz="1800" spc="-1" strike="noStrike">
+                <a:latin typeface="Arial"/>
+              </a:rPr>
+              <a:t>- Create DesignDocument from available diagrams.</a:t>
+            </a:r>
+            <a:endParaRPr b="0" lang="en-US" sz="1800" spc="-1" strike="noStrike">
+              <a:latin typeface="Arial"/>
+            </a:endParaRPr>
+          </a:p>
+          <a:p>
+            <a:r>
+              <a:rPr b="0" lang="en-US" sz="1800" spc="-1" strike="noStrike">
+                <a:latin typeface="Arial"/>
+              </a:rPr>
+              <a:t>- Create slides for presentation.</a:t>
+            </a:r>
+            <a:endParaRPr b="0" lang="en-US" sz="1800" spc="-1" strike="noStrike">
+              <a:latin typeface="Arial"/>
+            </a:endParaRPr>
+          </a:p>
+          <a:p>
+            <a:r>
+              <a:rPr b="1" lang="en-US" sz="1800" spc="-1" strike="noStrike">
+                <a:latin typeface="Arial"/>
+              </a:rPr>
+              <a:t>Phong:</a:t>
+            </a:r>
+            <a:endParaRPr b="0" lang="en-US" sz="1800" spc="-1" strike="noStrike">
+              <a:latin typeface="Arial"/>
+            </a:endParaRPr>
+          </a:p>
+          <a:p>
+            <a:r>
+              <a:rPr b="0" lang="en-US" sz="1800" spc="-1" strike="noStrike">
+                <a:latin typeface="Arial"/>
+              </a:rPr>
+              <a:t>- Make document page for developer.</a:t>
+            </a:r>
+            <a:endParaRPr b="0" lang="en-US" sz="1800" spc="-1" strike="noStrike">
+              <a:latin typeface="Arial"/>
+            </a:endParaRPr>
+          </a:p>
+          <a:p>
+            <a:r>
+              <a:rPr b="1" lang="en-US" sz="1800" spc="-1" strike="noStrike">
+                <a:latin typeface="Arial"/>
+              </a:rPr>
+              <a:t>Thoa:</a:t>
+            </a:r>
+            <a:endParaRPr b="0" lang="en-US" sz="1800" spc="-1" strike="noStrike">
+              <a:latin typeface="Arial"/>
+            </a:endParaRPr>
+          </a:p>
+          <a:p>
+            <a:r>
+              <a:rPr b="0" lang="en-US" sz="1800" spc="-1" strike="noStrike">
+                <a:latin typeface="Arial"/>
+              </a:rPr>
+              <a:t>- Webpage testing</a:t>
+            </a:r>
+            <a:endParaRPr b="0" lang="en-US" sz="1800" spc="-1" strike="noStrike">
+              <a:latin typeface="Arial"/>
+            </a:endParaRPr>
+          </a:p>
+          <a:p>
+            <a:r>
+              <a:rPr b="1" lang="en-US" sz="1800" spc="-1" strike="noStrike">
+                <a:latin typeface="Arial"/>
+              </a:rPr>
+              <a:t>PhuongAnh</a:t>
+            </a:r>
+            <a:endParaRPr b="0" lang="en-US" sz="1800" spc="-1" strike="noStrike">
+              <a:latin typeface="Arial"/>
+            </a:endParaRPr>
+          </a:p>
+          <a:p>
+            <a:r>
+              <a:rPr b="0" lang="en-US" sz="1800" spc="-1" strike="noStrike">
+                <a:latin typeface="Arial"/>
+              </a:rPr>
+              <a:t>- Desktop app testing</a:t>
+            </a:r>
+            <a:endParaRPr b="0" lang="en-US" sz="1800" spc="-1" strike="noStrike">
+              <a:latin typeface="Arial"/>
+            </a:endParaRPr>
+          </a:p>
+        </p:txBody>
+      </p:sp>
+      <p:sp>
+        <p:nvSpPr>
+          <p:cNvPr id="436" name="TextShape 15"/>
+          <p:cNvSpPr txBox="1"/>
+          <p:nvPr/>
+        </p:nvSpPr>
+        <p:spPr>
+          <a:xfrm>
+            <a:off x="457200" y="1188720"/>
+            <a:ext cx="6217920" cy="968400"/>
+          </a:xfrm>
+          <a:prstGeom prst="rect">
+            <a:avLst/>
+          </a:prstGeom>
+          <a:noFill/>
+          <a:ln>
+            <a:noFill/>
+          </a:ln>
+        </p:spPr>
+        <p:txBody>
+          <a:bodyPr lIns="90000" rIns="90000" tIns="45000" bIns="45000"/>
+          <a:p>
+            <a:r>
+              <a:rPr b="1" lang="en-US" sz="2600" spc="-1" strike="noStrike">
+                <a:latin typeface="Arial"/>
+              </a:rPr>
+              <a:t>Collaboration is done using github.</a:t>
+            </a:r>
+            <a:endParaRPr b="0" lang="en-US" sz="2600" spc="-1" strike="noStrike">
+              <a:latin typeface="Arial"/>
+            </a:endParaRPr>
+          </a:p>
+          <a:p>
+            <a:endParaRPr b="0" lang="en-US" sz="2600" spc="-1" strike="noStrike">
               <a:latin typeface="Arial"/>
             </a:endParaRPr>
           </a:p>
@@ -19732,4 +23078,227 @@
     </a:fmtScheme>
   </a:themeElements>
 </a:theme>
+</file>
+
+<file path=ppt/theme/theme9.xml><?xml version="1.0" encoding="utf-8"?>
+<a:theme xmlns:a="http://schemas.openxmlformats.org/drawingml/2006/main" name="Office Theme">
+  <a:themeElements>
+    <a:clrScheme name="Office">
+      <a:dk1>
+        <a:sysClr val="windowText" lastClr="000000"/>
+      </a:dk1>
+      <a:lt1>
+        <a:sysClr val="window" lastClr="FFFFFF"/>
+      </a:lt1>
+      <a:dk2>
+        <a:srgbClr val="1f497d"/>
+      </a:dk2>
+      <a:lt2>
+        <a:srgbClr val="eeece1"/>
+      </a:lt2>
+      <a:accent1>
+        <a:srgbClr val="4f81bd"/>
+      </a:accent1>
+      <a:accent2>
+        <a:srgbClr val="c0504d"/>
+      </a:accent2>
+      <a:accent3>
+        <a:srgbClr val="9bbb59"/>
+      </a:accent3>
+      <a:accent4>
+        <a:srgbClr val="8064a2"/>
+      </a:accent4>
+      <a:accent5>
+        <a:srgbClr val="4bacc6"/>
+      </a:accent5>
+      <a:accent6>
+        <a:srgbClr val="f79646"/>
+      </a:accent6>
+      <a:hlink>
+        <a:srgbClr val="0000ff"/>
+      </a:hlink>
+      <a:folHlink>
+        <a:srgbClr val="800080"/>
+      </a:folHlink>
+    </a:clrScheme>
+    <a:fontScheme name="Office">
+      <a:majorFont>
+        <a:latin typeface="Arial"/>
+        <a:ea typeface="DejaVu Sans"/>
+        <a:cs typeface="DejaVu Sans"/>
+      </a:majorFont>
+      <a:minorFont>
+        <a:latin typeface="Arial"/>
+        <a:ea typeface="DejaVu Sans"/>
+        <a:cs typeface="DejaVu Sans"/>
+      </a:minorFont>
+    </a:fontScheme>
+    <a:fmtScheme name="Office">
+      <a:fillStyleLst>
+        <a:solidFill>
+          <a:schemeClr val="phClr"/>
+        </a:solidFill>
+        <a:gradFill rotWithShape="1">
+          <a:gsLst>
+            <a:gs pos="0">
+              <a:schemeClr val="phClr">
+                <a:tint val="50000"/>
+                <a:satMod val="300000"/>
+              </a:schemeClr>
+            </a:gs>
+            <a:gs pos="35000">
+              <a:schemeClr val="phClr">
+                <a:tint val="37000"/>
+                <a:satMod val="300000"/>
+              </a:schemeClr>
+            </a:gs>
+            <a:gs pos="100000">
+              <a:schemeClr val="phClr">
+                <a:tint val="15000"/>
+                <a:satMod val="350000"/>
+              </a:schemeClr>
+            </a:gs>
+          </a:gsLst>
+          <a:lin ang="16200000" scaled="1"/>
+        </a:gradFill>
+        <a:gradFill rotWithShape="1">
+          <a:gsLst>
+            <a:gs pos="0">
+              <a:schemeClr val="phClr">
+                <a:shade val="51000"/>
+                <a:satMod val="130000"/>
+              </a:schemeClr>
+            </a:gs>
+            <a:gs pos="80000">
+              <a:schemeClr val="phClr">
+                <a:shade val="93000"/>
+                <a:satMod val="130000"/>
+              </a:schemeClr>
+            </a:gs>
+            <a:gs pos="100000">
+              <a:schemeClr val="phClr">
+                <a:shade val="94000"/>
+                <a:satMod val="135000"/>
+              </a:schemeClr>
+            </a:gs>
+          </a:gsLst>
+          <a:lin ang="16200000" scaled="0"/>
+        </a:gradFill>
+      </a:fillStyleLst>
+      <a:lnStyleLst>
+        <a:ln w="9525" cap="flat" cmpd="sng" algn="ctr">
+          <a:solidFill>
+            <a:schemeClr val="phClr">
+              <a:shade val="95000"/>
+              <a:satMod val="105000"/>
+            </a:schemeClr>
+          </a:solidFill>
+          <a:prstDash val="solid"/>
+        </a:ln>
+        <a:ln w="25400" cap="flat" cmpd="sng" algn="ctr">
+          <a:solidFill>
+            <a:schemeClr val="phClr"/>
+          </a:solidFill>
+          <a:prstDash val="solid"/>
+        </a:ln>
+        <a:ln w="38100" cap="flat" cmpd="sng" algn="ctr">
+          <a:solidFill>
+            <a:schemeClr val="phClr"/>
+          </a:solidFill>
+          <a:prstDash val="solid"/>
+        </a:ln>
+      </a:lnStyleLst>
+      <a:effectStyleLst>
+        <a:effectStyle>
+          <a:effectLst>
+            <a:outerShdw blurRad="40000" dist="20000" dir="5400000" rotWithShape="0">
+              <a:srgbClr val="000000">
+                <a:alpha val="38000"/>
+              </a:srgbClr>
+            </a:outerShdw>
+          </a:effectLst>
+        </a:effectStyle>
+        <a:effectStyle>
+          <a:effectLst>
+            <a:outerShdw blurRad="40000" dist="23000" dir="5400000" rotWithShape="0">
+              <a:srgbClr val="000000">
+                <a:alpha val="35000"/>
+              </a:srgbClr>
+            </a:outerShdw>
+          </a:effectLst>
+        </a:effectStyle>
+        <a:effectStyle>
+          <a:effectLst>
+            <a:outerShdw blurRad="40000" dist="23000" dir="5400000" rotWithShape="0">
+              <a:srgbClr val="000000">
+                <a:alpha val="35000"/>
+              </a:srgbClr>
+            </a:outerShdw>
+          </a:effectLst>
+          <a:scene3d>
+            <a:camera prst="orthographicFront">
+              <a:rot lat="0" lon="0" rev="0"/>
+            </a:camera>
+            <a:lightRig rig="threePt" dir="t">
+              <a:rot lat="0" lon="0" rev="1200000"/>
+            </a:lightRig>
+          </a:scene3d>
+          <a:sp3d>
+            <a:bevelT w="63500" h="25400"/>
+          </a:sp3d>
+        </a:effectStyle>
+      </a:effectStyleLst>
+      <a:bgFillStyleLst>
+        <a:solidFill>
+          <a:schemeClr val="phClr"/>
+        </a:solidFill>
+        <a:gradFill rotWithShape="1">
+          <a:gsLst>
+            <a:gs pos="0">
+              <a:schemeClr val="phClr">
+                <a:tint val="40000"/>
+                <a:satMod val="350000"/>
+              </a:schemeClr>
+            </a:gs>
+            <a:gs pos="40000">
+              <a:schemeClr val="phClr">
+                <a:tint val="45000"/>
+                <a:shade val="99000"/>
+                <a:satMod val="350000"/>
+              </a:schemeClr>
+            </a:gs>
+            <a:gs pos="100000">
+              <a:schemeClr val="phClr">
+                <a:shade val="20000"/>
+                <a:satMod val="255000"/>
+              </a:schemeClr>
+            </a:gs>
+          </a:gsLst>
+          <a:path path="circle">
+            <a:fillToRect l="50000" t="-80000" r="50000" b="180000"/>
+          </a:path>
+        </a:gradFill>
+        <a:gradFill rotWithShape="1">
+          <a:gsLst>
+            <a:gs pos="0">
+              <a:schemeClr val="phClr">
+                <a:tint val="80000"/>
+                <a:satMod val="300000"/>
+              </a:schemeClr>
+            </a:gs>
+            <a:gs pos="100000">
+              <a:schemeClr val="phClr">
+                <a:shade val="30000"/>
+                <a:satMod val="200000"/>
+              </a:schemeClr>
+            </a:gs>
+          </a:gsLst>
+          <a:path path="circle">
+            <a:fillToRect l="50000" t="50000" r="50000" b="50000"/>
+          </a:path>
+        </a:gradFill>
+      </a:bgFillStyleLst>
+    </a:fmtScheme>
+  </a:themeElements>
+</a:theme>
 </file>